--- a/property/FactSheet.pptx
+++ b/property/FactSheet.pptx
@@ -3944,7 +3944,7 @@
         </p:nvGraphicFramePr>
         <p:xfrm>
           <a:off x="6156176" y="1000108"/>
-          <a:ext cx="2711194" cy="4542425"/>
+          <a:ext cx="2711194" cy="4420505"/>
         </p:xfrm>
         <a:graphic>
           <a:graphicData uri="http://schemas.openxmlformats.org/drawingml/2006/table">
@@ -6965,7 +6965,15 @@
                             <a:schemeClr val="tx1"/>
                           </a:solidFill>
                         </a:rPr>
-                        <a:t>地域・地区</a:t>
+                        <a:t>風致地</a:t>
+                      </a:r>
+                      <a:r>
+                        <a:rPr kumimoji="1" lang="ja-JP" altLang="en-US" sz="800" smtClean="0">
+                          <a:solidFill>
+                            <a:schemeClr val="tx1"/>
+                          </a:solidFill>
+                        </a:rPr>
+                        <a:t>区</a:t>
                       </a:r>
                     </a:p>
                   </a:txBody>

--- a/property/FactSheet.pptx
+++ b/property/FactSheet.pptx
@@ -6965,15 +6965,7 @@
                             <a:schemeClr val="tx1"/>
                           </a:solidFill>
                         </a:rPr>
-                        <a:t>風致地</a:t>
-                      </a:r>
-                      <a:r>
-                        <a:rPr kumimoji="1" lang="ja-JP" altLang="en-US" sz="800" smtClean="0">
-                          <a:solidFill>
-                            <a:schemeClr val="tx1"/>
-                          </a:solidFill>
-                        </a:rPr>
-                        <a:t>区</a:t>
+                        <a:t>風致地区</a:t>
                       </a:r>
                     </a:p>
                   </a:txBody>
@@ -8992,9 +8984,9 @@
         <p:grpSpPr>
           <a:xfrm>
             <a:off x="285720" y="1428736"/>
-            <a:ext cx="3073387" cy="703664"/>
+            <a:ext cx="3073387" cy="689814"/>
             <a:chOff x="285720" y="1428736"/>
-            <a:chExt cx="3073387" cy="703664"/>
+            <a:chExt cx="3073387" cy="689814"/>
           </a:xfrm>
         </p:grpSpPr>
         <p:sp>
@@ -9221,7 +9213,7 @@
           <p:spPr>
             <a:xfrm>
               <a:off x="2357422" y="1794679"/>
-              <a:ext cx="1001685" cy="337721"/>
+              <a:ext cx="1001685" cy="323871"/>
             </a:xfrm>
             <a:prstGeom prst="rect">
               <a:avLst/>
@@ -9236,7 +9228,7 @@
             <a:p>
               <a:pPr>
                 <a:lnSpc>
-                  <a:spcPct val="150000"/>
+                  <a:spcPct val="140000"/>
                 </a:lnSpc>
               </a:pPr>
               <a:r>

--- a/property/FactSheet.pptx
+++ b/property/FactSheet.pptx
@@ -289,7 +289,7 @@
             <a:fld id="{EE8207FA-4240-4AB9-9E67-28F9831826F8}" type="datetimeFigureOut">
               <a:rPr kumimoji="1" lang="ja-JP" altLang="en-US" smtClean="0"/>
               <a:pPr/>
-              <a:t>2021/11/9</a:t>
+              <a:t>2021/12/1</a:t>
             </a:fld>
             <a:endParaRPr kumimoji="1" lang="ja-JP" altLang="en-US"/>
           </a:p>
@@ -456,7 +456,7 @@
             <a:fld id="{EE8207FA-4240-4AB9-9E67-28F9831826F8}" type="datetimeFigureOut">
               <a:rPr kumimoji="1" lang="ja-JP" altLang="en-US" smtClean="0"/>
               <a:pPr/>
-              <a:t>2021/11/9</a:t>
+              <a:t>2021/12/1</a:t>
             </a:fld>
             <a:endParaRPr kumimoji="1" lang="ja-JP" altLang="en-US"/>
           </a:p>
@@ -633,7 +633,7 @@
             <a:fld id="{EE8207FA-4240-4AB9-9E67-28F9831826F8}" type="datetimeFigureOut">
               <a:rPr kumimoji="1" lang="ja-JP" altLang="en-US" smtClean="0"/>
               <a:pPr/>
-              <a:t>2021/11/9</a:t>
+              <a:t>2021/12/1</a:t>
             </a:fld>
             <a:endParaRPr kumimoji="1" lang="ja-JP" altLang="en-US"/>
           </a:p>
@@ -800,7 +800,7 @@
             <a:fld id="{EE8207FA-4240-4AB9-9E67-28F9831826F8}" type="datetimeFigureOut">
               <a:rPr kumimoji="1" lang="ja-JP" altLang="en-US" smtClean="0"/>
               <a:pPr/>
-              <a:t>2021/11/9</a:t>
+              <a:t>2021/12/1</a:t>
             </a:fld>
             <a:endParaRPr kumimoji="1" lang="ja-JP" altLang="en-US"/>
           </a:p>
@@ -1043,7 +1043,7 @@
             <a:fld id="{EE8207FA-4240-4AB9-9E67-28F9831826F8}" type="datetimeFigureOut">
               <a:rPr kumimoji="1" lang="ja-JP" altLang="en-US" smtClean="0"/>
               <a:pPr/>
-              <a:t>2021/11/9</a:t>
+              <a:t>2021/12/1</a:t>
             </a:fld>
             <a:endParaRPr kumimoji="1" lang="ja-JP" altLang="en-US"/>
           </a:p>
@@ -1328,7 +1328,7 @@
             <a:fld id="{EE8207FA-4240-4AB9-9E67-28F9831826F8}" type="datetimeFigureOut">
               <a:rPr kumimoji="1" lang="ja-JP" altLang="en-US" smtClean="0"/>
               <a:pPr/>
-              <a:t>2021/11/9</a:t>
+              <a:t>2021/12/1</a:t>
             </a:fld>
             <a:endParaRPr kumimoji="1" lang="ja-JP" altLang="en-US"/>
           </a:p>
@@ -1747,7 +1747,7 @@
             <a:fld id="{EE8207FA-4240-4AB9-9E67-28F9831826F8}" type="datetimeFigureOut">
               <a:rPr kumimoji="1" lang="ja-JP" altLang="en-US" smtClean="0"/>
               <a:pPr/>
-              <a:t>2021/11/9</a:t>
+              <a:t>2021/12/1</a:t>
             </a:fld>
             <a:endParaRPr kumimoji="1" lang="ja-JP" altLang="en-US"/>
           </a:p>
@@ -1862,7 +1862,7 @@
             <a:fld id="{EE8207FA-4240-4AB9-9E67-28F9831826F8}" type="datetimeFigureOut">
               <a:rPr kumimoji="1" lang="ja-JP" altLang="en-US" smtClean="0"/>
               <a:pPr/>
-              <a:t>2021/11/9</a:t>
+              <a:t>2021/12/1</a:t>
             </a:fld>
             <a:endParaRPr kumimoji="1" lang="ja-JP" altLang="en-US"/>
           </a:p>
@@ -1954,7 +1954,7 @@
             <a:fld id="{EE8207FA-4240-4AB9-9E67-28F9831826F8}" type="datetimeFigureOut">
               <a:rPr kumimoji="1" lang="ja-JP" altLang="en-US" smtClean="0"/>
               <a:pPr/>
-              <a:t>2021/11/9</a:t>
+              <a:t>2021/12/1</a:t>
             </a:fld>
             <a:endParaRPr kumimoji="1" lang="ja-JP" altLang="en-US"/>
           </a:p>
@@ -2228,7 +2228,7 @@
             <a:fld id="{EE8207FA-4240-4AB9-9E67-28F9831826F8}" type="datetimeFigureOut">
               <a:rPr kumimoji="1" lang="ja-JP" altLang="en-US" smtClean="0"/>
               <a:pPr/>
-              <a:t>2021/11/9</a:t>
+              <a:t>2021/12/1</a:t>
             </a:fld>
             <a:endParaRPr kumimoji="1" lang="ja-JP" altLang="en-US"/>
           </a:p>
@@ -2478,7 +2478,7 @@
             <a:fld id="{EE8207FA-4240-4AB9-9E67-28F9831826F8}" type="datetimeFigureOut">
               <a:rPr kumimoji="1" lang="ja-JP" altLang="en-US" smtClean="0"/>
               <a:pPr/>
-              <a:t>2021/11/9</a:t>
+              <a:t>2021/12/1</a:t>
             </a:fld>
             <a:endParaRPr kumimoji="1" lang="ja-JP" altLang="en-US"/>
           </a:p>
@@ -2688,7 +2688,7 @@
             <a:fld id="{EE8207FA-4240-4AB9-9E67-28F9831826F8}" type="datetimeFigureOut">
               <a:rPr kumimoji="1" lang="ja-JP" altLang="en-US" smtClean="0"/>
               <a:pPr/>
-              <a:t>2021/11/9</a:t>
+              <a:t>2021/12/1</a:t>
             </a:fld>
             <a:endParaRPr kumimoji="1" lang="ja-JP" altLang="en-US"/>
           </a:p>
@@ -3944,7 +3944,7 @@
         </p:nvGraphicFramePr>
         <p:xfrm>
           <a:off x="6156176" y="1000108"/>
-          <a:ext cx="2711194" cy="4420505"/>
+          <a:ext cx="2711194" cy="4633865"/>
         </p:xfrm>
         <a:graphic>
           <a:graphicData uri="http://schemas.openxmlformats.org/drawingml/2006/table">
@@ -5333,15 +5333,7 @@
                             <a:schemeClr val="tx1"/>
                           </a:solidFill>
                         </a:rPr>
-                        <a:t>軽量鉄骨造スレート葺</a:t>
-                      </a:r>
-                      <a:r>
-                        <a:rPr kumimoji="1" lang="en-US" altLang="ja-JP" sz="800" b="1" dirty="0" smtClean="0">
-                          <a:solidFill>
-                            <a:schemeClr val="tx1"/>
-                          </a:solidFill>
-                        </a:rPr>
-                        <a:t>2</a:t>
+                        <a:t>軽量鉄骨造スレート</a:t>
                       </a:r>
                       <a:r>
                         <a:rPr kumimoji="1" lang="ja-JP" altLang="en-US" sz="800" b="1" smtClean="0">
@@ -5349,7 +5341,15 @@
                             <a:schemeClr val="tx1"/>
                           </a:solidFill>
                         </a:rPr>
-                        <a:t>階建</a:t>
+                        <a:t>葺２階</a:t>
+                      </a:r>
+                      <a:r>
+                        <a:rPr kumimoji="1" lang="ja-JP" altLang="en-US" sz="800" b="1" smtClean="0">
+                          <a:solidFill>
+                            <a:schemeClr val="tx1"/>
+                          </a:solidFill>
+                        </a:rPr>
+                        <a:t>建</a:t>
                       </a:r>
                       <a:endParaRPr kumimoji="1" lang="ja-JP" altLang="en-US" sz="800" b="1">
                         <a:solidFill>
@@ -6198,7 +6198,7 @@
                 </a:tc>
               </a:tr>
               <a:tr h="202390">
-                <a:tc rowSpan="6">
+                <a:tc rowSpan="7">
                   <a:txBody>
                     <a:bodyPr/>
                     <a:lstStyle/>
@@ -7540,6 +7540,331 @@
                           </a:solidFill>
                         </a:rPr>
                         <a:t>80%</a:t>
+                      </a:r>
+                      <a:endParaRPr kumimoji="1" lang="ja-JP" altLang="en-US" sz="800" smtClean="0">
+                        <a:solidFill>
+                          <a:schemeClr val="tx1"/>
+                        </a:solidFill>
+                      </a:endParaRPr>
+                    </a:p>
+                  </a:txBody>
+                  <a:tcPr anchor="ctr">
+                    <a:lnL w="9525" cap="flat" cmpd="sng" algn="ctr">
+                      <a:solidFill>
+                        <a:schemeClr val="tx1"/>
+                      </a:solidFill>
+                      <a:prstDash val="solid"/>
+                      <a:round/>
+                      <a:headEnd type="none" w="med" len="med"/>
+                      <a:tailEnd type="none" w="med" len="med"/>
+                    </a:lnL>
+                    <a:lnR w="9525" cap="flat" cmpd="sng" algn="ctr">
+                      <a:solidFill>
+                        <a:schemeClr val="tx1"/>
+                      </a:solidFill>
+                      <a:prstDash val="solid"/>
+                      <a:round/>
+                      <a:headEnd type="none" w="med" len="med"/>
+                      <a:tailEnd type="none" w="med" len="med"/>
+                    </a:lnR>
+                    <a:lnT w="9525" cap="flat" cmpd="sng" algn="ctr">
+                      <a:solidFill>
+                        <a:schemeClr val="tx1"/>
+                      </a:solidFill>
+                      <a:prstDash val="solid"/>
+                      <a:round/>
+                      <a:headEnd type="none" w="med" len="med"/>
+                      <a:tailEnd type="none" w="med" len="med"/>
+                    </a:lnT>
+                    <a:lnB w="9525" cap="flat" cmpd="sng" algn="ctr">
+                      <a:solidFill>
+                        <a:schemeClr val="tx1"/>
+                      </a:solidFill>
+                      <a:prstDash val="solid"/>
+                      <a:round/>
+                      <a:headEnd type="none" w="med" len="med"/>
+                      <a:tailEnd type="none" w="med" len="med"/>
+                    </a:lnB>
+                    <a:noFill/>
+                  </a:tcPr>
+                </a:tc>
+              </a:tr>
+              <a:tr h="202390">
+                <a:tc vMerge="1">
+                  <a:txBody>
+                    <a:bodyPr/>
+                    <a:lstStyle/>
+                    <a:p>
+                      <a:endParaRPr lang="en-CA"/>
+                    </a:p>
+                  </a:txBody>
+                  <a:tcPr/>
+                </a:tc>
+                <a:tc>
+                  <a:txBody>
+                    <a:bodyPr/>
+                    <a:lstStyle/>
+                    <a:p>
+                      <a:pPr marL="0" marR="0" indent="0" algn="ctr" defTabSz="914400" rtl="0" eaLnBrk="1" fontAlgn="auto" latinLnBrk="0" hangingPunct="1">
+                        <a:lnSpc>
+                          <a:spcPct val="100000"/>
+                        </a:lnSpc>
+                        <a:spcBef>
+                          <a:spcPts val="0"/>
+                        </a:spcBef>
+                        <a:spcAft>
+                          <a:spcPts val="0"/>
+                        </a:spcAft>
+                        <a:buClrTx/>
+                        <a:buSzTx/>
+                        <a:buFontTx/>
+                        <a:buNone/>
+                        <a:tabLst/>
+                        <a:defRPr/>
+                      </a:pPr>
+                      <a:r>
+                        <a:rPr kumimoji="1" lang="ja-JP" altLang="en-US" sz="800" smtClean="0">
+                          <a:solidFill>
+                            <a:schemeClr val="tx1"/>
+                          </a:solidFill>
+                        </a:rPr>
+                        <a:t>接面種別</a:t>
+                      </a:r>
+                      <a:endParaRPr kumimoji="1" lang="ja-JP" altLang="en-US" sz="800" smtClean="0">
+                        <a:solidFill>
+                          <a:schemeClr val="tx1"/>
+                        </a:solidFill>
+                      </a:endParaRPr>
+                    </a:p>
+                  </a:txBody>
+                  <a:tcPr anchor="ctr">
+                    <a:lnL w="9525" cap="flat" cmpd="sng" algn="ctr">
+                      <a:solidFill>
+                        <a:schemeClr val="tx1"/>
+                      </a:solidFill>
+                      <a:prstDash val="solid"/>
+                      <a:round/>
+                      <a:headEnd type="none" w="med" len="med"/>
+                      <a:tailEnd type="none" w="med" len="med"/>
+                    </a:lnL>
+                    <a:lnR w="9525" cap="flat" cmpd="sng" algn="ctr">
+                      <a:solidFill>
+                        <a:schemeClr val="tx1"/>
+                      </a:solidFill>
+                      <a:prstDash val="solid"/>
+                      <a:round/>
+                      <a:headEnd type="none" w="med" len="med"/>
+                      <a:tailEnd type="none" w="med" len="med"/>
+                    </a:lnR>
+                    <a:lnT w="9525" cap="flat" cmpd="sng" algn="ctr">
+                      <a:solidFill>
+                        <a:schemeClr val="tx1"/>
+                      </a:solidFill>
+                      <a:prstDash val="solid"/>
+                      <a:round/>
+                      <a:headEnd type="none" w="med" len="med"/>
+                      <a:tailEnd type="none" w="med" len="med"/>
+                    </a:lnT>
+                    <a:lnB w="9525" cap="flat" cmpd="sng" algn="ctr">
+                      <a:solidFill>
+                        <a:schemeClr val="tx1"/>
+                      </a:solidFill>
+                      <a:prstDash val="solid"/>
+                      <a:round/>
+                      <a:headEnd type="none" w="med" len="med"/>
+                      <a:tailEnd type="none" w="med" len="med"/>
+                    </a:lnB>
+                    <a:solidFill>
+                      <a:schemeClr val="accent1">
+                        <a:lumMod val="20000"/>
+                        <a:lumOff val="80000"/>
+                        <a:alpha val="70000"/>
+                      </a:schemeClr>
+                    </a:solidFill>
+                  </a:tcPr>
+                </a:tc>
+                <a:tc>
+                  <a:txBody>
+                    <a:bodyPr/>
+                    <a:lstStyle/>
+                    <a:p>
+                      <a:pPr marL="0" marR="0" indent="0" algn="l" defTabSz="914400" rtl="0" eaLnBrk="1" fontAlgn="auto" latinLnBrk="0" hangingPunct="1">
+                        <a:lnSpc>
+                          <a:spcPct val="100000"/>
+                        </a:lnSpc>
+                        <a:spcBef>
+                          <a:spcPts val="0"/>
+                        </a:spcBef>
+                        <a:spcAft>
+                          <a:spcPts val="0"/>
+                        </a:spcAft>
+                        <a:buClrTx/>
+                        <a:buSzTx/>
+                        <a:buFontTx/>
+                        <a:buNone/>
+                        <a:tabLst/>
+                        <a:defRPr/>
+                      </a:pPr>
+                      <a:r>
+                        <a:rPr kumimoji="1" lang="ja-JP" altLang="en-US" sz="800" smtClean="0">
+                          <a:solidFill>
+                            <a:schemeClr val="tx1"/>
+                          </a:solidFill>
+                        </a:rPr>
+                        <a:t>公道</a:t>
+                      </a:r>
+                      <a:endParaRPr kumimoji="1" lang="ja-JP" altLang="en-US" sz="800" smtClean="0">
+                        <a:solidFill>
+                          <a:schemeClr val="tx1"/>
+                        </a:solidFill>
+                      </a:endParaRPr>
+                    </a:p>
+                  </a:txBody>
+                  <a:tcPr anchor="ctr">
+                    <a:lnL w="9525" cap="flat" cmpd="sng" algn="ctr">
+                      <a:solidFill>
+                        <a:schemeClr val="tx1"/>
+                      </a:solidFill>
+                      <a:prstDash val="solid"/>
+                      <a:round/>
+                      <a:headEnd type="none" w="med" len="med"/>
+                      <a:tailEnd type="none" w="med" len="med"/>
+                    </a:lnL>
+                    <a:lnR w="9525" cap="flat" cmpd="sng" algn="ctr">
+                      <a:solidFill>
+                        <a:schemeClr val="tx1"/>
+                      </a:solidFill>
+                      <a:prstDash val="solid"/>
+                      <a:round/>
+                      <a:headEnd type="none" w="med" len="med"/>
+                      <a:tailEnd type="none" w="med" len="med"/>
+                    </a:lnR>
+                    <a:lnT w="9525" cap="flat" cmpd="sng" algn="ctr">
+                      <a:solidFill>
+                        <a:schemeClr val="tx1"/>
+                      </a:solidFill>
+                      <a:prstDash val="solid"/>
+                      <a:round/>
+                      <a:headEnd type="none" w="med" len="med"/>
+                      <a:tailEnd type="none" w="med" len="med"/>
+                    </a:lnT>
+                    <a:lnB w="9525" cap="flat" cmpd="sng" algn="ctr">
+                      <a:solidFill>
+                        <a:schemeClr val="tx1"/>
+                      </a:solidFill>
+                      <a:prstDash val="solid"/>
+                      <a:round/>
+                      <a:headEnd type="none" w="med" len="med"/>
+                      <a:tailEnd type="none" w="med" len="med"/>
+                    </a:lnB>
+                    <a:noFill/>
+                  </a:tcPr>
+                </a:tc>
+                <a:tc>
+                  <a:txBody>
+                    <a:bodyPr/>
+                    <a:lstStyle/>
+                    <a:p>
+                      <a:pPr marL="0" marR="0" indent="0" algn="ctr" defTabSz="914400" rtl="0" eaLnBrk="1" fontAlgn="auto" latinLnBrk="0" hangingPunct="1">
+                        <a:lnSpc>
+                          <a:spcPct val="100000"/>
+                        </a:lnSpc>
+                        <a:spcBef>
+                          <a:spcPts val="0"/>
+                        </a:spcBef>
+                        <a:spcAft>
+                          <a:spcPts val="0"/>
+                        </a:spcAft>
+                        <a:buClrTx/>
+                        <a:buSzTx/>
+                        <a:buFontTx/>
+                        <a:buNone/>
+                        <a:tabLst/>
+                        <a:defRPr/>
+                      </a:pPr>
+                      <a:r>
+                        <a:rPr kumimoji="1" lang="ja-JP" altLang="en-US" sz="800" smtClean="0">
+                          <a:solidFill>
+                            <a:schemeClr val="tx1"/>
+                          </a:solidFill>
+                        </a:rPr>
+                        <a:t>地勢</a:t>
+                      </a:r>
+                      <a:endParaRPr kumimoji="1" lang="ja-JP" altLang="en-US" sz="800" smtClean="0">
+                        <a:solidFill>
+                          <a:schemeClr val="tx1"/>
+                        </a:solidFill>
+                      </a:endParaRPr>
+                    </a:p>
+                  </a:txBody>
+                  <a:tcPr anchor="ctr">
+                    <a:lnL w="9525" cap="flat" cmpd="sng" algn="ctr">
+                      <a:solidFill>
+                        <a:schemeClr val="tx1"/>
+                      </a:solidFill>
+                      <a:prstDash val="solid"/>
+                      <a:round/>
+                      <a:headEnd type="none" w="med" len="med"/>
+                      <a:tailEnd type="none" w="med" len="med"/>
+                    </a:lnL>
+                    <a:lnR w="9525" cap="flat" cmpd="sng" algn="ctr">
+                      <a:solidFill>
+                        <a:schemeClr val="tx1"/>
+                      </a:solidFill>
+                      <a:prstDash val="solid"/>
+                      <a:round/>
+                      <a:headEnd type="none" w="med" len="med"/>
+                      <a:tailEnd type="none" w="med" len="med"/>
+                    </a:lnR>
+                    <a:lnT w="9525" cap="flat" cmpd="sng" algn="ctr">
+                      <a:solidFill>
+                        <a:schemeClr val="tx1"/>
+                      </a:solidFill>
+                      <a:prstDash val="solid"/>
+                      <a:round/>
+                      <a:headEnd type="none" w="med" len="med"/>
+                      <a:tailEnd type="none" w="med" len="med"/>
+                    </a:lnT>
+                    <a:lnB w="9525" cap="flat" cmpd="sng" algn="ctr">
+                      <a:solidFill>
+                        <a:schemeClr val="tx1"/>
+                      </a:solidFill>
+                      <a:prstDash val="solid"/>
+                      <a:round/>
+                      <a:headEnd type="none" w="med" len="med"/>
+                      <a:tailEnd type="none" w="med" len="med"/>
+                    </a:lnB>
+                  </a:tcPr>
+                </a:tc>
+                <a:tc>
+                  <a:txBody>
+                    <a:bodyPr/>
+                    <a:lstStyle/>
+                    <a:p>
+                      <a:pPr marL="0" marR="0" indent="0" algn="l" defTabSz="914400" rtl="0" eaLnBrk="1" fontAlgn="auto" latinLnBrk="0" hangingPunct="1">
+                        <a:lnSpc>
+                          <a:spcPct val="100000"/>
+                        </a:lnSpc>
+                        <a:spcBef>
+                          <a:spcPts val="0"/>
+                        </a:spcBef>
+                        <a:spcAft>
+                          <a:spcPts val="0"/>
+                        </a:spcAft>
+                        <a:buClrTx/>
+                        <a:buSzTx/>
+                        <a:buFontTx/>
+                        <a:buNone/>
+                        <a:tabLst/>
+                        <a:defRPr/>
+                      </a:pPr>
+                      <a:r>
+                        <a:rPr kumimoji="1" lang="ja-JP" altLang="en-US" sz="800" smtClean="0">
+                          <a:solidFill>
+                            <a:schemeClr val="tx1"/>
+                          </a:solidFill>
+                        </a:rPr>
+                        <a:t>平坦地</a:t>
                       </a:r>
                       <a:endParaRPr kumimoji="1" lang="ja-JP" altLang="en-US" sz="800" smtClean="0">
                         <a:solidFill>

--- a/property/FactSheet.pptx
+++ b/property/FactSheet.pptx
@@ -289,7 +289,7 @@
             <a:fld id="{EE8207FA-4240-4AB9-9E67-28F9831826F8}" type="datetimeFigureOut">
               <a:rPr kumimoji="1" lang="ja-JP" altLang="en-US" smtClean="0"/>
               <a:pPr/>
-              <a:t>2021/12/1</a:t>
+              <a:t>2021/12/4</a:t>
             </a:fld>
             <a:endParaRPr kumimoji="1" lang="ja-JP" altLang="en-US"/>
           </a:p>
@@ -456,7 +456,7 @@
             <a:fld id="{EE8207FA-4240-4AB9-9E67-28F9831826F8}" type="datetimeFigureOut">
               <a:rPr kumimoji="1" lang="ja-JP" altLang="en-US" smtClean="0"/>
               <a:pPr/>
-              <a:t>2021/12/1</a:t>
+              <a:t>2021/12/4</a:t>
             </a:fld>
             <a:endParaRPr kumimoji="1" lang="ja-JP" altLang="en-US"/>
           </a:p>
@@ -633,7 +633,7 @@
             <a:fld id="{EE8207FA-4240-4AB9-9E67-28F9831826F8}" type="datetimeFigureOut">
               <a:rPr kumimoji="1" lang="ja-JP" altLang="en-US" smtClean="0"/>
               <a:pPr/>
-              <a:t>2021/12/1</a:t>
+              <a:t>2021/12/4</a:t>
             </a:fld>
             <a:endParaRPr kumimoji="1" lang="ja-JP" altLang="en-US"/>
           </a:p>
@@ -800,7 +800,7 @@
             <a:fld id="{EE8207FA-4240-4AB9-9E67-28F9831826F8}" type="datetimeFigureOut">
               <a:rPr kumimoji="1" lang="ja-JP" altLang="en-US" smtClean="0"/>
               <a:pPr/>
-              <a:t>2021/12/1</a:t>
+              <a:t>2021/12/4</a:t>
             </a:fld>
             <a:endParaRPr kumimoji="1" lang="ja-JP" altLang="en-US"/>
           </a:p>
@@ -1043,7 +1043,7 @@
             <a:fld id="{EE8207FA-4240-4AB9-9E67-28F9831826F8}" type="datetimeFigureOut">
               <a:rPr kumimoji="1" lang="ja-JP" altLang="en-US" smtClean="0"/>
               <a:pPr/>
-              <a:t>2021/12/1</a:t>
+              <a:t>2021/12/4</a:t>
             </a:fld>
             <a:endParaRPr kumimoji="1" lang="ja-JP" altLang="en-US"/>
           </a:p>
@@ -1328,7 +1328,7 @@
             <a:fld id="{EE8207FA-4240-4AB9-9E67-28F9831826F8}" type="datetimeFigureOut">
               <a:rPr kumimoji="1" lang="ja-JP" altLang="en-US" smtClean="0"/>
               <a:pPr/>
-              <a:t>2021/12/1</a:t>
+              <a:t>2021/12/4</a:t>
             </a:fld>
             <a:endParaRPr kumimoji="1" lang="ja-JP" altLang="en-US"/>
           </a:p>
@@ -1747,7 +1747,7 @@
             <a:fld id="{EE8207FA-4240-4AB9-9E67-28F9831826F8}" type="datetimeFigureOut">
               <a:rPr kumimoji="1" lang="ja-JP" altLang="en-US" smtClean="0"/>
               <a:pPr/>
-              <a:t>2021/12/1</a:t>
+              <a:t>2021/12/4</a:t>
             </a:fld>
             <a:endParaRPr kumimoji="1" lang="ja-JP" altLang="en-US"/>
           </a:p>
@@ -1862,7 +1862,7 @@
             <a:fld id="{EE8207FA-4240-4AB9-9E67-28F9831826F8}" type="datetimeFigureOut">
               <a:rPr kumimoji="1" lang="ja-JP" altLang="en-US" smtClean="0"/>
               <a:pPr/>
-              <a:t>2021/12/1</a:t>
+              <a:t>2021/12/4</a:t>
             </a:fld>
             <a:endParaRPr kumimoji="1" lang="ja-JP" altLang="en-US"/>
           </a:p>
@@ -1954,7 +1954,7 @@
             <a:fld id="{EE8207FA-4240-4AB9-9E67-28F9831826F8}" type="datetimeFigureOut">
               <a:rPr kumimoji="1" lang="ja-JP" altLang="en-US" smtClean="0"/>
               <a:pPr/>
-              <a:t>2021/12/1</a:t>
+              <a:t>2021/12/4</a:t>
             </a:fld>
             <a:endParaRPr kumimoji="1" lang="ja-JP" altLang="en-US"/>
           </a:p>
@@ -2228,7 +2228,7 @@
             <a:fld id="{EE8207FA-4240-4AB9-9E67-28F9831826F8}" type="datetimeFigureOut">
               <a:rPr kumimoji="1" lang="ja-JP" altLang="en-US" smtClean="0"/>
               <a:pPr/>
-              <a:t>2021/12/1</a:t>
+              <a:t>2021/12/4</a:t>
             </a:fld>
             <a:endParaRPr kumimoji="1" lang="ja-JP" altLang="en-US"/>
           </a:p>
@@ -2478,7 +2478,7 @@
             <a:fld id="{EE8207FA-4240-4AB9-9E67-28F9831826F8}" type="datetimeFigureOut">
               <a:rPr kumimoji="1" lang="ja-JP" altLang="en-US" smtClean="0"/>
               <a:pPr/>
-              <a:t>2021/12/1</a:t>
+              <a:t>2021/12/4</a:t>
             </a:fld>
             <a:endParaRPr kumimoji="1" lang="ja-JP" altLang="en-US"/>
           </a:p>
@@ -2688,7 +2688,7 @@
             <a:fld id="{EE8207FA-4240-4AB9-9E67-28F9831826F8}" type="datetimeFigureOut">
               <a:rPr kumimoji="1" lang="ja-JP" altLang="en-US" smtClean="0"/>
               <a:pPr/>
-              <a:t>2021/12/1</a:t>
+              <a:t>2021/12/4</a:t>
             </a:fld>
             <a:endParaRPr kumimoji="1" lang="ja-JP" altLang="en-US"/>
           </a:p>
@@ -3067,7 +3067,7 @@
         </p:nvGrpSpPr>
         <p:grpSpPr>
           <a:xfrm>
-            <a:off x="3571868" y="3429000"/>
+            <a:off x="3643306" y="2143495"/>
             <a:ext cx="2672846" cy="2857141"/>
             <a:chOff x="3500430" y="2741720"/>
             <a:chExt cx="2672846" cy="2857141"/>
@@ -3726,7 +3726,7 @@
         <p:spPr>
           <a:xfrm>
             <a:off x="3428992" y="929139"/>
-            <a:ext cx="2714644" cy="1826141"/>
+            <a:ext cx="2786082" cy="1789208"/>
           </a:xfrm>
           <a:prstGeom prst="rect">
             <a:avLst/>
@@ -3758,7 +3758,19 @@
               <a:rPr lang="ja-JP" altLang="en-US" sz="1000" smtClean="0">
                 <a:latin typeface="+mj-lt"/>
               </a:rPr>
-              <a:t>山・鎌倉駅・藤沢方面へもアクセスしやすいです。</a:t>
+              <a:t>山・鎌倉駅・藤沢方面へもアクセスしやす</a:t>
+            </a:r>
+            <a:r>
+              <a:rPr lang="ja-JP" altLang="en-US" sz="1000" smtClean="0">
+                <a:latin typeface="+mj-lt"/>
+              </a:rPr>
+              <a:t>い住宅地で</a:t>
+            </a:r>
+            <a:r>
+              <a:rPr lang="ja-JP" altLang="en-US" sz="1000" smtClean="0">
+                <a:latin typeface="+mj-lt"/>
+              </a:rPr>
+              <a:t>す。</a:t>
             </a:r>
             <a:r>
               <a:rPr lang="en-CA" altLang="ja-JP" sz="1000" dirty="0" smtClean="0">
@@ -3943,8 +3955,8 @@
           <p:nvPr/>
         </p:nvGraphicFramePr>
         <p:xfrm>
-          <a:off x="6156176" y="1000108"/>
-          <a:ext cx="2711194" cy="4633865"/>
+          <a:off x="6215073" y="1000108"/>
+          <a:ext cx="2652297" cy="5029200"/>
         </p:xfrm>
         <a:graphic>
           <a:graphicData uri="http://schemas.openxmlformats.org/drawingml/2006/table">
@@ -3953,11 +3965,11 @@
                 <a:tableStyleId>{5C22544A-7EE6-4342-B048-85BDC9FD1C3A}</a:tableStyleId>
               </a:tblPr>
               <a:tblGrid>
-                <a:gridCol w="216024"/>
-                <a:gridCol w="631126"/>
-                <a:gridCol w="660718"/>
-                <a:gridCol w="587058"/>
-                <a:gridCol w="616268"/>
+                <a:gridCol w="211331"/>
+                <a:gridCol w="617416"/>
+                <a:gridCol w="646365"/>
+                <a:gridCol w="574305"/>
+                <a:gridCol w="602880"/>
               </a:tblGrid>
               <a:tr h="311370">
                 <a:tc>
@@ -3967,14 +3979,14 @@
                     <a:p>
                       <a:pPr algn="ctr"/>
                       <a:r>
-                        <a:rPr kumimoji="1" lang="ja-JP" altLang="en-US" sz="700" smtClean="0">
+                        <a:rPr kumimoji="1" lang="ja-JP" altLang="en-US" sz="800" smtClean="0">
                           <a:solidFill>
                             <a:schemeClr val="tx1"/>
                           </a:solidFill>
                         </a:rPr>
                         <a:t>所</a:t>
                       </a:r>
-                      <a:endParaRPr kumimoji="1" lang="en-US" altLang="ja-JP" sz="700" dirty="0" smtClean="0">
+                      <a:endParaRPr kumimoji="1" lang="en-US" altLang="ja-JP" sz="800" dirty="0" smtClean="0">
                         <a:solidFill>
                           <a:schemeClr val="tx1"/>
                         </a:solidFill>
@@ -3983,14 +3995,14 @@
                     <a:p>
                       <a:pPr algn="ctr"/>
                       <a:r>
-                        <a:rPr kumimoji="1" lang="ja-JP" altLang="en-US" sz="700" smtClean="0">
+                        <a:rPr kumimoji="1" lang="ja-JP" altLang="en-US" sz="800" smtClean="0">
                           <a:solidFill>
                             <a:schemeClr val="tx1"/>
                           </a:solidFill>
                         </a:rPr>
                         <a:t>在</a:t>
                       </a:r>
-                      <a:endParaRPr kumimoji="1" lang="ja-JP" altLang="en-US" sz="700">
+                      <a:endParaRPr kumimoji="1" lang="ja-JP" altLang="en-US" sz="800">
                         <a:solidFill>
                           <a:schemeClr val="tx1"/>
                         </a:solidFill>
@@ -4050,7 +4062,7 @@
                     <a:p>
                       <a:pPr algn="l"/>
                       <a:r>
-                        <a:rPr kumimoji="1" lang="ja-JP" altLang="en-US" sz="700" smtClean="0">
+                        <a:rPr kumimoji="1" lang="ja-JP" altLang="en-US" sz="800" smtClean="0">
                           <a:solidFill>
                             <a:schemeClr val="tx1"/>
                           </a:solidFill>
@@ -4058,7 +4070,7 @@
                         <a:t>鎌倉市極楽寺</a:t>
                       </a:r>
                       <a:r>
-                        <a:rPr kumimoji="1" lang="en-US" altLang="ja-JP" sz="700" dirty="0" smtClean="0">
+                        <a:rPr kumimoji="1" lang="en-US" altLang="ja-JP" sz="800" dirty="0" smtClean="0">
                           <a:solidFill>
                             <a:schemeClr val="tx1"/>
                           </a:solidFill>
@@ -4066,7 +4078,7 @@
                         <a:t>4</a:t>
                       </a:r>
                       <a:r>
-                        <a:rPr kumimoji="1" lang="ja-JP" altLang="en-US" sz="700" smtClean="0">
+                        <a:rPr kumimoji="1" lang="ja-JP" altLang="en-US" sz="800" smtClean="0">
                           <a:solidFill>
                             <a:schemeClr val="tx1"/>
                           </a:solidFill>
@@ -4074,14 +4086,14 @@
                         <a:t>丁目</a:t>
                       </a:r>
                       <a:r>
-                        <a:rPr kumimoji="1" lang="en-US" altLang="ja-JP" sz="700" dirty="0" smtClean="0">
+                        <a:rPr kumimoji="1" lang="en-US" altLang="ja-JP" sz="800" dirty="0" smtClean="0">
                           <a:solidFill>
                             <a:schemeClr val="tx1"/>
                           </a:solidFill>
                         </a:rPr>
                         <a:t>11-12</a:t>
                       </a:r>
-                      <a:endParaRPr kumimoji="1" lang="ja-JP" altLang="en-US" sz="700">
+                      <a:endParaRPr kumimoji="1" lang="ja-JP" altLang="en-US" sz="800">
                         <a:solidFill>
                           <a:schemeClr val="tx1"/>
                         </a:solidFill>
@@ -4167,14 +4179,14 @@
                     <a:p>
                       <a:pPr algn="ctr"/>
                       <a:r>
-                        <a:rPr kumimoji="1" lang="ja-JP" altLang="en-US" sz="700" smtClean="0">
+                        <a:rPr kumimoji="1" lang="ja-JP" altLang="en-US" sz="800" smtClean="0">
                           <a:solidFill>
                             <a:schemeClr val="tx1"/>
                           </a:solidFill>
                         </a:rPr>
                         <a:t>交</a:t>
                       </a:r>
-                      <a:endParaRPr kumimoji="1" lang="en-US" altLang="ja-JP" sz="700" dirty="0" smtClean="0">
+                      <a:endParaRPr kumimoji="1" lang="en-US" altLang="ja-JP" sz="800" dirty="0" smtClean="0">
                         <a:solidFill>
                           <a:schemeClr val="tx1"/>
                         </a:solidFill>
@@ -4183,14 +4195,14 @@
                     <a:p>
                       <a:pPr algn="ctr"/>
                       <a:r>
-                        <a:rPr kumimoji="1" lang="ja-JP" altLang="en-US" sz="700" smtClean="0">
+                        <a:rPr kumimoji="1" lang="ja-JP" altLang="en-US" sz="800" smtClean="0">
                           <a:solidFill>
                             <a:schemeClr val="tx1"/>
                           </a:solidFill>
                         </a:rPr>
                         <a:t>通</a:t>
                       </a:r>
-                      <a:endParaRPr kumimoji="1" lang="ja-JP" altLang="en-US" sz="700">
+                      <a:endParaRPr kumimoji="1" lang="ja-JP" altLang="en-US" sz="800">
                         <a:solidFill>
                           <a:schemeClr val="tx1"/>
                         </a:solidFill>
@@ -4250,7 +4262,7 @@
                     <a:p>
                       <a:pPr algn="l"/>
                       <a:r>
-                        <a:rPr kumimoji="1" lang="ja-JP" altLang="en-US" sz="700" smtClean="0">
+                        <a:rPr kumimoji="1" lang="ja-JP" altLang="en-US" sz="800" smtClean="0">
                           <a:solidFill>
                             <a:schemeClr val="tx1"/>
                           </a:solidFill>
@@ -4258,7 +4270,7 @@
                         <a:t>江ノ電 「極楽寺」駅徒歩</a:t>
                       </a:r>
                       <a:r>
-                        <a:rPr kumimoji="1" lang="en-US" altLang="ja-JP" sz="700" dirty="0" smtClean="0">
+                        <a:rPr kumimoji="1" lang="en-US" altLang="ja-JP" sz="800" dirty="0" smtClean="0">
                           <a:solidFill>
                             <a:schemeClr val="tx1"/>
                           </a:solidFill>
@@ -4266,14 +4278,14 @@
                         <a:t>11</a:t>
                       </a:r>
                       <a:r>
-                        <a:rPr kumimoji="1" lang="ja-JP" altLang="en-US" sz="700" smtClean="0">
+                        <a:rPr kumimoji="1" lang="ja-JP" altLang="en-US" sz="800" smtClean="0">
                           <a:solidFill>
                             <a:schemeClr val="tx1"/>
                           </a:solidFill>
                         </a:rPr>
                         <a:t>分</a:t>
                       </a:r>
-                      <a:endParaRPr kumimoji="1" lang="ja-JP" altLang="en-US" sz="700">
+                      <a:endParaRPr kumimoji="1" lang="ja-JP" altLang="en-US" sz="800">
                         <a:solidFill>
                           <a:schemeClr val="tx1"/>
                         </a:solidFill>
@@ -4359,14 +4371,14 @@
                     <a:p>
                       <a:pPr algn="ctr"/>
                       <a:r>
-                        <a:rPr kumimoji="1" lang="ja-JP" altLang="en-US" sz="700" smtClean="0">
+                        <a:rPr kumimoji="1" lang="ja-JP" altLang="en-US" sz="800" smtClean="0">
                           <a:solidFill>
                             <a:schemeClr val="tx1"/>
                           </a:solidFill>
                         </a:rPr>
                         <a:t>建</a:t>
                       </a:r>
-                      <a:endParaRPr kumimoji="1" lang="en-US" altLang="ja-JP" sz="700" dirty="0" smtClean="0">
+                      <a:endParaRPr kumimoji="1" lang="en-US" altLang="ja-JP" sz="800" dirty="0" smtClean="0">
                         <a:solidFill>
                           <a:schemeClr val="tx1"/>
                         </a:solidFill>
@@ -4375,14 +4387,14 @@
                     <a:p>
                       <a:pPr algn="ctr"/>
                       <a:r>
-                        <a:rPr kumimoji="1" lang="ja-JP" altLang="en-US" sz="700" smtClean="0">
+                        <a:rPr kumimoji="1" lang="ja-JP" altLang="en-US" sz="800" smtClean="0">
                           <a:solidFill>
                             <a:schemeClr val="tx1"/>
                           </a:solidFill>
                         </a:rPr>
                         <a:t>物</a:t>
                       </a:r>
-                      <a:endParaRPr kumimoji="1" lang="ja-JP" altLang="en-US" sz="700">
+                      <a:endParaRPr kumimoji="1" lang="ja-JP" altLang="en-US" sz="800">
                         <a:solidFill>
                           <a:schemeClr val="tx1"/>
                         </a:solidFill>
@@ -5333,23 +5345,7 @@
                             <a:schemeClr val="tx1"/>
                           </a:solidFill>
                         </a:rPr>
-                        <a:t>軽量鉄骨造スレート</a:t>
-                      </a:r>
-                      <a:r>
-                        <a:rPr kumimoji="1" lang="ja-JP" altLang="en-US" sz="800" b="1" smtClean="0">
-                          <a:solidFill>
-                            <a:schemeClr val="tx1"/>
-                          </a:solidFill>
-                        </a:rPr>
-                        <a:t>葺２階</a:t>
-                      </a:r>
-                      <a:r>
-                        <a:rPr kumimoji="1" lang="ja-JP" altLang="en-US" sz="800" b="1" smtClean="0">
-                          <a:solidFill>
-                            <a:schemeClr val="tx1"/>
-                          </a:solidFill>
-                        </a:rPr>
-                        <a:t>建</a:t>
+                        <a:t>軽量鉄骨造スレート葺２階建</a:t>
                       </a:r>
                       <a:endParaRPr kumimoji="1" lang="ja-JP" altLang="en-US" sz="800" b="1">
                         <a:solidFill>
@@ -6205,14 +6201,14 @@
                     <a:p>
                       <a:pPr algn="ctr"/>
                       <a:r>
-                        <a:rPr kumimoji="1" lang="ja-JP" altLang="en-US" sz="700" smtClean="0">
+                        <a:rPr kumimoji="1" lang="ja-JP" altLang="en-US" sz="800" smtClean="0">
                           <a:solidFill>
                             <a:schemeClr val="tx1"/>
                           </a:solidFill>
                         </a:rPr>
                         <a:t>土地</a:t>
                       </a:r>
-                      <a:endParaRPr kumimoji="1" lang="ja-JP" altLang="en-US" sz="700">
+                      <a:endParaRPr kumimoji="1" lang="ja-JP" altLang="en-US" sz="800">
                         <a:solidFill>
                           <a:schemeClr val="tx1"/>
                         </a:solidFill>
@@ -7630,11 +7626,6 @@
                         </a:rPr>
                         <a:t>接面種別</a:t>
                       </a:r>
-                      <a:endParaRPr kumimoji="1" lang="ja-JP" altLang="en-US" sz="800" smtClean="0">
-                        <a:solidFill>
-                          <a:schemeClr val="tx1"/>
-                        </a:solidFill>
-                      </a:endParaRPr>
                     </a:p>
                   </a:txBody>
                   <a:tcPr anchor="ctr">
@@ -7713,11 +7704,6 @@
                         </a:rPr>
                         <a:t>公道</a:t>
                       </a:r>
-                      <a:endParaRPr kumimoji="1" lang="ja-JP" altLang="en-US" sz="800" smtClean="0">
-                        <a:solidFill>
-                          <a:schemeClr val="tx1"/>
-                        </a:solidFill>
-                      </a:endParaRPr>
                     </a:p>
                   </a:txBody>
                   <a:tcPr anchor="ctr">
@@ -7790,11 +7776,6 @@
                         </a:rPr>
                         <a:t>地勢</a:t>
                       </a:r>
-                      <a:endParaRPr kumimoji="1" lang="ja-JP" altLang="en-US" sz="800" smtClean="0">
-                        <a:solidFill>
-                          <a:schemeClr val="tx1"/>
-                        </a:solidFill>
-                      </a:endParaRPr>
                     </a:p>
                   </a:txBody>
                   <a:tcPr anchor="ctr">
@@ -7866,11 +7847,6 @@
                         </a:rPr>
                         <a:t>平坦地</a:t>
                       </a:r>
-                      <a:endParaRPr kumimoji="1" lang="ja-JP" altLang="en-US" sz="800" smtClean="0">
-                        <a:solidFill>
-                          <a:schemeClr val="tx1"/>
-                        </a:solidFill>
-                      </a:endParaRPr>
                     </a:p>
                   </a:txBody>
                   <a:tcPr anchor="ctr">
@@ -8155,14 +8131,14 @@
                     <a:p>
                       <a:pPr algn="ctr"/>
                       <a:r>
-                        <a:rPr kumimoji="1" lang="ja-JP" altLang="en-US" sz="700" smtClean="0">
+                        <a:rPr kumimoji="1" lang="ja-JP" altLang="en-US" sz="800" smtClean="0">
                           <a:solidFill>
                             <a:schemeClr val="tx1"/>
                           </a:solidFill>
                         </a:rPr>
                         <a:t>引渡</a:t>
                       </a:r>
-                      <a:endParaRPr kumimoji="1" lang="ja-JP" altLang="en-US" sz="700">
+                      <a:endParaRPr kumimoji="1" lang="ja-JP" altLang="en-US" sz="800">
                         <a:solidFill>
                           <a:schemeClr val="tx1"/>
                         </a:solidFill>
@@ -8587,14 +8563,14 @@
                     <a:p>
                       <a:pPr algn="ctr"/>
                       <a:r>
-                        <a:rPr kumimoji="1" lang="ja-JP" altLang="en-US" sz="700" smtClean="0">
+                        <a:rPr kumimoji="1" lang="ja-JP" altLang="en-US" sz="800" smtClean="0">
                           <a:solidFill>
                             <a:schemeClr val="tx1"/>
                           </a:solidFill>
                         </a:rPr>
                         <a:t>備考</a:t>
                       </a:r>
-                      <a:endParaRPr kumimoji="1" lang="ja-JP" altLang="en-US" sz="700">
+                      <a:endParaRPr kumimoji="1" lang="ja-JP" altLang="en-US" sz="800">
                         <a:solidFill>
                           <a:schemeClr val="tx1"/>
                         </a:solidFill>
@@ -8657,14 +8633,46 @@
                         <a:buChar char="•"/>
                       </a:pPr>
                       <a:r>
-                        <a:rPr kumimoji="1" lang="ja-JP" altLang="en-US" sz="700" smtClean="0">
-                          <a:solidFill>
-                            <a:schemeClr val="tx1"/>
-                          </a:solidFill>
-                        </a:rPr>
-                        <a:t>　２０１８年に実施したリフォーム： 防水工事、フローリング、玄関扉、クロス交換、室内扉、キッチン、トイレ・バス、洗面台、エコキュート、エアコン、インターフォン、排水管交換等</a:t>
-                      </a:r>
-                      <a:endParaRPr kumimoji="1" lang="en-CA" altLang="ja-JP" sz="700" dirty="0" smtClean="0">
+                        <a:rPr kumimoji="1" lang="ja-JP" altLang="en-US" sz="800" smtClean="0">
+                          <a:solidFill>
+                            <a:schemeClr val="tx1"/>
+                          </a:solidFill>
+                        </a:rPr>
+                        <a:t>  </a:t>
+                      </a:r>
+                      <a:r>
+                        <a:rPr kumimoji="1" lang="en-CA" altLang="ja-JP" sz="800" dirty="0" smtClean="0">
+                          <a:solidFill>
+                            <a:schemeClr val="tx1"/>
+                          </a:solidFill>
+                        </a:rPr>
+                        <a:t>2018</a:t>
+                      </a:r>
+                      <a:r>
+                        <a:rPr kumimoji="1" lang="ja-JP" altLang="en-US" sz="800" smtClean="0">
+                          <a:solidFill>
+                            <a:schemeClr val="tx1"/>
+                          </a:solidFill>
+                        </a:rPr>
+                        <a:t>年</a:t>
+                      </a:r>
+                      <a:r>
+                        <a:rPr kumimoji="1" lang="ja-JP" altLang="en-US" sz="800" smtClean="0">
+                          <a:solidFill>
+                            <a:schemeClr val="tx1"/>
+                          </a:solidFill>
+                        </a:rPr>
+                        <a:t>に実施したリフォーム： 防水工事、フローリング、玄関扉、クロス交換、室内扉、キッチン、トイレ・バス、洗面台、エコキュート、エアコン、インターフォン、排水管交換</a:t>
+                      </a:r>
+                      <a:r>
+                        <a:rPr kumimoji="1" lang="ja-JP" altLang="en-US" sz="800" smtClean="0">
+                          <a:solidFill>
+                            <a:schemeClr val="tx1"/>
+                          </a:solidFill>
+                        </a:rPr>
+                        <a:t>等</a:t>
+                      </a:r>
+                      <a:endParaRPr kumimoji="1" lang="en-CA" altLang="ja-JP" sz="800" dirty="0" smtClean="0">
                         <a:solidFill>
                           <a:schemeClr val="tx1"/>
                         </a:solidFill>
@@ -8673,9 +8681,89 @@
                     <a:p>
                       <a:pPr algn="l">
                         <a:buFont typeface="Arial" pitchFamily="34" charset="0"/>
-                        <a:buNone/>
+                        <a:buChar char="•"/>
                       </a:pPr>
-                      <a:endParaRPr kumimoji="1" lang="en-US" altLang="ja-JP" sz="300" dirty="0" smtClean="0">
+                      <a:r>
+                        <a:rPr kumimoji="1" lang="en-CA" altLang="ja-JP" sz="800" dirty="0" smtClean="0">
+                          <a:solidFill>
+                            <a:schemeClr val="tx1"/>
+                          </a:solidFill>
+                        </a:rPr>
+                        <a:t>  </a:t>
+                      </a:r>
+                      <a:r>
+                        <a:rPr kumimoji="1" lang="ja-JP" altLang="en-US" sz="800" smtClean="0">
+                          <a:solidFill>
+                            <a:schemeClr val="tx1"/>
+                          </a:solidFill>
+                        </a:rPr>
+                        <a:t>駐車場幅員約</a:t>
+                      </a:r>
+                      <a:r>
+                        <a:rPr kumimoji="1" lang="en-CA" altLang="ja-JP" sz="800" dirty="0" smtClean="0">
+                          <a:solidFill>
+                            <a:schemeClr val="tx1"/>
+                          </a:solidFill>
+                        </a:rPr>
+                        <a:t>2.8m</a:t>
+                      </a:r>
+                      <a:r>
+                        <a:rPr kumimoji="1" lang="ja-JP" altLang="en-US" sz="800" smtClean="0">
+                          <a:solidFill>
+                            <a:schemeClr val="tx1"/>
+                          </a:solidFill>
+                        </a:rPr>
+                        <a:t>、長さ約</a:t>
+                      </a:r>
+                      <a:r>
+                        <a:rPr kumimoji="1" lang="en-CA" altLang="ja-JP" sz="800" dirty="0" smtClean="0">
+                          <a:solidFill>
+                            <a:schemeClr val="tx1"/>
+                          </a:solidFill>
+                        </a:rPr>
+                        <a:t>4.</a:t>
+                      </a:r>
+                      <a:r>
+                        <a:rPr kumimoji="1" lang="en-US" altLang="ja-JP" sz="800" dirty="0" smtClean="0">
+                          <a:solidFill>
+                            <a:schemeClr val="tx1"/>
+                          </a:solidFill>
+                        </a:rPr>
+                        <a:t>7</a:t>
+                      </a:r>
+                      <a:r>
+                        <a:rPr kumimoji="1" lang="en-CA" altLang="ja-JP" sz="800" dirty="0" smtClean="0">
+                          <a:solidFill>
+                            <a:schemeClr val="tx1"/>
+                          </a:solidFill>
+                        </a:rPr>
+                        <a:t>m</a:t>
+                      </a:r>
+                      <a:r>
+                        <a:rPr kumimoji="1" lang="ja-JP" altLang="en-US" sz="800" smtClean="0">
+                          <a:solidFill>
+                            <a:schemeClr val="tx1"/>
+                          </a:solidFill>
+                        </a:rPr>
+                        <a:t>（内</a:t>
+                      </a:r>
+                      <a:r>
+                        <a:rPr kumimoji="1" lang="en-CA" altLang="ja-JP" sz="800" dirty="0" smtClean="0">
+                          <a:solidFill>
+                            <a:schemeClr val="tx1"/>
+                          </a:solidFill>
+                        </a:rPr>
+                        <a:t>1.5m</a:t>
+                      </a:r>
+                      <a:r>
+                        <a:rPr kumimoji="1" lang="ja-JP" altLang="en-US" sz="800" smtClean="0">
+                          <a:solidFill>
+                            <a:schemeClr val="tx1"/>
+                          </a:solidFill>
+                        </a:rPr>
+                        <a:t>が傾斜）</a:t>
+                      </a:r>
+                      <a:endParaRPr kumimoji="1" lang="en-US" altLang="ja-JP" sz="800" dirty="0" smtClean="0">
                         <a:solidFill>
                           <a:schemeClr val="tx1"/>
                         </a:solidFill>
@@ -8687,15 +8775,82 @@
                         <a:buChar char="•"/>
                       </a:pPr>
                       <a:r>
-                        <a:rPr kumimoji="1" lang="ja-JP" altLang="en-US" sz="700" smtClean="0">
-                          <a:solidFill>
-                            <a:schemeClr val="tx1"/>
-                          </a:solidFill>
-                        </a:rPr>
-                        <a:t>　通学地域：</a:t>
-                      </a:r>
-                      <a:r>
-                        <a:rPr kumimoji="1" lang="en-CA" altLang="ja-JP" sz="700" dirty="0" smtClean="0">
+                        <a:rPr kumimoji="1" lang="ja-JP" altLang="en-US" sz="800" smtClean="0">
+                          <a:solidFill>
+                            <a:schemeClr val="tx1"/>
+                          </a:solidFill>
+                        </a:rPr>
+                        <a:t>  </a:t>
+                      </a:r>
+                      <a:r>
+                        <a:rPr kumimoji="1" lang="en-CA" altLang="ja-JP" sz="800" dirty="0" smtClean="0">
+                          <a:solidFill>
+                            <a:schemeClr val="tx1"/>
+                          </a:solidFill>
+                        </a:rPr>
+                        <a:t>BBQ</a:t>
+                      </a:r>
+                      <a:r>
+                        <a:rPr kumimoji="1" lang="ja-JP" altLang="en-US" sz="800" smtClean="0">
+                          <a:solidFill>
+                            <a:schemeClr val="tx1"/>
+                          </a:solidFill>
+                        </a:rPr>
+                        <a:t>等に使って頂ける約</a:t>
+                      </a:r>
+                      <a:r>
+                        <a:rPr kumimoji="1" lang="en-CA" altLang="ja-JP" sz="800" dirty="0" smtClean="0">
+                          <a:solidFill>
+                            <a:schemeClr val="tx1"/>
+                          </a:solidFill>
+                        </a:rPr>
+                        <a:t>12m</a:t>
+                      </a:r>
+                      <a:r>
+                        <a:rPr kumimoji="1" lang="en-CA" altLang="ja-JP" sz="800" baseline="30000" dirty="0" smtClean="0">
+                          <a:solidFill>
+                            <a:schemeClr val="tx1"/>
+                          </a:solidFill>
+                        </a:rPr>
+                        <a:t>2</a:t>
+                      </a:r>
+                      <a:r>
+                        <a:rPr kumimoji="1" lang="ja-JP" altLang="en-US" sz="800" smtClean="0">
+                          <a:solidFill>
+                            <a:schemeClr val="tx1"/>
+                          </a:solidFill>
+                        </a:rPr>
+                        <a:t>の室外スペース</a:t>
+                      </a:r>
+                      <a:endParaRPr kumimoji="1" lang="en-US" altLang="ja-JP" sz="800" dirty="0" smtClean="0">
+                        <a:solidFill>
+                          <a:schemeClr val="tx1"/>
+                        </a:solidFill>
+                      </a:endParaRPr>
+                    </a:p>
+                    <a:p>
+                      <a:pPr algn="l">
+                        <a:buFont typeface="Arial" pitchFamily="34" charset="0"/>
+                        <a:buChar char="•"/>
+                      </a:pPr>
+                      <a:r>
+                        <a:rPr kumimoji="1" lang="ja-JP" altLang="en-US" sz="800" smtClean="0">
+                          <a:solidFill>
+                            <a:schemeClr val="tx1"/>
+                          </a:solidFill>
+                        </a:rPr>
+                        <a:t>  通</a:t>
+                      </a:r>
+                      <a:r>
+                        <a:rPr kumimoji="1" lang="ja-JP" altLang="en-US" sz="800" smtClean="0">
+                          <a:solidFill>
+                            <a:schemeClr val="tx1"/>
+                          </a:solidFill>
+                        </a:rPr>
+                        <a:t>学地域：</a:t>
+                      </a:r>
+                      <a:r>
+                        <a:rPr kumimoji="1" lang="en-CA" altLang="ja-JP" sz="800" dirty="0" smtClean="0">
                           <a:solidFill>
                             <a:schemeClr val="tx1"/>
                           </a:solidFill>
@@ -8703,14 +8858,14 @@
                         <a:t> </a:t>
                       </a:r>
                       <a:r>
-                        <a:rPr kumimoji="1" lang="ja-JP" altLang="en-US" sz="700" smtClean="0">
+                        <a:rPr kumimoji="1" lang="ja-JP" altLang="en-US" sz="800" smtClean="0">
                           <a:solidFill>
                             <a:schemeClr val="tx1"/>
                           </a:solidFill>
                         </a:rPr>
                         <a:t>稲村ケ崎小学校・御成中学校</a:t>
                       </a:r>
-                      <a:endParaRPr kumimoji="1" lang="en-US" altLang="ja-JP" sz="700" dirty="0" smtClean="0">
+                      <a:endParaRPr kumimoji="1" lang="en-US" altLang="ja-JP" sz="800" dirty="0" smtClean="0">
                         <a:solidFill>
                           <a:schemeClr val="tx1"/>
                         </a:solidFill>
@@ -8925,7 +9080,12 @@
                       <a:noFill/>
                       <a:prstDash val="solid"/>
                     </a:lnBlToTr>
-                    <a:noFill/>
+                    <a:solidFill>
+                      <a:schemeClr val="accent1">
+                        <a:lumMod val="20000"/>
+                        <a:lumOff val="80000"/>
+                      </a:schemeClr>
+                    </a:solidFill>
                   </a:tcPr>
                 </a:tc>
                 <a:tc>
@@ -8972,7 +9132,7 @@
                             <a:schemeClr val="tx1"/>
                           </a:solidFill>
                         </a:rPr>
-                        <a:t>5,430</a:t>
+                        <a:t>5,380</a:t>
                       </a:r>
                       <a:r>
                         <a:rPr lang="ja-JP" altLang="en-US" sz="1200" b="0" smtClean="0">
@@ -8980,7 +9140,15 @@
                             <a:schemeClr val="tx1"/>
                           </a:solidFill>
                         </a:rPr>
-                        <a:t>万円</a:t>
+                        <a:t>万</a:t>
+                      </a:r>
+                      <a:r>
+                        <a:rPr lang="ja-JP" altLang="en-US" sz="1200" b="0" smtClean="0">
+                          <a:solidFill>
+                            <a:schemeClr val="tx1"/>
+                          </a:solidFill>
+                        </a:rPr>
+                        <a:t>円</a:t>
                       </a:r>
                       <a:endParaRPr lang="en-CA" sz="1200" b="0" dirty="0">
                         <a:solidFill>
@@ -9034,7 +9202,12 @@
                       <a:noFill/>
                       <a:prstDash val="solid"/>
                     </a:lnBlToTr>
-                    <a:noFill/>
+                    <a:solidFill>
+                      <a:schemeClr val="accent1">
+                        <a:lumMod val="20000"/>
+                        <a:lumOff val="80000"/>
+                      </a:schemeClr>
+                    </a:solidFill>
                   </a:tcPr>
                 </a:tc>
                 <a:tc>
@@ -9151,7 +9324,12 @@
                       <a:noFill/>
                       <a:prstDash val="solid"/>
                     </a:lnBlToTr>
-                    <a:noFill/>
+                    <a:solidFill>
+                      <a:schemeClr val="accent1">
+                        <a:lumMod val="20000"/>
+                        <a:lumOff val="80000"/>
+                      </a:schemeClr>
+                    </a:solidFill>
                   </a:tcPr>
                 </a:tc>
                 <a:tc>
@@ -9292,7 +9470,12 @@
                       <a:noFill/>
                       <a:prstDash val="solid"/>
                     </a:lnBlToTr>
-                    <a:noFill/>
+                    <a:solidFill>
+                      <a:schemeClr val="accent1">
+                        <a:lumMod val="20000"/>
+                        <a:lumOff val="80000"/>
+                      </a:schemeClr>
+                    </a:solidFill>
                   </a:tcPr>
                 </a:tc>
               </a:tr>
@@ -9308,7 +9491,7 @@
         </p:nvGrpSpPr>
         <p:grpSpPr>
           <a:xfrm>
-            <a:off x="285720" y="1428736"/>
+            <a:off x="285720" y="1453302"/>
             <a:ext cx="3073387" cy="689814"/>
             <a:chOff x="285720" y="1428736"/>
             <a:chExt cx="3073387" cy="689814"/>
@@ -9596,14 +9779,18 @@
             <a:r>
               <a:rPr lang="ja-JP" altLang="en-US" smtClean="0">
                 <a:solidFill>
-                  <a:schemeClr val="bg1"/>
+                  <a:schemeClr val="bg1">
+                    <a:lumMod val="95000"/>
+                  </a:schemeClr>
                 </a:solidFill>
               </a:rPr>
               <a:t>鎌倉らしい落ち着いた住環境</a:t>
             </a:r>
             <a:endParaRPr lang="en-CA" dirty="0">
               <a:solidFill>
-                <a:schemeClr val="bg1"/>
+                <a:schemeClr val="bg1">
+                  <a:lumMod val="95000"/>
+                </a:schemeClr>
               </a:solidFill>
             </a:endParaRPr>
           </a:p>
@@ -9611,7 +9798,7 @@
       </p:sp>
       <p:pic>
         <p:nvPicPr>
-          <p:cNvPr id="2" name="Picture 2" descr="C:\Users\bluer\Dropbox\Others\property\portfolio\極楽寺\photo\exterior.JPG"/>
+          <p:cNvPr id="1027" name="Picture 3" descr="C:\Users\bluer\Dropbox\Others\property\portfolio\極楽寺\photo\bed (3).JPG"/>
           <p:cNvPicPr>
             <a:picLocks noChangeAspect="1" noChangeArrowheads="1"/>
           </p:cNvPicPr>
@@ -9625,35 +9812,9 @@
           </a:stretch>
         </p:blipFill>
         <p:spPr bwMode="auto">
-          <a:xfrm rot="5400000">
-            <a:off x="226188" y="2274086"/>
-            <a:ext cx="1619261" cy="1214446"/>
-          </a:xfrm>
-          <a:prstGeom prst="rect">
-            <a:avLst/>
-          </a:prstGeom>
-          <a:noFill/>
-        </p:spPr>
-      </p:pic>
-      <p:pic>
-        <p:nvPicPr>
-          <p:cNvPr id="1027" name="Picture 3" descr="C:\Users\bluer\Dropbox\Others\property\portfolio\極楽寺\photo\bed (3).JPG"/>
-          <p:cNvPicPr>
-            <a:picLocks noChangeAspect="1" noChangeArrowheads="1"/>
-          </p:cNvPicPr>
-          <p:nvPr/>
-        </p:nvPicPr>
-        <p:blipFill>
-          <a:blip r:embed="rId6" cstate="print"/>
-          <a:srcRect/>
-          <a:stretch>
-            <a:fillRect/>
-          </a:stretch>
-        </p:blipFill>
-        <p:spPr bwMode="auto">
           <a:xfrm>
-            <a:off x="214282" y="5072074"/>
-            <a:ext cx="1569599" cy="1177200"/>
+            <a:off x="214282" y="5125652"/>
+            <a:ext cx="1643074" cy="1232306"/>
           </a:xfrm>
           <a:prstGeom prst="rect">
             <a:avLst/>
@@ -9670,7 +9831,7 @@
           <p:nvPr/>
         </p:nvPicPr>
         <p:blipFill>
-          <a:blip r:embed="rId7" cstate="print"/>
+          <a:blip r:embed="rId6" cstate="print"/>
           <a:srcRect/>
           <a:stretch>
             <a:fillRect/>
@@ -9678,8 +9839,8 @@
         </p:blipFill>
         <p:spPr bwMode="auto">
           <a:xfrm>
-            <a:off x="1857356" y="5072074"/>
-            <a:ext cx="1571636" cy="1178727"/>
+            <a:off x="1928794" y="5125652"/>
+            <a:ext cx="1643074" cy="1232306"/>
           </a:xfrm>
           <a:prstGeom prst="rect">
             <a:avLst/>
@@ -9696,7 +9857,7 @@
           <p:nvPr/>
         </p:nvPicPr>
         <p:blipFill>
-          <a:blip r:embed="rId8" cstate="print"/>
+          <a:blip r:embed="rId7" cstate="print"/>
           <a:srcRect/>
           <a:stretch>
             <a:fillRect/>
@@ -9704,8 +9865,8 @@
         </p:blipFill>
         <p:spPr bwMode="auto">
           <a:xfrm>
-            <a:off x="214282" y="3786190"/>
-            <a:ext cx="1571636" cy="1178727"/>
+            <a:off x="1928794" y="3714752"/>
+            <a:ext cx="1643074" cy="1232306"/>
           </a:xfrm>
           <a:prstGeom prst="rect">
             <a:avLst/>
@@ -9722,7 +9883,7 @@
           <p:nvPr/>
         </p:nvPicPr>
         <p:blipFill>
-          <a:blip r:embed="rId9" cstate="print"/>
+          <a:blip r:embed="rId8" cstate="print"/>
           <a:srcRect/>
           <a:stretch>
             <a:fillRect/>
@@ -9730,8 +9891,8 @@
         </p:blipFill>
         <p:spPr bwMode="auto">
           <a:xfrm>
-            <a:off x="1857356" y="3786190"/>
-            <a:ext cx="1569600" cy="1177200"/>
+            <a:off x="3690930" y="5107792"/>
+            <a:ext cx="1666888" cy="1250166"/>
           </a:xfrm>
           <a:prstGeom prst="rect">
             <a:avLst/>
@@ -9741,7 +9902,33 @@
       </p:pic>
       <p:pic>
         <p:nvPicPr>
-          <p:cNvPr id="1028" name="Picture 4" descr="C:\Users\bluer\Dropbox\Others\property\portfolio\極楽寺\photo\P1011125.JPG"/>
+          <p:cNvPr id="5" name="Picture 3" descr="C:\Users\bluer\Dropbox\Dean Street\deanstreetlab.github.io\property\photo\bed (19).jpg"/>
+          <p:cNvPicPr>
+            <a:picLocks noChangeAspect="1" noChangeArrowheads="1"/>
+          </p:cNvPicPr>
+          <p:nvPr/>
+        </p:nvPicPr>
+        <p:blipFill>
+          <a:blip r:embed="rId9" cstate="print"/>
+          <a:srcRect/>
+          <a:stretch>
+            <a:fillRect/>
+          </a:stretch>
+        </p:blipFill>
+        <p:spPr bwMode="auto">
+          <a:xfrm>
+            <a:off x="214282" y="3714752"/>
+            <a:ext cx="1643074" cy="1232306"/>
+          </a:xfrm>
+          <a:prstGeom prst="rect">
+            <a:avLst/>
+          </a:prstGeom>
+          <a:noFill/>
+        </p:spPr>
+      </p:pic>
+      <p:pic>
+        <p:nvPicPr>
+          <p:cNvPr id="6" name="Picture 4" descr="C:\Users\bluer\Dropbox\Dean Street\deanstreetlab.github.io\property\photo\exterior (8).jpg"/>
           <p:cNvPicPr>
             <a:picLocks noChangeAspect="1" noChangeArrowheads="1"/>
           </p:cNvPicPr>
@@ -9756,8 +9943,8 @@
         </p:blipFill>
         <p:spPr bwMode="auto">
           <a:xfrm>
-            <a:off x="3571868" y="2357430"/>
-            <a:ext cx="1569600" cy="1177200"/>
+            <a:off x="214282" y="2339569"/>
+            <a:ext cx="1643074" cy="1232307"/>
           </a:xfrm>
           <a:prstGeom prst="rect">
             <a:avLst/>
@@ -9767,7 +9954,7 @@
       </p:pic>
       <p:pic>
         <p:nvPicPr>
-          <p:cNvPr id="1029" name="Picture 5" descr="C:\Users\bluer\Dropbox\Others\property\portfolio\極楽寺\photo\exterior (7).JPG"/>
+          <p:cNvPr id="7" name="Picture 5" descr="C:\Users\bluer\Dropbox\Dean Street\deanstreetlab.github.io\property\photo\exterior (21).jpg"/>
           <p:cNvPicPr>
             <a:picLocks noChangeAspect="1" noChangeArrowheads="1"/>
           </p:cNvPicPr>
@@ -9781,9 +9968,9 @@
           </a:stretch>
         </p:blipFill>
         <p:spPr bwMode="auto">
-          <a:xfrm rot="5400000">
-            <a:off x="1879270" y="2358590"/>
-            <a:ext cx="1620000" cy="1092323"/>
+          <a:xfrm>
+            <a:off x="1928794" y="2339570"/>
+            <a:ext cx="1643074" cy="1232306"/>
           </a:xfrm>
           <a:prstGeom prst="rect">
             <a:avLst/>

--- a/property/FactSheet.pptx
+++ b/property/FactSheet.pptx
@@ -3758,19 +3758,7 @@
               <a:rPr lang="ja-JP" altLang="en-US" sz="1000" smtClean="0">
                 <a:latin typeface="+mj-lt"/>
               </a:rPr>
-              <a:t>山・鎌倉駅・藤沢方面へもアクセスしやす</a:t>
-            </a:r>
-            <a:r>
-              <a:rPr lang="ja-JP" altLang="en-US" sz="1000" smtClean="0">
-                <a:latin typeface="+mj-lt"/>
-              </a:rPr>
-              <a:t>い住宅地で</a:t>
-            </a:r>
-            <a:r>
-              <a:rPr lang="ja-JP" altLang="en-US" sz="1000" smtClean="0">
-                <a:latin typeface="+mj-lt"/>
-              </a:rPr>
-              <a:t>す。</a:t>
+              <a:t>山・鎌倉駅・藤沢方面へもアクセスしやすい住宅地です。</a:t>
             </a:r>
             <a:r>
               <a:rPr lang="en-CA" altLang="ja-JP" sz="1000" dirty="0" smtClean="0">
@@ -8654,23 +8642,7 @@
                             <a:schemeClr val="tx1"/>
                           </a:solidFill>
                         </a:rPr>
-                        <a:t>年</a:t>
-                      </a:r>
-                      <a:r>
-                        <a:rPr kumimoji="1" lang="ja-JP" altLang="en-US" sz="800" smtClean="0">
-                          <a:solidFill>
-                            <a:schemeClr val="tx1"/>
-                          </a:solidFill>
-                        </a:rPr>
-                        <a:t>に実施したリフォーム： 防水工事、フローリング、玄関扉、クロス交換、室内扉、キッチン、トイレ・バス、洗面台、エコキュート、エアコン、インターフォン、排水管交換</a:t>
-                      </a:r>
-                      <a:r>
-                        <a:rPr kumimoji="1" lang="ja-JP" altLang="en-US" sz="800" smtClean="0">
-                          <a:solidFill>
-                            <a:schemeClr val="tx1"/>
-                          </a:solidFill>
-                        </a:rPr>
-                        <a:t>等</a:t>
+                        <a:t>年に実施したリフォーム： 防水工事、フローリング、玄関扉、クロス交換、室内扉、キッチン、トイレ・バス、洗面台、エコキュート、エアコン、インターフォン、排水管交換等</a:t>
                       </a:r>
                       <a:endParaRPr kumimoji="1" lang="en-CA" altLang="ja-JP" sz="800" dirty="0" smtClean="0">
                         <a:solidFill>
@@ -8839,15 +8811,7 @@
                             <a:schemeClr val="tx1"/>
                           </a:solidFill>
                         </a:rPr>
-                        <a:t>  通</a:t>
-                      </a:r>
-                      <a:r>
-                        <a:rPr kumimoji="1" lang="ja-JP" altLang="en-US" sz="800" smtClean="0">
-                          <a:solidFill>
-                            <a:schemeClr val="tx1"/>
-                          </a:solidFill>
-                        </a:rPr>
-                        <a:t>学地域：</a:t>
+                        <a:t>  通学地域：</a:t>
                       </a:r>
                       <a:r>
                         <a:rPr kumimoji="1" lang="en-CA" altLang="ja-JP" sz="800" dirty="0" smtClean="0">
@@ -9140,15 +9104,7 @@
                             <a:schemeClr val="tx1"/>
                           </a:solidFill>
                         </a:rPr>
-                        <a:t>万</a:t>
-                      </a:r>
-                      <a:r>
-                        <a:rPr lang="ja-JP" altLang="en-US" sz="1200" b="0" smtClean="0">
-                          <a:solidFill>
-                            <a:schemeClr val="tx1"/>
-                          </a:solidFill>
-                        </a:rPr>
-                        <a:t>円</a:t>
+                        <a:t>万円</a:t>
                       </a:r>
                       <a:endParaRPr lang="en-CA" sz="1200" b="0" dirty="0">
                         <a:solidFill>
@@ -9954,7 +9910,7 @@
       </p:pic>
       <p:pic>
         <p:nvPicPr>
-          <p:cNvPr id="7" name="Picture 5" descr="C:\Users\bluer\Dropbox\Dean Street\deanstreetlab.github.io\property\photo\exterior (21).jpg"/>
+          <p:cNvPr id="2" name="Picture 2" descr="C:\Users\bluer\Dropbox\Dean Street\deanstreetlab.github.io\property\photo\exterior (18).jpg"/>
           <p:cNvPicPr>
             <a:picLocks noChangeAspect="1" noChangeArrowheads="1"/>
           </p:cNvPicPr>
@@ -9969,8 +9925,8 @@
         </p:blipFill>
         <p:spPr bwMode="auto">
           <a:xfrm>
-            <a:off x="1928794" y="2339570"/>
-            <a:ext cx="1643074" cy="1232306"/>
+            <a:off x="1930268" y="2339569"/>
+            <a:ext cx="1641600" cy="1231200"/>
           </a:xfrm>
           <a:prstGeom prst="rect">
             <a:avLst/>

--- a/property/FactSheet.pptx
+++ b/property/FactSheet.pptx
@@ -9884,7 +9884,7 @@
       </p:pic>
       <p:pic>
         <p:nvPicPr>
-          <p:cNvPr id="6" name="Picture 4" descr="C:\Users\bluer\Dropbox\Dean Street\deanstreetlab.github.io\property\photo\exterior (8).jpg"/>
+          <p:cNvPr id="2" name="Picture 2" descr="C:\Users\bluer\Dropbox\Dean Street\deanstreetlab.github.io\property\photo\exterior (18).jpg"/>
           <p:cNvPicPr>
             <a:picLocks noChangeAspect="1" noChangeArrowheads="1"/>
           </p:cNvPicPr>
@@ -9899,8 +9899,8 @@
         </p:blipFill>
         <p:spPr bwMode="auto">
           <a:xfrm>
-            <a:off x="214282" y="2339569"/>
-            <a:ext cx="1643074" cy="1232307"/>
+            <a:off x="1930268" y="2339569"/>
+            <a:ext cx="1641600" cy="1231200"/>
           </a:xfrm>
           <a:prstGeom prst="rect">
             <a:avLst/>
@@ -9910,7 +9910,7 @@
       </p:pic>
       <p:pic>
         <p:nvPicPr>
-          <p:cNvPr id="2" name="Picture 2" descr="C:\Users\bluer\Dropbox\Dean Street\deanstreetlab.github.io\property\photo\exterior (18).jpg"/>
+          <p:cNvPr id="3" name="Picture 2" descr="C:\Users\bluer\Dropbox\Dean Street\deanstreetlab.github.io\property\photo\exterior (21).jpg"/>
           <p:cNvPicPr>
             <a:picLocks noChangeAspect="1" noChangeArrowheads="1"/>
           </p:cNvPicPr>
@@ -9925,7 +9925,7 @@
         </p:blipFill>
         <p:spPr bwMode="auto">
           <a:xfrm>
-            <a:off x="1930268" y="2339569"/>
+            <a:off x="214282" y="2339569"/>
             <a:ext cx="1641600" cy="1231200"/>
           </a:xfrm>
           <a:prstGeom prst="rect">

--- a/property/FactSheet.pptx
+++ b/property/FactSheet.pptx
@@ -289,7 +289,7 @@
             <a:fld id="{EE8207FA-4240-4AB9-9E67-28F9831826F8}" type="datetimeFigureOut">
               <a:rPr kumimoji="1" lang="ja-JP" altLang="en-US" smtClean="0"/>
               <a:pPr/>
-              <a:t>2021/12/4</a:t>
+              <a:t>2021/12/27</a:t>
             </a:fld>
             <a:endParaRPr kumimoji="1" lang="ja-JP" altLang="en-US"/>
           </a:p>
@@ -456,7 +456,7 @@
             <a:fld id="{EE8207FA-4240-4AB9-9E67-28F9831826F8}" type="datetimeFigureOut">
               <a:rPr kumimoji="1" lang="ja-JP" altLang="en-US" smtClean="0"/>
               <a:pPr/>
-              <a:t>2021/12/4</a:t>
+              <a:t>2021/12/27</a:t>
             </a:fld>
             <a:endParaRPr kumimoji="1" lang="ja-JP" altLang="en-US"/>
           </a:p>
@@ -633,7 +633,7 @@
             <a:fld id="{EE8207FA-4240-4AB9-9E67-28F9831826F8}" type="datetimeFigureOut">
               <a:rPr kumimoji="1" lang="ja-JP" altLang="en-US" smtClean="0"/>
               <a:pPr/>
-              <a:t>2021/12/4</a:t>
+              <a:t>2021/12/27</a:t>
             </a:fld>
             <a:endParaRPr kumimoji="1" lang="ja-JP" altLang="en-US"/>
           </a:p>
@@ -800,7 +800,7 @@
             <a:fld id="{EE8207FA-4240-4AB9-9E67-28F9831826F8}" type="datetimeFigureOut">
               <a:rPr kumimoji="1" lang="ja-JP" altLang="en-US" smtClean="0"/>
               <a:pPr/>
-              <a:t>2021/12/4</a:t>
+              <a:t>2021/12/27</a:t>
             </a:fld>
             <a:endParaRPr kumimoji="1" lang="ja-JP" altLang="en-US"/>
           </a:p>
@@ -1043,7 +1043,7 @@
             <a:fld id="{EE8207FA-4240-4AB9-9E67-28F9831826F8}" type="datetimeFigureOut">
               <a:rPr kumimoji="1" lang="ja-JP" altLang="en-US" smtClean="0"/>
               <a:pPr/>
-              <a:t>2021/12/4</a:t>
+              <a:t>2021/12/27</a:t>
             </a:fld>
             <a:endParaRPr kumimoji="1" lang="ja-JP" altLang="en-US"/>
           </a:p>
@@ -1328,7 +1328,7 @@
             <a:fld id="{EE8207FA-4240-4AB9-9E67-28F9831826F8}" type="datetimeFigureOut">
               <a:rPr kumimoji="1" lang="ja-JP" altLang="en-US" smtClean="0"/>
               <a:pPr/>
-              <a:t>2021/12/4</a:t>
+              <a:t>2021/12/27</a:t>
             </a:fld>
             <a:endParaRPr kumimoji="1" lang="ja-JP" altLang="en-US"/>
           </a:p>
@@ -1747,7 +1747,7 @@
             <a:fld id="{EE8207FA-4240-4AB9-9E67-28F9831826F8}" type="datetimeFigureOut">
               <a:rPr kumimoji="1" lang="ja-JP" altLang="en-US" smtClean="0"/>
               <a:pPr/>
-              <a:t>2021/12/4</a:t>
+              <a:t>2021/12/27</a:t>
             </a:fld>
             <a:endParaRPr kumimoji="1" lang="ja-JP" altLang="en-US"/>
           </a:p>
@@ -1862,7 +1862,7 @@
             <a:fld id="{EE8207FA-4240-4AB9-9E67-28F9831826F8}" type="datetimeFigureOut">
               <a:rPr kumimoji="1" lang="ja-JP" altLang="en-US" smtClean="0"/>
               <a:pPr/>
-              <a:t>2021/12/4</a:t>
+              <a:t>2021/12/27</a:t>
             </a:fld>
             <a:endParaRPr kumimoji="1" lang="ja-JP" altLang="en-US"/>
           </a:p>
@@ -1954,7 +1954,7 @@
             <a:fld id="{EE8207FA-4240-4AB9-9E67-28F9831826F8}" type="datetimeFigureOut">
               <a:rPr kumimoji="1" lang="ja-JP" altLang="en-US" smtClean="0"/>
               <a:pPr/>
-              <a:t>2021/12/4</a:t>
+              <a:t>2021/12/27</a:t>
             </a:fld>
             <a:endParaRPr kumimoji="1" lang="ja-JP" altLang="en-US"/>
           </a:p>
@@ -2228,7 +2228,7 @@
             <a:fld id="{EE8207FA-4240-4AB9-9E67-28F9831826F8}" type="datetimeFigureOut">
               <a:rPr kumimoji="1" lang="ja-JP" altLang="en-US" smtClean="0"/>
               <a:pPr/>
-              <a:t>2021/12/4</a:t>
+              <a:t>2021/12/27</a:t>
             </a:fld>
             <a:endParaRPr kumimoji="1" lang="ja-JP" altLang="en-US"/>
           </a:p>
@@ -2478,7 +2478,7 @@
             <a:fld id="{EE8207FA-4240-4AB9-9E67-28F9831826F8}" type="datetimeFigureOut">
               <a:rPr kumimoji="1" lang="ja-JP" altLang="en-US" smtClean="0"/>
               <a:pPr/>
-              <a:t>2021/12/4</a:t>
+              <a:t>2021/12/27</a:t>
             </a:fld>
             <a:endParaRPr kumimoji="1" lang="ja-JP" altLang="en-US"/>
           </a:p>
@@ -2688,7 +2688,7 @@
             <a:fld id="{EE8207FA-4240-4AB9-9E67-28F9831826F8}" type="datetimeFigureOut">
               <a:rPr kumimoji="1" lang="ja-JP" altLang="en-US" smtClean="0"/>
               <a:pPr/>
-              <a:t>2021/12/4</a:t>
+              <a:t>2021/12/27</a:t>
             </a:fld>
             <a:endParaRPr kumimoji="1" lang="ja-JP" altLang="en-US"/>
           </a:p>
@@ -3059,664 +3059,32 @@
           <a:chExt cx="0" cy="0"/>
         </a:xfrm>
       </p:grpSpPr>
-      <p:grpSp>
-        <p:nvGrpSpPr>
-          <p:cNvPr id="71" name="Group 70"/>
-          <p:cNvGrpSpPr/>
+      <p:pic>
+        <p:nvPicPr>
+          <p:cNvPr id="1026" name="Picture 2" descr="C:\Users\bluer\Dropbox\Dean Street\deanstreetlab.github.io\property\photo\floorplan\floorplan.png"/>
+          <p:cNvPicPr>
+            <a:picLocks noChangeAspect="1" noChangeArrowheads="1"/>
+          </p:cNvPicPr>
           <p:nvPr/>
-        </p:nvGrpSpPr>
-        <p:grpSpPr>
+        </p:nvPicPr>
+        <p:blipFill>
+          <a:blip r:embed="rId2"/>
+          <a:srcRect/>
+          <a:stretch>
+            <a:fillRect/>
+          </a:stretch>
+        </p:blipFill>
+        <p:spPr bwMode="auto">
           <a:xfrm>
-            <a:off x="3643306" y="2143495"/>
-            <a:ext cx="2672846" cy="2857141"/>
-            <a:chOff x="3500430" y="2741720"/>
-            <a:chExt cx="2672846" cy="2857141"/>
+            <a:off x="285720" y="3786190"/>
+            <a:ext cx="2357454" cy="2710331"/>
           </a:xfrm>
-        </p:grpSpPr>
-        <p:grpSp>
-          <p:nvGrpSpPr>
-            <p:cNvPr id="70" name="Group 69"/>
-            <p:cNvGrpSpPr/>
-            <p:nvPr/>
-          </p:nvGrpSpPr>
-          <p:grpSpPr>
-            <a:xfrm>
-              <a:off x="3500431" y="4143380"/>
-              <a:ext cx="2357454" cy="1455481"/>
-              <a:chOff x="305399" y="2456815"/>
-              <a:chExt cx="2682425" cy="1712113"/>
-            </a:xfrm>
-          </p:grpSpPr>
-          <p:pic>
-            <p:nvPicPr>
-              <p:cNvPr id="28" name="Picture 27" descr="Untitled1.png"/>
-              <p:cNvPicPr>
-                <a:picLocks noChangeAspect="1"/>
-              </p:cNvPicPr>
-              <p:nvPr/>
-            </p:nvPicPr>
-            <p:blipFill>
-              <a:blip r:embed="rId2" cstate="print"/>
-              <a:stretch>
-                <a:fillRect/>
-              </a:stretch>
-            </p:blipFill>
-            <p:spPr>
-              <a:xfrm>
-                <a:off x="305399" y="2656760"/>
-                <a:ext cx="2682425" cy="1512168"/>
-              </a:xfrm>
-              <a:prstGeom prst="rect">
-                <a:avLst/>
-              </a:prstGeom>
-            </p:spPr>
-          </p:pic>
-          <p:sp>
-            <p:nvSpPr>
-              <p:cNvPr id="48" name="TextBox 47"/>
-              <p:cNvSpPr txBox="1"/>
-              <p:nvPr/>
-            </p:nvSpPr>
-            <p:spPr>
-              <a:xfrm>
-                <a:off x="2581395" y="2456815"/>
-                <a:ext cx="309700" cy="246220"/>
-              </a:xfrm>
-              <a:prstGeom prst="rect">
-                <a:avLst/>
-              </a:prstGeom>
-              <a:noFill/>
-            </p:spPr>
-            <p:txBody>
-              <a:bodyPr wrap="none" rtlCol="0">
-                <a:spAutoFit/>
-              </a:bodyPr>
-              <a:lstStyle/>
-              <a:p>
-                <a:r>
-                  <a:rPr kumimoji="1" lang="en-CA" altLang="ja-JP" sz="1000" b="1" dirty="0" smtClean="0"/>
-                  <a:t>2F</a:t>
-                </a:r>
-                <a:endParaRPr kumimoji="1" lang="ja-JP" altLang="en-US" sz="1000" b="1"/>
-              </a:p>
-            </p:txBody>
-          </p:sp>
-          <p:sp>
-            <p:nvSpPr>
-              <p:cNvPr id="51" name="TextBox 50"/>
-              <p:cNvSpPr txBox="1"/>
-              <p:nvPr/>
-            </p:nvSpPr>
-            <p:spPr>
-              <a:xfrm>
-                <a:off x="2253582" y="3336957"/>
-                <a:ext cx="553028" cy="380146"/>
-              </a:xfrm>
-              <a:prstGeom prst="rect">
-                <a:avLst/>
-              </a:prstGeom>
-              <a:noFill/>
-            </p:spPr>
-            <p:txBody>
-              <a:bodyPr wrap="none" rtlCol="0">
-                <a:spAutoFit/>
-              </a:bodyPr>
-              <a:lstStyle/>
-              <a:p>
-                <a:r>
-                  <a:rPr kumimoji="1" lang="ja-JP" altLang="en-US" sz="750" smtClean="0"/>
-                  <a:t>洋室</a:t>
-                </a:r>
-                <a:endParaRPr kumimoji="1" lang="en-US" altLang="ja-JP" sz="750" dirty="0" smtClean="0"/>
-              </a:p>
-              <a:p>
-                <a:r>
-                  <a:rPr lang="ja-JP" altLang="en-US" sz="750" smtClean="0"/>
-                  <a:t>約</a:t>
-                </a:r>
-                <a:r>
-                  <a:rPr lang="en-US" altLang="ja-JP" sz="750" dirty="0" smtClean="0"/>
-                  <a:t>18m</a:t>
-                </a:r>
-                <a:r>
-                  <a:rPr lang="en-US" altLang="ja-JP" sz="750" baseline="30000" dirty="0" smtClean="0"/>
-                  <a:t>2</a:t>
-                </a:r>
-                <a:endParaRPr kumimoji="1" lang="ja-JP" altLang="en-US" sz="750"/>
-              </a:p>
-            </p:txBody>
-          </p:sp>
-          <p:sp>
-            <p:nvSpPr>
-              <p:cNvPr id="52" name="TextBox 51"/>
-              <p:cNvSpPr txBox="1"/>
-              <p:nvPr/>
-            </p:nvSpPr>
-            <p:spPr>
-              <a:xfrm>
-                <a:off x="467544" y="3336957"/>
-                <a:ext cx="553028" cy="380146"/>
-              </a:xfrm>
-              <a:prstGeom prst="rect">
-                <a:avLst/>
-              </a:prstGeom>
-              <a:noFill/>
-            </p:spPr>
-            <p:txBody>
-              <a:bodyPr wrap="none" rtlCol="0">
-                <a:spAutoFit/>
-              </a:bodyPr>
-              <a:lstStyle/>
-              <a:p>
-                <a:r>
-                  <a:rPr kumimoji="1" lang="ja-JP" altLang="en-US" sz="750" smtClean="0"/>
-                  <a:t>洋室</a:t>
-                </a:r>
-                <a:endParaRPr kumimoji="1" lang="en-US" altLang="ja-JP" sz="750" dirty="0" smtClean="0"/>
-              </a:p>
-              <a:p>
-                <a:r>
-                  <a:rPr lang="ja-JP" altLang="en-US" sz="750" smtClean="0"/>
-                  <a:t>約</a:t>
-                </a:r>
-                <a:r>
-                  <a:rPr lang="en-US" altLang="ja-JP" sz="750" dirty="0" smtClean="0"/>
-                  <a:t>18m</a:t>
-                </a:r>
-                <a:r>
-                  <a:rPr lang="en-US" altLang="ja-JP" sz="750" baseline="30000" dirty="0" smtClean="0"/>
-                  <a:t>2</a:t>
-                </a:r>
-                <a:endParaRPr kumimoji="1" lang="ja-JP" altLang="en-US" sz="750"/>
-              </a:p>
-            </p:txBody>
-          </p:sp>
-          <p:sp>
-            <p:nvSpPr>
-              <p:cNvPr id="53" name="TextBox 52"/>
-              <p:cNvSpPr txBox="1"/>
-              <p:nvPr/>
-            </p:nvSpPr>
-            <p:spPr>
-              <a:xfrm>
-                <a:off x="1331640" y="3676962"/>
-                <a:ext cx="498309" cy="380146"/>
-              </a:xfrm>
-              <a:prstGeom prst="rect">
-                <a:avLst/>
-              </a:prstGeom>
-              <a:noFill/>
-            </p:spPr>
-            <p:txBody>
-              <a:bodyPr wrap="none" rtlCol="0">
-                <a:spAutoFit/>
-              </a:bodyPr>
-              <a:lstStyle/>
-              <a:p>
-                <a:r>
-                  <a:rPr kumimoji="1" lang="ja-JP" altLang="en-US" sz="750" smtClean="0"/>
-                  <a:t>洋室</a:t>
-                </a:r>
-                <a:endParaRPr kumimoji="1" lang="en-US" altLang="ja-JP" sz="750" dirty="0" smtClean="0"/>
-              </a:p>
-              <a:p>
-                <a:r>
-                  <a:rPr lang="ja-JP" altLang="en-US" sz="750" smtClean="0"/>
-                  <a:t>約</a:t>
-                </a:r>
-                <a:r>
-                  <a:rPr lang="en-US" altLang="ja-JP" sz="750" dirty="0" smtClean="0"/>
-                  <a:t>6m</a:t>
-                </a:r>
-                <a:r>
-                  <a:rPr lang="en-US" altLang="ja-JP" sz="750" baseline="30000" dirty="0" smtClean="0"/>
-                  <a:t>2</a:t>
-                </a:r>
-                <a:endParaRPr kumimoji="1" lang="ja-JP" altLang="en-US" sz="750"/>
-              </a:p>
-            </p:txBody>
-          </p:sp>
-          <p:sp>
-            <p:nvSpPr>
-              <p:cNvPr id="38" name="TextBox 37"/>
-              <p:cNvSpPr txBox="1"/>
-              <p:nvPr/>
-            </p:nvSpPr>
-            <p:spPr>
-              <a:xfrm>
-                <a:off x="1707640" y="2908863"/>
-                <a:ext cx="467327" cy="235329"/>
-              </a:xfrm>
-              <a:prstGeom prst="rect">
-                <a:avLst/>
-              </a:prstGeom>
-              <a:noFill/>
-            </p:spPr>
-            <p:txBody>
-              <a:bodyPr wrap="square" rtlCol="0">
-                <a:spAutoFit/>
-              </a:bodyPr>
-              <a:lstStyle/>
-              <a:p>
-                <a:r>
-                  <a:rPr lang="ja-JP" altLang="en-US" sz="700" smtClean="0"/>
-                  <a:t>収納</a:t>
-                </a:r>
-                <a:endParaRPr lang="en-US" altLang="ja-JP" sz="700" dirty="0" smtClean="0"/>
-              </a:p>
-            </p:txBody>
-          </p:sp>
-          <p:sp>
-            <p:nvSpPr>
-              <p:cNvPr id="39" name="TextBox 38"/>
-              <p:cNvSpPr txBox="1"/>
-              <p:nvPr/>
-            </p:nvSpPr>
-            <p:spPr>
-              <a:xfrm>
-                <a:off x="1199540" y="3000372"/>
-                <a:ext cx="428627" cy="169277"/>
-              </a:xfrm>
-              <a:prstGeom prst="rect">
-                <a:avLst/>
-              </a:prstGeom>
-              <a:noFill/>
-            </p:spPr>
-            <p:txBody>
-              <a:bodyPr wrap="square" rtlCol="0">
-                <a:spAutoFit/>
-              </a:bodyPr>
-              <a:lstStyle/>
-              <a:p>
-                <a:r>
-                  <a:rPr lang="ja-JP" altLang="en-US" sz="500" smtClean="0"/>
-                  <a:t>トイレ</a:t>
-                </a:r>
-                <a:endParaRPr lang="en-US" altLang="ja-JP" sz="500" dirty="0" smtClean="0"/>
-              </a:p>
-            </p:txBody>
-          </p:sp>
-        </p:grpSp>
-        <p:grpSp>
-          <p:nvGrpSpPr>
-            <p:cNvPr id="69" name="Group 68"/>
-            <p:cNvGrpSpPr/>
-            <p:nvPr/>
-          </p:nvGrpSpPr>
-          <p:grpSpPr>
-            <a:xfrm>
-              <a:off x="3500430" y="2741720"/>
-              <a:ext cx="2672846" cy="1458285"/>
-              <a:chOff x="3143240" y="1927670"/>
-              <a:chExt cx="2958598" cy="1678181"/>
-            </a:xfrm>
-          </p:grpSpPr>
-          <p:grpSp>
-            <p:nvGrpSpPr>
-              <p:cNvPr id="55" name="Group 54"/>
-              <p:cNvGrpSpPr/>
-              <p:nvPr/>
-            </p:nvGrpSpPr>
-            <p:grpSpPr>
-              <a:xfrm>
-                <a:off x="3143240" y="1927670"/>
-                <a:ext cx="2958598" cy="1678181"/>
-                <a:chOff x="3191878" y="2465199"/>
-                <a:chExt cx="2958598" cy="1678181"/>
-              </a:xfrm>
-            </p:grpSpPr>
-            <p:sp>
-              <p:nvSpPr>
-                <p:cNvPr id="49" name="TextBox 48"/>
-                <p:cNvSpPr txBox="1"/>
-                <p:nvPr/>
-              </p:nvSpPr>
-              <p:spPr>
-                <a:xfrm>
-                  <a:off x="5379480" y="2465199"/>
-                  <a:ext cx="342810" cy="283349"/>
-                </a:xfrm>
-                <a:prstGeom prst="rect">
-                  <a:avLst/>
-                </a:prstGeom>
-                <a:noFill/>
-              </p:spPr>
-              <p:txBody>
-                <a:bodyPr wrap="none" rtlCol="0">
-                  <a:spAutoFit/>
-                </a:bodyPr>
-                <a:lstStyle/>
-                <a:p>
-                  <a:r>
-                    <a:rPr lang="en-CA" altLang="ja-JP" sz="1000" b="1" dirty="0" smtClean="0"/>
-                    <a:t>1F</a:t>
-                  </a:r>
-                  <a:endParaRPr kumimoji="1" lang="ja-JP" altLang="en-US" sz="1000" b="1"/>
-                </a:p>
-              </p:txBody>
-            </p:sp>
-            <p:sp>
-              <p:nvSpPr>
-                <p:cNvPr id="32" name="TextBox 31"/>
-                <p:cNvSpPr txBox="1"/>
-                <p:nvPr/>
-              </p:nvSpPr>
-              <p:spPr>
-                <a:xfrm>
-                  <a:off x="5286379" y="3286124"/>
-                  <a:ext cx="864097" cy="215444"/>
-                </a:xfrm>
-                <a:prstGeom prst="rect">
-                  <a:avLst/>
-                </a:prstGeom>
-                <a:noFill/>
-              </p:spPr>
-              <p:txBody>
-                <a:bodyPr wrap="square" rtlCol="0">
-                  <a:spAutoFit/>
-                </a:bodyPr>
-                <a:lstStyle/>
-                <a:p>
-                  <a:r>
-                    <a:rPr lang="ja-JP" altLang="en-US" sz="800" smtClean="0"/>
-                    <a:t>玄関</a:t>
-                  </a:r>
-                  <a:endParaRPr lang="en-US" altLang="ja-JP" sz="800" dirty="0" smtClean="0"/>
-                </a:p>
-              </p:txBody>
-            </p:sp>
-            <p:grpSp>
-              <p:nvGrpSpPr>
-                <p:cNvPr id="42" name="Group 41"/>
-                <p:cNvGrpSpPr/>
-                <p:nvPr/>
-              </p:nvGrpSpPr>
-              <p:grpSpPr>
-                <a:xfrm>
-                  <a:off x="3191878" y="2465905"/>
-                  <a:ext cx="2777476" cy="1677475"/>
-                  <a:chOff x="3131840" y="2494180"/>
-                  <a:chExt cx="2777476" cy="1677475"/>
-                </a:xfrm>
-              </p:grpSpPr>
-              <p:pic>
-                <p:nvPicPr>
-                  <p:cNvPr id="26" name="Picture 25" descr="Untitled.png"/>
-                  <p:cNvPicPr>
-                    <a:picLocks noChangeAspect="1"/>
-                  </p:cNvPicPr>
-                  <p:nvPr/>
-                </p:nvPicPr>
-                <p:blipFill>
-                  <a:blip r:embed="rId3" cstate="print"/>
-                  <a:stretch>
-                    <a:fillRect/>
-                  </a:stretch>
-                </p:blipFill>
-                <p:spPr>
-                  <a:xfrm>
-                    <a:off x="3131840" y="2708920"/>
-                    <a:ext cx="2777476" cy="1462735"/>
-                  </a:xfrm>
-                  <a:prstGeom prst="rect">
-                    <a:avLst/>
-                  </a:prstGeom>
-                </p:spPr>
-              </p:pic>
-              <p:sp>
-                <p:nvSpPr>
-                  <p:cNvPr id="54" name="TextBox 53"/>
-                  <p:cNvSpPr txBox="1"/>
-                  <p:nvPr/>
-                </p:nvSpPr>
-                <p:spPr>
-                  <a:xfrm>
-                    <a:off x="3571868" y="3500438"/>
-                    <a:ext cx="864096" cy="338554"/>
-                  </a:xfrm>
-                  <a:prstGeom prst="rect">
-                    <a:avLst/>
-                  </a:prstGeom>
-                  <a:noFill/>
-                </p:spPr>
-                <p:txBody>
-                  <a:bodyPr wrap="square" rtlCol="0">
-                    <a:spAutoFit/>
-                  </a:bodyPr>
-                  <a:lstStyle/>
-                  <a:p>
-                    <a:r>
-                      <a:rPr lang="en-US" altLang="ja-JP" sz="800" dirty="0" smtClean="0"/>
-                      <a:t>Living Dining</a:t>
-                    </a:r>
-                  </a:p>
-                  <a:p>
-                    <a:r>
-                      <a:rPr lang="ja-JP" altLang="en-US" sz="800" smtClean="0"/>
-                      <a:t>約</a:t>
-                    </a:r>
-                    <a:r>
-                      <a:rPr lang="en-US" altLang="ja-JP" sz="800" dirty="0" smtClean="0"/>
-                      <a:t>28m</a:t>
-                    </a:r>
-                    <a:r>
-                      <a:rPr lang="en-US" altLang="ja-JP" sz="800" baseline="30000" dirty="0" smtClean="0"/>
-                      <a:t>2</a:t>
-                    </a:r>
-                    <a:endParaRPr kumimoji="1" lang="ja-JP" altLang="en-US" sz="800"/>
-                  </a:p>
-                </p:txBody>
-              </p:sp>
-              <p:pic>
-                <p:nvPicPr>
-                  <p:cNvPr id="1026" name="Picture 2" descr="Image result for 北 マーク"/>
-                  <p:cNvPicPr>
-                    <a:picLocks noChangeAspect="1" noChangeArrowheads="1"/>
-                  </p:cNvPicPr>
-                  <p:nvPr/>
-                </p:nvPicPr>
-                <p:blipFill>
-                  <a:blip r:embed="rId4" cstate="print"/>
-                  <a:srcRect/>
-                  <a:stretch>
-                    <a:fillRect/>
-                  </a:stretch>
-                </p:blipFill>
-                <p:spPr bwMode="auto">
-                  <a:xfrm rot="1200000">
-                    <a:off x="5575359" y="2494180"/>
-                    <a:ext cx="216024" cy="216024"/>
-                  </a:xfrm>
-                  <a:prstGeom prst="rect">
-                    <a:avLst/>
-                  </a:prstGeom>
-                  <a:noFill/>
-                </p:spPr>
-              </p:pic>
-              <p:sp>
-                <p:nvSpPr>
-                  <p:cNvPr id="25" name="TextBox 24"/>
-                  <p:cNvSpPr txBox="1"/>
-                  <p:nvPr/>
-                </p:nvSpPr>
-                <p:spPr>
-                  <a:xfrm>
-                    <a:off x="4140726" y="2852936"/>
-                    <a:ext cx="303773" cy="200055"/>
-                  </a:xfrm>
-                  <a:prstGeom prst="rect">
-                    <a:avLst/>
-                  </a:prstGeom>
-                  <a:noFill/>
-                </p:spPr>
-                <p:txBody>
-                  <a:bodyPr wrap="none" rtlCol="0">
-                    <a:spAutoFit/>
-                  </a:bodyPr>
-                  <a:lstStyle/>
-                  <a:p>
-                    <a:r>
-                      <a:rPr kumimoji="1" lang="ja-JP" altLang="en-US" sz="700" smtClean="0"/>
-                      <a:t>洗</a:t>
-                    </a:r>
-                    <a:endParaRPr kumimoji="1" lang="ja-JP" altLang="en-US" sz="700"/>
-                  </a:p>
-                </p:txBody>
-              </p:sp>
-              <p:sp>
-                <p:nvSpPr>
-                  <p:cNvPr id="34" name="TextBox 33"/>
-                  <p:cNvSpPr txBox="1"/>
-                  <p:nvPr/>
-                </p:nvSpPr>
-                <p:spPr>
-                  <a:xfrm>
-                    <a:off x="4989228" y="3566176"/>
-                    <a:ext cx="500066" cy="200055"/>
-                  </a:xfrm>
-                  <a:prstGeom prst="rect">
-                    <a:avLst/>
-                  </a:prstGeom>
-                  <a:noFill/>
-                </p:spPr>
-                <p:txBody>
-                  <a:bodyPr wrap="square" rtlCol="0">
-                    <a:spAutoFit/>
-                  </a:bodyPr>
-                  <a:lstStyle/>
-                  <a:p>
-                    <a:r>
-                      <a:rPr lang="ja-JP" altLang="en-US" sz="700" smtClean="0"/>
-                      <a:t>洗面室</a:t>
-                    </a:r>
-                    <a:endParaRPr lang="en-US" altLang="ja-JP" sz="700" dirty="0" smtClean="0"/>
-                  </a:p>
-                </p:txBody>
-              </p:sp>
-              <p:sp>
-                <p:nvSpPr>
-                  <p:cNvPr id="36" name="TextBox 35"/>
-                  <p:cNvSpPr txBox="1"/>
-                  <p:nvPr/>
-                </p:nvSpPr>
-                <p:spPr>
-                  <a:xfrm>
-                    <a:off x="4850912" y="2927804"/>
-                    <a:ext cx="864096" cy="239076"/>
-                  </a:xfrm>
-                  <a:prstGeom prst="rect">
-                    <a:avLst/>
-                  </a:prstGeom>
-                  <a:noFill/>
-                </p:spPr>
-                <p:txBody>
-                  <a:bodyPr wrap="square" rtlCol="0">
-                    <a:spAutoFit/>
-                  </a:bodyPr>
-                  <a:lstStyle/>
-                  <a:p>
-                    <a:r>
-                      <a:rPr lang="ja-JP" altLang="en-US" sz="750" smtClean="0"/>
-                      <a:t>キッチン</a:t>
-                    </a:r>
-                    <a:endParaRPr lang="en-US" altLang="ja-JP" sz="750" dirty="0" smtClean="0"/>
-                  </a:p>
-                </p:txBody>
-              </p:sp>
-              <p:sp>
-                <p:nvSpPr>
-                  <p:cNvPr id="37" name="TextBox 36"/>
-                  <p:cNvSpPr txBox="1"/>
-                  <p:nvPr/>
-                </p:nvSpPr>
-                <p:spPr>
-                  <a:xfrm>
-                    <a:off x="3843519" y="2822315"/>
-                    <a:ext cx="395377" cy="354187"/>
-                  </a:xfrm>
-                  <a:prstGeom prst="rect">
-                    <a:avLst/>
-                  </a:prstGeom>
-                  <a:noFill/>
-                </p:spPr>
-                <p:txBody>
-                  <a:bodyPr wrap="square" rtlCol="0">
-                    <a:spAutoFit/>
-                  </a:bodyPr>
-                  <a:lstStyle/>
-                  <a:p>
-                    <a:r>
-                      <a:rPr lang="ja-JP" altLang="en-US" sz="700" smtClean="0"/>
-                      <a:t>収納</a:t>
-                    </a:r>
-                    <a:endParaRPr lang="en-US" altLang="ja-JP" sz="700" dirty="0" smtClean="0"/>
-                  </a:p>
-                </p:txBody>
-              </p:sp>
-            </p:grpSp>
-            <p:sp>
-              <p:nvSpPr>
-                <p:cNvPr id="40" name="TextBox 39"/>
-                <p:cNvSpPr txBox="1"/>
-                <p:nvPr/>
-              </p:nvSpPr>
-              <p:spPr>
-                <a:xfrm>
-                  <a:off x="5072066" y="3929066"/>
-                  <a:ext cx="428628" cy="169277"/>
-                </a:xfrm>
-                <a:prstGeom prst="rect">
-                  <a:avLst/>
-                </a:prstGeom>
-                <a:noFill/>
-              </p:spPr>
-              <p:txBody>
-                <a:bodyPr wrap="square" rtlCol="0">
-                  <a:spAutoFit/>
-                </a:bodyPr>
-                <a:lstStyle/>
-                <a:p>
-                  <a:r>
-                    <a:rPr lang="ja-JP" altLang="en-US" sz="500" smtClean="0"/>
-                    <a:t>トイレ</a:t>
-                  </a:r>
-                  <a:endParaRPr lang="en-US" altLang="ja-JP" sz="500" dirty="0" smtClean="0"/>
-                </a:p>
-              </p:txBody>
-            </p:sp>
-          </p:grpSp>
-          <p:sp>
-            <p:nvSpPr>
-              <p:cNvPr id="33" name="TextBox 32"/>
-              <p:cNvSpPr txBox="1"/>
-              <p:nvPr/>
-            </p:nvSpPr>
-            <p:spPr>
-              <a:xfrm>
-                <a:off x="5324099" y="3214686"/>
-                <a:ext cx="428628" cy="239076"/>
-              </a:xfrm>
-              <a:prstGeom prst="rect">
-                <a:avLst/>
-              </a:prstGeom>
-              <a:noFill/>
-            </p:spPr>
-            <p:txBody>
-              <a:bodyPr wrap="square" rtlCol="0">
-                <a:spAutoFit/>
-              </a:bodyPr>
-              <a:lstStyle/>
-              <a:p>
-                <a:r>
-                  <a:rPr lang="ja-JP" altLang="en-US" sz="750" smtClean="0"/>
-                  <a:t>浴室</a:t>
-                </a:r>
-                <a:endParaRPr lang="en-US" altLang="ja-JP" sz="750" dirty="0" smtClean="0"/>
-              </a:p>
-            </p:txBody>
-          </p:sp>
-        </p:grpSp>
-      </p:grpSp>
+          <a:prstGeom prst="rect">
+            <a:avLst/>
+          </a:prstGeom>
+          <a:noFill/>
+        </p:spPr>
+      </p:pic>
       <p:sp>
         <p:nvSpPr>
           <p:cNvPr id="27" name="TextBox 26"/>
@@ -3725,8 +3093,8 @@
         </p:nvSpPr>
         <p:spPr>
           <a:xfrm>
-            <a:off x="3428992" y="929139"/>
-            <a:ext cx="2786082" cy="1789208"/>
+            <a:off x="214282" y="2000240"/>
+            <a:ext cx="2928958" cy="553998"/>
           </a:xfrm>
           <a:prstGeom prst="rect">
             <a:avLst/>
@@ -3758,176 +3126,8 @@
               <a:rPr lang="ja-JP" altLang="en-US" sz="1000" smtClean="0">
                 <a:latin typeface="+mj-lt"/>
               </a:rPr>
-              <a:t>山・鎌倉駅・藤沢方面へもアクセスしやすい住宅地です。</a:t>
+              <a:t>山・お寺巡り・鎌倉駅・藤沢方面へもアクセスしやすい住宅地</a:t>
             </a:r>
-            <a:r>
-              <a:rPr lang="en-CA" altLang="ja-JP" sz="1000" dirty="0" smtClean="0">
-                <a:latin typeface="+mj-lt"/>
-              </a:rPr>
-              <a:t> </a:t>
-            </a:r>
-            <a:endParaRPr lang="en-US" altLang="ja-JP" sz="1000" dirty="0" smtClean="0">
-              <a:latin typeface="+mj-lt"/>
-            </a:endParaRPr>
-          </a:p>
-          <a:p>
-            <a:pPr>
-              <a:spcBef>
-                <a:spcPts val="200"/>
-              </a:spcBef>
-            </a:pPr>
-            <a:endParaRPr lang="en-US" altLang="ja-JP" sz="300" dirty="0" smtClean="0">
-              <a:latin typeface="+mj-lt"/>
-            </a:endParaRPr>
-          </a:p>
-          <a:p>
-            <a:pPr>
-              <a:lnSpc>
-                <a:spcPct val="114000"/>
-              </a:lnSpc>
-              <a:spcBef>
-                <a:spcPts val="200"/>
-              </a:spcBef>
-              <a:buFont typeface="Arial" pitchFamily="34" charset="0"/>
-              <a:buChar char="•"/>
-            </a:pPr>
-            <a:r>
-              <a:rPr lang="ja-JP" altLang="en-US" sz="1000" smtClean="0">
-                <a:latin typeface="+mj-lt"/>
-              </a:rPr>
-              <a:t>　自然に囲まれる</a:t>
-            </a:r>
-            <a:r>
-              <a:rPr lang="ja-JP" altLang="en-US" sz="1000" b="1" smtClean="0">
-                <a:latin typeface="+mj-lt"/>
-              </a:rPr>
-              <a:t>閑静な住宅地</a:t>
-            </a:r>
-            <a:endParaRPr lang="en-US" altLang="ja-JP" sz="1000" b="1" dirty="0" smtClean="0">
-              <a:latin typeface="+mj-lt"/>
-            </a:endParaRPr>
-          </a:p>
-          <a:p>
-            <a:pPr>
-              <a:lnSpc>
-                <a:spcPct val="114000"/>
-              </a:lnSpc>
-              <a:spcBef>
-                <a:spcPts val="200"/>
-              </a:spcBef>
-              <a:buFont typeface="Arial" pitchFamily="34" charset="0"/>
-              <a:buChar char="•"/>
-            </a:pPr>
-            <a:r>
-              <a:rPr lang="ja-JP" altLang="en-US" sz="1000" smtClean="0"/>
-              <a:t>　積水ハウス施工</a:t>
-            </a:r>
-            <a:r>
-              <a:rPr lang="ja-JP" altLang="en-US" sz="1000" b="1" smtClean="0"/>
-              <a:t>軽量鉄骨</a:t>
-            </a:r>
-            <a:r>
-              <a:rPr lang="ja-JP" altLang="en-US" sz="1000" smtClean="0"/>
-              <a:t>造戸建て</a:t>
-            </a:r>
-            <a:endParaRPr lang="en-US" altLang="ja-JP" sz="1000" dirty="0" smtClean="0">
-              <a:latin typeface="+mj-lt"/>
-            </a:endParaRPr>
-          </a:p>
-          <a:p>
-            <a:pPr>
-              <a:lnSpc>
-                <a:spcPct val="114000"/>
-              </a:lnSpc>
-              <a:spcBef>
-                <a:spcPts val="200"/>
-              </a:spcBef>
-              <a:buFont typeface="Arial" pitchFamily="34" charset="0"/>
-              <a:buChar char="•"/>
-            </a:pPr>
-            <a:r>
-              <a:rPr lang="ja-JP" altLang="en-US" sz="1000" smtClean="0">
-                <a:latin typeface="+mj-lt"/>
-              </a:rPr>
-              <a:t>　</a:t>
-            </a:r>
-            <a:r>
-              <a:rPr lang="en-US" altLang="ja-JP" sz="1000" dirty="0" smtClean="0">
-                <a:latin typeface="+mj-lt"/>
-              </a:rPr>
-              <a:t>2018</a:t>
-            </a:r>
-            <a:r>
-              <a:rPr lang="ja-JP" altLang="en-US" sz="1000" smtClean="0">
-                <a:latin typeface="+mj-lt"/>
-              </a:rPr>
-              <a:t>年</a:t>
-            </a:r>
-            <a:r>
-              <a:rPr lang="en-US" altLang="ja-JP" sz="1000" dirty="0" smtClean="0">
-                <a:latin typeface="+mj-lt"/>
-              </a:rPr>
-              <a:t>3</a:t>
-            </a:r>
-            <a:r>
-              <a:rPr lang="ja-JP" altLang="en-US" sz="1000" smtClean="0">
-                <a:latin typeface="+mj-lt"/>
-              </a:rPr>
-              <a:t>月</a:t>
-            </a:r>
-            <a:r>
-              <a:rPr lang="ja-JP" altLang="en-US" sz="1000" b="1" smtClean="0">
-                <a:latin typeface="+mj-lt"/>
-              </a:rPr>
-              <a:t>全面リフォーム</a:t>
-            </a:r>
-            <a:r>
-              <a:rPr lang="ja-JP" altLang="en-US" sz="1000" smtClean="0">
-                <a:latin typeface="+mj-lt"/>
-              </a:rPr>
-              <a:t>施工</a:t>
-            </a:r>
-            <a:endParaRPr lang="en-CA" altLang="ja-JP" sz="1000" dirty="0" smtClean="0">
-              <a:latin typeface="+mj-lt"/>
-            </a:endParaRPr>
-          </a:p>
-          <a:p>
-            <a:pPr>
-              <a:lnSpc>
-                <a:spcPct val="114000"/>
-              </a:lnSpc>
-              <a:spcBef>
-                <a:spcPts val="200"/>
-              </a:spcBef>
-              <a:buFont typeface="Arial" pitchFamily="34" charset="0"/>
-              <a:buChar char="•"/>
-            </a:pPr>
-            <a:r>
-              <a:rPr lang="ja-JP" altLang="en-US" sz="1000" smtClean="0">
-                <a:latin typeface="+mj-lt"/>
-              </a:rPr>
-              <a:t>　オール電化</a:t>
-            </a:r>
-            <a:endParaRPr lang="en-US" altLang="ja-JP" sz="1000" dirty="0" smtClean="0">
-              <a:latin typeface="+mj-lt"/>
-            </a:endParaRPr>
-          </a:p>
-          <a:p>
-            <a:pPr>
-              <a:spcBef>
-                <a:spcPts val="200"/>
-              </a:spcBef>
-            </a:pPr>
-            <a:endParaRPr lang="en-US" altLang="ja-JP" sz="1000" dirty="0" smtClean="0">
-              <a:latin typeface="+mj-lt"/>
-            </a:endParaRPr>
-          </a:p>
-          <a:p>
-            <a:pPr>
-              <a:spcBef>
-                <a:spcPts val="200"/>
-              </a:spcBef>
-            </a:pPr>
             <a:endParaRPr lang="en-US" altLang="ja-JP" sz="1000" dirty="0" smtClean="0">
               <a:latin typeface="+mj-lt"/>
             </a:endParaRPr>
@@ -3943,8 +3143,8 @@
           <p:nvPr/>
         </p:nvGraphicFramePr>
         <p:xfrm>
-          <a:off x="6215073" y="1000108"/>
-          <a:ext cx="2652297" cy="5029200"/>
+          <a:off x="6357950" y="928670"/>
+          <a:ext cx="2617170" cy="5227320"/>
         </p:xfrm>
         <a:graphic>
           <a:graphicData uri="http://schemas.openxmlformats.org/drawingml/2006/table">
@@ -3953,11 +3153,12 @@
                 <a:tableStyleId>{5C22544A-7EE6-4342-B048-85BDC9FD1C3A}</a:tableStyleId>
               </a:tblPr>
               <a:tblGrid>
-                <a:gridCol w="211331"/>
-                <a:gridCol w="617416"/>
-                <a:gridCol w="646365"/>
-                <a:gridCol w="574305"/>
-                <a:gridCol w="602880"/>
+                <a:gridCol w="285891"/>
+                <a:gridCol w="642803"/>
+                <a:gridCol w="500066"/>
+                <a:gridCol w="142876"/>
+                <a:gridCol w="428628"/>
+                <a:gridCol w="616906"/>
               </a:tblGrid>
               <a:tr h="311370">
                 <a:tc>
@@ -4043,7 +3244,7 @@
                     </a:solidFill>
                   </a:tcPr>
                 </a:tc>
-                <a:tc gridSpan="4">
+                <a:tc gridSpan="5">
                   <a:txBody>
                     <a:bodyPr/>
                     <a:lstStyle/>
@@ -4143,7 +3344,7 @@
                     <a:bodyPr/>
                     <a:lstStyle/>
                     <a:p>
-                      <a:endParaRPr kumimoji="1" lang="ja-JP" altLang="en-US"/>
+                      <a:endParaRPr lang="en-CA"/>
                     </a:p>
                   </a:txBody>
                   <a:tcPr/>
@@ -4153,7 +3354,17 @@
                     <a:bodyPr/>
                     <a:lstStyle/>
                     <a:p>
-                      <a:endParaRPr kumimoji="1" lang="ja-JP" altLang="en-US"/>
+                      <a:endParaRPr lang="en-CA"/>
+                    </a:p>
+                  </a:txBody>
+                  <a:tcPr/>
+                </a:tc>
+                <a:tc hMerge="1">
+                  <a:txBody>
+                    <a:bodyPr/>
+                    <a:lstStyle/>
+                    <a:p>
+                      <a:endParaRPr lang="en-CA"/>
                     </a:p>
                   </a:txBody>
                   <a:tcPr/>
@@ -4243,7 +3454,7 @@
                     </a:solidFill>
                   </a:tcPr>
                 </a:tc>
-                <a:tc gridSpan="4">
+                <a:tc gridSpan="5">
                   <a:txBody>
                     <a:bodyPr/>
                     <a:lstStyle/>
@@ -4335,7 +3546,7 @@
                     <a:bodyPr/>
                     <a:lstStyle/>
                     <a:p>
-                      <a:endParaRPr kumimoji="1" lang="ja-JP" altLang="en-US"/>
+                      <a:endParaRPr lang="en-CA"/>
                     </a:p>
                   </a:txBody>
                   <a:tcPr/>
@@ -4345,7 +3556,17 @@
                     <a:bodyPr/>
                     <a:lstStyle/>
                     <a:p>
-                      <a:endParaRPr kumimoji="1" lang="ja-JP" altLang="en-US"/>
+                      <a:endParaRPr lang="en-CA"/>
+                    </a:p>
+                  </a:txBody>
+                  <a:tcPr/>
+                </a:tc>
+                <a:tc hMerge="1">
+                  <a:txBody>
+                    <a:bodyPr/>
+                    <a:lstStyle/>
+                    <a:p>
+                      <a:endParaRPr lang="en-CA"/>
                     </a:p>
                   </a:txBody>
                   <a:tcPr/>
@@ -4521,7 +3742,7 @@
                     </a:solidFill>
                   </a:tcPr>
                 </a:tc>
-                <a:tc>
+                <a:tc gridSpan="2">
                   <a:txBody>
                     <a:bodyPr/>
                     <a:lstStyle/>
@@ -4606,6 +3827,16 @@
                     <a:noFill/>
                   </a:tcPr>
                 </a:tc>
+                <a:tc hMerge="1">
+                  <a:txBody>
+                    <a:bodyPr/>
+                    <a:lstStyle/>
+                    <a:p>
+                      <a:endParaRPr lang="en-CA"/>
+                    </a:p>
+                  </a:txBody>
+                  <a:tcPr/>
+                </a:tc>
                 <a:tc>
                   <a:txBody>
                     <a:bodyPr/>
@@ -4910,7 +4141,7 @@
                     </a:solidFill>
                   </a:tcPr>
                 </a:tc>
-                <a:tc gridSpan="3">
+                <a:tc gridSpan="4">
                   <a:txBody>
                     <a:bodyPr/>
                     <a:lstStyle/>
@@ -4933,7 +4164,7 @@
                         <a:defRPr/>
                       </a:pPr>
                       <a:r>
-                        <a:rPr kumimoji="1" lang="en-US" altLang="ja-JP" sz="800" b="1" dirty="0" smtClean="0">
+                        <a:rPr kumimoji="1" lang="en-US" altLang="ja-JP" sz="800" b="0" dirty="0" smtClean="0">
                           <a:solidFill>
                             <a:schemeClr val="tx1"/>
                           </a:solidFill>
@@ -4941,7 +4172,7 @@
                         <a:t>111.86m</a:t>
                       </a:r>
                       <a:r>
-                        <a:rPr kumimoji="1" lang="en-US" altLang="ja-JP" sz="800" b="1" baseline="30000" dirty="0" smtClean="0">
+                        <a:rPr kumimoji="1" lang="en-US" altLang="ja-JP" sz="800" b="0" baseline="30000" dirty="0" smtClean="0">
                           <a:solidFill>
                             <a:schemeClr val="tx1"/>
                           </a:solidFill>
@@ -4949,14 +4180,14 @@
                         <a:t>2</a:t>
                       </a:r>
                       <a:r>
-                        <a:rPr kumimoji="1" lang="ja-JP" altLang="en-US" sz="800" b="1" baseline="0" smtClean="0">
+                        <a:rPr kumimoji="1" lang="ja-JP" altLang="en-US" sz="800" b="0" baseline="0" smtClean="0">
                           <a:solidFill>
                             <a:schemeClr val="tx1"/>
                           </a:solidFill>
                         </a:rPr>
                         <a:t>　　</a:t>
                       </a:r>
-                      <a:endParaRPr kumimoji="1" lang="ja-JP" altLang="en-US" sz="800" b="1" smtClean="0">
+                      <a:endParaRPr kumimoji="1" lang="ja-JP" altLang="en-US" sz="800" b="0" smtClean="0">
                         <a:solidFill>
                           <a:schemeClr val="tx1"/>
                         </a:solidFill>
@@ -5008,12 +4239,1322 @@
                     <a:bodyPr/>
                     <a:lstStyle/>
                     <a:p>
+                      <a:endParaRPr lang="en-CA"/>
+                    </a:p>
+                  </a:txBody>
+                  <a:tcPr/>
+                </a:tc>
+                <a:tc hMerge="1">
+                  <a:txBody>
+                    <a:bodyPr/>
+                    <a:lstStyle/>
+                    <a:p>
+                      <a:endParaRPr lang="en-CA"/>
+                    </a:p>
+                  </a:txBody>
+                  <a:tcPr/>
+                </a:tc>
+                <a:tc hMerge="1">
+                  <a:txBody>
+                    <a:bodyPr/>
+                    <a:lstStyle/>
+                    <a:p>
+                      <a:endParaRPr lang="en-CA"/>
+                    </a:p>
+                  </a:txBody>
+                  <a:tcPr/>
+                </a:tc>
+              </a:tr>
+              <a:tr h="202390">
+                <a:tc vMerge="1">
+                  <a:txBody>
+                    <a:bodyPr/>
+                    <a:lstStyle/>
+                    <a:p>
+                      <a:endParaRPr lang="en-CA"/>
+                    </a:p>
+                  </a:txBody>
+                  <a:tcPr/>
+                </a:tc>
+                <a:tc>
+                  <a:txBody>
+                    <a:bodyPr/>
+                    <a:lstStyle/>
+                    <a:p>
+                      <a:pPr algn="ctr"/>
+                      <a:r>
+                        <a:rPr kumimoji="1" lang="ja-JP" altLang="en-US" sz="800" smtClean="0">
+                          <a:solidFill>
+                            <a:schemeClr val="tx1"/>
+                          </a:solidFill>
+                        </a:rPr>
+                        <a:t>間取り</a:t>
+                      </a:r>
+                      <a:endParaRPr kumimoji="1" lang="ja-JP" altLang="en-US" sz="800">
+                        <a:solidFill>
+                          <a:schemeClr val="tx1"/>
+                        </a:solidFill>
+                      </a:endParaRPr>
+                    </a:p>
+                  </a:txBody>
+                  <a:tcPr anchor="ctr">
+                    <a:lnL w="9525" cap="flat" cmpd="sng" algn="ctr">
+                      <a:solidFill>
+                        <a:schemeClr val="tx1"/>
+                      </a:solidFill>
+                      <a:prstDash val="solid"/>
+                      <a:round/>
+                      <a:headEnd type="none" w="med" len="med"/>
+                      <a:tailEnd type="none" w="med" len="med"/>
+                    </a:lnL>
+                    <a:lnR w="9525" cap="flat" cmpd="sng" algn="ctr">
+                      <a:solidFill>
+                        <a:schemeClr val="tx1"/>
+                      </a:solidFill>
+                      <a:prstDash val="solid"/>
+                      <a:round/>
+                      <a:headEnd type="none" w="med" len="med"/>
+                      <a:tailEnd type="none" w="med" len="med"/>
+                    </a:lnR>
+                    <a:lnT w="9525" cap="flat" cmpd="sng" algn="ctr">
+                      <a:solidFill>
+                        <a:schemeClr val="tx1"/>
+                      </a:solidFill>
+                      <a:prstDash val="solid"/>
+                      <a:round/>
+                      <a:headEnd type="none" w="med" len="med"/>
+                      <a:tailEnd type="none" w="med" len="med"/>
+                    </a:lnT>
+                    <a:lnB w="9525" cap="flat" cmpd="sng" algn="ctr">
+                      <a:solidFill>
+                        <a:schemeClr val="tx1"/>
+                      </a:solidFill>
+                      <a:prstDash val="solid"/>
+                      <a:round/>
+                      <a:headEnd type="none" w="med" len="med"/>
+                      <a:tailEnd type="none" w="med" len="med"/>
+                    </a:lnB>
+                    <a:solidFill>
+                      <a:schemeClr val="accent1">
+                        <a:lumMod val="20000"/>
+                        <a:lumOff val="80000"/>
+                        <a:alpha val="70000"/>
+                      </a:schemeClr>
+                    </a:solidFill>
+                  </a:tcPr>
+                </a:tc>
+                <a:tc gridSpan="4">
+                  <a:txBody>
+                    <a:bodyPr/>
+                    <a:lstStyle/>
+                    <a:p>
+                      <a:pPr algn="l"/>
+                      <a:r>
+                        <a:rPr kumimoji="1" lang="en-CA" altLang="ja-JP" sz="800" b="0" dirty="0" smtClean="0">
+                          <a:solidFill>
+                            <a:schemeClr val="tx1"/>
+                          </a:solidFill>
+                        </a:rPr>
+                        <a:t>3LDK</a:t>
+                      </a:r>
+                      <a:endParaRPr kumimoji="1" lang="ja-JP" altLang="en-US" sz="800" b="0">
+                        <a:solidFill>
+                          <a:schemeClr val="tx1"/>
+                        </a:solidFill>
+                      </a:endParaRPr>
+                    </a:p>
+                  </a:txBody>
+                  <a:tcPr anchor="ctr">
+                    <a:lnL w="9525" cap="flat" cmpd="sng" algn="ctr">
+                      <a:solidFill>
+                        <a:schemeClr val="tx1"/>
+                      </a:solidFill>
+                      <a:prstDash val="solid"/>
+                      <a:round/>
+                      <a:headEnd type="none" w="med" len="med"/>
+                      <a:tailEnd type="none" w="med" len="med"/>
+                    </a:lnL>
+                    <a:lnR w="9525" cap="flat" cmpd="sng" algn="ctr">
+                      <a:solidFill>
+                        <a:schemeClr val="tx1"/>
+                      </a:solidFill>
+                      <a:prstDash val="solid"/>
+                      <a:round/>
+                      <a:headEnd type="none" w="med" len="med"/>
+                      <a:tailEnd type="none" w="med" len="med"/>
+                    </a:lnR>
+                    <a:lnT w="9525" cap="flat" cmpd="sng" algn="ctr">
+                      <a:solidFill>
+                        <a:schemeClr val="tx1"/>
+                      </a:solidFill>
+                      <a:prstDash val="solid"/>
+                      <a:round/>
+                      <a:headEnd type="none" w="med" len="med"/>
+                      <a:tailEnd type="none" w="med" len="med"/>
+                    </a:lnT>
+                    <a:lnB w="9525" cap="flat" cmpd="sng" algn="ctr">
+                      <a:solidFill>
+                        <a:schemeClr val="tx1"/>
+                      </a:solidFill>
+                      <a:prstDash val="solid"/>
+                      <a:round/>
+                      <a:headEnd type="none" w="med" len="med"/>
+                      <a:tailEnd type="none" w="med" len="med"/>
+                    </a:lnB>
+                    <a:noFill/>
+                  </a:tcPr>
+                </a:tc>
+                <a:tc hMerge="1">
+                  <a:txBody>
+                    <a:bodyPr/>
+                    <a:lstStyle/>
+                    <a:p>
+                      <a:endParaRPr lang="en-CA"/>
+                    </a:p>
+                  </a:txBody>
+                  <a:tcPr/>
+                </a:tc>
+                <a:tc hMerge="1">
+                  <a:txBody>
+                    <a:bodyPr/>
+                    <a:lstStyle/>
+                    <a:p>
+                      <a:endParaRPr lang="en-CA"/>
+                    </a:p>
+                  </a:txBody>
+                  <a:tcPr/>
+                </a:tc>
+                <a:tc hMerge="1">
+                  <a:txBody>
+                    <a:bodyPr/>
+                    <a:lstStyle/>
+                    <a:p>
+                      <a:endParaRPr lang="en-CA"/>
+                    </a:p>
+                  </a:txBody>
+                  <a:tcPr/>
+                </a:tc>
+              </a:tr>
+              <a:tr h="202390">
+                <a:tc vMerge="1">
+                  <a:txBody>
+                    <a:bodyPr/>
+                    <a:lstStyle/>
+                    <a:p>
                       <a:endParaRPr kumimoji="1" lang="ja-JP" altLang="en-US"/>
                     </a:p>
                   </a:txBody>
                   <a:tcPr/>
                 </a:tc>
+                <a:tc>
+                  <a:txBody>
+                    <a:bodyPr/>
+                    <a:lstStyle/>
+                    <a:p>
+                      <a:pPr algn="ctr"/>
+                      <a:r>
+                        <a:rPr kumimoji="1" lang="ja-JP" altLang="en-US" sz="800" smtClean="0">
+                          <a:solidFill>
+                            <a:schemeClr val="tx1"/>
+                          </a:solidFill>
+                        </a:rPr>
+                        <a:t>構造</a:t>
+                      </a:r>
+                      <a:endParaRPr kumimoji="1" lang="ja-JP" altLang="en-US" sz="800">
+                        <a:solidFill>
+                          <a:schemeClr val="tx1"/>
+                        </a:solidFill>
+                      </a:endParaRPr>
+                    </a:p>
+                  </a:txBody>
+                  <a:tcPr anchor="ctr">
+                    <a:lnL w="9525" cap="flat" cmpd="sng" algn="ctr">
+                      <a:solidFill>
+                        <a:schemeClr val="tx1"/>
+                      </a:solidFill>
+                      <a:prstDash val="solid"/>
+                      <a:round/>
+                      <a:headEnd type="none" w="med" len="med"/>
+                      <a:tailEnd type="none" w="med" len="med"/>
+                    </a:lnL>
+                    <a:lnR w="9525" cap="flat" cmpd="sng" algn="ctr">
+                      <a:solidFill>
+                        <a:schemeClr val="tx1"/>
+                      </a:solidFill>
+                      <a:prstDash val="solid"/>
+                      <a:round/>
+                      <a:headEnd type="none" w="med" len="med"/>
+                      <a:tailEnd type="none" w="med" len="med"/>
+                    </a:lnR>
+                    <a:lnT w="9525" cap="flat" cmpd="sng" algn="ctr">
+                      <a:solidFill>
+                        <a:schemeClr val="tx1"/>
+                      </a:solidFill>
+                      <a:prstDash val="solid"/>
+                      <a:round/>
+                      <a:headEnd type="none" w="med" len="med"/>
+                      <a:tailEnd type="none" w="med" len="med"/>
+                    </a:lnT>
+                    <a:lnB w="9525" cap="flat" cmpd="sng" algn="ctr">
+                      <a:solidFill>
+                        <a:schemeClr val="tx1"/>
+                      </a:solidFill>
+                      <a:prstDash val="solid"/>
+                      <a:round/>
+                      <a:headEnd type="none" w="med" len="med"/>
+                      <a:tailEnd type="none" w="med" len="med"/>
+                    </a:lnB>
+                    <a:solidFill>
+                      <a:schemeClr val="accent1">
+                        <a:lumMod val="20000"/>
+                        <a:lumOff val="80000"/>
+                        <a:alpha val="70000"/>
+                      </a:schemeClr>
+                    </a:solidFill>
+                  </a:tcPr>
+                </a:tc>
+                <a:tc gridSpan="4">
+                  <a:txBody>
+                    <a:bodyPr/>
+                    <a:lstStyle/>
+                    <a:p>
+                      <a:pPr algn="l"/>
+                      <a:r>
+                        <a:rPr kumimoji="1" lang="ja-JP" altLang="en-US" sz="800" b="0" smtClean="0">
+                          <a:solidFill>
+                            <a:schemeClr val="tx1"/>
+                          </a:solidFill>
+                        </a:rPr>
+                        <a:t>軽量鉄骨造スレート葺２階建</a:t>
+                      </a:r>
+                      <a:endParaRPr kumimoji="1" lang="ja-JP" altLang="en-US" sz="800" b="0">
+                        <a:solidFill>
+                          <a:schemeClr val="tx1"/>
+                        </a:solidFill>
+                      </a:endParaRPr>
+                    </a:p>
+                  </a:txBody>
+                  <a:tcPr anchor="ctr">
+                    <a:lnL w="9525" cap="flat" cmpd="sng" algn="ctr">
+                      <a:solidFill>
+                        <a:schemeClr val="tx1"/>
+                      </a:solidFill>
+                      <a:prstDash val="solid"/>
+                      <a:round/>
+                      <a:headEnd type="none" w="med" len="med"/>
+                      <a:tailEnd type="none" w="med" len="med"/>
+                    </a:lnL>
+                    <a:lnR w="9525" cap="flat" cmpd="sng" algn="ctr">
+                      <a:solidFill>
+                        <a:schemeClr val="tx1"/>
+                      </a:solidFill>
+                      <a:prstDash val="solid"/>
+                      <a:round/>
+                      <a:headEnd type="none" w="med" len="med"/>
+                      <a:tailEnd type="none" w="med" len="med"/>
+                    </a:lnR>
+                    <a:lnT w="9525" cap="flat" cmpd="sng" algn="ctr">
+                      <a:solidFill>
+                        <a:schemeClr val="tx1"/>
+                      </a:solidFill>
+                      <a:prstDash val="solid"/>
+                      <a:round/>
+                      <a:headEnd type="none" w="med" len="med"/>
+                      <a:tailEnd type="none" w="med" len="med"/>
+                    </a:lnT>
+                    <a:lnB w="9525" cap="flat" cmpd="sng" algn="ctr">
+                      <a:solidFill>
+                        <a:schemeClr val="tx1"/>
+                      </a:solidFill>
+                      <a:prstDash val="solid"/>
+                      <a:round/>
+                      <a:headEnd type="none" w="med" len="med"/>
+                      <a:tailEnd type="none" w="med" len="med"/>
+                    </a:lnB>
+                    <a:noFill/>
+                  </a:tcPr>
+                </a:tc>
                 <a:tc hMerge="1">
+                  <a:txBody>
+                    <a:bodyPr/>
+                    <a:lstStyle/>
+                    <a:p>
+                      <a:endParaRPr lang="en-CA"/>
+                    </a:p>
+                  </a:txBody>
+                  <a:tcPr/>
+                </a:tc>
+                <a:tc hMerge="1">
+                  <a:txBody>
+                    <a:bodyPr/>
+                    <a:lstStyle/>
+                    <a:p>
+                      <a:endParaRPr lang="en-CA"/>
+                    </a:p>
+                  </a:txBody>
+                  <a:tcPr/>
+                </a:tc>
+                <a:tc hMerge="1">
+                  <a:txBody>
+                    <a:bodyPr/>
+                    <a:lstStyle/>
+                    <a:p>
+                      <a:endParaRPr lang="en-CA"/>
+                    </a:p>
+                  </a:txBody>
+                  <a:tcPr/>
+                </a:tc>
+              </a:tr>
+              <a:tr h="202390">
+                <a:tc vMerge="1">
+                  <a:txBody>
+                    <a:bodyPr/>
+                    <a:lstStyle/>
+                    <a:p>
+                      <a:pPr algn="ctr"/>
+                      <a:endParaRPr kumimoji="1" lang="ja-JP" altLang="en-US" sz="700">
+                        <a:solidFill>
+                          <a:schemeClr val="tx1"/>
+                        </a:solidFill>
+                      </a:endParaRPr>
+                    </a:p>
+                  </a:txBody>
+                  <a:tcPr anchor="ctr">
+                    <a:lnL w="12700" cap="flat" cmpd="sng" algn="ctr">
+                      <a:solidFill>
+                        <a:schemeClr val="tx1"/>
+                      </a:solidFill>
+                      <a:prstDash val="solid"/>
+                      <a:round/>
+                      <a:headEnd type="none" w="med" len="med"/>
+                      <a:tailEnd type="none" w="med" len="med"/>
+                    </a:lnL>
+                    <a:lnR w="12700" cap="flat" cmpd="sng" algn="ctr">
+                      <a:solidFill>
+                        <a:schemeClr val="tx1"/>
+                      </a:solidFill>
+                      <a:prstDash val="solid"/>
+                      <a:round/>
+                      <a:headEnd type="none" w="med" len="med"/>
+                      <a:tailEnd type="none" w="med" len="med"/>
+                    </a:lnR>
+                    <a:lnT w="12700" cap="flat" cmpd="sng" algn="ctr">
+                      <a:solidFill>
+                        <a:schemeClr val="tx1"/>
+                      </a:solidFill>
+                      <a:prstDash val="solid"/>
+                      <a:round/>
+                      <a:headEnd type="none" w="med" len="med"/>
+                      <a:tailEnd type="none" w="med" len="med"/>
+                    </a:lnT>
+                    <a:lnB w="12700" cap="flat" cmpd="sng" algn="ctr">
+                      <a:solidFill>
+                        <a:schemeClr val="tx1"/>
+                      </a:solidFill>
+                      <a:prstDash val="solid"/>
+                      <a:round/>
+                      <a:headEnd type="none" w="med" len="med"/>
+                      <a:tailEnd type="none" w="med" len="med"/>
+                    </a:lnB>
+                    <a:noFill/>
+                  </a:tcPr>
+                </a:tc>
+                <a:tc>
+                  <a:txBody>
+                    <a:bodyPr/>
+                    <a:lstStyle/>
+                    <a:p>
+                      <a:pPr algn="ctr"/>
+                      <a:r>
+                        <a:rPr kumimoji="1" lang="ja-JP" altLang="en-US" sz="800" smtClean="0">
+                          <a:solidFill>
+                            <a:schemeClr val="tx1"/>
+                          </a:solidFill>
+                        </a:rPr>
+                        <a:t>施工会社</a:t>
+                      </a:r>
+                      <a:endParaRPr kumimoji="1" lang="ja-JP" altLang="en-US" sz="800">
+                        <a:solidFill>
+                          <a:schemeClr val="tx1"/>
+                        </a:solidFill>
+                      </a:endParaRPr>
+                    </a:p>
+                  </a:txBody>
+                  <a:tcPr anchor="ctr">
+                    <a:lnL w="9525" cap="flat" cmpd="sng" algn="ctr">
+                      <a:solidFill>
+                        <a:schemeClr val="tx1"/>
+                      </a:solidFill>
+                      <a:prstDash val="solid"/>
+                      <a:round/>
+                      <a:headEnd type="none" w="med" len="med"/>
+                      <a:tailEnd type="none" w="med" len="med"/>
+                    </a:lnL>
+                    <a:lnR w="9525" cap="flat" cmpd="sng" algn="ctr">
+                      <a:solidFill>
+                        <a:schemeClr val="tx1"/>
+                      </a:solidFill>
+                      <a:prstDash val="solid"/>
+                      <a:round/>
+                      <a:headEnd type="none" w="med" len="med"/>
+                      <a:tailEnd type="none" w="med" len="med"/>
+                    </a:lnR>
+                    <a:lnT w="9525" cap="flat" cmpd="sng" algn="ctr">
+                      <a:solidFill>
+                        <a:schemeClr val="tx1"/>
+                      </a:solidFill>
+                      <a:prstDash val="solid"/>
+                      <a:round/>
+                      <a:headEnd type="none" w="med" len="med"/>
+                      <a:tailEnd type="none" w="med" len="med"/>
+                    </a:lnT>
+                    <a:lnB w="9525" cap="flat" cmpd="sng" algn="ctr">
+                      <a:solidFill>
+                        <a:schemeClr val="tx1"/>
+                      </a:solidFill>
+                      <a:prstDash val="solid"/>
+                      <a:round/>
+                      <a:headEnd type="none" w="med" len="med"/>
+                      <a:tailEnd type="none" w="med" len="med"/>
+                    </a:lnB>
+                    <a:solidFill>
+                      <a:schemeClr val="accent1">
+                        <a:lumMod val="20000"/>
+                        <a:lumOff val="80000"/>
+                        <a:alpha val="70000"/>
+                      </a:schemeClr>
+                    </a:solidFill>
+                  </a:tcPr>
+                </a:tc>
+                <a:tc gridSpan="4">
+                  <a:txBody>
+                    <a:bodyPr/>
+                    <a:lstStyle/>
+                    <a:p>
+                      <a:pPr algn="l"/>
+                      <a:r>
+                        <a:rPr kumimoji="1" lang="ja-JP" altLang="en-US" sz="800" b="0" smtClean="0">
+                          <a:solidFill>
+                            <a:schemeClr val="tx1"/>
+                          </a:solidFill>
+                        </a:rPr>
+                        <a:t>積水ハウス</a:t>
+                      </a:r>
+                      <a:endParaRPr kumimoji="1" lang="ja-JP" altLang="en-US" sz="800" b="0">
+                        <a:solidFill>
+                          <a:schemeClr val="tx1"/>
+                        </a:solidFill>
+                      </a:endParaRPr>
+                    </a:p>
+                  </a:txBody>
+                  <a:tcPr anchor="ctr">
+                    <a:lnL w="9525" cap="flat" cmpd="sng" algn="ctr">
+                      <a:solidFill>
+                        <a:schemeClr val="tx1"/>
+                      </a:solidFill>
+                      <a:prstDash val="solid"/>
+                      <a:round/>
+                      <a:headEnd type="none" w="med" len="med"/>
+                      <a:tailEnd type="none" w="med" len="med"/>
+                    </a:lnL>
+                    <a:lnR w="9525" cap="flat" cmpd="sng" algn="ctr">
+                      <a:solidFill>
+                        <a:schemeClr val="tx1"/>
+                      </a:solidFill>
+                      <a:prstDash val="solid"/>
+                      <a:round/>
+                      <a:headEnd type="none" w="med" len="med"/>
+                      <a:tailEnd type="none" w="med" len="med"/>
+                    </a:lnR>
+                    <a:lnT w="9525" cap="flat" cmpd="sng" algn="ctr">
+                      <a:solidFill>
+                        <a:schemeClr val="tx1"/>
+                      </a:solidFill>
+                      <a:prstDash val="solid"/>
+                      <a:round/>
+                      <a:headEnd type="none" w="med" len="med"/>
+                      <a:tailEnd type="none" w="med" len="med"/>
+                    </a:lnT>
+                    <a:lnB w="9525" cap="flat" cmpd="sng" algn="ctr">
+                      <a:solidFill>
+                        <a:schemeClr val="tx1"/>
+                      </a:solidFill>
+                      <a:prstDash val="solid"/>
+                      <a:round/>
+                      <a:headEnd type="none" w="med" len="med"/>
+                      <a:tailEnd type="none" w="med" len="med"/>
+                    </a:lnB>
+                    <a:noFill/>
+                  </a:tcPr>
+                </a:tc>
+                <a:tc hMerge="1">
+                  <a:txBody>
+                    <a:bodyPr/>
+                    <a:lstStyle/>
+                    <a:p>
+                      <a:endParaRPr lang="en-CA"/>
+                    </a:p>
+                  </a:txBody>
+                  <a:tcPr/>
+                </a:tc>
+                <a:tc hMerge="1">
+                  <a:txBody>
+                    <a:bodyPr/>
+                    <a:lstStyle/>
+                    <a:p>
+                      <a:endParaRPr lang="en-CA"/>
+                    </a:p>
+                  </a:txBody>
+                  <a:tcPr/>
+                </a:tc>
+                <a:tc hMerge="1">
+                  <a:txBody>
+                    <a:bodyPr/>
+                    <a:lstStyle/>
+                    <a:p>
+                      <a:endParaRPr lang="en-CA"/>
+                    </a:p>
+                  </a:txBody>
+                  <a:tcPr/>
+                </a:tc>
+              </a:tr>
+              <a:tr h="202390">
+                <a:tc vMerge="1">
+                  <a:txBody>
+                    <a:bodyPr/>
+                    <a:lstStyle/>
+                    <a:p>
+                      <a:endParaRPr kumimoji="1" lang="ja-JP" altLang="en-US"/>
+                    </a:p>
+                  </a:txBody>
+                  <a:tcPr/>
+                </a:tc>
+                <a:tc>
+                  <a:txBody>
+                    <a:bodyPr/>
+                    <a:lstStyle/>
+                    <a:p>
+                      <a:pPr algn="ctr"/>
+                      <a:r>
+                        <a:rPr kumimoji="1" lang="ja-JP" altLang="en-US" sz="800" smtClean="0">
+                          <a:solidFill>
+                            <a:schemeClr val="tx1"/>
+                          </a:solidFill>
+                        </a:rPr>
+                        <a:t>築年月</a:t>
+                      </a:r>
+                      <a:endParaRPr kumimoji="1" lang="ja-JP" altLang="en-US" sz="800">
+                        <a:solidFill>
+                          <a:schemeClr val="tx1"/>
+                        </a:solidFill>
+                      </a:endParaRPr>
+                    </a:p>
+                  </a:txBody>
+                  <a:tcPr anchor="ctr">
+                    <a:lnL w="9525" cap="flat" cmpd="sng" algn="ctr">
+                      <a:solidFill>
+                        <a:schemeClr val="tx1"/>
+                      </a:solidFill>
+                      <a:prstDash val="solid"/>
+                      <a:round/>
+                      <a:headEnd type="none" w="med" len="med"/>
+                      <a:tailEnd type="none" w="med" len="med"/>
+                    </a:lnL>
+                    <a:lnR w="9525" cap="flat" cmpd="sng" algn="ctr">
+                      <a:solidFill>
+                        <a:schemeClr val="tx1"/>
+                      </a:solidFill>
+                      <a:prstDash val="solid"/>
+                      <a:round/>
+                      <a:headEnd type="none" w="med" len="med"/>
+                      <a:tailEnd type="none" w="med" len="med"/>
+                    </a:lnR>
+                    <a:lnT w="9525" cap="flat" cmpd="sng" algn="ctr">
+                      <a:solidFill>
+                        <a:schemeClr val="tx1"/>
+                      </a:solidFill>
+                      <a:prstDash val="solid"/>
+                      <a:round/>
+                      <a:headEnd type="none" w="med" len="med"/>
+                      <a:tailEnd type="none" w="med" len="med"/>
+                    </a:lnT>
+                    <a:lnB w="9525" cap="flat" cmpd="sng" algn="ctr">
+                      <a:solidFill>
+                        <a:schemeClr val="tx1"/>
+                      </a:solidFill>
+                      <a:prstDash val="solid"/>
+                      <a:round/>
+                      <a:headEnd type="none" w="med" len="med"/>
+                      <a:tailEnd type="none" w="med" len="med"/>
+                    </a:lnB>
+                    <a:solidFill>
+                      <a:schemeClr val="accent1">
+                        <a:lumMod val="20000"/>
+                        <a:lumOff val="80000"/>
+                        <a:alpha val="70000"/>
+                      </a:schemeClr>
+                    </a:solidFill>
+                  </a:tcPr>
+                </a:tc>
+                <a:tc gridSpan="4">
+                  <a:txBody>
+                    <a:bodyPr/>
+                    <a:lstStyle/>
+                    <a:p>
+                      <a:pPr algn="l"/>
+                      <a:r>
+                        <a:rPr kumimoji="1" lang="ja-JP" altLang="en-US" sz="800" smtClean="0">
+                          <a:solidFill>
+                            <a:schemeClr val="tx1"/>
+                          </a:solidFill>
+                        </a:rPr>
+                        <a:t>平成</a:t>
+                      </a:r>
+                      <a:r>
+                        <a:rPr kumimoji="1" lang="en-US" altLang="ja-JP" sz="800" dirty="0" smtClean="0">
+                          <a:solidFill>
+                            <a:schemeClr val="tx1"/>
+                          </a:solidFill>
+                        </a:rPr>
+                        <a:t>5</a:t>
+                      </a:r>
+                      <a:r>
+                        <a:rPr kumimoji="1" lang="ja-JP" altLang="en-US" sz="800" smtClean="0">
+                          <a:solidFill>
+                            <a:schemeClr val="tx1"/>
+                          </a:solidFill>
+                        </a:rPr>
+                        <a:t>年</a:t>
+                      </a:r>
+                      <a:r>
+                        <a:rPr kumimoji="1" lang="en-US" altLang="ja-JP" sz="800" dirty="0" smtClean="0">
+                          <a:solidFill>
+                            <a:schemeClr val="tx1"/>
+                          </a:solidFill>
+                        </a:rPr>
+                        <a:t>3</a:t>
+                      </a:r>
+                      <a:r>
+                        <a:rPr kumimoji="1" lang="ja-JP" altLang="en-US" sz="800" smtClean="0">
+                          <a:solidFill>
+                            <a:schemeClr val="tx1"/>
+                          </a:solidFill>
+                        </a:rPr>
+                        <a:t>月</a:t>
+                      </a:r>
+                      <a:endParaRPr kumimoji="1" lang="ja-JP" altLang="en-US" sz="800">
+                        <a:solidFill>
+                          <a:schemeClr val="tx1"/>
+                        </a:solidFill>
+                      </a:endParaRPr>
+                    </a:p>
+                  </a:txBody>
+                  <a:tcPr anchor="ctr">
+                    <a:lnL w="9525" cap="flat" cmpd="sng" algn="ctr">
+                      <a:solidFill>
+                        <a:schemeClr val="tx1"/>
+                      </a:solidFill>
+                      <a:prstDash val="solid"/>
+                      <a:round/>
+                      <a:headEnd type="none" w="med" len="med"/>
+                      <a:tailEnd type="none" w="med" len="med"/>
+                    </a:lnL>
+                    <a:lnR w="9525" cap="flat" cmpd="sng" algn="ctr">
+                      <a:solidFill>
+                        <a:schemeClr val="tx1"/>
+                      </a:solidFill>
+                      <a:prstDash val="solid"/>
+                      <a:round/>
+                      <a:headEnd type="none" w="med" len="med"/>
+                      <a:tailEnd type="none" w="med" len="med"/>
+                    </a:lnR>
+                    <a:lnT w="9525" cap="flat" cmpd="sng" algn="ctr">
+                      <a:solidFill>
+                        <a:schemeClr val="tx1"/>
+                      </a:solidFill>
+                      <a:prstDash val="solid"/>
+                      <a:round/>
+                      <a:headEnd type="none" w="med" len="med"/>
+                      <a:tailEnd type="none" w="med" len="med"/>
+                    </a:lnT>
+                    <a:lnB w="9525" cap="flat" cmpd="sng" algn="ctr">
+                      <a:solidFill>
+                        <a:schemeClr val="tx1"/>
+                      </a:solidFill>
+                      <a:prstDash val="solid"/>
+                      <a:round/>
+                      <a:headEnd type="none" w="med" len="med"/>
+                      <a:tailEnd type="none" w="med" len="med"/>
+                    </a:lnB>
+                    <a:noFill/>
+                  </a:tcPr>
+                </a:tc>
+                <a:tc hMerge="1">
+                  <a:txBody>
+                    <a:bodyPr/>
+                    <a:lstStyle/>
+                    <a:p>
+                      <a:endParaRPr lang="en-CA"/>
+                    </a:p>
+                  </a:txBody>
+                  <a:tcPr/>
+                </a:tc>
+                <a:tc hMerge="1">
+                  <a:txBody>
+                    <a:bodyPr/>
+                    <a:lstStyle/>
+                    <a:p>
+                      <a:endParaRPr lang="en-CA"/>
+                    </a:p>
+                  </a:txBody>
+                  <a:tcPr/>
+                </a:tc>
+                <a:tc hMerge="1">
+                  <a:txBody>
+                    <a:bodyPr/>
+                    <a:lstStyle/>
+                    <a:p>
+                      <a:endParaRPr lang="en-CA"/>
+                    </a:p>
+                  </a:txBody>
+                  <a:tcPr/>
+                </a:tc>
+              </a:tr>
+              <a:tr h="202390">
+                <a:tc vMerge="1">
+                  <a:txBody>
+                    <a:bodyPr/>
+                    <a:lstStyle/>
+                    <a:p>
+                      <a:pPr algn="ctr"/>
+                      <a:endParaRPr kumimoji="1" lang="ja-JP" altLang="en-US" sz="700">
+                        <a:solidFill>
+                          <a:schemeClr val="tx1"/>
+                        </a:solidFill>
+                      </a:endParaRPr>
+                    </a:p>
+                  </a:txBody>
+                  <a:tcPr anchor="ctr">
+                    <a:lnL w="12700" cap="flat" cmpd="sng" algn="ctr">
+                      <a:solidFill>
+                        <a:schemeClr val="tx1"/>
+                      </a:solidFill>
+                      <a:prstDash val="solid"/>
+                      <a:round/>
+                      <a:headEnd type="none" w="med" len="med"/>
+                      <a:tailEnd type="none" w="med" len="med"/>
+                    </a:lnL>
+                    <a:lnR w="12700" cap="flat" cmpd="sng" algn="ctr">
+                      <a:solidFill>
+                        <a:schemeClr val="tx1"/>
+                      </a:solidFill>
+                      <a:prstDash val="solid"/>
+                      <a:round/>
+                      <a:headEnd type="none" w="med" len="med"/>
+                      <a:tailEnd type="none" w="med" len="med"/>
+                    </a:lnR>
+                    <a:lnT w="12700" cap="flat" cmpd="sng" algn="ctr">
+                      <a:solidFill>
+                        <a:schemeClr val="tx1"/>
+                      </a:solidFill>
+                      <a:prstDash val="solid"/>
+                      <a:round/>
+                      <a:headEnd type="none" w="med" len="med"/>
+                      <a:tailEnd type="none" w="med" len="med"/>
+                    </a:lnT>
+                    <a:lnB w="12700" cap="flat" cmpd="sng" algn="ctr">
+                      <a:solidFill>
+                        <a:schemeClr val="tx1"/>
+                      </a:solidFill>
+                      <a:prstDash val="solid"/>
+                      <a:round/>
+                      <a:headEnd type="none" w="med" len="med"/>
+                      <a:tailEnd type="none" w="med" len="med"/>
+                    </a:lnB>
+                    <a:noFill/>
+                  </a:tcPr>
+                </a:tc>
+                <a:tc>
+                  <a:txBody>
+                    <a:bodyPr/>
+                    <a:lstStyle/>
+                    <a:p>
+                      <a:pPr algn="ctr"/>
+                      <a:r>
+                        <a:rPr kumimoji="1" lang="ja-JP" altLang="en-US" sz="800" smtClean="0">
+                          <a:solidFill>
+                            <a:schemeClr val="tx1"/>
+                          </a:solidFill>
+                        </a:rPr>
+                        <a:t>駐車場</a:t>
+                      </a:r>
+                      <a:endParaRPr kumimoji="1" lang="ja-JP" altLang="en-US" sz="800">
+                        <a:solidFill>
+                          <a:schemeClr val="tx1"/>
+                        </a:solidFill>
+                      </a:endParaRPr>
+                    </a:p>
+                  </a:txBody>
+                  <a:tcPr anchor="ctr">
+                    <a:lnL w="9525" cap="flat" cmpd="sng" algn="ctr">
+                      <a:solidFill>
+                        <a:schemeClr val="tx1"/>
+                      </a:solidFill>
+                      <a:prstDash val="solid"/>
+                      <a:round/>
+                      <a:headEnd type="none" w="med" len="med"/>
+                      <a:tailEnd type="none" w="med" len="med"/>
+                    </a:lnL>
+                    <a:lnR w="9525" cap="flat" cmpd="sng" algn="ctr">
+                      <a:solidFill>
+                        <a:schemeClr val="tx1"/>
+                      </a:solidFill>
+                      <a:prstDash val="solid"/>
+                      <a:round/>
+                      <a:headEnd type="none" w="med" len="med"/>
+                      <a:tailEnd type="none" w="med" len="med"/>
+                    </a:lnR>
+                    <a:lnT w="9525" cap="flat" cmpd="sng" algn="ctr">
+                      <a:solidFill>
+                        <a:schemeClr val="tx1"/>
+                      </a:solidFill>
+                      <a:prstDash val="solid"/>
+                      <a:round/>
+                      <a:headEnd type="none" w="med" len="med"/>
+                      <a:tailEnd type="none" w="med" len="med"/>
+                    </a:lnT>
+                    <a:lnB w="9525" cap="flat" cmpd="sng" algn="ctr">
+                      <a:solidFill>
+                        <a:schemeClr val="tx1"/>
+                      </a:solidFill>
+                      <a:prstDash val="solid"/>
+                      <a:round/>
+                      <a:headEnd type="none" w="med" len="med"/>
+                      <a:tailEnd type="none" w="med" len="med"/>
+                    </a:lnB>
+                    <a:solidFill>
+                      <a:schemeClr val="accent1">
+                        <a:lumMod val="20000"/>
+                        <a:lumOff val="80000"/>
+                        <a:alpha val="70000"/>
+                      </a:schemeClr>
+                    </a:solidFill>
+                  </a:tcPr>
+                </a:tc>
+                <a:tc gridSpan="4">
+                  <a:txBody>
+                    <a:bodyPr/>
+                    <a:lstStyle/>
+                    <a:p>
+                      <a:pPr algn="l"/>
+                      <a:r>
+                        <a:rPr kumimoji="1" lang="ja-JP" altLang="en-US" sz="800" smtClean="0">
+                          <a:solidFill>
+                            <a:schemeClr val="tx1"/>
+                          </a:solidFill>
+                        </a:rPr>
+                        <a:t>有、</a:t>
+                      </a:r>
+                      <a:r>
+                        <a:rPr kumimoji="1" lang="en-US" altLang="ja-JP" sz="800" dirty="0" smtClean="0">
+                          <a:solidFill>
+                            <a:schemeClr val="tx1"/>
+                          </a:solidFill>
+                        </a:rPr>
+                        <a:t>1</a:t>
+                      </a:r>
+                      <a:r>
+                        <a:rPr kumimoji="1" lang="ja-JP" altLang="en-US" sz="800" smtClean="0">
+                          <a:solidFill>
+                            <a:schemeClr val="tx1"/>
+                          </a:solidFill>
+                        </a:rPr>
+                        <a:t>台</a:t>
+                      </a:r>
+                      <a:endParaRPr kumimoji="1" lang="ja-JP" altLang="en-US" sz="800">
+                        <a:solidFill>
+                          <a:schemeClr val="tx1"/>
+                        </a:solidFill>
+                      </a:endParaRPr>
+                    </a:p>
+                  </a:txBody>
+                  <a:tcPr anchor="ctr">
+                    <a:lnL w="9525" cap="flat" cmpd="sng" algn="ctr">
+                      <a:solidFill>
+                        <a:schemeClr val="tx1"/>
+                      </a:solidFill>
+                      <a:prstDash val="solid"/>
+                      <a:round/>
+                      <a:headEnd type="none" w="med" len="med"/>
+                      <a:tailEnd type="none" w="med" len="med"/>
+                    </a:lnL>
+                    <a:lnR w="9525" cap="flat" cmpd="sng" algn="ctr">
+                      <a:solidFill>
+                        <a:schemeClr val="tx1"/>
+                      </a:solidFill>
+                      <a:prstDash val="solid"/>
+                      <a:round/>
+                      <a:headEnd type="none" w="med" len="med"/>
+                      <a:tailEnd type="none" w="med" len="med"/>
+                    </a:lnR>
+                    <a:lnT w="9525" cap="flat" cmpd="sng" algn="ctr">
+                      <a:solidFill>
+                        <a:schemeClr val="tx1"/>
+                      </a:solidFill>
+                      <a:prstDash val="solid"/>
+                      <a:round/>
+                      <a:headEnd type="none" w="med" len="med"/>
+                      <a:tailEnd type="none" w="med" len="med"/>
+                    </a:lnT>
+                    <a:lnB w="9525" cap="flat" cmpd="sng" algn="ctr">
+                      <a:solidFill>
+                        <a:schemeClr val="tx1"/>
+                      </a:solidFill>
+                      <a:prstDash val="solid"/>
+                      <a:round/>
+                      <a:headEnd type="none" w="med" len="med"/>
+                      <a:tailEnd type="none" w="med" len="med"/>
+                    </a:lnB>
+                    <a:noFill/>
+                  </a:tcPr>
+                </a:tc>
+                <a:tc hMerge="1">
+                  <a:txBody>
+                    <a:bodyPr/>
+                    <a:lstStyle/>
+                    <a:p>
+                      <a:endParaRPr lang="en-CA"/>
+                    </a:p>
+                  </a:txBody>
+                  <a:tcPr/>
+                </a:tc>
+                <a:tc hMerge="1">
+                  <a:txBody>
+                    <a:bodyPr/>
+                    <a:lstStyle/>
+                    <a:p>
+                      <a:endParaRPr lang="en-CA"/>
+                    </a:p>
+                  </a:txBody>
+                  <a:tcPr/>
+                </a:tc>
+                <a:tc hMerge="1">
+                  <a:txBody>
+                    <a:bodyPr/>
+                    <a:lstStyle/>
+                    <a:p>
+                      <a:endParaRPr lang="en-CA"/>
+                    </a:p>
+                  </a:txBody>
+                  <a:tcPr/>
+                </a:tc>
+              </a:tr>
+              <a:tr h="202390">
+                <a:tc rowSpan="7">
+                  <a:txBody>
+                    <a:bodyPr/>
+                    <a:lstStyle/>
+                    <a:p>
+                      <a:pPr algn="ctr"/>
+                      <a:r>
+                        <a:rPr kumimoji="1" lang="ja-JP" altLang="en-US" sz="800" smtClean="0">
+                          <a:solidFill>
+                            <a:schemeClr val="tx1"/>
+                          </a:solidFill>
+                        </a:rPr>
+                        <a:t>土地</a:t>
+                      </a:r>
+                      <a:endParaRPr kumimoji="1" lang="ja-JP" altLang="en-US" sz="800">
+                        <a:solidFill>
+                          <a:schemeClr val="tx1"/>
+                        </a:solidFill>
+                      </a:endParaRPr>
+                    </a:p>
+                  </a:txBody>
+                  <a:tcPr anchor="ctr">
+                    <a:lnL w="9525" cap="flat" cmpd="sng" algn="ctr">
+                      <a:solidFill>
+                        <a:schemeClr val="tx1"/>
+                      </a:solidFill>
+                      <a:prstDash val="solid"/>
+                      <a:round/>
+                      <a:headEnd type="none" w="med" len="med"/>
+                      <a:tailEnd type="none" w="med" len="med"/>
+                    </a:lnL>
+                    <a:lnR w="9525" cap="flat" cmpd="sng" algn="ctr">
+                      <a:solidFill>
+                        <a:schemeClr val="tx1"/>
+                      </a:solidFill>
+                      <a:prstDash val="solid"/>
+                      <a:round/>
+                      <a:headEnd type="none" w="med" len="med"/>
+                      <a:tailEnd type="none" w="med" len="med"/>
+                    </a:lnR>
+                    <a:lnT w="9525" cap="flat" cmpd="sng" algn="ctr">
+                      <a:solidFill>
+                        <a:schemeClr val="tx1"/>
+                      </a:solidFill>
+                      <a:prstDash val="solid"/>
+                      <a:round/>
+                      <a:headEnd type="none" w="med" len="med"/>
+                      <a:tailEnd type="none" w="med" len="med"/>
+                    </a:lnT>
+                    <a:lnB w="9525" cap="flat" cmpd="sng" algn="ctr">
+                      <a:solidFill>
+                        <a:schemeClr val="tx1"/>
+                      </a:solidFill>
+                      <a:prstDash val="solid"/>
+                      <a:round/>
+                      <a:headEnd type="none" w="med" len="med"/>
+                      <a:tailEnd type="none" w="med" len="med"/>
+                    </a:lnB>
+                    <a:solidFill>
+                      <a:schemeClr val="accent1">
+                        <a:lumMod val="20000"/>
+                        <a:lumOff val="80000"/>
+                        <a:alpha val="70000"/>
+                      </a:schemeClr>
+                    </a:solidFill>
+                  </a:tcPr>
+                </a:tc>
+                <a:tc>
+                  <a:txBody>
+                    <a:bodyPr/>
+                    <a:lstStyle/>
+                    <a:p>
+                      <a:pPr algn="ctr"/>
+                      <a:r>
+                        <a:rPr kumimoji="1" lang="ja-JP" altLang="en-US" sz="800" smtClean="0">
+                          <a:solidFill>
+                            <a:schemeClr val="tx1"/>
+                          </a:solidFill>
+                        </a:rPr>
+                        <a:t>土地権利</a:t>
+                      </a:r>
+                      <a:endParaRPr kumimoji="1" lang="ja-JP" altLang="en-US" sz="800">
+                        <a:solidFill>
+                          <a:schemeClr val="tx1"/>
+                        </a:solidFill>
+                      </a:endParaRPr>
+                    </a:p>
+                  </a:txBody>
+                  <a:tcPr anchor="ctr">
+                    <a:lnL w="9525" cap="flat" cmpd="sng" algn="ctr">
+                      <a:solidFill>
+                        <a:schemeClr val="tx1"/>
+                      </a:solidFill>
+                      <a:prstDash val="solid"/>
+                      <a:round/>
+                      <a:headEnd type="none" w="med" len="med"/>
+                      <a:tailEnd type="none" w="med" len="med"/>
+                    </a:lnL>
+                    <a:lnR w="9525" cap="flat" cmpd="sng" algn="ctr">
+                      <a:solidFill>
+                        <a:schemeClr val="tx1"/>
+                      </a:solidFill>
+                      <a:prstDash val="solid"/>
+                      <a:round/>
+                      <a:headEnd type="none" w="med" len="med"/>
+                      <a:tailEnd type="none" w="med" len="med"/>
+                    </a:lnR>
+                    <a:lnT w="9525" cap="flat" cmpd="sng" algn="ctr">
+                      <a:solidFill>
+                        <a:schemeClr val="tx1"/>
+                      </a:solidFill>
+                      <a:prstDash val="solid"/>
+                      <a:round/>
+                      <a:headEnd type="none" w="med" len="med"/>
+                      <a:tailEnd type="none" w="med" len="med"/>
+                    </a:lnT>
+                    <a:lnB w="9525" cap="flat" cmpd="sng" algn="ctr">
+                      <a:solidFill>
+                        <a:schemeClr val="tx1"/>
+                      </a:solidFill>
+                      <a:prstDash val="solid"/>
+                      <a:round/>
+                      <a:headEnd type="none" w="med" len="med"/>
+                      <a:tailEnd type="none" w="med" len="med"/>
+                    </a:lnB>
+                    <a:solidFill>
+                      <a:schemeClr val="accent1">
+                        <a:lumMod val="20000"/>
+                        <a:lumOff val="80000"/>
+                        <a:alpha val="70000"/>
+                      </a:schemeClr>
+                    </a:solidFill>
+                  </a:tcPr>
+                </a:tc>
+                <a:tc gridSpan="4">
+                  <a:txBody>
+                    <a:bodyPr/>
+                    <a:lstStyle/>
+                    <a:p>
+                      <a:pPr algn="l"/>
+                      <a:r>
+                        <a:rPr kumimoji="1" lang="ja-JP" altLang="en-US" sz="800" smtClean="0">
+                          <a:solidFill>
+                            <a:schemeClr val="tx1"/>
+                          </a:solidFill>
+                        </a:rPr>
+                        <a:t>所有権</a:t>
+                      </a:r>
+                      <a:endParaRPr kumimoji="1" lang="ja-JP" altLang="en-US" sz="800">
+                        <a:solidFill>
+                          <a:schemeClr val="tx1"/>
+                        </a:solidFill>
+                      </a:endParaRPr>
+                    </a:p>
+                  </a:txBody>
+                  <a:tcPr anchor="ctr">
+                    <a:lnL w="9525" cap="flat" cmpd="sng" algn="ctr">
+                      <a:solidFill>
+                        <a:schemeClr val="tx1"/>
+                      </a:solidFill>
+                      <a:prstDash val="solid"/>
+                      <a:round/>
+                      <a:headEnd type="none" w="med" len="med"/>
+                      <a:tailEnd type="none" w="med" len="med"/>
+                    </a:lnL>
+                    <a:lnR w="9525" cap="flat" cmpd="sng" algn="ctr">
+                      <a:solidFill>
+                        <a:schemeClr val="tx1"/>
+                      </a:solidFill>
+                      <a:prstDash val="solid"/>
+                      <a:round/>
+                      <a:headEnd type="none" w="med" len="med"/>
+                      <a:tailEnd type="none" w="med" len="med"/>
+                    </a:lnR>
+                    <a:lnT w="9525" cap="flat" cmpd="sng" algn="ctr">
+                      <a:solidFill>
+                        <a:schemeClr val="tx1"/>
+                      </a:solidFill>
+                      <a:prstDash val="solid"/>
+                      <a:round/>
+                      <a:headEnd type="none" w="med" len="med"/>
+                      <a:tailEnd type="none" w="med" len="med"/>
+                    </a:lnT>
+                    <a:lnB w="9525" cap="flat" cmpd="sng" algn="ctr">
+                      <a:solidFill>
+                        <a:schemeClr val="tx1"/>
+                      </a:solidFill>
+                      <a:prstDash val="solid"/>
+                      <a:round/>
+                      <a:headEnd type="none" w="med" len="med"/>
+                      <a:tailEnd type="none" w="med" len="med"/>
+                    </a:lnB>
+                    <a:noFill/>
+                  </a:tcPr>
+                </a:tc>
+                <a:tc hMerge="1">
+                  <a:txBody>
+                    <a:bodyPr/>
+                    <a:lstStyle/>
+                    <a:p>
+                      <a:endParaRPr lang="en-CA"/>
+                    </a:p>
+                  </a:txBody>
+                  <a:tcPr/>
+                </a:tc>
+                <a:tc hMerge="1">
+                  <a:txBody>
+                    <a:bodyPr/>
+                    <a:lstStyle/>
+                    <a:p>
+                      <a:endParaRPr lang="en-CA"/>
+                    </a:p>
+                  </a:txBody>
+                  <a:tcPr/>
+                </a:tc>
+                <a:tc hMerge="1">
+                  <a:txBody>
+                    <a:bodyPr/>
+                    <a:lstStyle/>
+                    <a:p>
+                      <a:endParaRPr lang="en-CA"/>
+                    </a:p>
+                  </a:txBody>
+                  <a:tcPr/>
+                </a:tc>
+              </a:tr>
+              <a:tr h="202390">
+                <a:tc vMerge="1">
+                  <a:txBody>
+                    <a:bodyPr/>
+                    <a:lstStyle/>
+                    <a:p>
+                      <a:endParaRPr kumimoji="1" lang="ja-JP" altLang="en-US"/>
+                    </a:p>
+                  </a:txBody>
+                  <a:tcPr/>
+                </a:tc>
+                <a:tc>
+                  <a:txBody>
+                    <a:bodyPr/>
+                    <a:lstStyle/>
+                    <a:p>
+                      <a:pPr algn="ctr"/>
+                      <a:r>
+                        <a:rPr kumimoji="1" lang="ja-JP" altLang="en-US" sz="800" smtClean="0">
+                          <a:solidFill>
+                            <a:schemeClr val="tx1"/>
+                          </a:solidFill>
+                        </a:rPr>
+                        <a:t>土地面積</a:t>
+                      </a:r>
+                      <a:endParaRPr kumimoji="1" lang="ja-JP" altLang="en-US" sz="800">
+                        <a:solidFill>
+                          <a:schemeClr val="tx1"/>
+                        </a:solidFill>
+                      </a:endParaRPr>
+                    </a:p>
+                  </a:txBody>
+                  <a:tcPr anchor="ctr">
+                    <a:lnL w="9525" cap="flat" cmpd="sng" algn="ctr">
+                      <a:solidFill>
+                        <a:schemeClr val="tx1"/>
+                      </a:solidFill>
+                      <a:prstDash val="solid"/>
+                      <a:round/>
+                      <a:headEnd type="none" w="med" len="med"/>
+                      <a:tailEnd type="none" w="med" len="med"/>
+                    </a:lnL>
+                    <a:lnR w="9525" cap="flat" cmpd="sng" algn="ctr">
+                      <a:solidFill>
+                        <a:schemeClr val="tx1"/>
+                      </a:solidFill>
+                      <a:prstDash val="solid"/>
+                      <a:round/>
+                      <a:headEnd type="none" w="med" len="med"/>
+                      <a:tailEnd type="none" w="med" len="med"/>
+                    </a:lnR>
+                    <a:lnT w="9525" cap="flat" cmpd="sng" algn="ctr">
+                      <a:solidFill>
+                        <a:schemeClr val="tx1"/>
+                      </a:solidFill>
+                      <a:prstDash val="solid"/>
+                      <a:round/>
+                      <a:headEnd type="none" w="med" len="med"/>
+                      <a:tailEnd type="none" w="med" len="med"/>
+                    </a:lnT>
+                    <a:lnB w="9525" cap="flat" cmpd="sng" algn="ctr">
+                      <a:solidFill>
+                        <a:schemeClr val="tx1"/>
+                      </a:solidFill>
+                      <a:prstDash val="solid"/>
+                      <a:round/>
+                      <a:headEnd type="none" w="med" len="med"/>
+                      <a:tailEnd type="none" w="med" len="med"/>
+                    </a:lnB>
+                    <a:solidFill>
+                      <a:schemeClr val="accent1">
+                        <a:lumMod val="20000"/>
+                        <a:lumOff val="80000"/>
+                        <a:alpha val="70000"/>
+                      </a:schemeClr>
+                    </a:solidFill>
+                  </a:tcPr>
+                </a:tc>
+                <a:tc gridSpan="4">
                   <a:txBody>
                     <a:bodyPr/>
                     <a:lstStyle/>
@@ -5035,7 +5576,63 @@
                         <a:tabLst/>
                         <a:defRPr/>
                       </a:pPr>
-                      <a:endParaRPr kumimoji="1" lang="ja-JP" altLang="en-US" sz="700" smtClean="0">
+                      <a:r>
+                        <a:rPr kumimoji="1" lang="ja-JP" altLang="en-US" sz="800" smtClean="0">
+                          <a:solidFill>
+                            <a:schemeClr val="tx1"/>
+                          </a:solidFill>
+                        </a:rPr>
+                        <a:t>登記簿：</a:t>
+                      </a:r>
+                      <a:r>
+                        <a:rPr kumimoji="1" lang="en-US" altLang="ja-JP" sz="800" b="0" dirty="0" smtClean="0">
+                          <a:solidFill>
+                            <a:schemeClr val="tx1"/>
+                          </a:solidFill>
+                        </a:rPr>
+                        <a:t>144.67m</a:t>
+                      </a:r>
+                      <a:r>
+                        <a:rPr kumimoji="1" lang="en-US" altLang="ja-JP" sz="800" b="0" baseline="30000" dirty="0" smtClean="0">
+                          <a:solidFill>
+                            <a:schemeClr val="tx1"/>
+                          </a:solidFill>
+                        </a:rPr>
+                        <a:t>2</a:t>
+                      </a:r>
+                      <a:r>
+                        <a:rPr kumimoji="1" lang="ja-JP" altLang="en-US" sz="800" baseline="0" smtClean="0">
+                          <a:solidFill>
+                            <a:schemeClr val="tx1"/>
+                          </a:solidFill>
+                        </a:rPr>
+                        <a:t>、実測</a:t>
+                      </a:r>
+                      <a:r>
+                        <a:rPr kumimoji="1" lang="ja-JP" altLang="en-US" sz="800" smtClean="0">
+                          <a:solidFill>
+                            <a:schemeClr val="tx1"/>
+                          </a:solidFill>
+                        </a:rPr>
+                        <a:t>：</a:t>
+                      </a:r>
+                      <a:r>
+                        <a:rPr kumimoji="1" lang="en-US" altLang="ja-JP" sz="800" dirty="0" smtClean="0">
+                          <a:solidFill>
+                            <a:schemeClr val="tx1"/>
+                          </a:solidFill>
+                        </a:rPr>
+                        <a:t>144.85m</a:t>
+                      </a:r>
+                      <a:r>
+                        <a:rPr kumimoji="1" lang="en-US" altLang="ja-JP" sz="800" baseline="30000" dirty="0" smtClean="0">
+                          <a:solidFill>
+                            <a:schemeClr val="tx1"/>
+                          </a:solidFill>
+                        </a:rPr>
+                        <a:t>2</a:t>
+                      </a:r>
+                      <a:endParaRPr kumimoji="1" lang="ja-JP" altLang="en-US" sz="800" baseline="0" smtClean="0">
                         <a:solidFill>
                           <a:schemeClr val="tx1"/>
                         </a:solidFill>
@@ -5043,7 +5640,7 @@
                     </a:p>
                   </a:txBody>
                   <a:tcPr anchor="ctr">
-                    <a:lnL w="12700" cap="flat" cmpd="sng" algn="ctr">
+                    <a:lnL w="9525" cap="flat" cmpd="sng" algn="ctr">
                       <a:solidFill>
                         <a:schemeClr val="tx1"/>
                       </a:solidFill>
@@ -5052,7 +5649,7 @@
                       <a:headEnd type="none" w="med" len="med"/>
                       <a:tailEnd type="none" w="med" len="med"/>
                     </a:lnL>
-                    <a:lnR w="12700" cap="flat" cmpd="sng" algn="ctr">
+                    <a:lnR w="9525" cap="flat" cmpd="sng" algn="ctr">
                       <a:solidFill>
                         <a:schemeClr val="tx1"/>
                       </a:solidFill>
@@ -5061,7 +5658,7 @@
                       <a:headEnd type="none" w="med" len="med"/>
                       <a:tailEnd type="none" w="med" len="med"/>
                     </a:lnR>
-                    <a:lnT w="12700" cap="flat" cmpd="sng" algn="ctr">
+                    <a:lnT w="9525" cap="flat" cmpd="sng" algn="ctr">
                       <a:solidFill>
                         <a:schemeClr val="tx1"/>
                       </a:solidFill>
@@ -5070,7 +5667,7 @@
                       <a:headEnd type="none" w="med" len="med"/>
                       <a:tailEnd type="none" w="med" len="med"/>
                     </a:lnT>
-                    <a:lnB w="12700" cap="flat" cmpd="sng" algn="ctr">
+                    <a:lnB w="9525" cap="flat" cmpd="sng" algn="ctr">
                       <a:solidFill>
                         <a:schemeClr val="tx1"/>
                       </a:solidFill>
@@ -5082,6 +5679,36 @@
                     <a:noFill/>
                   </a:tcPr>
                 </a:tc>
+                <a:tc hMerge="1">
+                  <a:txBody>
+                    <a:bodyPr/>
+                    <a:lstStyle/>
+                    <a:p>
+                      <a:endParaRPr lang="en-CA"/>
+                    </a:p>
+                  </a:txBody>
+                  <a:tcPr/>
+                </a:tc>
+                <a:tc hMerge="1">
+                  <a:txBody>
+                    <a:bodyPr/>
+                    <a:lstStyle/>
+                    <a:p>
+                      <a:endParaRPr lang="en-CA"/>
+                    </a:p>
+                  </a:txBody>
+                  <a:tcPr/>
+                </a:tc>
+                <a:tc hMerge="1">
+                  <a:txBody>
+                    <a:bodyPr/>
+                    <a:lstStyle/>
+                    <a:p>
+                      <a:endParaRPr lang="en-CA"/>
+                    </a:p>
+                  </a:txBody>
+                  <a:tcPr/>
+                </a:tc>
               </a:tr>
               <a:tr h="202390">
                 <a:tc vMerge="1">
@@ -5089,7 +5716,7 @@
                     <a:bodyPr/>
                     <a:lstStyle/>
                     <a:p>
-                      <a:endParaRPr lang="en-CA"/>
+                      <a:endParaRPr kumimoji="1" lang="ja-JP" altLang="en-US"/>
                     </a:p>
                   </a:txBody>
                   <a:tcPr/>
@@ -5099,20 +5726,31 @@
                     <a:bodyPr/>
                     <a:lstStyle/>
                     <a:p>
-                      <a:pPr algn="ctr"/>
+                      <a:pPr marL="0" marR="0" indent="0" algn="ctr" defTabSz="914400" rtl="0" eaLnBrk="1" fontAlgn="auto" latinLnBrk="0" hangingPunct="1">
+                        <a:lnSpc>
+                          <a:spcPct val="100000"/>
+                        </a:lnSpc>
+                        <a:spcBef>
+                          <a:spcPts val="0"/>
+                        </a:spcBef>
+                        <a:spcAft>
+                          <a:spcPts val="0"/>
+                        </a:spcAft>
+                        <a:buClrTx/>
+                        <a:buSzTx/>
+                        <a:buFontTx/>
+                        <a:buNone/>
+                        <a:tabLst/>
+                        <a:defRPr/>
+                      </a:pPr>
                       <a:r>
                         <a:rPr kumimoji="1" lang="ja-JP" altLang="en-US" sz="800" smtClean="0">
                           <a:solidFill>
                             <a:schemeClr val="tx1"/>
                           </a:solidFill>
                         </a:rPr>
-                        <a:t>間取り</a:t>
-                      </a:r>
-                      <a:endParaRPr kumimoji="1" lang="ja-JP" altLang="en-US" sz="800">
-                        <a:solidFill>
-                          <a:schemeClr val="tx1"/>
-                        </a:solidFill>
-                      </a:endParaRPr>
+                        <a:t>用途地域</a:t>
+                      </a:r>
                     </a:p>
                   </a:txBody>
                   <a:tcPr anchor="ctr">
@@ -5161,1322 +5799,7 @@
                     </a:solidFill>
                   </a:tcPr>
                 </a:tc>
-                <a:tc gridSpan="3">
-                  <a:txBody>
-                    <a:bodyPr/>
-                    <a:lstStyle/>
-                    <a:p>
-                      <a:pPr algn="l"/>
-                      <a:r>
-                        <a:rPr kumimoji="1" lang="en-CA" altLang="ja-JP" sz="800" b="1" dirty="0" smtClean="0">
-                          <a:solidFill>
-                            <a:schemeClr val="tx1"/>
-                          </a:solidFill>
-                        </a:rPr>
-                        <a:t>3LDK</a:t>
-                      </a:r>
-                      <a:endParaRPr kumimoji="1" lang="ja-JP" altLang="en-US" sz="800" b="1">
-                        <a:solidFill>
-                          <a:schemeClr val="tx1"/>
-                        </a:solidFill>
-                      </a:endParaRPr>
-                    </a:p>
-                  </a:txBody>
-                  <a:tcPr anchor="ctr">
-                    <a:lnL w="9525" cap="flat" cmpd="sng" algn="ctr">
-                      <a:solidFill>
-                        <a:schemeClr val="tx1"/>
-                      </a:solidFill>
-                      <a:prstDash val="solid"/>
-                      <a:round/>
-                      <a:headEnd type="none" w="med" len="med"/>
-                      <a:tailEnd type="none" w="med" len="med"/>
-                    </a:lnL>
-                    <a:lnR w="9525" cap="flat" cmpd="sng" algn="ctr">
-                      <a:solidFill>
-                        <a:schemeClr val="tx1"/>
-                      </a:solidFill>
-                      <a:prstDash val="solid"/>
-                      <a:round/>
-                      <a:headEnd type="none" w="med" len="med"/>
-                      <a:tailEnd type="none" w="med" len="med"/>
-                    </a:lnR>
-                    <a:lnT w="9525" cap="flat" cmpd="sng" algn="ctr">
-                      <a:solidFill>
-                        <a:schemeClr val="tx1"/>
-                      </a:solidFill>
-                      <a:prstDash val="solid"/>
-                      <a:round/>
-                      <a:headEnd type="none" w="med" len="med"/>
-                      <a:tailEnd type="none" w="med" len="med"/>
-                    </a:lnT>
-                    <a:lnB w="9525" cap="flat" cmpd="sng" algn="ctr">
-                      <a:solidFill>
-                        <a:schemeClr val="tx1"/>
-                      </a:solidFill>
-                      <a:prstDash val="solid"/>
-                      <a:round/>
-                      <a:headEnd type="none" w="med" len="med"/>
-                      <a:tailEnd type="none" w="med" len="med"/>
-                    </a:lnB>
-                    <a:noFill/>
-                  </a:tcPr>
-                </a:tc>
-                <a:tc hMerge="1">
-                  <a:txBody>
-                    <a:bodyPr/>
-                    <a:lstStyle/>
-                    <a:p>
-                      <a:endParaRPr lang="en-CA"/>
-                    </a:p>
-                  </a:txBody>
-                  <a:tcPr/>
-                </a:tc>
-                <a:tc hMerge="1">
-                  <a:txBody>
-                    <a:bodyPr/>
-                    <a:lstStyle/>
-                    <a:p>
-                      <a:endParaRPr lang="en-CA"/>
-                    </a:p>
-                  </a:txBody>
-                  <a:tcPr/>
-                </a:tc>
-              </a:tr>
-              <a:tr h="202390">
-                <a:tc vMerge="1">
-                  <a:txBody>
-                    <a:bodyPr/>
-                    <a:lstStyle/>
-                    <a:p>
-                      <a:endParaRPr kumimoji="1" lang="ja-JP" altLang="en-US"/>
-                    </a:p>
-                  </a:txBody>
-                  <a:tcPr/>
-                </a:tc>
-                <a:tc>
-                  <a:txBody>
-                    <a:bodyPr/>
-                    <a:lstStyle/>
-                    <a:p>
-                      <a:pPr algn="ctr"/>
-                      <a:r>
-                        <a:rPr kumimoji="1" lang="ja-JP" altLang="en-US" sz="800" smtClean="0">
-                          <a:solidFill>
-                            <a:schemeClr val="tx1"/>
-                          </a:solidFill>
-                        </a:rPr>
-                        <a:t>構造</a:t>
-                      </a:r>
-                      <a:endParaRPr kumimoji="1" lang="ja-JP" altLang="en-US" sz="800">
-                        <a:solidFill>
-                          <a:schemeClr val="tx1"/>
-                        </a:solidFill>
-                      </a:endParaRPr>
-                    </a:p>
-                  </a:txBody>
-                  <a:tcPr anchor="ctr">
-                    <a:lnL w="9525" cap="flat" cmpd="sng" algn="ctr">
-                      <a:solidFill>
-                        <a:schemeClr val="tx1"/>
-                      </a:solidFill>
-                      <a:prstDash val="solid"/>
-                      <a:round/>
-                      <a:headEnd type="none" w="med" len="med"/>
-                      <a:tailEnd type="none" w="med" len="med"/>
-                    </a:lnL>
-                    <a:lnR w="9525" cap="flat" cmpd="sng" algn="ctr">
-                      <a:solidFill>
-                        <a:schemeClr val="tx1"/>
-                      </a:solidFill>
-                      <a:prstDash val="solid"/>
-                      <a:round/>
-                      <a:headEnd type="none" w="med" len="med"/>
-                      <a:tailEnd type="none" w="med" len="med"/>
-                    </a:lnR>
-                    <a:lnT w="9525" cap="flat" cmpd="sng" algn="ctr">
-                      <a:solidFill>
-                        <a:schemeClr val="tx1"/>
-                      </a:solidFill>
-                      <a:prstDash val="solid"/>
-                      <a:round/>
-                      <a:headEnd type="none" w="med" len="med"/>
-                      <a:tailEnd type="none" w="med" len="med"/>
-                    </a:lnT>
-                    <a:lnB w="9525" cap="flat" cmpd="sng" algn="ctr">
-                      <a:solidFill>
-                        <a:schemeClr val="tx1"/>
-                      </a:solidFill>
-                      <a:prstDash val="solid"/>
-                      <a:round/>
-                      <a:headEnd type="none" w="med" len="med"/>
-                      <a:tailEnd type="none" w="med" len="med"/>
-                    </a:lnB>
-                    <a:solidFill>
-                      <a:schemeClr val="accent1">
-                        <a:lumMod val="20000"/>
-                        <a:lumOff val="80000"/>
-                        <a:alpha val="70000"/>
-                      </a:schemeClr>
-                    </a:solidFill>
-                  </a:tcPr>
-                </a:tc>
-                <a:tc gridSpan="3">
-                  <a:txBody>
-                    <a:bodyPr/>
-                    <a:lstStyle/>
-                    <a:p>
-                      <a:pPr algn="l"/>
-                      <a:r>
-                        <a:rPr kumimoji="1" lang="ja-JP" altLang="en-US" sz="800" b="1" smtClean="0">
-                          <a:solidFill>
-                            <a:schemeClr val="tx1"/>
-                          </a:solidFill>
-                        </a:rPr>
-                        <a:t>軽量鉄骨造スレート葺２階建</a:t>
-                      </a:r>
-                      <a:endParaRPr kumimoji="1" lang="ja-JP" altLang="en-US" sz="800" b="1">
-                        <a:solidFill>
-                          <a:schemeClr val="tx1"/>
-                        </a:solidFill>
-                      </a:endParaRPr>
-                    </a:p>
-                  </a:txBody>
-                  <a:tcPr anchor="ctr">
-                    <a:lnL w="9525" cap="flat" cmpd="sng" algn="ctr">
-                      <a:solidFill>
-                        <a:schemeClr val="tx1"/>
-                      </a:solidFill>
-                      <a:prstDash val="solid"/>
-                      <a:round/>
-                      <a:headEnd type="none" w="med" len="med"/>
-                      <a:tailEnd type="none" w="med" len="med"/>
-                    </a:lnL>
-                    <a:lnR w="9525" cap="flat" cmpd="sng" algn="ctr">
-                      <a:solidFill>
-                        <a:schemeClr val="tx1"/>
-                      </a:solidFill>
-                      <a:prstDash val="solid"/>
-                      <a:round/>
-                      <a:headEnd type="none" w="med" len="med"/>
-                      <a:tailEnd type="none" w="med" len="med"/>
-                    </a:lnR>
-                    <a:lnT w="9525" cap="flat" cmpd="sng" algn="ctr">
-                      <a:solidFill>
-                        <a:schemeClr val="tx1"/>
-                      </a:solidFill>
-                      <a:prstDash val="solid"/>
-                      <a:round/>
-                      <a:headEnd type="none" w="med" len="med"/>
-                      <a:tailEnd type="none" w="med" len="med"/>
-                    </a:lnT>
-                    <a:lnB w="9525" cap="flat" cmpd="sng" algn="ctr">
-                      <a:solidFill>
-                        <a:schemeClr val="tx1"/>
-                      </a:solidFill>
-                      <a:prstDash val="solid"/>
-                      <a:round/>
-                      <a:headEnd type="none" w="med" len="med"/>
-                      <a:tailEnd type="none" w="med" len="med"/>
-                    </a:lnB>
-                    <a:noFill/>
-                  </a:tcPr>
-                </a:tc>
-                <a:tc hMerge="1">
-                  <a:txBody>
-                    <a:bodyPr/>
-                    <a:lstStyle/>
-                    <a:p>
-                      <a:endParaRPr kumimoji="1" lang="ja-JP" altLang="en-US"/>
-                    </a:p>
-                  </a:txBody>
-                  <a:tcPr/>
-                </a:tc>
-                <a:tc hMerge="1">
-                  <a:txBody>
-                    <a:bodyPr/>
-                    <a:lstStyle/>
-                    <a:p>
-                      <a:endParaRPr kumimoji="1" lang="ja-JP" altLang="en-US"/>
-                    </a:p>
-                  </a:txBody>
-                  <a:tcPr/>
-                </a:tc>
-              </a:tr>
-              <a:tr h="202390">
-                <a:tc vMerge="1">
-                  <a:txBody>
-                    <a:bodyPr/>
-                    <a:lstStyle/>
-                    <a:p>
-                      <a:pPr algn="ctr"/>
-                      <a:endParaRPr kumimoji="1" lang="ja-JP" altLang="en-US" sz="700">
-                        <a:solidFill>
-                          <a:schemeClr val="tx1"/>
-                        </a:solidFill>
-                      </a:endParaRPr>
-                    </a:p>
-                  </a:txBody>
-                  <a:tcPr anchor="ctr">
-                    <a:lnL w="12700" cap="flat" cmpd="sng" algn="ctr">
-                      <a:solidFill>
-                        <a:schemeClr val="tx1"/>
-                      </a:solidFill>
-                      <a:prstDash val="solid"/>
-                      <a:round/>
-                      <a:headEnd type="none" w="med" len="med"/>
-                      <a:tailEnd type="none" w="med" len="med"/>
-                    </a:lnL>
-                    <a:lnR w="12700" cap="flat" cmpd="sng" algn="ctr">
-                      <a:solidFill>
-                        <a:schemeClr val="tx1"/>
-                      </a:solidFill>
-                      <a:prstDash val="solid"/>
-                      <a:round/>
-                      <a:headEnd type="none" w="med" len="med"/>
-                      <a:tailEnd type="none" w="med" len="med"/>
-                    </a:lnR>
-                    <a:lnT w="12700" cap="flat" cmpd="sng" algn="ctr">
-                      <a:solidFill>
-                        <a:schemeClr val="tx1"/>
-                      </a:solidFill>
-                      <a:prstDash val="solid"/>
-                      <a:round/>
-                      <a:headEnd type="none" w="med" len="med"/>
-                      <a:tailEnd type="none" w="med" len="med"/>
-                    </a:lnT>
-                    <a:lnB w="12700" cap="flat" cmpd="sng" algn="ctr">
-                      <a:solidFill>
-                        <a:schemeClr val="tx1"/>
-                      </a:solidFill>
-                      <a:prstDash val="solid"/>
-                      <a:round/>
-                      <a:headEnd type="none" w="med" len="med"/>
-                      <a:tailEnd type="none" w="med" len="med"/>
-                    </a:lnB>
-                    <a:noFill/>
-                  </a:tcPr>
-                </a:tc>
-                <a:tc>
-                  <a:txBody>
-                    <a:bodyPr/>
-                    <a:lstStyle/>
-                    <a:p>
-                      <a:pPr algn="ctr"/>
-                      <a:r>
-                        <a:rPr kumimoji="1" lang="ja-JP" altLang="en-US" sz="800" smtClean="0">
-                          <a:solidFill>
-                            <a:schemeClr val="tx1"/>
-                          </a:solidFill>
-                        </a:rPr>
-                        <a:t>施工会社</a:t>
-                      </a:r>
-                      <a:endParaRPr kumimoji="1" lang="ja-JP" altLang="en-US" sz="800">
-                        <a:solidFill>
-                          <a:schemeClr val="tx1"/>
-                        </a:solidFill>
-                      </a:endParaRPr>
-                    </a:p>
-                  </a:txBody>
-                  <a:tcPr anchor="ctr">
-                    <a:lnL w="9525" cap="flat" cmpd="sng" algn="ctr">
-                      <a:solidFill>
-                        <a:schemeClr val="tx1"/>
-                      </a:solidFill>
-                      <a:prstDash val="solid"/>
-                      <a:round/>
-                      <a:headEnd type="none" w="med" len="med"/>
-                      <a:tailEnd type="none" w="med" len="med"/>
-                    </a:lnL>
-                    <a:lnR w="9525" cap="flat" cmpd="sng" algn="ctr">
-                      <a:solidFill>
-                        <a:schemeClr val="tx1"/>
-                      </a:solidFill>
-                      <a:prstDash val="solid"/>
-                      <a:round/>
-                      <a:headEnd type="none" w="med" len="med"/>
-                      <a:tailEnd type="none" w="med" len="med"/>
-                    </a:lnR>
-                    <a:lnT w="9525" cap="flat" cmpd="sng" algn="ctr">
-                      <a:solidFill>
-                        <a:schemeClr val="tx1"/>
-                      </a:solidFill>
-                      <a:prstDash val="solid"/>
-                      <a:round/>
-                      <a:headEnd type="none" w="med" len="med"/>
-                      <a:tailEnd type="none" w="med" len="med"/>
-                    </a:lnT>
-                    <a:lnB w="9525" cap="flat" cmpd="sng" algn="ctr">
-                      <a:solidFill>
-                        <a:schemeClr val="tx1"/>
-                      </a:solidFill>
-                      <a:prstDash val="solid"/>
-                      <a:round/>
-                      <a:headEnd type="none" w="med" len="med"/>
-                      <a:tailEnd type="none" w="med" len="med"/>
-                    </a:lnB>
-                    <a:solidFill>
-                      <a:schemeClr val="accent1">
-                        <a:lumMod val="20000"/>
-                        <a:lumOff val="80000"/>
-                        <a:alpha val="70000"/>
-                      </a:schemeClr>
-                    </a:solidFill>
-                  </a:tcPr>
-                </a:tc>
-                <a:tc gridSpan="3">
-                  <a:txBody>
-                    <a:bodyPr/>
-                    <a:lstStyle/>
-                    <a:p>
-                      <a:pPr algn="l"/>
-                      <a:r>
-                        <a:rPr kumimoji="1" lang="ja-JP" altLang="en-US" sz="800" b="1" smtClean="0">
-                          <a:solidFill>
-                            <a:schemeClr val="tx1"/>
-                          </a:solidFill>
-                        </a:rPr>
-                        <a:t>積水ハウス</a:t>
-                      </a:r>
-                      <a:endParaRPr kumimoji="1" lang="ja-JP" altLang="en-US" sz="800" b="1">
-                        <a:solidFill>
-                          <a:schemeClr val="tx1"/>
-                        </a:solidFill>
-                      </a:endParaRPr>
-                    </a:p>
-                  </a:txBody>
-                  <a:tcPr anchor="ctr">
-                    <a:lnL w="9525" cap="flat" cmpd="sng" algn="ctr">
-                      <a:solidFill>
-                        <a:schemeClr val="tx1"/>
-                      </a:solidFill>
-                      <a:prstDash val="solid"/>
-                      <a:round/>
-                      <a:headEnd type="none" w="med" len="med"/>
-                      <a:tailEnd type="none" w="med" len="med"/>
-                    </a:lnL>
-                    <a:lnR w="9525" cap="flat" cmpd="sng" algn="ctr">
-                      <a:solidFill>
-                        <a:schemeClr val="tx1"/>
-                      </a:solidFill>
-                      <a:prstDash val="solid"/>
-                      <a:round/>
-                      <a:headEnd type="none" w="med" len="med"/>
-                      <a:tailEnd type="none" w="med" len="med"/>
-                    </a:lnR>
-                    <a:lnT w="9525" cap="flat" cmpd="sng" algn="ctr">
-                      <a:solidFill>
-                        <a:schemeClr val="tx1"/>
-                      </a:solidFill>
-                      <a:prstDash val="solid"/>
-                      <a:round/>
-                      <a:headEnd type="none" w="med" len="med"/>
-                      <a:tailEnd type="none" w="med" len="med"/>
-                    </a:lnT>
-                    <a:lnB w="9525" cap="flat" cmpd="sng" algn="ctr">
-                      <a:solidFill>
-                        <a:schemeClr val="tx1"/>
-                      </a:solidFill>
-                      <a:prstDash val="solid"/>
-                      <a:round/>
-                      <a:headEnd type="none" w="med" len="med"/>
-                      <a:tailEnd type="none" w="med" len="med"/>
-                    </a:lnB>
-                    <a:noFill/>
-                  </a:tcPr>
-                </a:tc>
-                <a:tc hMerge="1">
-                  <a:txBody>
-                    <a:bodyPr/>
-                    <a:lstStyle/>
-                    <a:p>
-                      <a:endParaRPr kumimoji="1" lang="ja-JP" altLang="en-US"/>
-                    </a:p>
-                  </a:txBody>
-                  <a:tcPr>
-                    <a:lnL w="9525" cap="flat" cmpd="sng" algn="ctr">
-                      <a:solidFill>
-                        <a:schemeClr val="tx1"/>
-                      </a:solidFill>
-                      <a:prstDash val="solid"/>
-                      <a:round/>
-                      <a:headEnd type="none" w="med" len="med"/>
-                      <a:tailEnd type="none" w="med" len="med"/>
-                    </a:lnL>
-                    <a:lnR w="9525" cap="flat" cmpd="sng" algn="ctr">
-                      <a:solidFill>
-                        <a:schemeClr val="tx1"/>
-                      </a:solidFill>
-                      <a:prstDash val="solid"/>
-                      <a:round/>
-                      <a:headEnd type="none" w="med" len="med"/>
-                      <a:tailEnd type="none" w="med" len="med"/>
-                    </a:lnR>
-                    <a:lnT w="9525" cap="flat" cmpd="sng" algn="ctr">
-                      <a:solidFill>
-                        <a:schemeClr val="tx1"/>
-                      </a:solidFill>
-                      <a:prstDash val="solid"/>
-                      <a:round/>
-                      <a:headEnd type="none" w="med" len="med"/>
-                      <a:tailEnd type="none" w="med" len="med"/>
-                    </a:lnT>
-                    <a:lnB w="9525" cap="flat" cmpd="sng" algn="ctr">
-                      <a:solidFill>
-                        <a:schemeClr val="tx1"/>
-                      </a:solidFill>
-                      <a:prstDash val="solid"/>
-                      <a:round/>
-                      <a:headEnd type="none" w="med" len="med"/>
-                      <a:tailEnd type="none" w="med" len="med"/>
-                    </a:lnB>
-                    <a:solidFill>
-                      <a:schemeClr val="accent1">
-                        <a:lumMod val="20000"/>
-                        <a:lumOff val="80000"/>
-                        <a:alpha val="70000"/>
-                      </a:schemeClr>
-                    </a:solidFill>
-                  </a:tcPr>
-                </a:tc>
-                <a:tc hMerge="1">
-                  <a:txBody>
-                    <a:bodyPr/>
-                    <a:lstStyle/>
-                    <a:p>
-                      <a:endParaRPr kumimoji="1" lang="ja-JP" altLang="en-US"/>
-                    </a:p>
-                  </a:txBody>
-                  <a:tcPr>
-                    <a:lnL w="9525" cap="flat" cmpd="sng" algn="ctr">
-                      <a:solidFill>
-                        <a:schemeClr val="tx1"/>
-                      </a:solidFill>
-                      <a:prstDash val="solid"/>
-                      <a:round/>
-                      <a:headEnd type="none" w="med" len="med"/>
-                      <a:tailEnd type="none" w="med" len="med"/>
-                    </a:lnL>
-                    <a:lnR w="9525" cap="flat" cmpd="sng" algn="ctr">
-                      <a:solidFill>
-                        <a:schemeClr val="tx1"/>
-                      </a:solidFill>
-                      <a:prstDash val="solid"/>
-                      <a:round/>
-                      <a:headEnd type="none" w="med" len="med"/>
-                      <a:tailEnd type="none" w="med" len="med"/>
-                    </a:lnR>
-                    <a:lnT w="9525" cap="flat" cmpd="sng" algn="ctr">
-                      <a:solidFill>
-                        <a:schemeClr val="tx1"/>
-                      </a:solidFill>
-                      <a:prstDash val="solid"/>
-                      <a:round/>
-                      <a:headEnd type="none" w="med" len="med"/>
-                      <a:tailEnd type="none" w="med" len="med"/>
-                    </a:lnT>
-                    <a:lnB w="9525" cap="flat" cmpd="sng" algn="ctr">
-                      <a:solidFill>
-                        <a:schemeClr val="tx1"/>
-                      </a:solidFill>
-                      <a:prstDash val="solid"/>
-                      <a:round/>
-                      <a:headEnd type="none" w="med" len="med"/>
-                      <a:tailEnd type="none" w="med" len="med"/>
-                    </a:lnB>
-                    <a:noFill/>
-                  </a:tcPr>
-                </a:tc>
-              </a:tr>
-              <a:tr h="202390">
-                <a:tc vMerge="1">
-                  <a:txBody>
-                    <a:bodyPr/>
-                    <a:lstStyle/>
-                    <a:p>
-                      <a:endParaRPr kumimoji="1" lang="ja-JP" altLang="en-US"/>
-                    </a:p>
-                  </a:txBody>
-                  <a:tcPr/>
-                </a:tc>
-                <a:tc>
-                  <a:txBody>
-                    <a:bodyPr/>
-                    <a:lstStyle/>
-                    <a:p>
-                      <a:pPr algn="ctr"/>
-                      <a:r>
-                        <a:rPr kumimoji="1" lang="ja-JP" altLang="en-US" sz="800" smtClean="0">
-                          <a:solidFill>
-                            <a:schemeClr val="tx1"/>
-                          </a:solidFill>
-                        </a:rPr>
-                        <a:t>築年月</a:t>
-                      </a:r>
-                      <a:endParaRPr kumimoji="1" lang="ja-JP" altLang="en-US" sz="800">
-                        <a:solidFill>
-                          <a:schemeClr val="tx1"/>
-                        </a:solidFill>
-                      </a:endParaRPr>
-                    </a:p>
-                  </a:txBody>
-                  <a:tcPr anchor="ctr">
-                    <a:lnL w="9525" cap="flat" cmpd="sng" algn="ctr">
-                      <a:solidFill>
-                        <a:schemeClr val="tx1"/>
-                      </a:solidFill>
-                      <a:prstDash val="solid"/>
-                      <a:round/>
-                      <a:headEnd type="none" w="med" len="med"/>
-                      <a:tailEnd type="none" w="med" len="med"/>
-                    </a:lnL>
-                    <a:lnR w="9525" cap="flat" cmpd="sng" algn="ctr">
-                      <a:solidFill>
-                        <a:schemeClr val="tx1"/>
-                      </a:solidFill>
-                      <a:prstDash val="solid"/>
-                      <a:round/>
-                      <a:headEnd type="none" w="med" len="med"/>
-                      <a:tailEnd type="none" w="med" len="med"/>
-                    </a:lnR>
-                    <a:lnT w="9525" cap="flat" cmpd="sng" algn="ctr">
-                      <a:solidFill>
-                        <a:schemeClr val="tx1"/>
-                      </a:solidFill>
-                      <a:prstDash val="solid"/>
-                      <a:round/>
-                      <a:headEnd type="none" w="med" len="med"/>
-                      <a:tailEnd type="none" w="med" len="med"/>
-                    </a:lnT>
-                    <a:lnB w="9525" cap="flat" cmpd="sng" algn="ctr">
-                      <a:solidFill>
-                        <a:schemeClr val="tx1"/>
-                      </a:solidFill>
-                      <a:prstDash val="solid"/>
-                      <a:round/>
-                      <a:headEnd type="none" w="med" len="med"/>
-                      <a:tailEnd type="none" w="med" len="med"/>
-                    </a:lnB>
-                    <a:solidFill>
-                      <a:schemeClr val="accent1">
-                        <a:lumMod val="20000"/>
-                        <a:lumOff val="80000"/>
-                        <a:alpha val="70000"/>
-                      </a:schemeClr>
-                    </a:solidFill>
-                  </a:tcPr>
-                </a:tc>
-                <a:tc gridSpan="3">
-                  <a:txBody>
-                    <a:bodyPr/>
-                    <a:lstStyle/>
-                    <a:p>
-                      <a:pPr algn="l"/>
-                      <a:r>
-                        <a:rPr kumimoji="1" lang="ja-JP" altLang="en-US" sz="800" smtClean="0">
-                          <a:solidFill>
-                            <a:schemeClr val="tx1"/>
-                          </a:solidFill>
-                        </a:rPr>
-                        <a:t>平成</a:t>
-                      </a:r>
-                      <a:r>
-                        <a:rPr kumimoji="1" lang="en-US" altLang="ja-JP" sz="800" dirty="0" smtClean="0">
-                          <a:solidFill>
-                            <a:schemeClr val="tx1"/>
-                          </a:solidFill>
-                        </a:rPr>
-                        <a:t>5</a:t>
-                      </a:r>
-                      <a:r>
-                        <a:rPr kumimoji="1" lang="ja-JP" altLang="en-US" sz="800" smtClean="0">
-                          <a:solidFill>
-                            <a:schemeClr val="tx1"/>
-                          </a:solidFill>
-                        </a:rPr>
-                        <a:t>年</a:t>
-                      </a:r>
-                      <a:r>
-                        <a:rPr kumimoji="1" lang="en-US" altLang="ja-JP" sz="800" dirty="0" smtClean="0">
-                          <a:solidFill>
-                            <a:schemeClr val="tx1"/>
-                          </a:solidFill>
-                        </a:rPr>
-                        <a:t>3</a:t>
-                      </a:r>
-                      <a:r>
-                        <a:rPr kumimoji="1" lang="ja-JP" altLang="en-US" sz="800" smtClean="0">
-                          <a:solidFill>
-                            <a:schemeClr val="tx1"/>
-                          </a:solidFill>
-                        </a:rPr>
-                        <a:t>月</a:t>
-                      </a:r>
-                      <a:endParaRPr kumimoji="1" lang="ja-JP" altLang="en-US" sz="800">
-                        <a:solidFill>
-                          <a:schemeClr val="tx1"/>
-                        </a:solidFill>
-                      </a:endParaRPr>
-                    </a:p>
-                  </a:txBody>
-                  <a:tcPr anchor="ctr">
-                    <a:lnL w="9525" cap="flat" cmpd="sng" algn="ctr">
-                      <a:solidFill>
-                        <a:schemeClr val="tx1"/>
-                      </a:solidFill>
-                      <a:prstDash val="solid"/>
-                      <a:round/>
-                      <a:headEnd type="none" w="med" len="med"/>
-                      <a:tailEnd type="none" w="med" len="med"/>
-                    </a:lnL>
-                    <a:lnR w="9525" cap="flat" cmpd="sng" algn="ctr">
-                      <a:solidFill>
-                        <a:schemeClr val="tx1"/>
-                      </a:solidFill>
-                      <a:prstDash val="solid"/>
-                      <a:round/>
-                      <a:headEnd type="none" w="med" len="med"/>
-                      <a:tailEnd type="none" w="med" len="med"/>
-                    </a:lnR>
-                    <a:lnT w="9525" cap="flat" cmpd="sng" algn="ctr">
-                      <a:solidFill>
-                        <a:schemeClr val="tx1"/>
-                      </a:solidFill>
-                      <a:prstDash val="solid"/>
-                      <a:round/>
-                      <a:headEnd type="none" w="med" len="med"/>
-                      <a:tailEnd type="none" w="med" len="med"/>
-                    </a:lnT>
-                    <a:lnB w="9525" cap="flat" cmpd="sng" algn="ctr">
-                      <a:solidFill>
-                        <a:schemeClr val="tx1"/>
-                      </a:solidFill>
-                      <a:prstDash val="solid"/>
-                      <a:round/>
-                      <a:headEnd type="none" w="med" len="med"/>
-                      <a:tailEnd type="none" w="med" len="med"/>
-                    </a:lnB>
-                    <a:noFill/>
-                  </a:tcPr>
-                </a:tc>
-                <a:tc hMerge="1">
-                  <a:txBody>
-                    <a:bodyPr/>
-                    <a:lstStyle/>
-                    <a:p>
-                      <a:endParaRPr kumimoji="1" lang="ja-JP" altLang="en-US"/>
-                    </a:p>
-                  </a:txBody>
-                  <a:tcPr/>
-                </a:tc>
-                <a:tc hMerge="1">
-                  <a:txBody>
-                    <a:bodyPr/>
-                    <a:lstStyle/>
-                    <a:p>
-                      <a:endParaRPr kumimoji="1" lang="ja-JP" altLang="en-US"/>
-                    </a:p>
-                  </a:txBody>
-                  <a:tcPr/>
-                </a:tc>
-              </a:tr>
-              <a:tr h="202390">
-                <a:tc vMerge="1">
-                  <a:txBody>
-                    <a:bodyPr/>
-                    <a:lstStyle/>
-                    <a:p>
-                      <a:pPr algn="ctr"/>
-                      <a:endParaRPr kumimoji="1" lang="ja-JP" altLang="en-US" sz="700">
-                        <a:solidFill>
-                          <a:schemeClr val="tx1"/>
-                        </a:solidFill>
-                      </a:endParaRPr>
-                    </a:p>
-                  </a:txBody>
-                  <a:tcPr anchor="ctr">
-                    <a:lnL w="12700" cap="flat" cmpd="sng" algn="ctr">
-                      <a:solidFill>
-                        <a:schemeClr val="tx1"/>
-                      </a:solidFill>
-                      <a:prstDash val="solid"/>
-                      <a:round/>
-                      <a:headEnd type="none" w="med" len="med"/>
-                      <a:tailEnd type="none" w="med" len="med"/>
-                    </a:lnL>
-                    <a:lnR w="12700" cap="flat" cmpd="sng" algn="ctr">
-                      <a:solidFill>
-                        <a:schemeClr val="tx1"/>
-                      </a:solidFill>
-                      <a:prstDash val="solid"/>
-                      <a:round/>
-                      <a:headEnd type="none" w="med" len="med"/>
-                      <a:tailEnd type="none" w="med" len="med"/>
-                    </a:lnR>
-                    <a:lnT w="12700" cap="flat" cmpd="sng" algn="ctr">
-                      <a:solidFill>
-                        <a:schemeClr val="tx1"/>
-                      </a:solidFill>
-                      <a:prstDash val="solid"/>
-                      <a:round/>
-                      <a:headEnd type="none" w="med" len="med"/>
-                      <a:tailEnd type="none" w="med" len="med"/>
-                    </a:lnT>
-                    <a:lnB w="12700" cap="flat" cmpd="sng" algn="ctr">
-                      <a:solidFill>
-                        <a:schemeClr val="tx1"/>
-                      </a:solidFill>
-                      <a:prstDash val="solid"/>
-                      <a:round/>
-                      <a:headEnd type="none" w="med" len="med"/>
-                      <a:tailEnd type="none" w="med" len="med"/>
-                    </a:lnB>
-                    <a:noFill/>
-                  </a:tcPr>
-                </a:tc>
-                <a:tc>
-                  <a:txBody>
-                    <a:bodyPr/>
-                    <a:lstStyle/>
-                    <a:p>
-                      <a:pPr algn="ctr"/>
-                      <a:r>
-                        <a:rPr kumimoji="1" lang="ja-JP" altLang="en-US" sz="800" smtClean="0">
-                          <a:solidFill>
-                            <a:schemeClr val="tx1"/>
-                          </a:solidFill>
-                        </a:rPr>
-                        <a:t>駐車場</a:t>
-                      </a:r>
-                      <a:endParaRPr kumimoji="1" lang="ja-JP" altLang="en-US" sz="800">
-                        <a:solidFill>
-                          <a:schemeClr val="tx1"/>
-                        </a:solidFill>
-                      </a:endParaRPr>
-                    </a:p>
-                  </a:txBody>
-                  <a:tcPr anchor="ctr">
-                    <a:lnL w="9525" cap="flat" cmpd="sng" algn="ctr">
-                      <a:solidFill>
-                        <a:schemeClr val="tx1"/>
-                      </a:solidFill>
-                      <a:prstDash val="solid"/>
-                      <a:round/>
-                      <a:headEnd type="none" w="med" len="med"/>
-                      <a:tailEnd type="none" w="med" len="med"/>
-                    </a:lnL>
-                    <a:lnR w="9525" cap="flat" cmpd="sng" algn="ctr">
-                      <a:solidFill>
-                        <a:schemeClr val="tx1"/>
-                      </a:solidFill>
-                      <a:prstDash val="solid"/>
-                      <a:round/>
-                      <a:headEnd type="none" w="med" len="med"/>
-                      <a:tailEnd type="none" w="med" len="med"/>
-                    </a:lnR>
-                    <a:lnT w="9525" cap="flat" cmpd="sng" algn="ctr">
-                      <a:solidFill>
-                        <a:schemeClr val="tx1"/>
-                      </a:solidFill>
-                      <a:prstDash val="solid"/>
-                      <a:round/>
-                      <a:headEnd type="none" w="med" len="med"/>
-                      <a:tailEnd type="none" w="med" len="med"/>
-                    </a:lnT>
-                    <a:lnB w="9525" cap="flat" cmpd="sng" algn="ctr">
-                      <a:solidFill>
-                        <a:schemeClr val="tx1"/>
-                      </a:solidFill>
-                      <a:prstDash val="solid"/>
-                      <a:round/>
-                      <a:headEnd type="none" w="med" len="med"/>
-                      <a:tailEnd type="none" w="med" len="med"/>
-                    </a:lnB>
-                    <a:solidFill>
-                      <a:schemeClr val="accent1">
-                        <a:lumMod val="20000"/>
-                        <a:lumOff val="80000"/>
-                        <a:alpha val="70000"/>
-                      </a:schemeClr>
-                    </a:solidFill>
-                  </a:tcPr>
-                </a:tc>
-                <a:tc gridSpan="3">
-                  <a:txBody>
-                    <a:bodyPr/>
-                    <a:lstStyle/>
-                    <a:p>
-                      <a:pPr algn="l"/>
-                      <a:r>
-                        <a:rPr kumimoji="1" lang="ja-JP" altLang="en-US" sz="800" smtClean="0">
-                          <a:solidFill>
-                            <a:schemeClr val="tx1"/>
-                          </a:solidFill>
-                        </a:rPr>
-                        <a:t>有、</a:t>
-                      </a:r>
-                      <a:r>
-                        <a:rPr kumimoji="1" lang="en-US" altLang="ja-JP" sz="800" dirty="0" smtClean="0">
-                          <a:solidFill>
-                            <a:schemeClr val="tx1"/>
-                          </a:solidFill>
-                        </a:rPr>
-                        <a:t>1</a:t>
-                      </a:r>
-                      <a:r>
-                        <a:rPr kumimoji="1" lang="ja-JP" altLang="en-US" sz="800" smtClean="0">
-                          <a:solidFill>
-                            <a:schemeClr val="tx1"/>
-                          </a:solidFill>
-                        </a:rPr>
-                        <a:t>台</a:t>
-                      </a:r>
-                      <a:endParaRPr kumimoji="1" lang="ja-JP" altLang="en-US" sz="800">
-                        <a:solidFill>
-                          <a:schemeClr val="tx1"/>
-                        </a:solidFill>
-                      </a:endParaRPr>
-                    </a:p>
-                  </a:txBody>
-                  <a:tcPr anchor="ctr">
-                    <a:lnL w="9525" cap="flat" cmpd="sng" algn="ctr">
-                      <a:solidFill>
-                        <a:schemeClr val="tx1"/>
-                      </a:solidFill>
-                      <a:prstDash val="solid"/>
-                      <a:round/>
-                      <a:headEnd type="none" w="med" len="med"/>
-                      <a:tailEnd type="none" w="med" len="med"/>
-                    </a:lnL>
-                    <a:lnR w="9525" cap="flat" cmpd="sng" algn="ctr">
-                      <a:solidFill>
-                        <a:schemeClr val="tx1"/>
-                      </a:solidFill>
-                      <a:prstDash val="solid"/>
-                      <a:round/>
-                      <a:headEnd type="none" w="med" len="med"/>
-                      <a:tailEnd type="none" w="med" len="med"/>
-                    </a:lnR>
-                    <a:lnT w="9525" cap="flat" cmpd="sng" algn="ctr">
-                      <a:solidFill>
-                        <a:schemeClr val="tx1"/>
-                      </a:solidFill>
-                      <a:prstDash val="solid"/>
-                      <a:round/>
-                      <a:headEnd type="none" w="med" len="med"/>
-                      <a:tailEnd type="none" w="med" len="med"/>
-                    </a:lnT>
-                    <a:lnB w="9525" cap="flat" cmpd="sng" algn="ctr">
-                      <a:solidFill>
-                        <a:schemeClr val="tx1"/>
-                      </a:solidFill>
-                      <a:prstDash val="solid"/>
-                      <a:round/>
-                      <a:headEnd type="none" w="med" len="med"/>
-                      <a:tailEnd type="none" w="med" len="med"/>
-                    </a:lnB>
-                    <a:noFill/>
-                  </a:tcPr>
-                </a:tc>
-                <a:tc hMerge="1">
-                  <a:txBody>
-                    <a:bodyPr/>
-                    <a:lstStyle/>
-                    <a:p>
-                      <a:endParaRPr kumimoji="1" lang="ja-JP" altLang="en-US"/>
-                    </a:p>
-                  </a:txBody>
-                  <a:tcPr>
-                    <a:lnL w="9525" cap="flat" cmpd="sng" algn="ctr">
-                      <a:solidFill>
-                        <a:schemeClr val="tx1"/>
-                      </a:solidFill>
-                      <a:prstDash val="solid"/>
-                      <a:round/>
-                      <a:headEnd type="none" w="med" len="med"/>
-                      <a:tailEnd type="none" w="med" len="med"/>
-                    </a:lnL>
-                    <a:lnR w="9525" cap="flat" cmpd="sng" algn="ctr">
-                      <a:solidFill>
-                        <a:schemeClr val="tx1"/>
-                      </a:solidFill>
-                      <a:prstDash val="solid"/>
-                      <a:round/>
-                      <a:headEnd type="none" w="med" len="med"/>
-                      <a:tailEnd type="none" w="med" len="med"/>
-                    </a:lnR>
-                    <a:lnT w="9525" cap="flat" cmpd="sng" algn="ctr">
-                      <a:solidFill>
-                        <a:schemeClr val="tx1"/>
-                      </a:solidFill>
-                      <a:prstDash val="solid"/>
-                      <a:round/>
-                      <a:headEnd type="none" w="med" len="med"/>
-                      <a:tailEnd type="none" w="med" len="med"/>
-                    </a:lnT>
-                    <a:lnB w="9525" cap="flat" cmpd="sng" algn="ctr">
-                      <a:solidFill>
-                        <a:schemeClr val="tx1"/>
-                      </a:solidFill>
-                      <a:prstDash val="solid"/>
-                      <a:round/>
-                      <a:headEnd type="none" w="med" len="med"/>
-                      <a:tailEnd type="none" w="med" len="med"/>
-                    </a:lnB>
-                    <a:solidFill>
-                      <a:schemeClr val="accent1">
-                        <a:lumMod val="20000"/>
-                        <a:lumOff val="80000"/>
-                        <a:alpha val="70000"/>
-                      </a:schemeClr>
-                    </a:solidFill>
-                  </a:tcPr>
-                </a:tc>
-                <a:tc hMerge="1">
-                  <a:txBody>
-                    <a:bodyPr/>
-                    <a:lstStyle/>
-                    <a:p>
-                      <a:endParaRPr kumimoji="1" lang="ja-JP" altLang="en-US"/>
-                    </a:p>
-                  </a:txBody>
-                  <a:tcPr>
-                    <a:lnL w="9525" cap="flat" cmpd="sng" algn="ctr">
-                      <a:solidFill>
-                        <a:schemeClr val="tx1"/>
-                      </a:solidFill>
-                      <a:prstDash val="solid"/>
-                      <a:round/>
-                      <a:headEnd type="none" w="med" len="med"/>
-                      <a:tailEnd type="none" w="med" len="med"/>
-                    </a:lnL>
-                    <a:lnR w="9525" cap="flat" cmpd="sng" algn="ctr">
-                      <a:solidFill>
-                        <a:schemeClr val="tx1"/>
-                      </a:solidFill>
-                      <a:prstDash val="solid"/>
-                      <a:round/>
-                      <a:headEnd type="none" w="med" len="med"/>
-                      <a:tailEnd type="none" w="med" len="med"/>
-                    </a:lnR>
-                    <a:lnT w="9525" cap="flat" cmpd="sng" algn="ctr">
-                      <a:solidFill>
-                        <a:schemeClr val="tx1"/>
-                      </a:solidFill>
-                      <a:prstDash val="solid"/>
-                      <a:round/>
-                      <a:headEnd type="none" w="med" len="med"/>
-                      <a:tailEnd type="none" w="med" len="med"/>
-                    </a:lnT>
-                    <a:lnB w="9525" cap="flat" cmpd="sng" algn="ctr">
-                      <a:solidFill>
-                        <a:schemeClr val="tx1"/>
-                      </a:solidFill>
-                      <a:prstDash val="solid"/>
-                      <a:round/>
-                      <a:headEnd type="none" w="med" len="med"/>
-                      <a:tailEnd type="none" w="med" len="med"/>
-                    </a:lnB>
-                    <a:noFill/>
-                  </a:tcPr>
-                </a:tc>
-              </a:tr>
-              <a:tr h="202390">
-                <a:tc rowSpan="7">
-                  <a:txBody>
-                    <a:bodyPr/>
-                    <a:lstStyle/>
-                    <a:p>
-                      <a:pPr algn="ctr"/>
-                      <a:r>
-                        <a:rPr kumimoji="1" lang="ja-JP" altLang="en-US" sz="800" smtClean="0">
-                          <a:solidFill>
-                            <a:schemeClr val="tx1"/>
-                          </a:solidFill>
-                        </a:rPr>
-                        <a:t>土地</a:t>
-                      </a:r>
-                      <a:endParaRPr kumimoji="1" lang="ja-JP" altLang="en-US" sz="800">
-                        <a:solidFill>
-                          <a:schemeClr val="tx1"/>
-                        </a:solidFill>
-                      </a:endParaRPr>
-                    </a:p>
-                  </a:txBody>
-                  <a:tcPr anchor="ctr">
-                    <a:lnL w="9525" cap="flat" cmpd="sng" algn="ctr">
-                      <a:solidFill>
-                        <a:schemeClr val="tx1"/>
-                      </a:solidFill>
-                      <a:prstDash val="solid"/>
-                      <a:round/>
-                      <a:headEnd type="none" w="med" len="med"/>
-                      <a:tailEnd type="none" w="med" len="med"/>
-                    </a:lnL>
-                    <a:lnR w="9525" cap="flat" cmpd="sng" algn="ctr">
-                      <a:solidFill>
-                        <a:schemeClr val="tx1"/>
-                      </a:solidFill>
-                      <a:prstDash val="solid"/>
-                      <a:round/>
-                      <a:headEnd type="none" w="med" len="med"/>
-                      <a:tailEnd type="none" w="med" len="med"/>
-                    </a:lnR>
-                    <a:lnT w="9525" cap="flat" cmpd="sng" algn="ctr">
-                      <a:solidFill>
-                        <a:schemeClr val="tx1"/>
-                      </a:solidFill>
-                      <a:prstDash val="solid"/>
-                      <a:round/>
-                      <a:headEnd type="none" w="med" len="med"/>
-                      <a:tailEnd type="none" w="med" len="med"/>
-                    </a:lnT>
-                    <a:lnB w="9525" cap="flat" cmpd="sng" algn="ctr">
-                      <a:solidFill>
-                        <a:schemeClr val="tx1"/>
-                      </a:solidFill>
-                      <a:prstDash val="solid"/>
-                      <a:round/>
-                      <a:headEnd type="none" w="med" len="med"/>
-                      <a:tailEnd type="none" w="med" len="med"/>
-                    </a:lnB>
-                    <a:solidFill>
-                      <a:schemeClr val="accent1">
-                        <a:lumMod val="20000"/>
-                        <a:lumOff val="80000"/>
-                        <a:alpha val="70000"/>
-                      </a:schemeClr>
-                    </a:solidFill>
-                  </a:tcPr>
-                </a:tc>
-                <a:tc>
-                  <a:txBody>
-                    <a:bodyPr/>
-                    <a:lstStyle/>
-                    <a:p>
-                      <a:pPr algn="ctr"/>
-                      <a:r>
-                        <a:rPr kumimoji="1" lang="ja-JP" altLang="en-US" sz="800" smtClean="0">
-                          <a:solidFill>
-                            <a:schemeClr val="tx1"/>
-                          </a:solidFill>
-                        </a:rPr>
-                        <a:t>土地権利</a:t>
-                      </a:r>
-                      <a:endParaRPr kumimoji="1" lang="ja-JP" altLang="en-US" sz="800">
-                        <a:solidFill>
-                          <a:schemeClr val="tx1"/>
-                        </a:solidFill>
-                      </a:endParaRPr>
-                    </a:p>
-                  </a:txBody>
-                  <a:tcPr anchor="ctr">
-                    <a:lnL w="9525" cap="flat" cmpd="sng" algn="ctr">
-                      <a:solidFill>
-                        <a:schemeClr val="tx1"/>
-                      </a:solidFill>
-                      <a:prstDash val="solid"/>
-                      <a:round/>
-                      <a:headEnd type="none" w="med" len="med"/>
-                      <a:tailEnd type="none" w="med" len="med"/>
-                    </a:lnL>
-                    <a:lnR w="9525" cap="flat" cmpd="sng" algn="ctr">
-                      <a:solidFill>
-                        <a:schemeClr val="tx1"/>
-                      </a:solidFill>
-                      <a:prstDash val="solid"/>
-                      <a:round/>
-                      <a:headEnd type="none" w="med" len="med"/>
-                      <a:tailEnd type="none" w="med" len="med"/>
-                    </a:lnR>
-                    <a:lnT w="9525" cap="flat" cmpd="sng" algn="ctr">
-                      <a:solidFill>
-                        <a:schemeClr val="tx1"/>
-                      </a:solidFill>
-                      <a:prstDash val="solid"/>
-                      <a:round/>
-                      <a:headEnd type="none" w="med" len="med"/>
-                      <a:tailEnd type="none" w="med" len="med"/>
-                    </a:lnT>
-                    <a:lnB w="9525" cap="flat" cmpd="sng" algn="ctr">
-                      <a:solidFill>
-                        <a:schemeClr val="tx1"/>
-                      </a:solidFill>
-                      <a:prstDash val="solid"/>
-                      <a:round/>
-                      <a:headEnd type="none" w="med" len="med"/>
-                      <a:tailEnd type="none" w="med" len="med"/>
-                    </a:lnB>
-                    <a:solidFill>
-                      <a:schemeClr val="accent1">
-                        <a:lumMod val="20000"/>
-                        <a:lumOff val="80000"/>
-                        <a:alpha val="70000"/>
-                      </a:schemeClr>
-                    </a:solidFill>
-                  </a:tcPr>
-                </a:tc>
-                <a:tc gridSpan="3">
-                  <a:txBody>
-                    <a:bodyPr/>
-                    <a:lstStyle/>
-                    <a:p>
-                      <a:pPr algn="l"/>
-                      <a:r>
-                        <a:rPr kumimoji="1" lang="ja-JP" altLang="en-US" sz="800" smtClean="0">
-                          <a:solidFill>
-                            <a:schemeClr val="tx1"/>
-                          </a:solidFill>
-                        </a:rPr>
-                        <a:t>所有権</a:t>
-                      </a:r>
-                      <a:endParaRPr kumimoji="1" lang="ja-JP" altLang="en-US" sz="800">
-                        <a:solidFill>
-                          <a:schemeClr val="tx1"/>
-                        </a:solidFill>
-                      </a:endParaRPr>
-                    </a:p>
-                  </a:txBody>
-                  <a:tcPr anchor="ctr">
-                    <a:lnL w="9525" cap="flat" cmpd="sng" algn="ctr">
-                      <a:solidFill>
-                        <a:schemeClr val="tx1"/>
-                      </a:solidFill>
-                      <a:prstDash val="solid"/>
-                      <a:round/>
-                      <a:headEnd type="none" w="med" len="med"/>
-                      <a:tailEnd type="none" w="med" len="med"/>
-                    </a:lnL>
-                    <a:lnR w="9525" cap="flat" cmpd="sng" algn="ctr">
-                      <a:solidFill>
-                        <a:schemeClr val="tx1"/>
-                      </a:solidFill>
-                      <a:prstDash val="solid"/>
-                      <a:round/>
-                      <a:headEnd type="none" w="med" len="med"/>
-                      <a:tailEnd type="none" w="med" len="med"/>
-                    </a:lnR>
-                    <a:lnT w="9525" cap="flat" cmpd="sng" algn="ctr">
-                      <a:solidFill>
-                        <a:schemeClr val="tx1"/>
-                      </a:solidFill>
-                      <a:prstDash val="solid"/>
-                      <a:round/>
-                      <a:headEnd type="none" w="med" len="med"/>
-                      <a:tailEnd type="none" w="med" len="med"/>
-                    </a:lnT>
-                    <a:lnB w="9525" cap="flat" cmpd="sng" algn="ctr">
-                      <a:solidFill>
-                        <a:schemeClr val="tx1"/>
-                      </a:solidFill>
-                      <a:prstDash val="solid"/>
-                      <a:round/>
-                      <a:headEnd type="none" w="med" len="med"/>
-                      <a:tailEnd type="none" w="med" len="med"/>
-                    </a:lnB>
-                    <a:noFill/>
-                  </a:tcPr>
-                </a:tc>
-                <a:tc hMerge="1">
-                  <a:txBody>
-                    <a:bodyPr/>
-                    <a:lstStyle/>
-                    <a:p>
-                      <a:endParaRPr kumimoji="1" lang="ja-JP" altLang="en-US"/>
-                    </a:p>
-                  </a:txBody>
-                  <a:tcPr/>
-                </a:tc>
-                <a:tc hMerge="1">
-                  <a:txBody>
-                    <a:bodyPr/>
-                    <a:lstStyle/>
-                    <a:p>
-                      <a:endParaRPr kumimoji="1" lang="ja-JP" altLang="en-US"/>
-                    </a:p>
-                  </a:txBody>
-                  <a:tcPr/>
-                </a:tc>
-              </a:tr>
-              <a:tr h="202390">
-                <a:tc vMerge="1">
-                  <a:txBody>
-                    <a:bodyPr/>
-                    <a:lstStyle/>
-                    <a:p>
-                      <a:endParaRPr kumimoji="1" lang="ja-JP" altLang="en-US"/>
-                    </a:p>
-                  </a:txBody>
-                  <a:tcPr/>
-                </a:tc>
-                <a:tc>
-                  <a:txBody>
-                    <a:bodyPr/>
-                    <a:lstStyle/>
-                    <a:p>
-                      <a:pPr algn="ctr"/>
-                      <a:r>
-                        <a:rPr kumimoji="1" lang="ja-JP" altLang="en-US" sz="800" smtClean="0">
-                          <a:solidFill>
-                            <a:schemeClr val="tx1"/>
-                          </a:solidFill>
-                        </a:rPr>
-                        <a:t>土地面積</a:t>
-                      </a:r>
-                      <a:endParaRPr kumimoji="1" lang="ja-JP" altLang="en-US" sz="800">
-                        <a:solidFill>
-                          <a:schemeClr val="tx1"/>
-                        </a:solidFill>
-                      </a:endParaRPr>
-                    </a:p>
-                  </a:txBody>
-                  <a:tcPr anchor="ctr">
-                    <a:lnL w="9525" cap="flat" cmpd="sng" algn="ctr">
-                      <a:solidFill>
-                        <a:schemeClr val="tx1"/>
-                      </a:solidFill>
-                      <a:prstDash val="solid"/>
-                      <a:round/>
-                      <a:headEnd type="none" w="med" len="med"/>
-                      <a:tailEnd type="none" w="med" len="med"/>
-                    </a:lnL>
-                    <a:lnR w="9525" cap="flat" cmpd="sng" algn="ctr">
-                      <a:solidFill>
-                        <a:schemeClr val="tx1"/>
-                      </a:solidFill>
-                      <a:prstDash val="solid"/>
-                      <a:round/>
-                      <a:headEnd type="none" w="med" len="med"/>
-                      <a:tailEnd type="none" w="med" len="med"/>
-                    </a:lnR>
-                    <a:lnT w="9525" cap="flat" cmpd="sng" algn="ctr">
-                      <a:solidFill>
-                        <a:schemeClr val="tx1"/>
-                      </a:solidFill>
-                      <a:prstDash val="solid"/>
-                      <a:round/>
-                      <a:headEnd type="none" w="med" len="med"/>
-                      <a:tailEnd type="none" w="med" len="med"/>
-                    </a:lnT>
-                    <a:lnB w="9525" cap="flat" cmpd="sng" algn="ctr">
-                      <a:solidFill>
-                        <a:schemeClr val="tx1"/>
-                      </a:solidFill>
-                      <a:prstDash val="solid"/>
-                      <a:round/>
-                      <a:headEnd type="none" w="med" len="med"/>
-                      <a:tailEnd type="none" w="med" len="med"/>
-                    </a:lnB>
-                    <a:solidFill>
-                      <a:schemeClr val="accent1">
-                        <a:lumMod val="20000"/>
-                        <a:lumOff val="80000"/>
-                        <a:alpha val="70000"/>
-                      </a:schemeClr>
-                    </a:solidFill>
-                  </a:tcPr>
-                </a:tc>
-                <a:tc gridSpan="3">
+                <a:tc gridSpan="4">
                   <a:txBody>
                     <a:bodyPr/>
                     <a:lstStyle/>
@@ -6504,61 +5827,8 @@
                             <a:schemeClr val="tx1"/>
                           </a:solidFill>
                         </a:rPr>
-                        <a:t>登記簿：</a:t>
-                      </a:r>
-                      <a:r>
-                        <a:rPr kumimoji="1" lang="en-US" altLang="ja-JP" sz="800" b="1" dirty="0" smtClean="0">
-                          <a:solidFill>
-                            <a:schemeClr val="tx1"/>
-                          </a:solidFill>
-                        </a:rPr>
-                        <a:t>144.67m</a:t>
-                      </a:r>
-                      <a:r>
-                        <a:rPr kumimoji="1" lang="en-US" altLang="ja-JP" sz="800" b="1" baseline="30000" dirty="0" smtClean="0">
-                          <a:solidFill>
-                            <a:schemeClr val="tx1"/>
-                          </a:solidFill>
-                        </a:rPr>
-                        <a:t>2</a:t>
-                      </a:r>
-                      <a:r>
-                        <a:rPr kumimoji="1" lang="ja-JP" altLang="en-US" sz="800" baseline="0" smtClean="0">
-                          <a:solidFill>
-                            <a:schemeClr val="tx1"/>
-                          </a:solidFill>
-                        </a:rPr>
-                        <a:t>、実測</a:t>
-                      </a:r>
-                      <a:r>
-                        <a:rPr kumimoji="1" lang="ja-JP" altLang="en-US" sz="800" smtClean="0">
-                          <a:solidFill>
-                            <a:schemeClr val="tx1"/>
-                          </a:solidFill>
-                        </a:rPr>
-                        <a:t>：</a:t>
-                      </a:r>
-                      <a:r>
-                        <a:rPr kumimoji="1" lang="en-US" altLang="ja-JP" sz="800" dirty="0" smtClean="0">
-                          <a:solidFill>
-                            <a:schemeClr val="tx1"/>
-                          </a:solidFill>
-                        </a:rPr>
-                        <a:t>144.85m</a:t>
-                      </a:r>
-                      <a:r>
-                        <a:rPr kumimoji="1" lang="en-US" altLang="ja-JP" sz="800" baseline="30000" dirty="0" smtClean="0">
-                          <a:solidFill>
-                            <a:schemeClr val="tx1"/>
-                          </a:solidFill>
-                        </a:rPr>
-                        <a:t>2</a:t>
-                      </a:r>
-                      <a:endParaRPr kumimoji="1" lang="ja-JP" altLang="en-US" sz="800" baseline="0" smtClean="0">
-                        <a:solidFill>
-                          <a:schemeClr val="tx1"/>
-                        </a:solidFill>
-                      </a:endParaRPr>
+                        <a:t>第１種低層住宅専用地域</a:t>
+                      </a:r>
                     </a:p>
                   </a:txBody>
                   <a:tcPr anchor="ctr">
@@ -6606,7 +5876,7 @@
                     <a:bodyPr/>
                     <a:lstStyle/>
                     <a:p>
-                      <a:endParaRPr kumimoji="1" lang="ja-JP" altLang="en-US"/>
+                      <a:endParaRPr lang="en-CA"/>
                     </a:p>
                   </a:txBody>
                   <a:tcPr/>
@@ -6616,7 +5886,17 @@
                     <a:bodyPr/>
                     <a:lstStyle/>
                     <a:p>
-                      <a:endParaRPr kumimoji="1" lang="ja-JP" altLang="en-US"/>
+                      <a:endParaRPr lang="en-CA"/>
+                    </a:p>
+                  </a:txBody>
+                  <a:tcPr/>
+                </a:tc>
+                <a:tc hMerge="1">
+                  <a:txBody>
+                    <a:bodyPr/>
+                    <a:lstStyle/>
+                    <a:p>
+                      <a:endParaRPr lang="en-CA"/>
                     </a:p>
                   </a:txBody>
                   <a:tcPr/>
@@ -6628,7 +5908,7 @@
                     <a:bodyPr/>
                     <a:lstStyle/>
                     <a:p>
-                      <a:endParaRPr kumimoji="1" lang="ja-JP" altLang="en-US"/>
+                      <a:endParaRPr lang="en-CA"/>
                     </a:p>
                   </a:txBody>
                   <a:tcPr/>
@@ -6661,7 +5941,7 @@
                             <a:schemeClr val="tx1"/>
                           </a:solidFill>
                         </a:rPr>
-                        <a:t>用途地域</a:t>
+                        <a:t>風致地区</a:t>
                       </a:r>
                     </a:p>
                   </a:txBody>
@@ -6711,7 +5991,7 @@
                     </a:solidFill>
                   </a:tcPr>
                 </a:tc>
-                <a:tc gridSpan="3">
+                <a:tc gridSpan="4">
                   <a:txBody>
                     <a:bodyPr/>
                     <a:lstStyle/>
@@ -6739,7 +6019,7 @@
                             <a:schemeClr val="tx1"/>
                           </a:solidFill>
                         </a:rPr>
-                        <a:t>第１種低層住宅専用地域</a:t>
+                        <a:t>第２種風致地区</a:t>
                       </a:r>
                     </a:p>
                   </a:txBody>
@@ -6784,6 +6064,38 @@
                   </a:tcPr>
                 </a:tc>
                 <a:tc hMerge="1">
+                  <a:txBody>
+                    <a:bodyPr/>
+                    <a:lstStyle/>
+                    <a:p>
+                      <a:endParaRPr lang="en-CA"/>
+                    </a:p>
+                  </a:txBody>
+                  <a:tcPr/>
+                </a:tc>
+                <a:tc hMerge="1">
+                  <a:txBody>
+                    <a:bodyPr/>
+                    <a:lstStyle/>
+                    <a:p>
+                      <a:endParaRPr lang="en-CA"/>
+                    </a:p>
+                  </a:txBody>
+                  <a:tcPr/>
+                </a:tc>
+                <a:tc hMerge="1">
+                  <a:txBody>
+                    <a:bodyPr/>
+                    <a:lstStyle/>
+                    <a:p>
+                      <a:endParaRPr lang="en-CA"/>
+                    </a:p>
+                  </a:txBody>
+                  <a:tcPr/>
+                </a:tc>
+              </a:tr>
+              <a:tr h="202390">
+                <a:tc vMerge="1">
                   <a:txBody>
                     <a:bodyPr/>
                     <a:lstStyle/>
@@ -6835,12 +6147,92 @@
                     </a:lnB>
                     <a:solidFill>
                       <a:schemeClr val="accent1">
-                        <a:tint val="20000"/>
+                        <a:lumMod val="20000"/>
+                        <a:lumOff val="80000"/>
+                        <a:alpha val="70000"/>
                       </a:schemeClr>
                     </a:solidFill>
                   </a:tcPr>
                 </a:tc>
-                <a:tc hMerge="1">
+                <a:tc>
+                  <a:txBody>
+                    <a:bodyPr/>
+                    <a:lstStyle/>
+                    <a:p>
+                      <a:pPr marL="0" marR="0" indent="0" algn="ctr" defTabSz="914400" rtl="0" eaLnBrk="1" fontAlgn="auto" latinLnBrk="0" hangingPunct="1">
+                        <a:lnSpc>
+                          <a:spcPct val="100000"/>
+                        </a:lnSpc>
+                        <a:spcBef>
+                          <a:spcPts val="0"/>
+                        </a:spcBef>
+                        <a:spcAft>
+                          <a:spcPts val="0"/>
+                        </a:spcAft>
+                        <a:buClrTx/>
+                        <a:buSzTx/>
+                        <a:buFontTx/>
+                        <a:buNone/>
+                        <a:tabLst/>
+                        <a:defRPr/>
+                      </a:pPr>
+                      <a:r>
+                        <a:rPr kumimoji="1" lang="ja-JP" altLang="en-US" sz="800" smtClean="0">
+                          <a:solidFill>
+                            <a:schemeClr val="tx1"/>
+                          </a:solidFill>
+                        </a:rPr>
+                        <a:t>建ぺい率</a:t>
+                      </a:r>
+                    </a:p>
+                  </a:txBody>
+                  <a:tcPr anchor="ctr">
+                    <a:lnL w="9525" cap="flat" cmpd="sng" algn="ctr">
+                      <a:solidFill>
+                        <a:schemeClr val="tx1"/>
+                      </a:solidFill>
+                      <a:prstDash val="solid"/>
+                      <a:round/>
+                      <a:headEnd type="none" w="med" len="med"/>
+                      <a:tailEnd type="none" w="med" len="med"/>
+                    </a:lnL>
+                    <a:lnR w="9525" cap="flat" cmpd="sng" algn="ctr">
+                      <a:solidFill>
+                        <a:schemeClr val="tx1"/>
+                      </a:solidFill>
+                      <a:prstDash val="solid"/>
+                      <a:round/>
+                      <a:headEnd type="none" w="med" len="med"/>
+                      <a:tailEnd type="none" w="med" len="med"/>
+                    </a:lnR>
+                    <a:lnT w="9525" cap="flat" cmpd="sng" algn="ctr">
+                      <a:solidFill>
+                        <a:schemeClr val="tx1"/>
+                      </a:solidFill>
+                      <a:prstDash val="solid"/>
+                      <a:round/>
+                      <a:headEnd type="none" w="med" len="med"/>
+                      <a:tailEnd type="none" w="med" len="med"/>
+                    </a:lnT>
+                    <a:lnB w="9525" cap="flat" cmpd="sng" algn="ctr">
+                      <a:solidFill>
+                        <a:schemeClr val="tx1"/>
+                      </a:solidFill>
+                      <a:prstDash val="solid"/>
+                      <a:round/>
+                      <a:headEnd type="none" w="med" len="med"/>
+                      <a:tailEnd type="none" w="med" len="med"/>
+                    </a:lnB>
+                    <a:solidFill>
+                      <a:schemeClr val="accent1">
+                        <a:lumMod val="20000"/>
+                        <a:lumOff val="80000"/>
+                        <a:alpha val="70000"/>
+                      </a:schemeClr>
+                    </a:solidFill>
+                  </a:tcPr>
+                </a:tc>
+                <a:tc>
                   <a:txBody>
                     <a:bodyPr/>
                     <a:lstStyle/>
@@ -6862,7 +6254,15 @@
                         <a:tabLst/>
                         <a:defRPr/>
                       </a:pPr>
-                      <a:endParaRPr kumimoji="1" lang="ja-JP" altLang="en-US" sz="700" baseline="30000" smtClean="0">
+                      <a:r>
+                        <a:rPr kumimoji="1" lang="en-US" altLang="ja-JP" sz="800" dirty="0" smtClean="0">
+                          <a:solidFill>
+                            <a:schemeClr val="tx1"/>
+                          </a:solidFill>
+                        </a:rPr>
+                        <a:t>40%</a:t>
+                      </a:r>
+                      <a:endParaRPr kumimoji="1" lang="ja-JP" altLang="en-US" sz="800" smtClean="0">
                         <a:solidFill>
                           <a:schemeClr val="tx1"/>
                         </a:solidFill>
@@ -6909,19 +6309,7 @@
                     <a:noFill/>
                   </a:tcPr>
                 </a:tc>
-              </a:tr>
-              <a:tr h="202390">
-                <a:tc vMerge="1">
-                  <a:txBody>
-                    <a:bodyPr/>
-                    <a:lstStyle/>
-                    <a:p>
-                      <a:endParaRPr lang="en-CA"/>
-                    </a:p>
-                  </a:txBody>
-                  <a:tcPr/>
-                </a:tc>
-                <a:tc>
+                <a:tc gridSpan="2">
                   <a:txBody>
                     <a:bodyPr/>
                     <a:lstStyle/>
@@ -6949,7 +6337,7 @@
                             <a:schemeClr val="tx1"/>
                           </a:solidFill>
                         </a:rPr>
-                        <a:t>風致地区</a:t>
+                        <a:t>容積率</a:t>
                       </a:r>
                     </a:p>
                   </a:txBody>
@@ -6990,16 +6378,77 @@
                       <a:headEnd type="none" w="med" len="med"/>
                       <a:tailEnd type="none" w="med" len="med"/>
                     </a:lnB>
-                    <a:solidFill>
-                      <a:schemeClr val="accent1">
-                        <a:lumMod val="20000"/>
-                        <a:lumOff val="80000"/>
-                        <a:alpha val="70000"/>
-                      </a:schemeClr>
-                    </a:solidFill>
                   </a:tcPr>
                 </a:tc>
-                <a:tc gridSpan="3">
+                <a:tc hMerge="1">
+                  <a:txBody>
+                    <a:bodyPr/>
+                    <a:lstStyle/>
+                    <a:p>
+                      <a:pPr marL="0" marR="0" indent="0" algn="ctr" defTabSz="914400" rtl="0" eaLnBrk="1" fontAlgn="auto" latinLnBrk="0" hangingPunct="1">
+                        <a:lnSpc>
+                          <a:spcPct val="100000"/>
+                        </a:lnSpc>
+                        <a:spcBef>
+                          <a:spcPts val="0"/>
+                        </a:spcBef>
+                        <a:spcAft>
+                          <a:spcPts val="0"/>
+                        </a:spcAft>
+                        <a:buClrTx/>
+                        <a:buSzTx/>
+                        <a:buFontTx/>
+                        <a:buNone/>
+                        <a:tabLst/>
+                        <a:defRPr/>
+                      </a:pPr>
+                      <a:endParaRPr kumimoji="1" lang="ja-JP" altLang="en-US" sz="800" smtClean="0">
+                        <a:solidFill>
+                          <a:schemeClr val="tx1"/>
+                        </a:solidFill>
+                      </a:endParaRPr>
+                    </a:p>
+                  </a:txBody>
+                  <a:tcPr anchor="ctr">
+                    <a:lnL w="9525" cap="flat" cmpd="sng" algn="ctr">
+                      <a:solidFill>
+                        <a:schemeClr val="tx1"/>
+                      </a:solidFill>
+                      <a:prstDash val="solid"/>
+                      <a:round/>
+                      <a:headEnd type="none" w="med" len="med"/>
+                      <a:tailEnd type="none" w="med" len="med"/>
+                    </a:lnL>
+                    <a:lnR w="9525" cap="flat" cmpd="sng" algn="ctr">
+                      <a:solidFill>
+                        <a:schemeClr val="tx1"/>
+                      </a:solidFill>
+                      <a:prstDash val="solid"/>
+                      <a:round/>
+                      <a:headEnd type="none" w="med" len="med"/>
+                      <a:tailEnd type="none" w="med" len="med"/>
+                    </a:lnR>
+                    <a:lnT w="9525" cap="flat" cmpd="sng" algn="ctr">
+                      <a:solidFill>
+                        <a:schemeClr val="tx1"/>
+                      </a:solidFill>
+                      <a:prstDash val="solid"/>
+                      <a:round/>
+                      <a:headEnd type="none" w="med" len="med"/>
+                      <a:tailEnd type="none" w="med" len="med"/>
+                    </a:lnT>
+                    <a:lnB w="9525" cap="flat" cmpd="sng" algn="ctr">
+                      <a:solidFill>
+                        <a:schemeClr val="tx1"/>
+                      </a:solidFill>
+                      <a:prstDash val="solid"/>
+                      <a:round/>
+                      <a:headEnd type="none" w="med" len="med"/>
+                      <a:tailEnd type="none" w="med" len="med"/>
+                    </a:lnB>
+                  </a:tcPr>
+                </a:tc>
+                <a:tc>
                   <a:txBody>
                     <a:bodyPr/>
                     <a:lstStyle/>
@@ -7022,13 +6471,18 @@
                         <a:defRPr/>
                       </a:pPr>
                       <a:r>
-                        <a:rPr kumimoji="1" lang="ja-JP" altLang="en-US" sz="800" smtClean="0">
-                          <a:solidFill>
-                            <a:schemeClr val="tx1"/>
-                          </a:solidFill>
-                        </a:rPr>
-                        <a:t>第２種風致地区</a:t>
-                      </a:r>
+                        <a:rPr kumimoji="1" lang="en-US" altLang="ja-JP" sz="800" dirty="0" smtClean="0">
+                          <a:solidFill>
+                            <a:schemeClr val="tx1"/>
+                          </a:solidFill>
+                        </a:rPr>
+                        <a:t>80%</a:t>
+                      </a:r>
+                      <a:endParaRPr kumimoji="1" lang="ja-JP" altLang="en-US" sz="800" smtClean="0">
+                        <a:solidFill>
+                          <a:schemeClr val="tx1"/>
+                        </a:solidFill>
+                      </a:endParaRPr>
                     </a:p>
                   </a:txBody>
                   <a:tcPr anchor="ctr">
@@ -7071,7 +6525,19 @@
                     <a:noFill/>
                   </a:tcPr>
                 </a:tc>
-                <a:tc hMerge="1">
+              </a:tr>
+              <a:tr h="202390">
+                <a:tc vMerge="1">
+                  <a:txBody>
+                    <a:bodyPr/>
+                    <a:lstStyle/>
+                    <a:p>
+                      <a:endParaRPr lang="en-CA"/>
+                    </a:p>
+                  </a:txBody>
+                  <a:tcPr/>
+                </a:tc>
+                <a:tc>
                   <a:txBody>
                     <a:bodyPr/>
                     <a:lstStyle/>
@@ -7093,11 +6559,14 @@
                         <a:tabLst/>
                         <a:defRPr/>
                       </a:pPr>
-                      <a:endParaRPr kumimoji="1" lang="ja-JP" altLang="en-US" sz="700" smtClean="0">
-                        <a:solidFill>
-                          <a:schemeClr val="tx1"/>
-                        </a:solidFill>
-                      </a:endParaRPr>
+                      <a:r>
+                        <a:rPr kumimoji="1" lang="ja-JP" altLang="en-US" sz="800" smtClean="0">
+                          <a:solidFill>
+                            <a:schemeClr val="tx1"/>
+                          </a:solidFill>
+                        </a:rPr>
+                        <a:t>接面種別</a:t>
+                      </a:r>
                     </a:p>
                   </a:txBody>
                   <a:tcPr anchor="ctr">
@@ -7137,9 +6606,16 @@
                       <a:headEnd type="none" w="med" len="med"/>
                       <a:tailEnd type="none" w="med" len="med"/>
                     </a:lnB>
+                    <a:solidFill>
+                      <a:schemeClr val="accent1">
+                        <a:lumMod val="20000"/>
+                        <a:lumOff val="80000"/>
+                        <a:alpha val="70000"/>
+                      </a:schemeClr>
+                    </a:solidFill>
                   </a:tcPr>
                 </a:tc>
-                <a:tc hMerge="1">
+                <a:tc>
                   <a:txBody>
                     <a:bodyPr/>
                     <a:lstStyle/>
@@ -7161,11 +6637,14 @@
                         <a:tabLst/>
                         <a:defRPr/>
                       </a:pPr>
-                      <a:endParaRPr kumimoji="1" lang="ja-JP" altLang="en-US" sz="700" smtClean="0">
-                        <a:solidFill>
-                          <a:schemeClr val="tx1"/>
-                        </a:solidFill>
-                      </a:endParaRPr>
+                      <a:r>
+                        <a:rPr kumimoji="1" lang="ja-JP" altLang="en-US" sz="800" smtClean="0">
+                          <a:solidFill>
+                            <a:schemeClr val="tx1"/>
+                          </a:solidFill>
+                        </a:rPr>
+                        <a:t>公道</a:t>
+                      </a:r>
                     </a:p>
                   </a:txBody>
                   <a:tcPr anchor="ctr">
@@ -7208,68 +6687,7 @@
                     <a:noFill/>
                   </a:tcPr>
                 </a:tc>
-              </a:tr>
-              <a:tr h="202390">
-                <a:tc vMerge="1">
-                  <a:txBody>
-                    <a:bodyPr/>
-                    <a:lstStyle/>
-                    <a:p>
-                      <a:pPr algn="ctr"/>
-                      <a:endParaRPr kumimoji="1" lang="ja-JP" altLang="en-US" sz="700">
-                        <a:solidFill>
-                          <a:schemeClr val="tx1"/>
-                        </a:solidFill>
-                      </a:endParaRPr>
-                    </a:p>
-                  </a:txBody>
-                  <a:tcPr anchor="ctr">
-                    <a:lnL w="9525" cap="flat" cmpd="sng" algn="ctr">
-                      <a:solidFill>
-                        <a:schemeClr val="tx1"/>
-                      </a:solidFill>
-                      <a:prstDash val="solid"/>
-                      <a:round/>
-                      <a:headEnd type="none" w="med" len="med"/>
-                      <a:tailEnd type="none" w="med" len="med"/>
-                    </a:lnL>
-                    <a:lnR w="9525" cap="flat" cmpd="sng" algn="ctr">
-                      <a:solidFill>
-                        <a:schemeClr val="tx1"/>
-                      </a:solidFill>
-                      <a:prstDash val="solid"/>
-                      <a:round/>
-                      <a:headEnd type="none" w="med" len="med"/>
-                      <a:tailEnd type="none" w="med" len="med"/>
-                    </a:lnR>
-                    <a:lnT w="9525" cap="flat" cmpd="sng" algn="ctr">
-                      <a:solidFill>
-                        <a:schemeClr val="tx1"/>
-                      </a:solidFill>
-                      <a:prstDash val="solid"/>
-                      <a:round/>
-                      <a:headEnd type="none" w="med" len="med"/>
-                      <a:tailEnd type="none" w="med" len="med"/>
-                    </a:lnT>
-                    <a:lnB w="9525" cap="flat" cmpd="sng" algn="ctr">
-                      <a:solidFill>
-                        <a:schemeClr val="tx1"/>
-                      </a:solidFill>
-                      <a:prstDash val="solid"/>
-                      <a:round/>
-                      <a:headEnd type="none" w="med" len="med"/>
-                      <a:tailEnd type="none" w="med" len="med"/>
-                    </a:lnB>
-                    <a:solidFill>
-                      <a:schemeClr val="accent1">
-                        <a:lumMod val="20000"/>
-                        <a:lumOff val="80000"/>
-                        <a:alpha val="70000"/>
-                      </a:schemeClr>
-                    </a:solidFill>
-                  </a:tcPr>
-                </a:tc>
-                <a:tc>
+                <a:tc gridSpan="2">
                   <a:txBody>
                     <a:bodyPr/>
                     <a:lstStyle/>
@@ -7297,7 +6715,7 @@
                             <a:schemeClr val="tx1"/>
                           </a:solidFill>
                         </a:rPr>
-                        <a:t>建ぺい率</a:t>
+                        <a:t>地勢</a:t>
                       </a:r>
                     </a:p>
                   </a:txBody>
@@ -7338,13 +6756,74 @@
                       <a:headEnd type="none" w="med" len="med"/>
                       <a:tailEnd type="none" w="med" len="med"/>
                     </a:lnB>
-                    <a:solidFill>
-                      <a:schemeClr val="accent1">
-                        <a:lumMod val="20000"/>
-                        <a:lumOff val="80000"/>
-                        <a:alpha val="70000"/>
-                      </a:schemeClr>
-                    </a:solidFill>
+                  </a:tcPr>
+                </a:tc>
+                <a:tc hMerge="1">
+                  <a:txBody>
+                    <a:bodyPr/>
+                    <a:lstStyle/>
+                    <a:p>
+                      <a:pPr marL="0" marR="0" indent="0" algn="ctr" defTabSz="914400" rtl="0" eaLnBrk="1" fontAlgn="auto" latinLnBrk="0" hangingPunct="1">
+                        <a:lnSpc>
+                          <a:spcPct val="100000"/>
+                        </a:lnSpc>
+                        <a:spcBef>
+                          <a:spcPts val="0"/>
+                        </a:spcBef>
+                        <a:spcAft>
+                          <a:spcPts val="0"/>
+                        </a:spcAft>
+                        <a:buClrTx/>
+                        <a:buSzTx/>
+                        <a:buFontTx/>
+                        <a:buNone/>
+                        <a:tabLst/>
+                        <a:defRPr/>
+                      </a:pPr>
+                      <a:endParaRPr kumimoji="1" lang="ja-JP" altLang="en-US" sz="800" smtClean="0">
+                        <a:solidFill>
+                          <a:schemeClr val="tx1"/>
+                        </a:solidFill>
+                      </a:endParaRPr>
+                    </a:p>
+                  </a:txBody>
+                  <a:tcPr anchor="ctr">
+                    <a:lnL w="9525" cap="flat" cmpd="sng" algn="ctr">
+                      <a:solidFill>
+                        <a:schemeClr val="tx1"/>
+                      </a:solidFill>
+                      <a:prstDash val="solid"/>
+                      <a:round/>
+                      <a:headEnd type="none" w="med" len="med"/>
+                      <a:tailEnd type="none" w="med" len="med"/>
+                    </a:lnL>
+                    <a:lnR w="9525" cap="flat" cmpd="sng" algn="ctr">
+                      <a:solidFill>
+                        <a:schemeClr val="tx1"/>
+                      </a:solidFill>
+                      <a:prstDash val="solid"/>
+                      <a:round/>
+                      <a:headEnd type="none" w="med" len="med"/>
+                      <a:tailEnd type="none" w="med" len="med"/>
+                    </a:lnR>
+                    <a:lnT w="9525" cap="flat" cmpd="sng" algn="ctr">
+                      <a:solidFill>
+                        <a:schemeClr val="tx1"/>
+                      </a:solidFill>
+                      <a:prstDash val="solid"/>
+                      <a:round/>
+                      <a:headEnd type="none" w="med" len="med"/>
+                      <a:tailEnd type="none" w="med" len="med"/>
+                    </a:lnT>
+                    <a:lnB w="9525" cap="flat" cmpd="sng" algn="ctr">
+                      <a:solidFill>
+                        <a:schemeClr val="tx1"/>
+                      </a:solidFill>
+                      <a:prstDash val="solid"/>
+                      <a:round/>
+                      <a:headEnd type="none" w="med" len="med"/>
+                      <a:tailEnd type="none" w="med" len="med"/>
+                    </a:lnB>
                   </a:tcPr>
                 </a:tc>
                 <a:tc>
@@ -7370,14 +6849,64 @@
                         <a:defRPr/>
                       </a:pPr>
                       <a:r>
-                        <a:rPr kumimoji="1" lang="en-US" altLang="ja-JP" sz="800" dirty="0" smtClean="0">
-                          <a:solidFill>
-                            <a:schemeClr val="tx1"/>
-                          </a:solidFill>
-                        </a:rPr>
-                        <a:t>40%</a:t>
-                      </a:r>
-                      <a:endParaRPr kumimoji="1" lang="ja-JP" altLang="en-US" sz="800" smtClean="0">
+                        <a:rPr kumimoji="1" lang="ja-JP" altLang="en-US" sz="800" smtClean="0">
+                          <a:solidFill>
+                            <a:schemeClr val="tx1"/>
+                          </a:solidFill>
+                        </a:rPr>
+                        <a:t>平坦地</a:t>
+                      </a:r>
+                    </a:p>
+                  </a:txBody>
+                  <a:tcPr anchor="ctr">
+                    <a:lnL w="9525" cap="flat" cmpd="sng" algn="ctr">
+                      <a:solidFill>
+                        <a:schemeClr val="tx1"/>
+                      </a:solidFill>
+                      <a:prstDash val="solid"/>
+                      <a:round/>
+                      <a:headEnd type="none" w="med" len="med"/>
+                      <a:tailEnd type="none" w="med" len="med"/>
+                    </a:lnL>
+                    <a:lnR w="9525" cap="flat" cmpd="sng" algn="ctr">
+                      <a:solidFill>
+                        <a:schemeClr val="tx1"/>
+                      </a:solidFill>
+                      <a:prstDash val="solid"/>
+                      <a:round/>
+                      <a:headEnd type="none" w="med" len="med"/>
+                      <a:tailEnd type="none" w="med" len="med"/>
+                    </a:lnR>
+                    <a:lnT w="9525" cap="flat" cmpd="sng" algn="ctr">
+                      <a:solidFill>
+                        <a:schemeClr val="tx1"/>
+                      </a:solidFill>
+                      <a:prstDash val="solid"/>
+                      <a:round/>
+                      <a:headEnd type="none" w="med" len="med"/>
+                      <a:tailEnd type="none" w="med" len="med"/>
+                    </a:lnT>
+                    <a:lnB w="9525" cap="flat" cmpd="sng" algn="ctr">
+                      <a:solidFill>
+                        <a:schemeClr val="tx1"/>
+                      </a:solidFill>
+                      <a:prstDash val="solid"/>
+                      <a:round/>
+                      <a:headEnd type="none" w="med" len="med"/>
+                      <a:tailEnd type="none" w="med" len="med"/>
+                    </a:lnB>
+                    <a:noFill/>
+                  </a:tcPr>
+                </a:tc>
+              </a:tr>
+              <a:tr h="202390">
+                <a:tc vMerge="1">
+                  <a:txBody>
+                    <a:bodyPr/>
+                    <a:lstStyle/>
+                    <a:p>
+                      <a:pPr algn="ctr"/>
+                      <a:endParaRPr kumimoji="1" lang="ja-JP" altLang="en-US" sz="700">
                         <a:solidFill>
                           <a:schemeClr val="tx1"/>
                         </a:solidFill>
@@ -7421,39 +6950,234 @@
                       <a:headEnd type="none" w="med" len="med"/>
                       <a:tailEnd type="none" w="med" len="med"/>
                     </a:lnB>
+                    <a:solidFill>
+                      <a:schemeClr val="accent1">
+                        <a:lumMod val="20000"/>
+                        <a:lumOff val="80000"/>
+                        <a:alpha val="70000"/>
+                      </a:schemeClr>
+                    </a:solidFill>
+                  </a:tcPr>
+                </a:tc>
+                <a:tc>
+                  <a:txBody>
+                    <a:bodyPr/>
+                    <a:lstStyle/>
+                    <a:p>
+                      <a:pPr algn="ctr"/>
+                      <a:r>
+                        <a:rPr kumimoji="1" lang="ja-JP" altLang="en-US" sz="800" smtClean="0">
+                          <a:solidFill>
+                            <a:schemeClr val="tx1"/>
+                          </a:solidFill>
+                        </a:rPr>
+                        <a:t>接道状況</a:t>
+                      </a:r>
+                      <a:endParaRPr kumimoji="1" lang="ja-JP" altLang="en-US" sz="800">
+                        <a:solidFill>
+                          <a:schemeClr val="tx1"/>
+                        </a:solidFill>
+                      </a:endParaRPr>
+                    </a:p>
+                  </a:txBody>
+                  <a:tcPr anchor="ctr">
+                    <a:lnL w="9525" cap="flat" cmpd="sng" algn="ctr">
+                      <a:solidFill>
+                        <a:schemeClr val="tx1"/>
+                      </a:solidFill>
+                      <a:prstDash val="solid"/>
+                      <a:round/>
+                      <a:headEnd type="none" w="med" len="med"/>
+                      <a:tailEnd type="none" w="med" len="med"/>
+                    </a:lnL>
+                    <a:lnR w="9525" cap="flat" cmpd="sng" algn="ctr">
+                      <a:solidFill>
+                        <a:schemeClr val="tx1"/>
+                      </a:solidFill>
+                      <a:prstDash val="solid"/>
+                      <a:round/>
+                      <a:headEnd type="none" w="med" len="med"/>
+                      <a:tailEnd type="none" w="med" len="med"/>
+                    </a:lnR>
+                    <a:lnT w="9525" cap="flat" cmpd="sng" algn="ctr">
+                      <a:solidFill>
+                        <a:schemeClr val="tx1"/>
+                      </a:solidFill>
+                      <a:prstDash val="solid"/>
+                      <a:round/>
+                      <a:headEnd type="none" w="med" len="med"/>
+                      <a:tailEnd type="none" w="med" len="med"/>
+                    </a:lnT>
+                    <a:lnB w="9525" cap="flat" cmpd="sng" algn="ctr">
+                      <a:solidFill>
+                        <a:schemeClr val="tx1"/>
+                      </a:solidFill>
+                      <a:prstDash val="solid"/>
+                      <a:round/>
+                      <a:headEnd type="none" w="med" len="med"/>
+                      <a:tailEnd type="none" w="med" len="med"/>
+                    </a:lnB>
+                    <a:solidFill>
+                      <a:schemeClr val="accent1">
+                        <a:lumMod val="20000"/>
+                        <a:lumOff val="80000"/>
+                        <a:alpha val="70000"/>
+                      </a:schemeClr>
+                    </a:solidFill>
+                  </a:tcPr>
+                </a:tc>
+                <a:tc gridSpan="4">
+                  <a:txBody>
+                    <a:bodyPr/>
+                    <a:lstStyle/>
+                    <a:p>
+                      <a:pPr algn="l"/>
+                      <a:r>
+                        <a:rPr kumimoji="1" lang="ja-JP" altLang="en-US" sz="800" smtClean="0">
+                          <a:solidFill>
+                            <a:schemeClr val="tx1"/>
+                          </a:solidFill>
+                        </a:rPr>
+                        <a:t>北東側幅員約</a:t>
+                      </a:r>
+                      <a:r>
+                        <a:rPr kumimoji="1" lang="en-US" altLang="ja-JP" sz="800" dirty="0" smtClean="0">
+                          <a:solidFill>
+                            <a:schemeClr val="tx1"/>
+                          </a:solidFill>
+                        </a:rPr>
+                        <a:t>4.1m</a:t>
+                      </a:r>
+                      <a:r>
+                        <a:rPr kumimoji="1" lang="ja-JP" altLang="en-US" sz="800" smtClean="0">
+                          <a:solidFill>
+                            <a:schemeClr val="tx1"/>
+                          </a:solidFill>
+                        </a:rPr>
+                        <a:t>公道、</a:t>
+                      </a:r>
+                      <a:endParaRPr kumimoji="1" lang="en-US" altLang="ja-JP" sz="800" dirty="0" smtClean="0">
+                        <a:solidFill>
+                          <a:schemeClr val="tx1"/>
+                        </a:solidFill>
+                      </a:endParaRPr>
+                    </a:p>
+                    <a:p>
+                      <a:pPr algn="l"/>
+                      <a:r>
+                        <a:rPr kumimoji="1" lang="ja-JP" altLang="en-US" sz="800" smtClean="0">
+                          <a:solidFill>
+                            <a:schemeClr val="tx1"/>
+                          </a:solidFill>
+                        </a:rPr>
+                        <a:t>接面約</a:t>
+                      </a:r>
+                      <a:r>
+                        <a:rPr kumimoji="1" lang="en-US" altLang="ja-JP" sz="800" dirty="0" smtClean="0">
+                          <a:solidFill>
+                            <a:schemeClr val="tx1"/>
+                          </a:solidFill>
+                        </a:rPr>
+                        <a:t>7.9m</a:t>
+                      </a:r>
+                      <a:endParaRPr kumimoji="1" lang="ja-JP" altLang="en-US" sz="800">
+                        <a:solidFill>
+                          <a:schemeClr val="tx1"/>
+                        </a:solidFill>
+                      </a:endParaRPr>
+                    </a:p>
+                  </a:txBody>
+                  <a:tcPr anchor="ctr">
+                    <a:lnL w="9525" cap="flat" cmpd="sng" algn="ctr">
+                      <a:solidFill>
+                        <a:schemeClr val="tx1"/>
+                      </a:solidFill>
+                      <a:prstDash val="solid"/>
+                      <a:round/>
+                      <a:headEnd type="none" w="med" len="med"/>
+                      <a:tailEnd type="none" w="med" len="med"/>
+                    </a:lnL>
+                    <a:lnR w="9525" cap="flat" cmpd="sng" algn="ctr">
+                      <a:solidFill>
+                        <a:schemeClr val="tx1"/>
+                      </a:solidFill>
+                      <a:prstDash val="solid"/>
+                      <a:round/>
+                      <a:headEnd type="none" w="med" len="med"/>
+                      <a:tailEnd type="none" w="med" len="med"/>
+                    </a:lnR>
+                    <a:lnT w="9525" cap="flat" cmpd="sng" algn="ctr">
+                      <a:solidFill>
+                        <a:schemeClr val="tx1"/>
+                      </a:solidFill>
+                      <a:prstDash val="solid"/>
+                      <a:round/>
+                      <a:headEnd type="none" w="med" len="med"/>
+                      <a:tailEnd type="none" w="med" len="med"/>
+                    </a:lnT>
+                    <a:lnB w="9525" cap="flat" cmpd="sng" algn="ctr">
+                      <a:solidFill>
+                        <a:schemeClr val="tx1"/>
+                      </a:solidFill>
+                      <a:prstDash val="solid"/>
+                      <a:round/>
+                      <a:headEnd type="none" w="med" len="med"/>
+                      <a:tailEnd type="none" w="med" len="med"/>
+                    </a:lnB>
                     <a:noFill/>
                   </a:tcPr>
                 </a:tc>
-                <a:tc>
-                  <a:txBody>
-                    <a:bodyPr/>
-                    <a:lstStyle/>
-                    <a:p>
-                      <a:pPr marL="0" marR="0" indent="0" algn="ctr" defTabSz="914400" rtl="0" eaLnBrk="1" fontAlgn="auto" latinLnBrk="0" hangingPunct="1">
-                        <a:lnSpc>
-                          <a:spcPct val="100000"/>
-                        </a:lnSpc>
-                        <a:spcBef>
-                          <a:spcPts val="0"/>
-                        </a:spcBef>
-                        <a:spcAft>
-                          <a:spcPts val="0"/>
-                        </a:spcAft>
-                        <a:buClrTx/>
-                        <a:buSzTx/>
-                        <a:buFontTx/>
-                        <a:buNone/>
-                        <a:tabLst/>
-                        <a:defRPr/>
-                      </a:pPr>
+                <a:tc hMerge="1">
+                  <a:txBody>
+                    <a:bodyPr/>
+                    <a:lstStyle/>
+                    <a:p>
+                      <a:endParaRPr lang="en-CA"/>
+                    </a:p>
+                  </a:txBody>
+                  <a:tcPr/>
+                </a:tc>
+                <a:tc hMerge="1">
+                  <a:txBody>
+                    <a:bodyPr/>
+                    <a:lstStyle/>
+                    <a:p>
+                      <a:endParaRPr lang="en-CA"/>
+                    </a:p>
+                  </a:txBody>
+                  <a:tcPr/>
+                </a:tc>
+                <a:tc hMerge="1">
+                  <a:txBody>
+                    <a:bodyPr/>
+                    <a:lstStyle/>
+                    <a:p>
+                      <a:endParaRPr lang="en-CA"/>
+                    </a:p>
+                  </a:txBody>
+                  <a:tcPr/>
+                </a:tc>
+              </a:tr>
+              <a:tr h="202390">
+                <a:tc rowSpan="2">
+                  <a:txBody>
+                    <a:bodyPr/>
+                    <a:lstStyle/>
+                    <a:p>
+                      <a:pPr algn="ctr"/>
                       <a:r>
                         <a:rPr kumimoji="1" lang="ja-JP" altLang="en-US" sz="800" smtClean="0">
                           <a:solidFill>
                             <a:schemeClr val="tx1"/>
                           </a:solidFill>
                         </a:rPr>
-                        <a:t>容積率</a:t>
-                      </a:r>
+                        <a:t>引渡</a:t>
+                      </a:r>
+                      <a:endParaRPr kumimoji="1" lang="ja-JP" altLang="en-US" sz="800">
+                        <a:solidFill>
+                          <a:schemeClr val="tx1"/>
+                        </a:solidFill>
+                      </a:endParaRPr>
                     </a:p>
                   </a:txBody>
                   <a:tcPr anchor="ctr">
@@ -7493,6 +7217,928 @@
                       <a:headEnd type="none" w="med" len="med"/>
                       <a:tailEnd type="none" w="med" len="med"/>
                     </a:lnB>
+                    <a:solidFill>
+                      <a:schemeClr val="accent1">
+                        <a:lumMod val="20000"/>
+                        <a:lumOff val="80000"/>
+                        <a:alpha val="70000"/>
+                      </a:schemeClr>
+                    </a:solidFill>
+                  </a:tcPr>
+                </a:tc>
+                <a:tc>
+                  <a:txBody>
+                    <a:bodyPr/>
+                    <a:lstStyle/>
+                    <a:p>
+                      <a:pPr algn="ctr"/>
+                      <a:r>
+                        <a:rPr kumimoji="1" lang="ja-JP" altLang="en-US" sz="800" smtClean="0">
+                          <a:solidFill>
+                            <a:schemeClr val="tx1"/>
+                          </a:solidFill>
+                        </a:rPr>
+                        <a:t>現況</a:t>
+                      </a:r>
+                      <a:endParaRPr kumimoji="1" lang="ja-JP" altLang="en-US" sz="800">
+                        <a:solidFill>
+                          <a:schemeClr val="tx1"/>
+                        </a:solidFill>
+                      </a:endParaRPr>
+                    </a:p>
+                  </a:txBody>
+                  <a:tcPr anchor="ctr">
+                    <a:lnL w="9525" cap="flat" cmpd="sng" algn="ctr">
+                      <a:solidFill>
+                        <a:schemeClr val="tx1"/>
+                      </a:solidFill>
+                      <a:prstDash val="solid"/>
+                      <a:round/>
+                      <a:headEnd type="none" w="med" len="med"/>
+                      <a:tailEnd type="none" w="med" len="med"/>
+                    </a:lnL>
+                    <a:lnR w="9525" cap="flat" cmpd="sng" algn="ctr">
+                      <a:solidFill>
+                        <a:schemeClr val="tx1"/>
+                      </a:solidFill>
+                      <a:prstDash val="solid"/>
+                      <a:round/>
+                      <a:headEnd type="none" w="med" len="med"/>
+                      <a:tailEnd type="none" w="med" len="med"/>
+                    </a:lnR>
+                    <a:lnT w="9525" cap="flat" cmpd="sng" algn="ctr">
+                      <a:solidFill>
+                        <a:schemeClr val="tx1"/>
+                      </a:solidFill>
+                      <a:prstDash val="solid"/>
+                      <a:round/>
+                      <a:headEnd type="none" w="med" len="med"/>
+                      <a:tailEnd type="none" w="med" len="med"/>
+                    </a:lnT>
+                    <a:lnB w="9525" cap="flat" cmpd="sng" algn="ctr">
+                      <a:solidFill>
+                        <a:schemeClr val="tx1"/>
+                      </a:solidFill>
+                      <a:prstDash val="solid"/>
+                      <a:round/>
+                      <a:headEnd type="none" w="med" len="med"/>
+                      <a:tailEnd type="none" w="med" len="med"/>
+                    </a:lnB>
+                    <a:solidFill>
+                      <a:schemeClr val="accent1">
+                        <a:lumMod val="20000"/>
+                        <a:lumOff val="80000"/>
+                        <a:alpha val="70000"/>
+                      </a:schemeClr>
+                    </a:solidFill>
+                  </a:tcPr>
+                </a:tc>
+                <a:tc gridSpan="4">
+                  <a:txBody>
+                    <a:bodyPr/>
+                    <a:lstStyle/>
+                    <a:p>
+                      <a:pPr algn="l"/>
+                      <a:r>
+                        <a:rPr kumimoji="1" lang="ja-JP" altLang="en-US" sz="800" b="0" i="0" kern="1200" smtClean="0">
+                          <a:solidFill>
+                            <a:schemeClr val="dk1"/>
+                          </a:solidFill>
+                          <a:latin typeface="+mn-lt"/>
+                          <a:ea typeface="+mn-ea"/>
+                          <a:cs typeface="+mn-cs"/>
+                        </a:rPr>
+                        <a:t>居住中</a:t>
+                      </a:r>
+                      <a:endParaRPr kumimoji="1" lang="ja-JP" altLang="en-US" sz="800">
+                        <a:solidFill>
+                          <a:schemeClr val="tx1"/>
+                        </a:solidFill>
+                      </a:endParaRPr>
+                    </a:p>
+                  </a:txBody>
+                  <a:tcPr anchor="ctr">
+                    <a:lnL w="9525" cap="flat" cmpd="sng" algn="ctr">
+                      <a:solidFill>
+                        <a:schemeClr val="tx1"/>
+                      </a:solidFill>
+                      <a:prstDash val="solid"/>
+                      <a:round/>
+                      <a:headEnd type="none" w="med" len="med"/>
+                      <a:tailEnd type="none" w="med" len="med"/>
+                    </a:lnL>
+                    <a:lnR w="9525" cap="flat" cmpd="sng" algn="ctr">
+                      <a:solidFill>
+                        <a:schemeClr val="tx1"/>
+                      </a:solidFill>
+                      <a:prstDash val="solid"/>
+                      <a:round/>
+                      <a:headEnd type="none" w="med" len="med"/>
+                      <a:tailEnd type="none" w="med" len="med"/>
+                    </a:lnR>
+                    <a:lnT w="9525" cap="flat" cmpd="sng" algn="ctr">
+                      <a:solidFill>
+                        <a:schemeClr val="tx1"/>
+                      </a:solidFill>
+                      <a:prstDash val="solid"/>
+                      <a:round/>
+                      <a:headEnd type="none" w="med" len="med"/>
+                      <a:tailEnd type="none" w="med" len="med"/>
+                    </a:lnT>
+                    <a:lnB w="9525" cap="flat" cmpd="sng" algn="ctr">
+                      <a:solidFill>
+                        <a:schemeClr val="tx1"/>
+                      </a:solidFill>
+                      <a:prstDash val="solid"/>
+                      <a:round/>
+                      <a:headEnd type="none" w="med" len="med"/>
+                      <a:tailEnd type="none" w="med" len="med"/>
+                    </a:lnB>
+                    <a:noFill/>
+                  </a:tcPr>
+                </a:tc>
+                <a:tc hMerge="1">
+                  <a:txBody>
+                    <a:bodyPr/>
+                    <a:lstStyle/>
+                    <a:p>
+                      <a:endParaRPr lang="en-CA"/>
+                    </a:p>
+                  </a:txBody>
+                  <a:tcPr/>
+                </a:tc>
+                <a:tc hMerge="1">
+                  <a:txBody>
+                    <a:bodyPr/>
+                    <a:lstStyle/>
+                    <a:p>
+                      <a:endParaRPr lang="en-CA"/>
+                    </a:p>
+                  </a:txBody>
+                  <a:tcPr/>
+                </a:tc>
+                <a:tc hMerge="1">
+                  <a:txBody>
+                    <a:bodyPr/>
+                    <a:lstStyle/>
+                    <a:p>
+                      <a:endParaRPr lang="en-CA"/>
+                    </a:p>
+                  </a:txBody>
+                  <a:tcPr/>
+                </a:tc>
+              </a:tr>
+              <a:tr h="202390">
+                <a:tc vMerge="1">
+                  <a:txBody>
+                    <a:bodyPr/>
+                    <a:lstStyle/>
+                    <a:p>
+                      <a:pPr algn="ctr"/>
+                      <a:endParaRPr kumimoji="1" lang="ja-JP" altLang="en-US" sz="700">
+                        <a:solidFill>
+                          <a:schemeClr val="tx1"/>
+                        </a:solidFill>
+                      </a:endParaRPr>
+                    </a:p>
+                  </a:txBody>
+                  <a:tcPr anchor="ctr">
+                    <a:lnL w="12700" cap="flat" cmpd="sng" algn="ctr">
+                      <a:solidFill>
+                        <a:schemeClr val="tx1"/>
+                      </a:solidFill>
+                      <a:prstDash val="solid"/>
+                      <a:round/>
+                      <a:headEnd type="none" w="med" len="med"/>
+                      <a:tailEnd type="none" w="med" len="med"/>
+                    </a:lnL>
+                    <a:lnR w="12700" cap="flat" cmpd="sng" algn="ctr">
+                      <a:solidFill>
+                        <a:schemeClr val="tx1"/>
+                      </a:solidFill>
+                      <a:prstDash val="solid"/>
+                      <a:round/>
+                      <a:headEnd type="none" w="med" len="med"/>
+                      <a:tailEnd type="none" w="med" len="med"/>
+                    </a:lnR>
+                    <a:lnT w="12700" cap="flat" cmpd="sng" algn="ctr">
+                      <a:solidFill>
+                        <a:schemeClr val="tx1"/>
+                      </a:solidFill>
+                      <a:prstDash val="solid"/>
+                      <a:round/>
+                      <a:headEnd type="none" w="med" len="med"/>
+                      <a:tailEnd type="none" w="med" len="med"/>
+                    </a:lnT>
+                    <a:lnB w="12700" cap="flat" cmpd="sng" algn="ctr">
+                      <a:solidFill>
+                        <a:schemeClr val="tx1"/>
+                      </a:solidFill>
+                      <a:prstDash val="solid"/>
+                      <a:round/>
+                      <a:headEnd type="none" w="med" len="med"/>
+                      <a:tailEnd type="none" w="med" len="med"/>
+                    </a:lnB>
+                    <a:solidFill>
+                      <a:schemeClr val="accent1">
+                        <a:lumMod val="20000"/>
+                        <a:lumOff val="80000"/>
+                        <a:alpha val="70000"/>
+                      </a:schemeClr>
+                    </a:solidFill>
+                  </a:tcPr>
+                </a:tc>
+                <a:tc>
+                  <a:txBody>
+                    <a:bodyPr/>
+                    <a:lstStyle/>
+                    <a:p>
+                      <a:pPr algn="ctr"/>
+                      <a:r>
+                        <a:rPr kumimoji="1" lang="ja-JP" altLang="en-US" sz="800" smtClean="0">
+                          <a:solidFill>
+                            <a:schemeClr val="tx1"/>
+                          </a:solidFill>
+                        </a:rPr>
+                        <a:t>引渡</a:t>
+                      </a:r>
+                      <a:endParaRPr kumimoji="1" lang="ja-JP" altLang="en-US" sz="800">
+                        <a:solidFill>
+                          <a:schemeClr val="tx1"/>
+                        </a:solidFill>
+                      </a:endParaRPr>
+                    </a:p>
+                  </a:txBody>
+                  <a:tcPr anchor="ctr">
+                    <a:lnL w="9525" cap="flat" cmpd="sng" algn="ctr">
+                      <a:solidFill>
+                        <a:schemeClr val="tx1"/>
+                      </a:solidFill>
+                      <a:prstDash val="solid"/>
+                      <a:round/>
+                      <a:headEnd type="none" w="med" len="med"/>
+                      <a:tailEnd type="none" w="med" len="med"/>
+                    </a:lnL>
+                    <a:lnR w="9525" cap="flat" cmpd="sng" algn="ctr">
+                      <a:solidFill>
+                        <a:schemeClr val="tx1"/>
+                      </a:solidFill>
+                      <a:prstDash val="solid"/>
+                      <a:round/>
+                      <a:headEnd type="none" w="med" len="med"/>
+                      <a:tailEnd type="none" w="med" len="med"/>
+                    </a:lnR>
+                    <a:lnT w="9525" cap="flat" cmpd="sng" algn="ctr">
+                      <a:solidFill>
+                        <a:schemeClr val="tx1"/>
+                      </a:solidFill>
+                      <a:prstDash val="solid"/>
+                      <a:round/>
+                      <a:headEnd type="none" w="med" len="med"/>
+                      <a:tailEnd type="none" w="med" len="med"/>
+                    </a:lnT>
+                    <a:lnB w="9525" cap="flat" cmpd="sng" algn="ctr">
+                      <a:solidFill>
+                        <a:schemeClr val="tx1"/>
+                      </a:solidFill>
+                      <a:prstDash val="solid"/>
+                      <a:round/>
+                      <a:headEnd type="none" w="med" len="med"/>
+                      <a:tailEnd type="none" w="med" len="med"/>
+                    </a:lnB>
+                    <a:solidFill>
+                      <a:schemeClr val="accent1">
+                        <a:lumMod val="20000"/>
+                        <a:lumOff val="80000"/>
+                        <a:alpha val="70000"/>
+                      </a:schemeClr>
+                    </a:solidFill>
+                  </a:tcPr>
+                </a:tc>
+                <a:tc gridSpan="4">
+                  <a:txBody>
+                    <a:bodyPr/>
+                    <a:lstStyle/>
+                    <a:p>
+                      <a:pPr algn="l"/>
+                      <a:r>
+                        <a:rPr kumimoji="1" lang="ja-JP" altLang="en-US" sz="800" b="0" i="0" kern="1200" smtClean="0">
+                          <a:solidFill>
+                            <a:schemeClr val="dk1"/>
+                          </a:solidFill>
+                          <a:latin typeface="+mn-lt"/>
+                          <a:ea typeface="+mn-ea"/>
+                          <a:cs typeface="+mn-cs"/>
+                        </a:rPr>
+                        <a:t>相談</a:t>
+                      </a:r>
+                      <a:endParaRPr kumimoji="1" lang="ja-JP" altLang="en-US" sz="800">
+                        <a:solidFill>
+                          <a:schemeClr val="tx1"/>
+                        </a:solidFill>
+                      </a:endParaRPr>
+                    </a:p>
+                  </a:txBody>
+                  <a:tcPr anchor="ctr">
+                    <a:lnL w="9525" cap="flat" cmpd="sng" algn="ctr">
+                      <a:solidFill>
+                        <a:schemeClr val="tx1"/>
+                      </a:solidFill>
+                      <a:prstDash val="solid"/>
+                      <a:round/>
+                      <a:headEnd type="none" w="med" len="med"/>
+                      <a:tailEnd type="none" w="med" len="med"/>
+                    </a:lnL>
+                    <a:lnR w="9525" cap="flat" cmpd="sng" algn="ctr">
+                      <a:solidFill>
+                        <a:schemeClr val="tx1"/>
+                      </a:solidFill>
+                      <a:prstDash val="solid"/>
+                      <a:round/>
+                      <a:headEnd type="none" w="med" len="med"/>
+                      <a:tailEnd type="none" w="med" len="med"/>
+                    </a:lnR>
+                    <a:lnT w="9525" cap="flat" cmpd="sng" algn="ctr">
+                      <a:solidFill>
+                        <a:schemeClr val="tx1"/>
+                      </a:solidFill>
+                      <a:prstDash val="solid"/>
+                      <a:round/>
+                      <a:headEnd type="none" w="med" len="med"/>
+                      <a:tailEnd type="none" w="med" len="med"/>
+                    </a:lnT>
+                    <a:lnB w="9525" cap="flat" cmpd="sng" algn="ctr">
+                      <a:solidFill>
+                        <a:schemeClr val="tx1"/>
+                      </a:solidFill>
+                      <a:prstDash val="solid"/>
+                      <a:round/>
+                      <a:headEnd type="none" w="med" len="med"/>
+                      <a:tailEnd type="none" w="med" len="med"/>
+                    </a:lnB>
+                    <a:noFill/>
+                  </a:tcPr>
+                </a:tc>
+                <a:tc hMerge="1">
+                  <a:txBody>
+                    <a:bodyPr/>
+                    <a:lstStyle/>
+                    <a:p>
+                      <a:endParaRPr lang="en-CA"/>
+                    </a:p>
+                  </a:txBody>
+                  <a:tcPr/>
+                </a:tc>
+                <a:tc hMerge="1">
+                  <a:txBody>
+                    <a:bodyPr/>
+                    <a:lstStyle/>
+                    <a:p>
+                      <a:endParaRPr lang="en-CA"/>
+                    </a:p>
+                  </a:txBody>
+                  <a:tcPr/>
+                </a:tc>
+                <a:tc hMerge="1">
+                  <a:txBody>
+                    <a:bodyPr/>
+                    <a:lstStyle/>
+                    <a:p>
+                      <a:endParaRPr lang="en-CA"/>
+                    </a:p>
+                  </a:txBody>
+                  <a:tcPr/>
+                </a:tc>
+              </a:tr>
+              <a:tr h="597365">
+                <a:tc>
+                  <a:txBody>
+                    <a:bodyPr/>
+                    <a:lstStyle/>
+                    <a:p>
+                      <a:pPr algn="ctr"/>
+                      <a:r>
+                        <a:rPr kumimoji="1" lang="ja-JP" altLang="en-US" sz="800" smtClean="0">
+                          <a:solidFill>
+                            <a:schemeClr val="tx1"/>
+                          </a:solidFill>
+                        </a:rPr>
+                        <a:t>備考</a:t>
+                      </a:r>
+                      <a:endParaRPr kumimoji="1" lang="ja-JP" altLang="en-US" sz="800">
+                        <a:solidFill>
+                          <a:schemeClr val="tx1"/>
+                        </a:solidFill>
+                      </a:endParaRPr>
+                    </a:p>
+                  </a:txBody>
+                  <a:tcPr anchor="ctr">
+                    <a:lnL w="9525" cap="flat" cmpd="sng" algn="ctr">
+                      <a:solidFill>
+                        <a:schemeClr val="tx1"/>
+                      </a:solidFill>
+                      <a:prstDash val="solid"/>
+                      <a:round/>
+                      <a:headEnd type="none" w="med" len="med"/>
+                      <a:tailEnd type="none" w="med" len="med"/>
+                    </a:lnL>
+                    <a:lnR w="9525" cap="flat" cmpd="sng" algn="ctr">
+                      <a:solidFill>
+                        <a:schemeClr val="tx1"/>
+                      </a:solidFill>
+                      <a:prstDash val="solid"/>
+                      <a:round/>
+                      <a:headEnd type="none" w="med" len="med"/>
+                      <a:tailEnd type="none" w="med" len="med"/>
+                    </a:lnR>
+                    <a:lnT w="9525" cap="flat" cmpd="sng" algn="ctr">
+                      <a:solidFill>
+                        <a:schemeClr val="tx1"/>
+                      </a:solidFill>
+                      <a:prstDash val="solid"/>
+                      <a:round/>
+                      <a:headEnd type="none" w="med" len="med"/>
+                      <a:tailEnd type="none" w="med" len="med"/>
+                    </a:lnT>
+                    <a:lnB w="9525" cap="flat" cmpd="sng" algn="ctr">
+                      <a:solidFill>
+                        <a:schemeClr val="tx1"/>
+                      </a:solidFill>
+                      <a:prstDash val="solid"/>
+                      <a:round/>
+                      <a:headEnd type="none" w="med" len="med"/>
+                      <a:tailEnd type="none" w="med" len="med"/>
+                    </a:lnB>
+                    <a:solidFill>
+                      <a:schemeClr val="accent1">
+                        <a:lumMod val="20000"/>
+                        <a:lumOff val="80000"/>
+                        <a:alpha val="70000"/>
+                      </a:schemeClr>
+                    </a:solidFill>
+                  </a:tcPr>
+                </a:tc>
+                <a:tc gridSpan="5">
+                  <a:txBody>
+                    <a:bodyPr/>
+                    <a:lstStyle/>
+                    <a:p>
+                      <a:pPr algn="l">
+                        <a:spcBef>
+                          <a:spcPts val="200"/>
+                        </a:spcBef>
+                        <a:buFont typeface="Arial" pitchFamily="34" charset="0"/>
+                        <a:buChar char="•"/>
+                      </a:pPr>
+                      <a:r>
+                        <a:rPr kumimoji="1" lang="ja-JP" altLang="en-US" sz="800" smtClean="0">
+                          <a:solidFill>
+                            <a:schemeClr val="tx1"/>
+                          </a:solidFill>
+                        </a:rPr>
+                        <a:t>  </a:t>
+                      </a:r>
+                      <a:r>
+                        <a:rPr kumimoji="1" lang="en-CA" altLang="ja-JP" sz="800" dirty="0" smtClean="0">
+                          <a:solidFill>
+                            <a:schemeClr val="tx1"/>
+                          </a:solidFill>
+                        </a:rPr>
+                        <a:t>2018</a:t>
+                      </a:r>
+                      <a:r>
+                        <a:rPr kumimoji="1" lang="ja-JP" altLang="en-US" sz="800" smtClean="0">
+                          <a:solidFill>
+                            <a:schemeClr val="tx1"/>
+                          </a:solidFill>
+                        </a:rPr>
+                        <a:t>年に実施したリフォーム内容： フローリング、防水工事、玄関扉、室内扉、キッチン交換、トイレ・バス、洗面台、クロス交換、エコキュート、エアコン、インターフォン、排水管交換等</a:t>
+                      </a:r>
+                      <a:endParaRPr kumimoji="1" lang="en-CA" altLang="ja-JP" sz="800" dirty="0" smtClean="0">
+                        <a:solidFill>
+                          <a:schemeClr val="tx1"/>
+                        </a:solidFill>
+                      </a:endParaRPr>
+                    </a:p>
+                    <a:p>
+                      <a:pPr algn="l">
+                        <a:spcBef>
+                          <a:spcPts val="200"/>
+                        </a:spcBef>
+                        <a:buFont typeface="Arial" pitchFamily="34" charset="0"/>
+                        <a:buChar char="•"/>
+                      </a:pPr>
+                      <a:r>
+                        <a:rPr kumimoji="1" lang="en-CA" altLang="ja-JP" sz="800" dirty="0" smtClean="0">
+                          <a:solidFill>
+                            <a:schemeClr val="tx1"/>
+                          </a:solidFill>
+                        </a:rPr>
+                        <a:t>  </a:t>
+                      </a:r>
+                      <a:r>
+                        <a:rPr kumimoji="1" lang="ja-JP" altLang="en-US" sz="800" smtClean="0">
+                          <a:solidFill>
+                            <a:schemeClr val="tx1"/>
+                          </a:solidFill>
+                        </a:rPr>
+                        <a:t>駐車場幅員約</a:t>
+                      </a:r>
+                      <a:r>
+                        <a:rPr kumimoji="1" lang="en-CA" altLang="ja-JP" sz="800" dirty="0" smtClean="0">
+                          <a:solidFill>
+                            <a:schemeClr val="tx1"/>
+                          </a:solidFill>
+                        </a:rPr>
+                        <a:t>2.8m</a:t>
+                      </a:r>
+                      <a:r>
+                        <a:rPr kumimoji="1" lang="ja-JP" altLang="en-US" sz="800" smtClean="0">
+                          <a:solidFill>
+                            <a:schemeClr val="tx1"/>
+                          </a:solidFill>
+                        </a:rPr>
+                        <a:t>、長さ約</a:t>
+                      </a:r>
+                      <a:r>
+                        <a:rPr kumimoji="1" lang="en-CA" altLang="ja-JP" sz="800" dirty="0" smtClean="0">
+                          <a:solidFill>
+                            <a:schemeClr val="tx1"/>
+                          </a:solidFill>
+                        </a:rPr>
+                        <a:t>4.</a:t>
+                      </a:r>
+                      <a:r>
+                        <a:rPr kumimoji="1" lang="en-US" altLang="ja-JP" sz="800" dirty="0" smtClean="0">
+                          <a:solidFill>
+                            <a:schemeClr val="tx1"/>
+                          </a:solidFill>
+                        </a:rPr>
+                        <a:t>7</a:t>
+                      </a:r>
+                      <a:r>
+                        <a:rPr kumimoji="1" lang="en-CA" altLang="ja-JP" sz="800" dirty="0" smtClean="0">
+                          <a:solidFill>
+                            <a:schemeClr val="tx1"/>
+                          </a:solidFill>
+                        </a:rPr>
+                        <a:t>m</a:t>
+                      </a:r>
+                      <a:r>
+                        <a:rPr kumimoji="1" lang="ja-JP" altLang="en-US" sz="800" smtClean="0">
+                          <a:solidFill>
+                            <a:schemeClr val="tx1"/>
+                          </a:solidFill>
+                        </a:rPr>
+                        <a:t>（内</a:t>
+                      </a:r>
+                      <a:r>
+                        <a:rPr kumimoji="1" lang="en-CA" altLang="ja-JP" sz="800" dirty="0" smtClean="0">
+                          <a:solidFill>
+                            <a:schemeClr val="tx1"/>
+                          </a:solidFill>
+                        </a:rPr>
+                        <a:t>1.5m</a:t>
+                      </a:r>
+                      <a:r>
+                        <a:rPr kumimoji="1" lang="ja-JP" altLang="en-US" sz="800" smtClean="0">
+                          <a:solidFill>
+                            <a:schemeClr val="tx1"/>
+                          </a:solidFill>
+                        </a:rPr>
+                        <a:t>傾斜）</a:t>
+                      </a:r>
+                      <a:endParaRPr kumimoji="1" lang="en-US" altLang="ja-JP" sz="800" dirty="0" smtClean="0">
+                        <a:solidFill>
+                          <a:schemeClr val="tx1"/>
+                        </a:solidFill>
+                      </a:endParaRPr>
+                    </a:p>
+                    <a:p>
+                      <a:pPr algn="l">
+                        <a:spcBef>
+                          <a:spcPts val="200"/>
+                        </a:spcBef>
+                        <a:buFont typeface="Arial" pitchFamily="34" charset="0"/>
+                        <a:buChar char="•"/>
+                      </a:pPr>
+                      <a:r>
+                        <a:rPr kumimoji="1" lang="ja-JP" altLang="en-US" sz="800" smtClean="0">
+                          <a:solidFill>
+                            <a:schemeClr val="tx1"/>
+                          </a:solidFill>
+                        </a:rPr>
+                        <a:t>  </a:t>
+                      </a:r>
+                      <a:r>
+                        <a:rPr kumimoji="1" lang="en-CA" altLang="ja-JP" sz="800" dirty="0" smtClean="0">
+                          <a:solidFill>
+                            <a:schemeClr val="tx1"/>
+                          </a:solidFill>
+                        </a:rPr>
+                        <a:t>BBQ</a:t>
+                      </a:r>
+                      <a:r>
+                        <a:rPr kumimoji="1" lang="ja-JP" altLang="en-US" sz="800" smtClean="0">
+                          <a:solidFill>
+                            <a:schemeClr val="tx1"/>
+                          </a:solidFill>
+                        </a:rPr>
+                        <a:t>等に使って頂ける約</a:t>
+                      </a:r>
+                      <a:r>
+                        <a:rPr kumimoji="1" lang="en-CA" altLang="ja-JP" sz="800" dirty="0" smtClean="0">
+                          <a:solidFill>
+                            <a:schemeClr val="tx1"/>
+                          </a:solidFill>
+                        </a:rPr>
+                        <a:t>12m</a:t>
+                      </a:r>
+                      <a:r>
+                        <a:rPr kumimoji="1" lang="en-CA" altLang="ja-JP" sz="800" baseline="30000" dirty="0" smtClean="0">
+                          <a:solidFill>
+                            <a:schemeClr val="tx1"/>
+                          </a:solidFill>
+                        </a:rPr>
+                        <a:t>2</a:t>
+                      </a:r>
+                      <a:r>
+                        <a:rPr kumimoji="1" lang="ja-JP" altLang="en-US" sz="800" smtClean="0">
+                          <a:solidFill>
+                            <a:schemeClr val="tx1"/>
+                          </a:solidFill>
+                        </a:rPr>
+                        <a:t>の室外スペース</a:t>
+                      </a:r>
+                      <a:endParaRPr kumimoji="1" lang="en-US" altLang="ja-JP" sz="800" dirty="0" smtClean="0">
+                        <a:solidFill>
+                          <a:schemeClr val="tx1"/>
+                        </a:solidFill>
+                      </a:endParaRPr>
+                    </a:p>
+                    <a:p>
+                      <a:pPr algn="l">
+                        <a:spcBef>
+                          <a:spcPts val="200"/>
+                        </a:spcBef>
+                        <a:buFont typeface="Arial" pitchFamily="34" charset="0"/>
+                        <a:buChar char="•"/>
+                      </a:pPr>
+                      <a:r>
+                        <a:rPr kumimoji="1" lang="ja-JP" altLang="en-US" sz="800" smtClean="0">
+                          <a:solidFill>
+                            <a:schemeClr val="tx1"/>
+                          </a:solidFill>
+                        </a:rPr>
+                        <a:t>  通学地域：</a:t>
+                      </a:r>
+                      <a:r>
+                        <a:rPr kumimoji="1" lang="en-CA" altLang="ja-JP" sz="800" dirty="0" smtClean="0">
+                          <a:solidFill>
+                            <a:schemeClr val="tx1"/>
+                          </a:solidFill>
+                        </a:rPr>
+                        <a:t> </a:t>
+                      </a:r>
+                      <a:r>
+                        <a:rPr kumimoji="1" lang="ja-JP" altLang="en-US" sz="800" smtClean="0">
+                          <a:solidFill>
+                            <a:schemeClr val="tx1"/>
+                          </a:solidFill>
+                        </a:rPr>
+                        <a:t>稲村ケ崎小学校・御成中学校</a:t>
+                      </a:r>
+                      <a:endParaRPr kumimoji="1" lang="en-US" altLang="ja-JP" sz="800" dirty="0" smtClean="0">
+                        <a:solidFill>
+                          <a:schemeClr val="tx1"/>
+                        </a:solidFill>
+                      </a:endParaRPr>
+                    </a:p>
+                  </a:txBody>
+                  <a:tcPr anchor="ctr">
+                    <a:lnL w="9525" cap="flat" cmpd="sng" algn="ctr">
+                      <a:solidFill>
+                        <a:schemeClr val="tx1"/>
+                      </a:solidFill>
+                      <a:prstDash val="solid"/>
+                      <a:round/>
+                      <a:headEnd type="none" w="med" len="med"/>
+                      <a:tailEnd type="none" w="med" len="med"/>
+                    </a:lnL>
+                    <a:lnR w="9525" cap="flat" cmpd="sng" algn="ctr">
+                      <a:solidFill>
+                        <a:schemeClr val="tx1"/>
+                      </a:solidFill>
+                      <a:prstDash val="solid"/>
+                      <a:round/>
+                      <a:headEnd type="none" w="med" len="med"/>
+                      <a:tailEnd type="none" w="med" len="med"/>
+                    </a:lnR>
+                    <a:lnT w="9525" cap="flat" cmpd="sng" algn="ctr">
+                      <a:solidFill>
+                        <a:schemeClr val="tx1"/>
+                      </a:solidFill>
+                      <a:prstDash val="solid"/>
+                      <a:round/>
+                      <a:headEnd type="none" w="med" len="med"/>
+                      <a:tailEnd type="none" w="med" len="med"/>
+                    </a:lnT>
+                    <a:lnB w="9525" cap="flat" cmpd="sng" algn="ctr">
+                      <a:solidFill>
+                        <a:schemeClr val="tx1"/>
+                      </a:solidFill>
+                      <a:prstDash val="solid"/>
+                      <a:round/>
+                      <a:headEnd type="none" w="med" len="med"/>
+                      <a:tailEnd type="none" w="med" len="med"/>
+                    </a:lnB>
+                    <a:noFill/>
+                  </a:tcPr>
+                </a:tc>
+                <a:tc hMerge="1">
+                  <a:txBody>
+                    <a:bodyPr/>
+                    <a:lstStyle/>
+                    <a:p>
+                      <a:pPr algn="l"/>
+                      <a:endParaRPr kumimoji="1" lang="ja-JP" altLang="en-US" sz="700">
+                        <a:solidFill>
+                          <a:schemeClr val="tx1"/>
+                        </a:solidFill>
+                      </a:endParaRPr>
+                    </a:p>
+                  </a:txBody>
+                  <a:tcPr anchor="ctr">
+                    <a:lnL w="9525" cap="flat" cmpd="sng" algn="ctr">
+                      <a:solidFill>
+                        <a:schemeClr val="tx1"/>
+                      </a:solidFill>
+                      <a:prstDash val="solid"/>
+                      <a:round/>
+                      <a:headEnd type="none" w="med" len="med"/>
+                      <a:tailEnd type="none" w="med" len="med"/>
+                    </a:lnL>
+                    <a:lnR w="9525" cap="flat" cmpd="sng" algn="ctr">
+                      <a:solidFill>
+                        <a:schemeClr val="tx1"/>
+                      </a:solidFill>
+                      <a:prstDash val="solid"/>
+                      <a:round/>
+                      <a:headEnd type="none" w="med" len="med"/>
+                      <a:tailEnd type="none" w="med" len="med"/>
+                    </a:lnR>
+                    <a:lnT w="9525" cap="flat" cmpd="sng" algn="ctr">
+                      <a:solidFill>
+                        <a:schemeClr val="tx1"/>
+                      </a:solidFill>
+                      <a:prstDash val="solid"/>
+                      <a:round/>
+                      <a:headEnd type="none" w="med" len="med"/>
+                      <a:tailEnd type="none" w="med" len="med"/>
+                    </a:lnT>
+                    <a:lnB w="9525" cap="flat" cmpd="sng" algn="ctr">
+                      <a:solidFill>
+                        <a:schemeClr val="tx1"/>
+                      </a:solidFill>
+                      <a:prstDash val="solid"/>
+                      <a:round/>
+                      <a:headEnd type="none" w="med" len="med"/>
+                      <a:tailEnd type="none" w="med" len="med"/>
+                    </a:lnB>
+                    <a:noFill/>
+                  </a:tcPr>
+                </a:tc>
+                <a:tc hMerge="1">
+                  <a:txBody>
+                    <a:bodyPr/>
+                    <a:lstStyle/>
+                    <a:p>
+                      <a:endParaRPr lang="en-CA"/>
+                    </a:p>
+                  </a:txBody>
+                  <a:tcPr/>
+                </a:tc>
+                <a:tc hMerge="1">
+                  <a:txBody>
+                    <a:bodyPr/>
+                    <a:lstStyle/>
+                    <a:p>
+                      <a:endParaRPr lang="en-CA"/>
+                    </a:p>
+                  </a:txBody>
+                  <a:tcPr/>
+                </a:tc>
+                <a:tc hMerge="1">
+                  <a:txBody>
+                    <a:bodyPr/>
+                    <a:lstStyle/>
+                    <a:p>
+                      <a:endParaRPr lang="en-CA"/>
+                    </a:p>
+                  </a:txBody>
+                  <a:tcPr/>
+                </a:tc>
+              </a:tr>
+            </a:tbl>
+          </a:graphicData>
+        </a:graphic>
+      </p:graphicFrame>
+      <p:graphicFrame>
+        <p:nvGraphicFramePr>
+          <p:cNvPr id="50" name="Table 49"/>
+          <p:cNvGraphicFramePr>
+            <a:graphicFrameLocks noGrp="1"/>
+          </p:cNvGraphicFramePr>
+          <p:nvPr/>
+        </p:nvGraphicFramePr>
+        <p:xfrm>
+          <a:off x="214282" y="285728"/>
+          <a:ext cx="8715436" cy="502920"/>
+        </p:xfrm>
+        <a:graphic>
+          <a:graphicData uri="http://schemas.openxmlformats.org/drawingml/2006/table">
+            <a:tbl>
+              <a:tblPr>
+                <a:tableStyleId>{5C22544A-7EE6-4342-B048-85BDC9FD1C3A}</a:tableStyleId>
+              </a:tblPr>
+              <a:tblGrid>
+                <a:gridCol w="435772"/>
+                <a:gridCol w="1670458"/>
+                <a:gridCol w="3486174"/>
+                <a:gridCol w="3123032"/>
+              </a:tblGrid>
+              <a:tr h="420050">
+                <a:tc>
+                  <a:txBody>
+                    <a:bodyPr/>
+                    <a:lstStyle/>
+                    <a:p>
+                      <a:r>
+                        <a:rPr lang="ja-JP" altLang="en-US" sz="1200" b="0" smtClean="0">
+                          <a:solidFill>
+                            <a:schemeClr val="tx1"/>
+                          </a:solidFill>
+                        </a:rPr>
+                        <a:t>戸建</a:t>
+                      </a:r>
+                      <a:endParaRPr lang="en-CA" sz="1200" b="0" dirty="0">
+                        <a:solidFill>
+                          <a:schemeClr val="tx1"/>
+                        </a:solidFill>
+                      </a:endParaRPr>
+                    </a:p>
+                  </a:txBody>
+                  <a:tcPr anchor="ctr">
+                    <a:lnL w="3175" cap="flat" cmpd="sng" algn="ctr">
+                      <a:solidFill>
+                        <a:schemeClr val="tx1"/>
+                      </a:solidFill>
+                      <a:prstDash val="solid"/>
+                      <a:round/>
+                      <a:headEnd type="none" w="med" len="med"/>
+                      <a:tailEnd type="none" w="med" len="med"/>
+                    </a:lnL>
+                    <a:lnR w="3175" cap="flat" cmpd="sng" algn="ctr">
+                      <a:solidFill>
+                        <a:schemeClr val="tx1"/>
+                      </a:solidFill>
+                      <a:prstDash val="solid"/>
+                      <a:round/>
+                      <a:headEnd type="none" w="med" len="med"/>
+                      <a:tailEnd type="none" w="med" len="med"/>
+                    </a:lnR>
+                    <a:lnT w="3175" cap="flat" cmpd="sng" algn="ctr">
+                      <a:solidFill>
+                        <a:schemeClr val="tx1"/>
+                      </a:solidFill>
+                      <a:prstDash val="solid"/>
+                      <a:round/>
+                      <a:headEnd type="none" w="med" len="med"/>
+                      <a:tailEnd type="none" w="med" len="med"/>
+                    </a:lnT>
+                    <a:lnB w="3175" cap="flat" cmpd="sng" algn="ctr">
+                      <a:solidFill>
+                        <a:schemeClr val="tx1"/>
+                      </a:solidFill>
+                      <a:prstDash val="solid"/>
+                      <a:round/>
+                      <a:headEnd type="none" w="med" len="med"/>
+                      <a:tailEnd type="none" w="med" len="med"/>
+                    </a:lnB>
+                    <a:lnTlToBr w="12700" cmpd="sng">
+                      <a:noFill/>
+                      <a:prstDash val="solid"/>
+                    </a:lnTlToBr>
+                    <a:lnBlToTr w="12700" cmpd="sng">
+                      <a:noFill/>
+                      <a:prstDash val="solid"/>
+                    </a:lnBlToTr>
+                    <a:solidFill>
+                      <a:schemeClr val="accent1">
+                        <a:lumMod val="20000"/>
+                        <a:lumOff val="80000"/>
+                      </a:schemeClr>
+                    </a:solidFill>
                   </a:tcPr>
                 </a:tc>
                 <a:tc>
@@ -7518,22 +8164,46 @@
                         <a:defRPr/>
                       </a:pPr>
                       <a:r>
-                        <a:rPr kumimoji="1" lang="en-US" altLang="ja-JP" sz="800" dirty="0" smtClean="0">
-                          <a:solidFill>
-                            <a:schemeClr val="tx1"/>
-                          </a:solidFill>
-                        </a:rPr>
-                        <a:t>80%</a:t>
-                      </a:r>
-                      <a:endParaRPr kumimoji="1" lang="ja-JP" altLang="en-US" sz="800" smtClean="0">
+                        <a:rPr lang="ja-JP" altLang="en-US" sz="1200" b="0" smtClean="0">
+                          <a:solidFill>
+                            <a:schemeClr val="tx1"/>
+                          </a:solidFill>
+                        </a:rPr>
+                        <a:t>価格</a:t>
+                      </a:r>
+                      <a:endParaRPr lang="en-CA" sz="1200" b="0" dirty="0" smtClean="0">
                         <a:solidFill>
                           <a:schemeClr val="tx1"/>
                         </a:solidFill>
                       </a:endParaRPr>
                     </a:p>
+                    <a:p>
+                      <a:pPr algn="r"/>
+                      <a:r>
+                        <a:rPr lang="en-CA" sz="1500" b="1" dirty="0" smtClean="0">
+                          <a:solidFill>
+                            <a:schemeClr val="tx1"/>
+                          </a:solidFill>
+                        </a:rPr>
+                        <a:t>5,380</a:t>
+                      </a:r>
+                      <a:r>
+                        <a:rPr lang="ja-JP" altLang="en-US" sz="1200" b="0" smtClean="0">
+                          <a:solidFill>
+                            <a:schemeClr val="tx1"/>
+                          </a:solidFill>
+                        </a:rPr>
+                        <a:t>万円</a:t>
+                      </a:r>
+                      <a:endParaRPr lang="en-CA" sz="1200" b="0" dirty="0">
+                        <a:solidFill>
+                          <a:schemeClr val="tx1"/>
+                        </a:solidFill>
+                      </a:endParaRPr>
+                    </a:p>
                   </a:txBody>
                   <a:tcPr anchor="ctr">
-                    <a:lnL w="9525" cap="flat" cmpd="sng" algn="ctr">
+                    <a:lnL w="3175" cap="flat" cmpd="sng" algn="ctr">
                       <a:solidFill>
                         <a:schemeClr val="tx1"/>
                       </a:solidFill>
@@ -7542,7 +8212,7 @@
                       <a:headEnd type="none" w="med" len="med"/>
                       <a:tailEnd type="none" w="med" len="med"/>
                     </a:lnL>
-                    <a:lnR w="9525" cap="flat" cmpd="sng" algn="ctr">
+                    <a:lnR w="3175" cap="flat" cmpd="sng" algn="ctr">
                       <a:solidFill>
                         <a:schemeClr val="tx1"/>
                       </a:solidFill>
@@ -7551,7 +8221,7 @@
                       <a:headEnd type="none" w="med" len="med"/>
                       <a:tailEnd type="none" w="med" len="med"/>
                     </a:lnR>
-                    <a:lnT w="9525" cap="flat" cmpd="sng" algn="ctr">
+                    <a:lnT w="3175" cap="flat" cmpd="sng" algn="ctr">
                       <a:solidFill>
                         <a:schemeClr val="tx1"/>
                       </a:solidFill>
@@ -7560,7 +8230,7 @@
                       <a:headEnd type="none" w="med" len="med"/>
                       <a:tailEnd type="none" w="med" len="med"/>
                     </a:lnT>
-                    <a:lnB w="9525" cap="flat" cmpd="sng" algn="ctr">
+                    <a:lnB w="3175" cap="flat" cmpd="sng" algn="ctr">
                       <a:solidFill>
                         <a:schemeClr val="tx1"/>
                       </a:solidFill>
@@ -7569,95 +8239,18 @@
                       <a:headEnd type="none" w="med" len="med"/>
                       <a:tailEnd type="none" w="med" len="med"/>
                     </a:lnB>
-                    <a:noFill/>
-                  </a:tcPr>
-                </a:tc>
-              </a:tr>
-              <a:tr h="202390">
-                <a:tc vMerge="1">
-                  <a:txBody>
-                    <a:bodyPr/>
-                    <a:lstStyle/>
-                    <a:p>
-                      <a:endParaRPr lang="en-CA"/>
-                    </a:p>
-                  </a:txBody>
-                  <a:tcPr/>
-                </a:tc>
-                <a:tc>
-                  <a:txBody>
-                    <a:bodyPr/>
-                    <a:lstStyle/>
-                    <a:p>
-                      <a:pPr marL="0" marR="0" indent="0" algn="ctr" defTabSz="914400" rtl="0" eaLnBrk="1" fontAlgn="auto" latinLnBrk="0" hangingPunct="1">
-                        <a:lnSpc>
-                          <a:spcPct val="100000"/>
-                        </a:lnSpc>
-                        <a:spcBef>
-                          <a:spcPts val="0"/>
-                        </a:spcBef>
-                        <a:spcAft>
-                          <a:spcPts val="0"/>
-                        </a:spcAft>
-                        <a:buClrTx/>
-                        <a:buSzTx/>
-                        <a:buFontTx/>
-                        <a:buNone/>
-                        <a:tabLst/>
-                        <a:defRPr/>
-                      </a:pPr>
-                      <a:r>
-                        <a:rPr kumimoji="1" lang="ja-JP" altLang="en-US" sz="800" smtClean="0">
-                          <a:solidFill>
-                            <a:schemeClr val="tx1"/>
-                          </a:solidFill>
-                        </a:rPr>
-                        <a:t>接面種別</a:t>
-                      </a:r>
-                    </a:p>
-                  </a:txBody>
-                  <a:tcPr anchor="ctr">
-                    <a:lnL w="9525" cap="flat" cmpd="sng" algn="ctr">
-                      <a:solidFill>
-                        <a:schemeClr val="tx1"/>
-                      </a:solidFill>
-                      <a:prstDash val="solid"/>
-                      <a:round/>
-                      <a:headEnd type="none" w="med" len="med"/>
-                      <a:tailEnd type="none" w="med" len="med"/>
-                    </a:lnL>
-                    <a:lnR w="9525" cap="flat" cmpd="sng" algn="ctr">
-                      <a:solidFill>
-                        <a:schemeClr val="tx1"/>
-                      </a:solidFill>
-                      <a:prstDash val="solid"/>
-                      <a:round/>
-                      <a:headEnd type="none" w="med" len="med"/>
-                      <a:tailEnd type="none" w="med" len="med"/>
-                    </a:lnR>
-                    <a:lnT w="9525" cap="flat" cmpd="sng" algn="ctr">
-                      <a:solidFill>
-                        <a:schemeClr val="tx1"/>
-                      </a:solidFill>
-                      <a:prstDash val="solid"/>
-                      <a:round/>
-                      <a:headEnd type="none" w="med" len="med"/>
-                      <a:tailEnd type="none" w="med" len="med"/>
-                    </a:lnT>
-                    <a:lnB w="9525" cap="flat" cmpd="sng" algn="ctr">
-                      <a:solidFill>
-                        <a:schemeClr val="tx1"/>
-                      </a:solidFill>
-                      <a:prstDash val="solid"/>
-                      <a:round/>
-                      <a:headEnd type="none" w="med" len="med"/>
-                      <a:tailEnd type="none" w="med" len="med"/>
-                    </a:lnB>
+                    <a:lnTlToBr w="12700" cmpd="sng">
+                      <a:noFill/>
+                      <a:prstDash val="solid"/>
+                    </a:lnTlToBr>
+                    <a:lnBlToTr w="12700" cmpd="sng">
+                      <a:noFill/>
+                      <a:prstDash val="solid"/>
+                    </a:lnBlToTr>
                     <a:solidFill>
                       <a:schemeClr val="accent1">
                         <a:lumMod val="20000"/>
                         <a:lumOff val="80000"/>
-                        <a:alpha val="70000"/>
                       </a:schemeClr>
                     </a:solidFill>
                   </a:tcPr>
@@ -7685,17 +8278,54 @@
                         <a:defRPr/>
                       </a:pPr>
                       <a:r>
-                        <a:rPr kumimoji="1" lang="ja-JP" altLang="en-US" sz="800" smtClean="0">
-                          <a:solidFill>
-                            <a:schemeClr val="tx1"/>
-                          </a:solidFill>
-                        </a:rPr>
-                        <a:t>公道</a:t>
-                      </a:r>
+                        <a:rPr lang="ja-JP" altLang="en-US" sz="1000" b="0" smtClean="0">
+                          <a:solidFill>
+                            <a:schemeClr val="tx1"/>
+                          </a:solidFill>
+                        </a:rPr>
+                        <a:t>所在</a:t>
+                      </a:r>
+                      <a:endParaRPr lang="en-CA" altLang="ja-JP" sz="1000" b="0" dirty="0" smtClean="0">
+                        <a:solidFill>
+                          <a:schemeClr val="tx1"/>
+                        </a:solidFill>
+                      </a:endParaRPr>
+                    </a:p>
+                    <a:p>
+                      <a:pPr algn="r"/>
+                      <a:r>
+                        <a:rPr lang="ja-JP" altLang="en-US" sz="1500" b="1" smtClean="0">
+                          <a:solidFill>
+                            <a:schemeClr val="tx1"/>
+                          </a:solidFill>
+                        </a:rPr>
+                        <a:t>鎌倉市極楽寺</a:t>
+                      </a:r>
+                      <a:r>
+                        <a:rPr lang="en-US" altLang="ja-JP" sz="1500" b="1" dirty="0" smtClean="0">
+                          <a:solidFill>
+                            <a:schemeClr val="tx1"/>
+                          </a:solidFill>
+                        </a:rPr>
+                        <a:t>4</a:t>
+                      </a:r>
+                      <a:r>
+                        <a:rPr lang="ja-JP" altLang="en-US" sz="1500" b="1" smtClean="0">
+                          <a:solidFill>
+                            <a:schemeClr val="tx1"/>
+                          </a:solidFill>
+                        </a:rPr>
+                        <a:t>丁目</a:t>
+                      </a:r>
+                      <a:endParaRPr lang="en-CA" sz="1500" b="1" dirty="0">
+                        <a:solidFill>
+                          <a:schemeClr val="tx1"/>
+                        </a:solidFill>
+                      </a:endParaRPr>
                     </a:p>
                   </a:txBody>
                   <a:tcPr anchor="ctr">
-                    <a:lnL w="9525" cap="flat" cmpd="sng" algn="ctr">
+                    <a:lnL w="3175" cap="flat" cmpd="sng" algn="ctr">
                       <a:solidFill>
                         <a:schemeClr val="tx1"/>
                       </a:solidFill>
@@ -7704,7 +8334,7 @@
                       <a:headEnd type="none" w="med" len="med"/>
                       <a:tailEnd type="none" w="med" len="med"/>
                     </a:lnL>
-                    <a:lnR w="9525" cap="flat" cmpd="sng" algn="ctr">
+                    <a:lnR w="3175" cap="flat" cmpd="sng" algn="ctr">
                       <a:solidFill>
                         <a:schemeClr val="tx1"/>
                       </a:solidFill>
@@ -7713,7 +8343,7 @@
                       <a:headEnd type="none" w="med" len="med"/>
                       <a:tailEnd type="none" w="med" len="med"/>
                     </a:lnR>
-                    <a:lnT w="9525" cap="flat" cmpd="sng" algn="ctr">
+                    <a:lnT w="3175" cap="flat" cmpd="sng" algn="ctr">
                       <a:solidFill>
                         <a:schemeClr val="tx1"/>
                       </a:solidFill>
@@ -7722,7 +8352,7 @@
                       <a:headEnd type="none" w="med" len="med"/>
                       <a:tailEnd type="none" w="med" len="med"/>
                     </a:lnT>
-                    <a:lnB w="9525" cap="flat" cmpd="sng" algn="ctr">
+                    <a:lnB w="3175" cap="flat" cmpd="sng" algn="ctr">
                       <a:solidFill>
                         <a:schemeClr val="tx1"/>
                       </a:solidFill>
@@ -7731,78 +8361,20 @@
                       <a:headEnd type="none" w="med" len="med"/>
                       <a:tailEnd type="none" w="med" len="med"/>
                     </a:lnB>
-                    <a:noFill/>
-                  </a:tcPr>
-                </a:tc>
-                <a:tc>
-                  <a:txBody>
-                    <a:bodyPr/>
-                    <a:lstStyle/>
-                    <a:p>
-                      <a:pPr marL="0" marR="0" indent="0" algn="ctr" defTabSz="914400" rtl="0" eaLnBrk="1" fontAlgn="auto" latinLnBrk="0" hangingPunct="1">
-                        <a:lnSpc>
-                          <a:spcPct val="100000"/>
-                        </a:lnSpc>
-                        <a:spcBef>
-                          <a:spcPts val="0"/>
-                        </a:spcBef>
-                        <a:spcAft>
-                          <a:spcPts val="0"/>
-                        </a:spcAft>
-                        <a:buClrTx/>
-                        <a:buSzTx/>
-                        <a:buFontTx/>
-                        <a:buNone/>
-                        <a:tabLst/>
-                        <a:defRPr/>
-                      </a:pPr>
-                      <a:r>
-                        <a:rPr kumimoji="1" lang="ja-JP" altLang="en-US" sz="800" smtClean="0">
-                          <a:solidFill>
-                            <a:schemeClr val="tx1"/>
-                          </a:solidFill>
-                        </a:rPr>
-                        <a:t>地勢</a:t>
-                      </a:r>
-                    </a:p>
-                  </a:txBody>
-                  <a:tcPr anchor="ctr">
-                    <a:lnL w="9525" cap="flat" cmpd="sng" algn="ctr">
-                      <a:solidFill>
-                        <a:schemeClr val="tx1"/>
-                      </a:solidFill>
-                      <a:prstDash val="solid"/>
-                      <a:round/>
-                      <a:headEnd type="none" w="med" len="med"/>
-                      <a:tailEnd type="none" w="med" len="med"/>
-                    </a:lnL>
-                    <a:lnR w="9525" cap="flat" cmpd="sng" algn="ctr">
-                      <a:solidFill>
-                        <a:schemeClr val="tx1"/>
-                      </a:solidFill>
-                      <a:prstDash val="solid"/>
-                      <a:round/>
-                      <a:headEnd type="none" w="med" len="med"/>
-                      <a:tailEnd type="none" w="med" len="med"/>
-                    </a:lnR>
-                    <a:lnT w="9525" cap="flat" cmpd="sng" algn="ctr">
-                      <a:solidFill>
-                        <a:schemeClr val="tx1"/>
-                      </a:solidFill>
-                      <a:prstDash val="solid"/>
-                      <a:round/>
-                      <a:headEnd type="none" w="med" len="med"/>
-                      <a:tailEnd type="none" w="med" len="med"/>
-                    </a:lnT>
-                    <a:lnB w="9525" cap="flat" cmpd="sng" algn="ctr">
-                      <a:solidFill>
-                        <a:schemeClr val="tx1"/>
-                      </a:solidFill>
-                      <a:prstDash val="solid"/>
-                      <a:round/>
-                      <a:headEnd type="none" w="med" len="med"/>
-                      <a:tailEnd type="none" w="med" len="med"/>
-                    </a:lnB>
+                    <a:lnTlToBr w="12700" cmpd="sng">
+                      <a:noFill/>
+                      <a:prstDash val="solid"/>
+                    </a:lnTlToBr>
+                    <a:lnBlToTr w="12700" cmpd="sng">
+                      <a:noFill/>
+                      <a:prstDash val="solid"/>
+                    </a:lnBlToTr>
+                    <a:solidFill>
+                      <a:schemeClr val="accent1">
+                        <a:lumMod val="20000"/>
+                        <a:lumOff val="80000"/>
+                      </a:schemeClr>
+                    </a:solidFill>
                   </a:tcPr>
                 </a:tc>
                 <a:tc>
@@ -7828,1489 +8400,6 @@
                         <a:defRPr/>
                       </a:pPr>
                       <a:r>
-                        <a:rPr kumimoji="1" lang="ja-JP" altLang="en-US" sz="800" smtClean="0">
-                          <a:solidFill>
-                            <a:schemeClr val="tx1"/>
-                          </a:solidFill>
-                        </a:rPr>
-                        <a:t>平坦地</a:t>
-                      </a:r>
-                    </a:p>
-                  </a:txBody>
-                  <a:tcPr anchor="ctr">
-                    <a:lnL w="9525" cap="flat" cmpd="sng" algn="ctr">
-                      <a:solidFill>
-                        <a:schemeClr val="tx1"/>
-                      </a:solidFill>
-                      <a:prstDash val="solid"/>
-                      <a:round/>
-                      <a:headEnd type="none" w="med" len="med"/>
-                      <a:tailEnd type="none" w="med" len="med"/>
-                    </a:lnL>
-                    <a:lnR w="9525" cap="flat" cmpd="sng" algn="ctr">
-                      <a:solidFill>
-                        <a:schemeClr val="tx1"/>
-                      </a:solidFill>
-                      <a:prstDash val="solid"/>
-                      <a:round/>
-                      <a:headEnd type="none" w="med" len="med"/>
-                      <a:tailEnd type="none" w="med" len="med"/>
-                    </a:lnR>
-                    <a:lnT w="9525" cap="flat" cmpd="sng" algn="ctr">
-                      <a:solidFill>
-                        <a:schemeClr val="tx1"/>
-                      </a:solidFill>
-                      <a:prstDash val="solid"/>
-                      <a:round/>
-                      <a:headEnd type="none" w="med" len="med"/>
-                      <a:tailEnd type="none" w="med" len="med"/>
-                    </a:lnT>
-                    <a:lnB w="9525" cap="flat" cmpd="sng" algn="ctr">
-                      <a:solidFill>
-                        <a:schemeClr val="tx1"/>
-                      </a:solidFill>
-                      <a:prstDash val="solid"/>
-                      <a:round/>
-                      <a:headEnd type="none" w="med" len="med"/>
-                      <a:tailEnd type="none" w="med" len="med"/>
-                    </a:lnB>
-                    <a:noFill/>
-                  </a:tcPr>
-                </a:tc>
-              </a:tr>
-              <a:tr h="202390">
-                <a:tc vMerge="1">
-                  <a:txBody>
-                    <a:bodyPr/>
-                    <a:lstStyle/>
-                    <a:p>
-                      <a:pPr algn="ctr"/>
-                      <a:endParaRPr kumimoji="1" lang="ja-JP" altLang="en-US" sz="700">
-                        <a:solidFill>
-                          <a:schemeClr val="tx1"/>
-                        </a:solidFill>
-                      </a:endParaRPr>
-                    </a:p>
-                  </a:txBody>
-                  <a:tcPr anchor="ctr">
-                    <a:lnL w="9525" cap="flat" cmpd="sng" algn="ctr">
-                      <a:solidFill>
-                        <a:schemeClr val="tx1"/>
-                      </a:solidFill>
-                      <a:prstDash val="solid"/>
-                      <a:round/>
-                      <a:headEnd type="none" w="med" len="med"/>
-                      <a:tailEnd type="none" w="med" len="med"/>
-                    </a:lnL>
-                    <a:lnR w="9525" cap="flat" cmpd="sng" algn="ctr">
-                      <a:solidFill>
-                        <a:schemeClr val="tx1"/>
-                      </a:solidFill>
-                      <a:prstDash val="solid"/>
-                      <a:round/>
-                      <a:headEnd type="none" w="med" len="med"/>
-                      <a:tailEnd type="none" w="med" len="med"/>
-                    </a:lnR>
-                    <a:lnT w="9525" cap="flat" cmpd="sng" algn="ctr">
-                      <a:solidFill>
-                        <a:schemeClr val="tx1"/>
-                      </a:solidFill>
-                      <a:prstDash val="solid"/>
-                      <a:round/>
-                      <a:headEnd type="none" w="med" len="med"/>
-                      <a:tailEnd type="none" w="med" len="med"/>
-                    </a:lnT>
-                    <a:lnB w="9525" cap="flat" cmpd="sng" algn="ctr">
-                      <a:solidFill>
-                        <a:schemeClr val="tx1"/>
-                      </a:solidFill>
-                      <a:prstDash val="solid"/>
-                      <a:round/>
-                      <a:headEnd type="none" w="med" len="med"/>
-                      <a:tailEnd type="none" w="med" len="med"/>
-                    </a:lnB>
-                    <a:solidFill>
-                      <a:schemeClr val="accent1">
-                        <a:lumMod val="20000"/>
-                        <a:lumOff val="80000"/>
-                        <a:alpha val="70000"/>
-                      </a:schemeClr>
-                    </a:solidFill>
-                  </a:tcPr>
-                </a:tc>
-                <a:tc>
-                  <a:txBody>
-                    <a:bodyPr/>
-                    <a:lstStyle/>
-                    <a:p>
-                      <a:pPr algn="ctr"/>
-                      <a:r>
-                        <a:rPr kumimoji="1" lang="ja-JP" altLang="en-US" sz="800" smtClean="0">
-                          <a:solidFill>
-                            <a:schemeClr val="tx1"/>
-                          </a:solidFill>
-                        </a:rPr>
-                        <a:t>接道状況</a:t>
-                      </a:r>
-                      <a:endParaRPr kumimoji="1" lang="ja-JP" altLang="en-US" sz="800">
-                        <a:solidFill>
-                          <a:schemeClr val="tx1"/>
-                        </a:solidFill>
-                      </a:endParaRPr>
-                    </a:p>
-                  </a:txBody>
-                  <a:tcPr anchor="ctr">
-                    <a:lnL w="9525" cap="flat" cmpd="sng" algn="ctr">
-                      <a:solidFill>
-                        <a:schemeClr val="tx1"/>
-                      </a:solidFill>
-                      <a:prstDash val="solid"/>
-                      <a:round/>
-                      <a:headEnd type="none" w="med" len="med"/>
-                      <a:tailEnd type="none" w="med" len="med"/>
-                    </a:lnL>
-                    <a:lnR w="9525" cap="flat" cmpd="sng" algn="ctr">
-                      <a:solidFill>
-                        <a:schemeClr val="tx1"/>
-                      </a:solidFill>
-                      <a:prstDash val="solid"/>
-                      <a:round/>
-                      <a:headEnd type="none" w="med" len="med"/>
-                      <a:tailEnd type="none" w="med" len="med"/>
-                    </a:lnR>
-                    <a:lnT w="9525" cap="flat" cmpd="sng" algn="ctr">
-                      <a:solidFill>
-                        <a:schemeClr val="tx1"/>
-                      </a:solidFill>
-                      <a:prstDash val="solid"/>
-                      <a:round/>
-                      <a:headEnd type="none" w="med" len="med"/>
-                      <a:tailEnd type="none" w="med" len="med"/>
-                    </a:lnT>
-                    <a:lnB w="9525" cap="flat" cmpd="sng" algn="ctr">
-                      <a:solidFill>
-                        <a:schemeClr val="tx1"/>
-                      </a:solidFill>
-                      <a:prstDash val="solid"/>
-                      <a:round/>
-                      <a:headEnd type="none" w="med" len="med"/>
-                      <a:tailEnd type="none" w="med" len="med"/>
-                    </a:lnB>
-                    <a:solidFill>
-                      <a:schemeClr val="accent1">
-                        <a:lumMod val="20000"/>
-                        <a:lumOff val="80000"/>
-                        <a:alpha val="70000"/>
-                      </a:schemeClr>
-                    </a:solidFill>
-                  </a:tcPr>
-                </a:tc>
-                <a:tc gridSpan="3">
-                  <a:txBody>
-                    <a:bodyPr/>
-                    <a:lstStyle/>
-                    <a:p>
-                      <a:pPr algn="l"/>
-                      <a:r>
-                        <a:rPr kumimoji="1" lang="ja-JP" altLang="en-US" sz="800" smtClean="0">
-                          <a:solidFill>
-                            <a:schemeClr val="tx1"/>
-                          </a:solidFill>
-                        </a:rPr>
-                        <a:t>北東側幅員約</a:t>
-                      </a:r>
-                      <a:r>
-                        <a:rPr kumimoji="1" lang="en-US" altLang="ja-JP" sz="800" dirty="0" smtClean="0">
-                          <a:solidFill>
-                            <a:schemeClr val="tx1"/>
-                          </a:solidFill>
-                        </a:rPr>
-                        <a:t>4.1m</a:t>
-                      </a:r>
-                      <a:r>
-                        <a:rPr kumimoji="1" lang="ja-JP" altLang="en-US" sz="800" smtClean="0">
-                          <a:solidFill>
-                            <a:schemeClr val="tx1"/>
-                          </a:solidFill>
-                        </a:rPr>
-                        <a:t>公道、接面約</a:t>
-                      </a:r>
-                      <a:r>
-                        <a:rPr kumimoji="1" lang="en-US" altLang="ja-JP" sz="800" dirty="0" smtClean="0">
-                          <a:solidFill>
-                            <a:schemeClr val="tx1"/>
-                          </a:solidFill>
-                        </a:rPr>
-                        <a:t>7.9m</a:t>
-                      </a:r>
-                      <a:endParaRPr kumimoji="1" lang="ja-JP" altLang="en-US" sz="800">
-                        <a:solidFill>
-                          <a:schemeClr val="tx1"/>
-                        </a:solidFill>
-                      </a:endParaRPr>
-                    </a:p>
-                  </a:txBody>
-                  <a:tcPr anchor="ctr">
-                    <a:lnL w="9525" cap="flat" cmpd="sng" algn="ctr">
-                      <a:solidFill>
-                        <a:schemeClr val="tx1"/>
-                      </a:solidFill>
-                      <a:prstDash val="solid"/>
-                      <a:round/>
-                      <a:headEnd type="none" w="med" len="med"/>
-                      <a:tailEnd type="none" w="med" len="med"/>
-                    </a:lnL>
-                    <a:lnR w="9525" cap="flat" cmpd="sng" algn="ctr">
-                      <a:solidFill>
-                        <a:schemeClr val="tx1"/>
-                      </a:solidFill>
-                      <a:prstDash val="solid"/>
-                      <a:round/>
-                      <a:headEnd type="none" w="med" len="med"/>
-                      <a:tailEnd type="none" w="med" len="med"/>
-                    </a:lnR>
-                    <a:lnT w="9525" cap="flat" cmpd="sng" algn="ctr">
-                      <a:solidFill>
-                        <a:schemeClr val="tx1"/>
-                      </a:solidFill>
-                      <a:prstDash val="solid"/>
-                      <a:round/>
-                      <a:headEnd type="none" w="med" len="med"/>
-                      <a:tailEnd type="none" w="med" len="med"/>
-                    </a:lnT>
-                    <a:lnB w="9525" cap="flat" cmpd="sng" algn="ctr">
-                      <a:solidFill>
-                        <a:schemeClr val="tx1"/>
-                      </a:solidFill>
-                      <a:prstDash val="solid"/>
-                      <a:round/>
-                      <a:headEnd type="none" w="med" len="med"/>
-                      <a:tailEnd type="none" w="med" len="med"/>
-                    </a:lnB>
-                    <a:noFill/>
-                  </a:tcPr>
-                </a:tc>
-                <a:tc hMerge="1">
-                  <a:txBody>
-                    <a:bodyPr/>
-                    <a:lstStyle/>
-                    <a:p>
-                      <a:endParaRPr kumimoji="1" lang="ja-JP" altLang="en-US"/>
-                    </a:p>
-                  </a:txBody>
-                  <a:tcPr/>
-                </a:tc>
-                <a:tc hMerge="1">
-                  <a:txBody>
-                    <a:bodyPr/>
-                    <a:lstStyle/>
-                    <a:p>
-                      <a:endParaRPr kumimoji="1" lang="ja-JP" altLang="en-US"/>
-                    </a:p>
-                  </a:txBody>
-                  <a:tcPr/>
-                </a:tc>
-              </a:tr>
-              <a:tr h="202390">
-                <a:tc rowSpan="2">
-                  <a:txBody>
-                    <a:bodyPr/>
-                    <a:lstStyle/>
-                    <a:p>
-                      <a:pPr algn="ctr"/>
-                      <a:r>
-                        <a:rPr kumimoji="1" lang="ja-JP" altLang="en-US" sz="800" smtClean="0">
-                          <a:solidFill>
-                            <a:schemeClr val="tx1"/>
-                          </a:solidFill>
-                        </a:rPr>
-                        <a:t>引渡</a:t>
-                      </a:r>
-                      <a:endParaRPr kumimoji="1" lang="ja-JP" altLang="en-US" sz="800">
-                        <a:solidFill>
-                          <a:schemeClr val="tx1"/>
-                        </a:solidFill>
-                      </a:endParaRPr>
-                    </a:p>
-                  </a:txBody>
-                  <a:tcPr anchor="ctr">
-                    <a:lnL w="9525" cap="flat" cmpd="sng" algn="ctr">
-                      <a:solidFill>
-                        <a:schemeClr val="tx1"/>
-                      </a:solidFill>
-                      <a:prstDash val="solid"/>
-                      <a:round/>
-                      <a:headEnd type="none" w="med" len="med"/>
-                      <a:tailEnd type="none" w="med" len="med"/>
-                    </a:lnL>
-                    <a:lnR w="9525" cap="flat" cmpd="sng" algn="ctr">
-                      <a:solidFill>
-                        <a:schemeClr val="tx1"/>
-                      </a:solidFill>
-                      <a:prstDash val="solid"/>
-                      <a:round/>
-                      <a:headEnd type="none" w="med" len="med"/>
-                      <a:tailEnd type="none" w="med" len="med"/>
-                    </a:lnR>
-                    <a:lnT w="9525" cap="flat" cmpd="sng" algn="ctr">
-                      <a:solidFill>
-                        <a:schemeClr val="tx1"/>
-                      </a:solidFill>
-                      <a:prstDash val="solid"/>
-                      <a:round/>
-                      <a:headEnd type="none" w="med" len="med"/>
-                      <a:tailEnd type="none" w="med" len="med"/>
-                    </a:lnT>
-                    <a:lnB w="9525" cap="flat" cmpd="sng" algn="ctr">
-                      <a:solidFill>
-                        <a:schemeClr val="tx1"/>
-                      </a:solidFill>
-                      <a:prstDash val="solid"/>
-                      <a:round/>
-                      <a:headEnd type="none" w="med" len="med"/>
-                      <a:tailEnd type="none" w="med" len="med"/>
-                    </a:lnB>
-                    <a:solidFill>
-                      <a:schemeClr val="accent1">
-                        <a:lumMod val="20000"/>
-                        <a:lumOff val="80000"/>
-                        <a:alpha val="70000"/>
-                      </a:schemeClr>
-                    </a:solidFill>
-                  </a:tcPr>
-                </a:tc>
-                <a:tc>
-                  <a:txBody>
-                    <a:bodyPr/>
-                    <a:lstStyle/>
-                    <a:p>
-                      <a:pPr algn="ctr"/>
-                      <a:r>
-                        <a:rPr kumimoji="1" lang="ja-JP" altLang="en-US" sz="800" smtClean="0">
-                          <a:solidFill>
-                            <a:schemeClr val="tx1"/>
-                          </a:solidFill>
-                        </a:rPr>
-                        <a:t>現況</a:t>
-                      </a:r>
-                      <a:endParaRPr kumimoji="1" lang="ja-JP" altLang="en-US" sz="800">
-                        <a:solidFill>
-                          <a:schemeClr val="tx1"/>
-                        </a:solidFill>
-                      </a:endParaRPr>
-                    </a:p>
-                  </a:txBody>
-                  <a:tcPr anchor="ctr">
-                    <a:lnL w="9525" cap="flat" cmpd="sng" algn="ctr">
-                      <a:solidFill>
-                        <a:schemeClr val="tx1"/>
-                      </a:solidFill>
-                      <a:prstDash val="solid"/>
-                      <a:round/>
-                      <a:headEnd type="none" w="med" len="med"/>
-                      <a:tailEnd type="none" w="med" len="med"/>
-                    </a:lnL>
-                    <a:lnR w="9525" cap="flat" cmpd="sng" algn="ctr">
-                      <a:solidFill>
-                        <a:schemeClr val="tx1"/>
-                      </a:solidFill>
-                      <a:prstDash val="solid"/>
-                      <a:round/>
-                      <a:headEnd type="none" w="med" len="med"/>
-                      <a:tailEnd type="none" w="med" len="med"/>
-                    </a:lnR>
-                    <a:lnT w="9525" cap="flat" cmpd="sng" algn="ctr">
-                      <a:solidFill>
-                        <a:schemeClr val="tx1"/>
-                      </a:solidFill>
-                      <a:prstDash val="solid"/>
-                      <a:round/>
-                      <a:headEnd type="none" w="med" len="med"/>
-                      <a:tailEnd type="none" w="med" len="med"/>
-                    </a:lnT>
-                    <a:lnB w="9525" cap="flat" cmpd="sng" algn="ctr">
-                      <a:solidFill>
-                        <a:schemeClr val="tx1"/>
-                      </a:solidFill>
-                      <a:prstDash val="solid"/>
-                      <a:round/>
-                      <a:headEnd type="none" w="med" len="med"/>
-                      <a:tailEnd type="none" w="med" len="med"/>
-                    </a:lnB>
-                    <a:solidFill>
-                      <a:schemeClr val="accent1">
-                        <a:lumMod val="20000"/>
-                        <a:lumOff val="80000"/>
-                        <a:alpha val="70000"/>
-                      </a:schemeClr>
-                    </a:solidFill>
-                  </a:tcPr>
-                </a:tc>
-                <a:tc gridSpan="3">
-                  <a:txBody>
-                    <a:bodyPr/>
-                    <a:lstStyle/>
-                    <a:p>
-                      <a:pPr algn="l"/>
-                      <a:r>
-                        <a:rPr kumimoji="1" lang="ja-JP" altLang="en-US" sz="800" b="0" i="0" kern="1200" smtClean="0">
-                          <a:solidFill>
-                            <a:schemeClr val="dk1"/>
-                          </a:solidFill>
-                          <a:latin typeface="+mn-lt"/>
-                          <a:ea typeface="+mn-ea"/>
-                          <a:cs typeface="+mn-cs"/>
-                        </a:rPr>
-                        <a:t>居住中</a:t>
-                      </a:r>
-                      <a:endParaRPr kumimoji="1" lang="ja-JP" altLang="en-US" sz="800">
-                        <a:solidFill>
-                          <a:schemeClr val="tx1"/>
-                        </a:solidFill>
-                      </a:endParaRPr>
-                    </a:p>
-                  </a:txBody>
-                  <a:tcPr anchor="ctr">
-                    <a:lnL w="9525" cap="flat" cmpd="sng" algn="ctr">
-                      <a:solidFill>
-                        <a:schemeClr val="tx1"/>
-                      </a:solidFill>
-                      <a:prstDash val="solid"/>
-                      <a:round/>
-                      <a:headEnd type="none" w="med" len="med"/>
-                      <a:tailEnd type="none" w="med" len="med"/>
-                    </a:lnL>
-                    <a:lnR w="9525" cap="flat" cmpd="sng" algn="ctr">
-                      <a:solidFill>
-                        <a:schemeClr val="tx1"/>
-                      </a:solidFill>
-                      <a:prstDash val="solid"/>
-                      <a:round/>
-                      <a:headEnd type="none" w="med" len="med"/>
-                      <a:tailEnd type="none" w="med" len="med"/>
-                    </a:lnR>
-                    <a:lnT w="9525" cap="flat" cmpd="sng" algn="ctr">
-                      <a:solidFill>
-                        <a:schemeClr val="tx1"/>
-                      </a:solidFill>
-                      <a:prstDash val="solid"/>
-                      <a:round/>
-                      <a:headEnd type="none" w="med" len="med"/>
-                      <a:tailEnd type="none" w="med" len="med"/>
-                    </a:lnT>
-                    <a:lnB w="9525" cap="flat" cmpd="sng" algn="ctr">
-                      <a:solidFill>
-                        <a:schemeClr val="tx1"/>
-                      </a:solidFill>
-                      <a:prstDash val="solid"/>
-                      <a:round/>
-                      <a:headEnd type="none" w="med" len="med"/>
-                      <a:tailEnd type="none" w="med" len="med"/>
-                    </a:lnB>
-                    <a:noFill/>
-                  </a:tcPr>
-                </a:tc>
-                <a:tc hMerge="1">
-                  <a:txBody>
-                    <a:bodyPr/>
-                    <a:lstStyle/>
-                    <a:p>
-                      <a:endParaRPr kumimoji="1" lang="ja-JP" altLang="en-US"/>
-                    </a:p>
-                  </a:txBody>
-                  <a:tcPr/>
-                </a:tc>
-                <a:tc hMerge="1">
-                  <a:txBody>
-                    <a:bodyPr/>
-                    <a:lstStyle/>
-                    <a:p>
-                      <a:endParaRPr kumimoji="1" lang="ja-JP" altLang="en-US"/>
-                    </a:p>
-                  </a:txBody>
-                  <a:tcPr/>
-                </a:tc>
-              </a:tr>
-              <a:tr h="202390">
-                <a:tc vMerge="1">
-                  <a:txBody>
-                    <a:bodyPr/>
-                    <a:lstStyle/>
-                    <a:p>
-                      <a:pPr algn="ctr"/>
-                      <a:endParaRPr kumimoji="1" lang="ja-JP" altLang="en-US" sz="700">
-                        <a:solidFill>
-                          <a:schemeClr val="tx1"/>
-                        </a:solidFill>
-                      </a:endParaRPr>
-                    </a:p>
-                  </a:txBody>
-                  <a:tcPr anchor="ctr">
-                    <a:lnL w="12700" cap="flat" cmpd="sng" algn="ctr">
-                      <a:solidFill>
-                        <a:schemeClr val="tx1"/>
-                      </a:solidFill>
-                      <a:prstDash val="solid"/>
-                      <a:round/>
-                      <a:headEnd type="none" w="med" len="med"/>
-                      <a:tailEnd type="none" w="med" len="med"/>
-                    </a:lnL>
-                    <a:lnR w="12700" cap="flat" cmpd="sng" algn="ctr">
-                      <a:solidFill>
-                        <a:schemeClr val="tx1"/>
-                      </a:solidFill>
-                      <a:prstDash val="solid"/>
-                      <a:round/>
-                      <a:headEnd type="none" w="med" len="med"/>
-                      <a:tailEnd type="none" w="med" len="med"/>
-                    </a:lnR>
-                    <a:lnT w="12700" cap="flat" cmpd="sng" algn="ctr">
-                      <a:solidFill>
-                        <a:schemeClr val="tx1"/>
-                      </a:solidFill>
-                      <a:prstDash val="solid"/>
-                      <a:round/>
-                      <a:headEnd type="none" w="med" len="med"/>
-                      <a:tailEnd type="none" w="med" len="med"/>
-                    </a:lnT>
-                    <a:lnB w="12700" cap="flat" cmpd="sng" algn="ctr">
-                      <a:solidFill>
-                        <a:schemeClr val="tx1"/>
-                      </a:solidFill>
-                      <a:prstDash val="solid"/>
-                      <a:round/>
-                      <a:headEnd type="none" w="med" len="med"/>
-                      <a:tailEnd type="none" w="med" len="med"/>
-                    </a:lnB>
-                    <a:solidFill>
-                      <a:schemeClr val="accent1">
-                        <a:lumMod val="20000"/>
-                        <a:lumOff val="80000"/>
-                        <a:alpha val="70000"/>
-                      </a:schemeClr>
-                    </a:solidFill>
-                  </a:tcPr>
-                </a:tc>
-                <a:tc>
-                  <a:txBody>
-                    <a:bodyPr/>
-                    <a:lstStyle/>
-                    <a:p>
-                      <a:pPr algn="ctr"/>
-                      <a:r>
-                        <a:rPr kumimoji="1" lang="ja-JP" altLang="en-US" sz="800" smtClean="0">
-                          <a:solidFill>
-                            <a:schemeClr val="tx1"/>
-                          </a:solidFill>
-                        </a:rPr>
-                        <a:t>引渡</a:t>
-                      </a:r>
-                      <a:endParaRPr kumimoji="1" lang="ja-JP" altLang="en-US" sz="800">
-                        <a:solidFill>
-                          <a:schemeClr val="tx1"/>
-                        </a:solidFill>
-                      </a:endParaRPr>
-                    </a:p>
-                  </a:txBody>
-                  <a:tcPr anchor="ctr">
-                    <a:lnL w="9525" cap="flat" cmpd="sng" algn="ctr">
-                      <a:solidFill>
-                        <a:schemeClr val="tx1"/>
-                      </a:solidFill>
-                      <a:prstDash val="solid"/>
-                      <a:round/>
-                      <a:headEnd type="none" w="med" len="med"/>
-                      <a:tailEnd type="none" w="med" len="med"/>
-                    </a:lnL>
-                    <a:lnR w="9525" cap="flat" cmpd="sng" algn="ctr">
-                      <a:solidFill>
-                        <a:schemeClr val="tx1"/>
-                      </a:solidFill>
-                      <a:prstDash val="solid"/>
-                      <a:round/>
-                      <a:headEnd type="none" w="med" len="med"/>
-                      <a:tailEnd type="none" w="med" len="med"/>
-                    </a:lnR>
-                    <a:lnT w="9525" cap="flat" cmpd="sng" algn="ctr">
-                      <a:solidFill>
-                        <a:schemeClr val="tx1"/>
-                      </a:solidFill>
-                      <a:prstDash val="solid"/>
-                      <a:round/>
-                      <a:headEnd type="none" w="med" len="med"/>
-                      <a:tailEnd type="none" w="med" len="med"/>
-                    </a:lnT>
-                    <a:lnB w="9525" cap="flat" cmpd="sng" algn="ctr">
-                      <a:solidFill>
-                        <a:schemeClr val="tx1"/>
-                      </a:solidFill>
-                      <a:prstDash val="solid"/>
-                      <a:round/>
-                      <a:headEnd type="none" w="med" len="med"/>
-                      <a:tailEnd type="none" w="med" len="med"/>
-                    </a:lnB>
-                    <a:solidFill>
-                      <a:schemeClr val="accent1">
-                        <a:lumMod val="20000"/>
-                        <a:lumOff val="80000"/>
-                        <a:alpha val="70000"/>
-                      </a:schemeClr>
-                    </a:solidFill>
-                  </a:tcPr>
-                </a:tc>
-                <a:tc gridSpan="3">
-                  <a:txBody>
-                    <a:bodyPr/>
-                    <a:lstStyle/>
-                    <a:p>
-                      <a:pPr algn="l"/>
-                      <a:r>
-                        <a:rPr kumimoji="1" lang="ja-JP" altLang="en-US" sz="800" b="0" i="0" kern="1200" smtClean="0">
-                          <a:solidFill>
-                            <a:schemeClr val="dk1"/>
-                          </a:solidFill>
-                          <a:latin typeface="+mn-lt"/>
-                          <a:ea typeface="+mn-ea"/>
-                          <a:cs typeface="+mn-cs"/>
-                        </a:rPr>
-                        <a:t>相談</a:t>
-                      </a:r>
-                      <a:endParaRPr kumimoji="1" lang="ja-JP" altLang="en-US" sz="800">
-                        <a:solidFill>
-                          <a:schemeClr val="tx1"/>
-                        </a:solidFill>
-                      </a:endParaRPr>
-                    </a:p>
-                  </a:txBody>
-                  <a:tcPr anchor="ctr">
-                    <a:lnL w="9525" cap="flat" cmpd="sng" algn="ctr">
-                      <a:solidFill>
-                        <a:schemeClr val="tx1"/>
-                      </a:solidFill>
-                      <a:prstDash val="solid"/>
-                      <a:round/>
-                      <a:headEnd type="none" w="med" len="med"/>
-                      <a:tailEnd type="none" w="med" len="med"/>
-                    </a:lnL>
-                    <a:lnR w="9525" cap="flat" cmpd="sng" algn="ctr">
-                      <a:solidFill>
-                        <a:schemeClr val="tx1"/>
-                      </a:solidFill>
-                      <a:prstDash val="solid"/>
-                      <a:round/>
-                      <a:headEnd type="none" w="med" len="med"/>
-                      <a:tailEnd type="none" w="med" len="med"/>
-                    </a:lnR>
-                    <a:lnT w="9525" cap="flat" cmpd="sng" algn="ctr">
-                      <a:solidFill>
-                        <a:schemeClr val="tx1"/>
-                      </a:solidFill>
-                      <a:prstDash val="solid"/>
-                      <a:round/>
-                      <a:headEnd type="none" w="med" len="med"/>
-                      <a:tailEnd type="none" w="med" len="med"/>
-                    </a:lnT>
-                    <a:lnB w="9525" cap="flat" cmpd="sng" algn="ctr">
-                      <a:solidFill>
-                        <a:schemeClr val="tx1"/>
-                      </a:solidFill>
-                      <a:prstDash val="solid"/>
-                      <a:round/>
-                      <a:headEnd type="none" w="med" len="med"/>
-                      <a:tailEnd type="none" w="med" len="med"/>
-                    </a:lnB>
-                    <a:noFill/>
-                  </a:tcPr>
-                </a:tc>
-                <a:tc hMerge="1">
-                  <a:txBody>
-                    <a:bodyPr/>
-                    <a:lstStyle/>
-                    <a:p>
-                      <a:endParaRPr kumimoji="1" lang="ja-JP" altLang="en-US"/>
-                    </a:p>
-                  </a:txBody>
-                  <a:tcPr/>
-                </a:tc>
-                <a:tc hMerge="1">
-                  <a:txBody>
-                    <a:bodyPr/>
-                    <a:lstStyle/>
-                    <a:p>
-                      <a:endParaRPr kumimoji="1" lang="ja-JP" altLang="en-US"/>
-                    </a:p>
-                  </a:txBody>
-                  <a:tcPr/>
-                </a:tc>
-              </a:tr>
-              <a:tr h="597365">
-                <a:tc>
-                  <a:txBody>
-                    <a:bodyPr/>
-                    <a:lstStyle/>
-                    <a:p>
-                      <a:pPr algn="ctr"/>
-                      <a:r>
-                        <a:rPr kumimoji="1" lang="ja-JP" altLang="en-US" sz="800" smtClean="0">
-                          <a:solidFill>
-                            <a:schemeClr val="tx1"/>
-                          </a:solidFill>
-                        </a:rPr>
-                        <a:t>備考</a:t>
-                      </a:r>
-                      <a:endParaRPr kumimoji="1" lang="ja-JP" altLang="en-US" sz="800">
-                        <a:solidFill>
-                          <a:schemeClr val="tx1"/>
-                        </a:solidFill>
-                      </a:endParaRPr>
-                    </a:p>
-                  </a:txBody>
-                  <a:tcPr anchor="ctr">
-                    <a:lnL w="9525" cap="flat" cmpd="sng" algn="ctr">
-                      <a:solidFill>
-                        <a:schemeClr val="tx1"/>
-                      </a:solidFill>
-                      <a:prstDash val="solid"/>
-                      <a:round/>
-                      <a:headEnd type="none" w="med" len="med"/>
-                      <a:tailEnd type="none" w="med" len="med"/>
-                    </a:lnL>
-                    <a:lnR w="9525" cap="flat" cmpd="sng" algn="ctr">
-                      <a:solidFill>
-                        <a:schemeClr val="tx1"/>
-                      </a:solidFill>
-                      <a:prstDash val="solid"/>
-                      <a:round/>
-                      <a:headEnd type="none" w="med" len="med"/>
-                      <a:tailEnd type="none" w="med" len="med"/>
-                    </a:lnR>
-                    <a:lnT w="9525" cap="flat" cmpd="sng" algn="ctr">
-                      <a:solidFill>
-                        <a:schemeClr val="tx1"/>
-                      </a:solidFill>
-                      <a:prstDash val="solid"/>
-                      <a:round/>
-                      <a:headEnd type="none" w="med" len="med"/>
-                      <a:tailEnd type="none" w="med" len="med"/>
-                    </a:lnT>
-                    <a:lnB w="9525" cap="flat" cmpd="sng" algn="ctr">
-                      <a:solidFill>
-                        <a:schemeClr val="tx1"/>
-                      </a:solidFill>
-                      <a:prstDash val="solid"/>
-                      <a:round/>
-                      <a:headEnd type="none" w="med" len="med"/>
-                      <a:tailEnd type="none" w="med" len="med"/>
-                    </a:lnB>
-                    <a:solidFill>
-                      <a:schemeClr val="accent1">
-                        <a:lumMod val="20000"/>
-                        <a:lumOff val="80000"/>
-                        <a:alpha val="70000"/>
-                      </a:schemeClr>
-                    </a:solidFill>
-                  </a:tcPr>
-                </a:tc>
-                <a:tc gridSpan="4">
-                  <a:txBody>
-                    <a:bodyPr/>
-                    <a:lstStyle/>
-                    <a:p>
-                      <a:pPr algn="l">
-                        <a:buFont typeface="Arial" pitchFamily="34" charset="0"/>
-                        <a:buChar char="•"/>
-                      </a:pPr>
-                      <a:r>
-                        <a:rPr kumimoji="1" lang="ja-JP" altLang="en-US" sz="800" smtClean="0">
-                          <a:solidFill>
-                            <a:schemeClr val="tx1"/>
-                          </a:solidFill>
-                        </a:rPr>
-                        <a:t>  </a:t>
-                      </a:r>
-                      <a:r>
-                        <a:rPr kumimoji="1" lang="en-CA" altLang="ja-JP" sz="800" dirty="0" smtClean="0">
-                          <a:solidFill>
-                            <a:schemeClr val="tx1"/>
-                          </a:solidFill>
-                        </a:rPr>
-                        <a:t>2018</a:t>
-                      </a:r>
-                      <a:r>
-                        <a:rPr kumimoji="1" lang="ja-JP" altLang="en-US" sz="800" smtClean="0">
-                          <a:solidFill>
-                            <a:schemeClr val="tx1"/>
-                          </a:solidFill>
-                        </a:rPr>
-                        <a:t>年に実施したリフォーム： 防水工事、フローリング、玄関扉、クロス交換、室内扉、キッチン、トイレ・バス、洗面台、エコキュート、エアコン、インターフォン、排水管交換等</a:t>
-                      </a:r>
-                      <a:endParaRPr kumimoji="1" lang="en-CA" altLang="ja-JP" sz="800" dirty="0" smtClean="0">
-                        <a:solidFill>
-                          <a:schemeClr val="tx1"/>
-                        </a:solidFill>
-                      </a:endParaRPr>
-                    </a:p>
-                    <a:p>
-                      <a:pPr algn="l">
-                        <a:buFont typeface="Arial" pitchFamily="34" charset="0"/>
-                        <a:buChar char="•"/>
-                      </a:pPr>
-                      <a:r>
-                        <a:rPr kumimoji="1" lang="en-CA" altLang="ja-JP" sz="800" dirty="0" smtClean="0">
-                          <a:solidFill>
-                            <a:schemeClr val="tx1"/>
-                          </a:solidFill>
-                        </a:rPr>
-                        <a:t>  </a:t>
-                      </a:r>
-                      <a:r>
-                        <a:rPr kumimoji="1" lang="ja-JP" altLang="en-US" sz="800" smtClean="0">
-                          <a:solidFill>
-                            <a:schemeClr val="tx1"/>
-                          </a:solidFill>
-                        </a:rPr>
-                        <a:t>駐車場幅員約</a:t>
-                      </a:r>
-                      <a:r>
-                        <a:rPr kumimoji="1" lang="en-CA" altLang="ja-JP" sz="800" dirty="0" smtClean="0">
-                          <a:solidFill>
-                            <a:schemeClr val="tx1"/>
-                          </a:solidFill>
-                        </a:rPr>
-                        <a:t>2.8m</a:t>
-                      </a:r>
-                      <a:r>
-                        <a:rPr kumimoji="1" lang="ja-JP" altLang="en-US" sz="800" smtClean="0">
-                          <a:solidFill>
-                            <a:schemeClr val="tx1"/>
-                          </a:solidFill>
-                        </a:rPr>
-                        <a:t>、長さ約</a:t>
-                      </a:r>
-                      <a:r>
-                        <a:rPr kumimoji="1" lang="en-CA" altLang="ja-JP" sz="800" dirty="0" smtClean="0">
-                          <a:solidFill>
-                            <a:schemeClr val="tx1"/>
-                          </a:solidFill>
-                        </a:rPr>
-                        <a:t>4.</a:t>
-                      </a:r>
-                      <a:r>
-                        <a:rPr kumimoji="1" lang="en-US" altLang="ja-JP" sz="800" dirty="0" smtClean="0">
-                          <a:solidFill>
-                            <a:schemeClr val="tx1"/>
-                          </a:solidFill>
-                        </a:rPr>
-                        <a:t>7</a:t>
-                      </a:r>
-                      <a:r>
-                        <a:rPr kumimoji="1" lang="en-CA" altLang="ja-JP" sz="800" dirty="0" smtClean="0">
-                          <a:solidFill>
-                            <a:schemeClr val="tx1"/>
-                          </a:solidFill>
-                        </a:rPr>
-                        <a:t>m</a:t>
-                      </a:r>
-                      <a:r>
-                        <a:rPr kumimoji="1" lang="ja-JP" altLang="en-US" sz="800" smtClean="0">
-                          <a:solidFill>
-                            <a:schemeClr val="tx1"/>
-                          </a:solidFill>
-                        </a:rPr>
-                        <a:t>（内</a:t>
-                      </a:r>
-                      <a:r>
-                        <a:rPr kumimoji="1" lang="en-CA" altLang="ja-JP" sz="800" dirty="0" smtClean="0">
-                          <a:solidFill>
-                            <a:schemeClr val="tx1"/>
-                          </a:solidFill>
-                        </a:rPr>
-                        <a:t>1.5m</a:t>
-                      </a:r>
-                      <a:r>
-                        <a:rPr kumimoji="1" lang="ja-JP" altLang="en-US" sz="800" smtClean="0">
-                          <a:solidFill>
-                            <a:schemeClr val="tx1"/>
-                          </a:solidFill>
-                        </a:rPr>
-                        <a:t>が傾斜）</a:t>
-                      </a:r>
-                      <a:endParaRPr kumimoji="1" lang="en-US" altLang="ja-JP" sz="800" dirty="0" smtClean="0">
-                        <a:solidFill>
-                          <a:schemeClr val="tx1"/>
-                        </a:solidFill>
-                      </a:endParaRPr>
-                    </a:p>
-                    <a:p>
-                      <a:pPr algn="l">
-                        <a:buFont typeface="Arial" pitchFamily="34" charset="0"/>
-                        <a:buChar char="•"/>
-                      </a:pPr>
-                      <a:r>
-                        <a:rPr kumimoji="1" lang="ja-JP" altLang="en-US" sz="800" smtClean="0">
-                          <a:solidFill>
-                            <a:schemeClr val="tx1"/>
-                          </a:solidFill>
-                        </a:rPr>
-                        <a:t>  </a:t>
-                      </a:r>
-                      <a:r>
-                        <a:rPr kumimoji="1" lang="en-CA" altLang="ja-JP" sz="800" dirty="0" smtClean="0">
-                          <a:solidFill>
-                            <a:schemeClr val="tx1"/>
-                          </a:solidFill>
-                        </a:rPr>
-                        <a:t>BBQ</a:t>
-                      </a:r>
-                      <a:r>
-                        <a:rPr kumimoji="1" lang="ja-JP" altLang="en-US" sz="800" smtClean="0">
-                          <a:solidFill>
-                            <a:schemeClr val="tx1"/>
-                          </a:solidFill>
-                        </a:rPr>
-                        <a:t>等に使って頂ける約</a:t>
-                      </a:r>
-                      <a:r>
-                        <a:rPr kumimoji="1" lang="en-CA" altLang="ja-JP" sz="800" dirty="0" smtClean="0">
-                          <a:solidFill>
-                            <a:schemeClr val="tx1"/>
-                          </a:solidFill>
-                        </a:rPr>
-                        <a:t>12m</a:t>
-                      </a:r>
-                      <a:r>
-                        <a:rPr kumimoji="1" lang="en-CA" altLang="ja-JP" sz="800" baseline="30000" dirty="0" smtClean="0">
-                          <a:solidFill>
-                            <a:schemeClr val="tx1"/>
-                          </a:solidFill>
-                        </a:rPr>
-                        <a:t>2</a:t>
-                      </a:r>
-                      <a:r>
-                        <a:rPr kumimoji="1" lang="ja-JP" altLang="en-US" sz="800" smtClean="0">
-                          <a:solidFill>
-                            <a:schemeClr val="tx1"/>
-                          </a:solidFill>
-                        </a:rPr>
-                        <a:t>の室外スペース</a:t>
-                      </a:r>
-                      <a:endParaRPr kumimoji="1" lang="en-US" altLang="ja-JP" sz="800" dirty="0" smtClean="0">
-                        <a:solidFill>
-                          <a:schemeClr val="tx1"/>
-                        </a:solidFill>
-                      </a:endParaRPr>
-                    </a:p>
-                    <a:p>
-                      <a:pPr algn="l">
-                        <a:buFont typeface="Arial" pitchFamily="34" charset="0"/>
-                        <a:buChar char="•"/>
-                      </a:pPr>
-                      <a:r>
-                        <a:rPr kumimoji="1" lang="ja-JP" altLang="en-US" sz="800" smtClean="0">
-                          <a:solidFill>
-                            <a:schemeClr val="tx1"/>
-                          </a:solidFill>
-                        </a:rPr>
-                        <a:t>  通学地域：</a:t>
-                      </a:r>
-                      <a:r>
-                        <a:rPr kumimoji="1" lang="en-CA" altLang="ja-JP" sz="800" dirty="0" smtClean="0">
-                          <a:solidFill>
-                            <a:schemeClr val="tx1"/>
-                          </a:solidFill>
-                        </a:rPr>
-                        <a:t> </a:t>
-                      </a:r>
-                      <a:r>
-                        <a:rPr kumimoji="1" lang="ja-JP" altLang="en-US" sz="800" smtClean="0">
-                          <a:solidFill>
-                            <a:schemeClr val="tx1"/>
-                          </a:solidFill>
-                        </a:rPr>
-                        <a:t>稲村ケ崎小学校・御成中学校</a:t>
-                      </a:r>
-                      <a:endParaRPr kumimoji="1" lang="en-US" altLang="ja-JP" sz="800" dirty="0" smtClean="0">
-                        <a:solidFill>
-                          <a:schemeClr val="tx1"/>
-                        </a:solidFill>
-                      </a:endParaRPr>
-                    </a:p>
-                  </a:txBody>
-                  <a:tcPr anchor="ctr">
-                    <a:lnL w="9525" cap="flat" cmpd="sng" algn="ctr">
-                      <a:solidFill>
-                        <a:schemeClr val="tx1"/>
-                      </a:solidFill>
-                      <a:prstDash val="solid"/>
-                      <a:round/>
-                      <a:headEnd type="none" w="med" len="med"/>
-                      <a:tailEnd type="none" w="med" len="med"/>
-                    </a:lnL>
-                    <a:lnR w="9525" cap="flat" cmpd="sng" algn="ctr">
-                      <a:solidFill>
-                        <a:schemeClr val="tx1"/>
-                      </a:solidFill>
-                      <a:prstDash val="solid"/>
-                      <a:round/>
-                      <a:headEnd type="none" w="med" len="med"/>
-                      <a:tailEnd type="none" w="med" len="med"/>
-                    </a:lnR>
-                    <a:lnT w="9525" cap="flat" cmpd="sng" algn="ctr">
-                      <a:solidFill>
-                        <a:schemeClr val="tx1"/>
-                      </a:solidFill>
-                      <a:prstDash val="solid"/>
-                      <a:round/>
-                      <a:headEnd type="none" w="med" len="med"/>
-                      <a:tailEnd type="none" w="med" len="med"/>
-                    </a:lnT>
-                    <a:lnB w="9525" cap="flat" cmpd="sng" algn="ctr">
-                      <a:solidFill>
-                        <a:schemeClr val="tx1"/>
-                      </a:solidFill>
-                      <a:prstDash val="solid"/>
-                      <a:round/>
-                      <a:headEnd type="none" w="med" len="med"/>
-                      <a:tailEnd type="none" w="med" len="med"/>
-                    </a:lnB>
-                    <a:noFill/>
-                  </a:tcPr>
-                </a:tc>
-                <a:tc hMerge="1">
-                  <a:txBody>
-                    <a:bodyPr/>
-                    <a:lstStyle/>
-                    <a:p>
-                      <a:pPr algn="l"/>
-                      <a:endParaRPr kumimoji="1" lang="ja-JP" altLang="en-US" sz="700">
-                        <a:solidFill>
-                          <a:schemeClr val="tx1"/>
-                        </a:solidFill>
-                      </a:endParaRPr>
-                    </a:p>
-                  </a:txBody>
-                  <a:tcPr anchor="ctr">
-                    <a:lnL w="9525" cap="flat" cmpd="sng" algn="ctr">
-                      <a:solidFill>
-                        <a:schemeClr val="tx1"/>
-                      </a:solidFill>
-                      <a:prstDash val="solid"/>
-                      <a:round/>
-                      <a:headEnd type="none" w="med" len="med"/>
-                      <a:tailEnd type="none" w="med" len="med"/>
-                    </a:lnL>
-                    <a:lnR w="9525" cap="flat" cmpd="sng" algn="ctr">
-                      <a:solidFill>
-                        <a:schemeClr val="tx1"/>
-                      </a:solidFill>
-                      <a:prstDash val="solid"/>
-                      <a:round/>
-                      <a:headEnd type="none" w="med" len="med"/>
-                      <a:tailEnd type="none" w="med" len="med"/>
-                    </a:lnR>
-                    <a:lnT w="9525" cap="flat" cmpd="sng" algn="ctr">
-                      <a:solidFill>
-                        <a:schemeClr val="tx1"/>
-                      </a:solidFill>
-                      <a:prstDash val="solid"/>
-                      <a:round/>
-                      <a:headEnd type="none" w="med" len="med"/>
-                      <a:tailEnd type="none" w="med" len="med"/>
-                    </a:lnT>
-                    <a:lnB w="9525" cap="flat" cmpd="sng" algn="ctr">
-                      <a:solidFill>
-                        <a:schemeClr val="tx1"/>
-                      </a:solidFill>
-                      <a:prstDash val="solid"/>
-                      <a:round/>
-                      <a:headEnd type="none" w="med" len="med"/>
-                      <a:tailEnd type="none" w="med" len="med"/>
-                    </a:lnB>
-                    <a:noFill/>
-                  </a:tcPr>
-                </a:tc>
-                <a:tc hMerge="1">
-                  <a:txBody>
-                    <a:bodyPr/>
-                    <a:lstStyle/>
-                    <a:p>
-                      <a:endParaRPr kumimoji="1" lang="ja-JP" altLang="en-US"/>
-                    </a:p>
-                  </a:txBody>
-                  <a:tcPr/>
-                </a:tc>
-                <a:tc hMerge="1">
-                  <a:txBody>
-                    <a:bodyPr/>
-                    <a:lstStyle/>
-                    <a:p>
-                      <a:endParaRPr kumimoji="1" lang="ja-JP" altLang="en-US"/>
-                    </a:p>
-                  </a:txBody>
-                  <a:tcPr/>
-                </a:tc>
-              </a:tr>
-            </a:tbl>
-          </a:graphicData>
-        </a:graphic>
-      </p:graphicFrame>
-      <p:graphicFrame>
-        <p:nvGraphicFramePr>
-          <p:cNvPr id="50" name="Table 49"/>
-          <p:cNvGraphicFramePr>
-            <a:graphicFrameLocks noGrp="1"/>
-          </p:cNvGraphicFramePr>
-          <p:nvPr/>
-        </p:nvGraphicFramePr>
-        <p:xfrm>
-          <a:off x="285720" y="285728"/>
-          <a:ext cx="8572561" cy="502920"/>
-        </p:xfrm>
-        <a:graphic>
-          <a:graphicData uri="http://schemas.openxmlformats.org/drawingml/2006/table">
-            <a:tbl>
-              <a:tblPr>
-                <a:tableStyleId>{5C22544A-7EE6-4342-B048-85BDC9FD1C3A}</a:tableStyleId>
-              </a:tblPr>
-              <a:tblGrid>
-                <a:gridCol w="428628"/>
-                <a:gridCol w="1643074"/>
-                <a:gridCol w="3429024"/>
-                <a:gridCol w="3071835"/>
-              </a:tblGrid>
-              <a:tr h="420050">
-                <a:tc>
-                  <a:txBody>
-                    <a:bodyPr/>
-                    <a:lstStyle/>
-                    <a:p>
-                      <a:r>
-                        <a:rPr lang="ja-JP" altLang="en-US" sz="1200" b="0" smtClean="0">
-                          <a:solidFill>
-                            <a:schemeClr val="tx1"/>
-                          </a:solidFill>
-                        </a:rPr>
-                        <a:t>戸建</a:t>
-                      </a:r>
-                      <a:endParaRPr lang="en-CA" sz="1200" b="0" dirty="0">
-                        <a:solidFill>
-                          <a:schemeClr val="tx1"/>
-                        </a:solidFill>
-                      </a:endParaRPr>
-                    </a:p>
-                  </a:txBody>
-                  <a:tcPr anchor="ctr">
-                    <a:lnL w="3175" cap="flat" cmpd="sng" algn="ctr">
-                      <a:solidFill>
-                        <a:schemeClr val="tx1"/>
-                      </a:solidFill>
-                      <a:prstDash val="solid"/>
-                      <a:round/>
-                      <a:headEnd type="none" w="med" len="med"/>
-                      <a:tailEnd type="none" w="med" len="med"/>
-                    </a:lnL>
-                    <a:lnR w="3175" cap="flat" cmpd="sng" algn="ctr">
-                      <a:solidFill>
-                        <a:schemeClr val="tx1"/>
-                      </a:solidFill>
-                      <a:prstDash val="solid"/>
-                      <a:round/>
-                      <a:headEnd type="none" w="med" len="med"/>
-                      <a:tailEnd type="none" w="med" len="med"/>
-                    </a:lnR>
-                    <a:lnT w="3175" cap="flat" cmpd="sng" algn="ctr">
-                      <a:solidFill>
-                        <a:schemeClr val="tx1"/>
-                      </a:solidFill>
-                      <a:prstDash val="solid"/>
-                      <a:round/>
-                      <a:headEnd type="none" w="med" len="med"/>
-                      <a:tailEnd type="none" w="med" len="med"/>
-                    </a:lnT>
-                    <a:lnB w="3175" cap="flat" cmpd="sng" algn="ctr">
-                      <a:solidFill>
-                        <a:schemeClr val="tx1"/>
-                      </a:solidFill>
-                      <a:prstDash val="solid"/>
-                      <a:round/>
-                      <a:headEnd type="none" w="med" len="med"/>
-                      <a:tailEnd type="none" w="med" len="med"/>
-                    </a:lnB>
-                    <a:lnTlToBr w="12700" cmpd="sng">
-                      <a:noFill/>
-                      <a:prstDash val="solid"/>
-                    </a:lnTlToBr>
-                    <a:lnBlToTr w="12700" cmpd="sng">
-                      <a:noFill/>
-                      <a:prstDash val="solid"/>
-                    </a:lnBlToTr>
-                    <a:solidFill>
-                      <a:schemeClr val="accent1">
-                        <a:lumMod val="20000"/>
-                        <a:lumOff val="80000"/>
-                      </a:schemeClr>
-                    </a:solidFill>
-                  </a:tcPr>
-                </a:tc>
-                <a:tc>
-                  <a:txBody>
-                    <a:bodyPr/>
-                    <a:lstStyle/>
-                    <a:p>
-                      <a:pPr marL="0" marR="0" indent="0" algn="l" defTabSz="914400" rtl="0" eaLnBrk="1" fontAlgn="auto" latinLnBrk="0" hangingPunct="1">
-                        <a:lnSpc>
-                          <a:spcPct val="100000"/>
-                        </a:lnSpc>
-                        <a:spcBef>
-                          <a:spcPts val="0"/>
-                        </a:spcBef>
-                        <a:spcAft>
-                          <a:spcPts val="0"/>
-                        </a:spcAft>
-                        <a:buClrTx/>
-                        <a:buSzTx/>
-                        <a:buFontTx/>
-                        <a:buNone/>
-                        <a:tabLst/>
-                        <a:defRPr/>
-                      </a:pPr>
-                      <a:r>
-                        <a:rPr lang="ja-JP" altLang="en-US" sz="1200" b="0" smtClean="0">
-                          <a:solidFill>
-                            <a:schemeClr val="tx1"/>
-                          </a:solidFill>
-                        </a:rPr>
-                        <a:t>価格</a:t>
-                      </a:r>
-                      <a:endParaRPr lang="en-CA" sz="1200" b="0" dirty="0" smtClean="0">
-                        <a:solidFill>
-                          <a:schemeClr val="tx1"/>
-                        </a:solidFill>
-                      </a:endParaRPr>
-                    </a:p>
-                    <a:p>
-                      <a:pPr algn="r"/>
-                      <a:r>
-                        <a:rPr lang="en-CA" sz="1500" b="1" dirty="0" smtClean="0">
-                          <a:solidFill>
-                            <a:schemeClr val="tx1"/>
-                          </a:solidFill>
-                        </a:rPr>
-                        <a:t>5,380</a:t>
-                      </a:r>
-                      <a:r>
-                        <a:rPr lang="ja-JP" altLang="en-US" sz="1200" b="0" smtClean="0">
-                          <a:solidFill>
-                            <a:schemeClr val="tx1"/>
-                          </a:solidFill>
-                        </a:rPr>
-                        <a:t>万円</a:t>
-                      </a:r>
-                      <a:endParaRPr lang="en-CA" sz="1200" b="0" dirty="0">
-                        <a:solidFill>
-                          <a:schemeClr val="tx1"/>
-                        </a:solidFill>
-                      </a:endParaRPr>
-                    </a:p>
-                  </a:txBody>
-                  <a:tcPr anchor="ctr">
-                    <a:lnL w="3175" cap="flat" cmpd="sng" algn="ctr">
-                      <a:solidFill>
-                        <a:schemeClr val="tx1"/>
-                      </a:solidFill>
-                      <a:prstDash val="solid"/>
-                      <a:round/>
-                      <a:headEnd type="none" w="med" len="med"/>
-                      <a:tailEnd type="none" w="med" len="med"/>
-                    </a:lnL>
-                    <a:lnR w="3175" cap="flat" cmpd="sng" algn="ctr">
-                      <a:solidFill>
-                        <a:schemeClr val="tx1"/>
-                      </a:solidFill>
-                      <a:prstDash val="solid"/>
-                      <a:round/>
-                      <a:headEnd type="none" w="med" len="med"/>
-                      <a:tailEnd type="none" w="med" len="med"/>
-                    </a:lnR>
-                    <a:lnT w="3175" cap="flat" cmpd="sng" algn="ctr">
-                      <a:solidFill>
-                        <a:schemeClr val="tx1"/>
-                      </a:solidFill>
-                      <a:prstDash val="solid"/>
-                      <a:round/>
-                      <a:headEnd type="none" w="med" len="med"/>
-                      <a:tailEnd type="none" w="med" len="med"/>
-                    </a:lnT>
-                    <a:lnB w="3175" cap="flat" cmpd="sng" algn="ctr">
-                      <a:solidFill>
-                        <a:schemeClr val="tx1"/>
-                      </a:solidFill>
-                      <a:prstDash val="solid"/>
-                      <a:round/>
-                      <a:headEnd type="none" w="med" len="med"/>
-                      <a:tailEnd type="none" w="med" len="med"/>
-                    </a:lnB>
-                    <a:lnTlToBr w="12700" cmpd="sng">
-                      <a:noFill/>
-                      <a:prstDash val="solid"/>
-                    </a:lnTlToBr>
-                    <a:lnBlToTr w="12700" cmpd="sng">
-                      <a:noFill/>
-                      <a:prstDash val="solid"/>
-                    </a:lnBlToTr>
-                    <a:solidFill>
-                      <a:schemeClr val="accent1">
-                        <a:lumMod val="20000"/>
-                        <a:lumOff val="80000"/>
-                      </a:schemeClr>
-                    </a:solidFill>
-                  </a:tcPr>
-                </a:tc>
-                <a:tc>
-                  <a:txBody>
-                    <a:bodyPr/>
-                    <a:lstStyle/>
-                    <a:p>
-                      <a:pPr marL="0" marR="0" indent="0" algn="l" defTabSz="914400" rtl="0" eaLnBrk="1" fontAlgn="auto" latinLnBrk="0" hangingPunct="1">
-                        <a:lnSpc>
-                          <a:spcPct val="100000"/>
-                        </a:lnSpc>
-                        <a:spcBef>
-                          <a:spcPts val="0"/>
-                        </a:spcBef>
-                        <a:spcAft>
-                          <a:spcPts val="0"/>
-                        </a:spcAft>
-                        <a:buClrTx/>
-                        <a:buSzTx/>
-                        <a:buFontTx/>
-                        <a:buNone/>
-                        <a:tabLst/>
-                        <a:defRPr/>
-                      </a:pPr>
-                      <a:r>
-                        <a:rPr lang="ja-JP" altLang="en-US" sz="1000" b="0" smtClean="0">
-                          <a:solidFill>
-                            <a:schemeClr val="tx1"/>
-                          </a:solidFill>
-                        </a:rPr>
-                        <a:t>所在</a:t>
-                      </a:r>
-                      <a:endParaRPr lang="en-CA" altLang="ja-JP" sz="1000" b="0" dirty="0" smtClean="0">
-                        <a:solidFill>
-                          <a:schemeClr val="tx1"/>
-                        </a:solidFill>
-                      </a:endParaRPr>
-                    </a:p>
-                    <a:p>
-                      <a:pPr algn="r"/>
-                      <a:r>
-                        <a:rPr lang="ja-JP" altLang="en-US" sz="1500" b="1" smtClean="0">
-                          <a:solidFill>
-                            <a:schemeClr val="tx1"/>
-                          </a:solidFill>
-                        </a:rPr>
-                        <a:t>鎌倉市極楽寺</a:t>
-                      </a:r>
-                      <a:r>
-                        <a:rPr lang="en-US" altLang="ja-JP" sz="1500" b="1" dirty="0" smtClean="0">
-                          <a:solidFill>
-                            <a:schemeClr val="tx1"/>
-                          </a:solidFill>
-                        </a:rPr>
-                        <a:t>4</a:t>
-                      </a:r>
-                      <a:r>
-                        <a:rPr lang="ja-JP" altLang="en-US" sz="1500" b="1" smtClean="0">
-                          <a:solidFill>
-                            <a:schemeClr val="tx1"/>
-                          </a:solidFill>
-                        </a:rPr>
-                        <a:t>丁目</a:t>
-                      </a:r>
-                      <a:endParaRPr lang="en-CA" sz="1500" b="1" dirty="0">
-                        <a:solidFill>
-                          <a:schemeClr val="tx1"/>
-                        </a:solidFill>
-                      </a:endParaRPr>
-                    </a:p>
-                  </a:txBody>
-                  <a:tcPr anchor="ctr">
-                    <a:lnL w="3175" cap="flat" cmpd="sng" algn="ctr">
-                      <a:solidFill>
-                        <a:schemeClr val="tx1"/>
-                      </a:solidFill>
-                      <a:prstDash val="solid"/>
-                      <a:round/>
-                      <a:headEnd type="none" w="med" len="med"/>
-                      <a:tailEnd type="none" w="med" len="med"/>
-                    </a:lnL>
-                    <a:lnR w="3175" cap="flat" cmpd="sng" algn="ctr">
-                      <a:solidFill>
-                        <a:schemeClr val="tx1"/>
-                      </a:solidFill>
-                      <a:prstDash val="solid"/>
-                      <a:round/>
-                      <a:headEnd type="none" w="med" len="med"/>
-                      <a:tailEnd type="none" w="med" len="med"/>
-                    </a:lnR>
-                    <a:lnT w="3175" cap="flat" cmpd="sng" algn="ctr">
-                      <a:solidFill>
-                        <a:schemeClr val="tx1"/>
-                      </a:solidFill>
-                      <a:prstDash val="solid"/>
-                      <a:round/>
-                      <a:headEnd type="none" w="med" len="med"/>
-                      <a:tailEnd type="none" w="med" len="med"/>
-                    </a:lnT>
-                    <a:lnB w="3175" cap="flat" cmpd="sng" algn="ctr">
-                      <a:solidFill>
-                        <a:schemeClr val="tx1"/>
-                      </a:solidFill>
-                      <a:prstDash val="solid"/>
-                      <a:round/>
-                      <a:headEnd type="none" w="med" len="med"/>
-                      <a:tailEnd type="none" w="med" len="med"/>
-                    </a:lnB>
-                    <a:lnTlToBr w="12700" cmpd="sng">
-                      <a:noFill/>
-                      <a:prstDash val="solid"/>
-                    </a:lnTlToBr>
-                    <a:lnBlToTr w="12700" cmpd="sng">
-                      <a:noFill/>
-                      <a:prstDash val="solid"/>
-                    </a:lnBlToTr>
-                    <a:solidFill>
-                      <a:schemeClr val="accent1">
-                        <a:lumMod val="20000"/>
-                        <a:lumOff val="80000"/>
-                      </a:schemeClr>
-                    </a:solidFill>
-                  </a:tcPr>
-                </a:tc>
-                <a:tc>
-                  <a:txBody>
-                    <a:bodyPr/>
-                    <a:lstStyle/>
-                    <a:p>
-                      <a:pPr marL="0" marR="0" indent="0" algn="l" defTabSz="914400" rtl="0" eaLnBrk="1" fontAlgn="auto" latinLnBrk="0" hangingPunct="1">
-                        <a:lnSpc>
-                          <a:spcPct val="100000"/>
-                        </a:lnSpc>
-                        <a:spcBef>
-                          <a:spcPts val="0"/>
-                        </a:spcBef>
-                        <a:spcAft>
-                          <a:spcPts val="0"/>
-                        </a:spcAft>
-                        <a:buClrTx/>
-                        <a:buSzTx/>
-                        <a:buFontTx/>
-                        <a:buNone/>
-                        <a:tabLst/>
-                        <a:defRPr/>
-                      </a:pPr>
-                      <a:r>
                         <a:rPr lang="ja-JP" altLang="en-US" sz="1200" b="0" smtClean="0">
                           <a:solidFill>
                             <a:schemeClr val="tx1"/>
@@ -9447,10 +8536,10 @@
         </p:nvGrpSpPr>
         <p:grpSpPr>
           <a:xfrm>
-            <a:off x="285720" y="1453302"/>
-            <a:ext cx="3073387" cy="689814"/>
+            <a:off x="214282" y="1381864"/>
+            <a:ext cx="3073387" cy="664102"/>
             <a:chOff x="285720" y="1428736"/>
-            <a:chExt cx="3073387" cy="689814"/>
+            <a:chExt cx="3073387" cy="664102"/>
           </a:xfrm>
         </p:grpSpPr>
         <p:sp>
@@ -9609,7 +8698,7 @@
           <p:spPr>
             <a:xfrm>
               <a:off x="352499" y="1733124"/>
-              <a:ext cx="1001685" cy="338554"/>
+              <a:ext cx="1001685" cy="323165"/>
             </a:xfrm>
             <a:prstGeom prst="rect">
               <a:avLst/>
@@ -9623,14 +8712,14 @@
             <a:lstStyle/>
             <a:p>
               <a:r>
-                <a:rPr lang="en-CA" sz="1600" dirty="0" smtClean="0"/>
+                <a:rPr lang="en-CA" sz="1500" dirty="0" smtClean="0"/>
                 <a:t>144.7m</a:t>
               </a:r>
               <a:r>
-                <a:rPr lang="en-CA" sz="1600" baseline="30000" dirty="0" smtClean="0"/>
+                <a:rPr lang="en-CA" sz="1500" baseline="30000" dirty="0" smtClean="0"/>
                 <a:t>2</a:t>
               </a:r>
-              <a:endParaRPr lang="en-CA" sz="1600" baseline="30000" dirty="0"/>
+              <a:endParaRPr lang="en-CA" sz="1500" baseline="30000" dirty="0"/>
             </a:p>
           </p:txBody>
         </p:sp>
@@ -9642,8 +8731,8 @@
           </p:nvSpPr>
           <p:spPr>
             <a:xfrm>
-              <a:off x="1420963" y="1733124"/>
-              <a:ext cx="1001685" cy="338554"/>
+              <a:off x="1428729" y="1733124"/>
+              <a:ext cx="928693" cy="323165"/>
             </a:xfrm>
             <a:prstGeom prst="rect">
               <a:avLst/>
@@ -9657,14 +8746,14 @@
             <a:lstStyle/>
             <a:p>
               <a:r>
-                <a:rPr lang="en-CA" sz="1600" dirty="0" smtClean="0"/>
+                <a:rPr lang="en-CA" sz="1500" dirty="0" smtClean="0"/>
                 <a:t>111.9m</a:t>
               </a:r>
               <a:r>
-                <a:rPr lang="en-CA" sz="1600" baseline="30000" dirty="0" smtClean="0"/>
+                <a:rPr lang="en-CA" sz="1500" baseline="30000" dirty="0" smtClean="0"/>
                 <a:t>2</a:t>
               </a:r>
-              <a:endParaRPr lang="en-CA" sz="1600" baseline="30000" dirty="0"/>
+              <a:endParaRPr lang="en-CA" sz="1500" baseline="30000" dirty="0"/>
             </a:p>
           </p:txBody>
         </p:sp>
@@ -9677,7 +8766,7 @@
           <p:spPr>
             <a:xfrm>
               <a:off x="2357422" y="1794679"/>
-              <a:ext cx="1001685" cy="323871"/>
+              <a:ext cx="1001685" cy="298159"/>
             </a:xfrm>
             <a:prstGeom prst="rect">
               <a:avLst/>
@@ -9696,12 +8785,12 @@
                 </a:lnSpc>
               </a:pPr>
               <a:r>
-                <a:rPr lang="ja-JP" altLang="en-US" b="1" baseline="30000" smtClean="0">
+                <a:rPr lang="ja-JP" altLang="en-US" sz="1600" b="1" baseline="30000" smtClean="0">
                   <a:latin typeface="+mj-lt"/>
                 </a:rPr>
                 <a:t>積水ハウス</a:t>
               </a:r>
-              <a:endParaRPr lang="en-CA" b="1" baseline="30000" dirty="0">
+              <a:endParaRPr lang="en-CA" sz="1600" b="1" baseline="30000" dirty="0">
                 <a:latin typeface="+mj-lt"/>
               </a:endParaRPr>
             </a:p>
@@ -9716,7 +8805,7 @@
         </p:nvSpPr>
         <p:spPr>
           <a:xfrm>
-            <a:off x="285720" y="987966"/>
+            <a:off x="214282" y="928670"/>
             <a:ext cx="3000396" cy="369332"/>
           </a:xfrm>
           <a:prstGeom prst="rect">
@@ -9754,7 +8843,59 @@
       </p:sp>
       <p:pic>
         <p:nvPicPr>
-          <p:cNvPr id="1027" name="Picture 3" descr="C:\Users\bluer\Dropbox\Others\property\portfolio\極楽寺\photo\bed (3).JPG"/>
+          <p:cNvPr id="1031" name="Picture 7" descr="C:\Users\bluer\Dropbox\Others\property\portfolio\極楽寺\photo\ldk (5).JPG"/>
+          <p:cNvPicPr>
+            <a:picLocks noChangeAspect="1" noChangeArrowheads="1"/>
+          </p:cNvPicPr>
+          <p:nvPr/>
+        </p:nvPicPr>
+        <p:blipFill>
+          <a:blip r:embed="rId3" cstate="print"/>
+          <a:srcRect/>
+          <a:stretch>
+            <a:fillRect/>
+          </a:stretch>
+        </p:blipFill>
+        <p:spPr bwMode="auto">
+          <a:xfrm>
+            <a:off x="2786050" y="3929066"/>
+            <a:ext cx="1643074" cy="1232306"/>
+          </a:xfrm>
+          <a:prstGeom prst="rect">
+            <a:avLst/>
+          </a:prstGeom>
+          <a:noFill/>
+        </p:spPr>
+      </p:pic>
+      <p:pic>
+        <p:nvPicPr>
+          <p:cNvPr id="8" name="Picture 3" descr="C:\Users\bluer\Dropbox\Dean Street\deanstreetlab.github.io\property\photo\exterior\right view (7) post-edit.jpg"/>
+          <p:cNvPicPr>
+            <a:picLocks noChangeAspect="1" noChangeArrowheads="1"/>
+          </p:cNvPicPr>
+          <p:nvPr/>
+        </p:nvPicPr>
+        <p:blipFill>
+          <a:blip r:embed="rId4" cstate="print"/>
+          <a:srcRect/>
+          <a:stretch>
+            <a:fillRect/>
+          </a:stretch>
+        </p:blipFill>
+        <p:spPr bwMode="auto">
+          <a:xfrm>
+            <a:off x="3500430" y="928668"/>
+            <a:ext cx="2448000" cy="1632000"/>
+          </a:xfrm>
+          <a:prstGeom prst="rect">
+            <a:avLst/>
+          </a:prstGeom>
+          <a:noFill/>
+        </p:spPr>
+      </p:pic>
+      <p:pic>
+        <p:nvPicPr>
+          <p:cNvPr id="9" name="Picture 6" descr="C:\Users\bluer\Dropbox\Dean Street\deanstreetlab.github.io\property\photo\exterior\front view post-edit.jpg"/>
           <p:cNvPicPr>
             <a:picLocks noChangeAspect="1" noChangeArrowheads="1"/>
           </p:cNvPicPr>
@@ -9769,8 +8910,8 @@
         </p:blipFill>
         <p:spPr bwMode="auto">
           <a:xfrm>
-            <a:off x="214282" y="5125652"/>
-            <a:ext cx="1643074" cy="1232306"/>
+            <a:off x="2786050" y="2643182"/>
+            <a:ext cx="1641600" cy="1231200"/>
           </a:xfrm>
           <a:prstGeom prst="rect">
             <a:avLst/>
@@ -9780,9 +8921,9 @@
       </p:pic>
       <p:pic>
         <p:nvPicPr>
-          <p:cNvPr id="1030" name="Picture 6" descr="C:\Users\bluer\Dropbox\Others\property\portfolio\極楽寺\photo\bed (9).JPG"/>
+          <p:cNvPr id="2" name="Picture 2" descr="C:\Users\bluer\Dropbox\Others\property\portfolio\極楽寺\photo\frontyard post-edit.jpg"/>
           <p:cNvPicPr>
-            <a:picLocks noChangeAspect="1" noChangeArrowheads="1"/>
+            <a:picLocks noChangeArrowheads="1"/>
           </p:cNvPicPr>
           <p:nvPr/>
         </p:nvPicPr>
@@ -9795,8 +8936,8 @@
         </p:blipFill>
         <p:spPr bwMode="auto">
           <a:xfrm>
-            <a:off x="1928794" y="5125652"/>
-            <a:ext cx="1643074" cy="1232306"/>
+            <a:off x="4573474" y="2643182"/>
+            <a:ext cx="1641600" cy="1231200"/>
           </a:xfrm>
           <a:prstGeom prst="rect">
             <a:avLst/>
@@ -9804,11 +8945,300 @@
           <a:noFill/>
         </p:spPr>
       </p:pic>
+      <p:sp>
+        <p:nvSpPr>
+          <p:cNvPr id="20" name="TextBox 19"/>
+          <p:cNvSpPr txBox="1"/>
+          <p:nvPr/>
+        </p:nvSpPr>
+        <p:spPr>
+          <a:xfrm>
+            <a:off x="214282" y="2571744"/>
+            <a:ext cx="2571768" cy="1746440"/>
+          </a:xfrm>
+          <a:prstGeom prst="rect">
+            <a:avLst/>
+          </a:prstGeom>
+          <a:noFill/>
+        </p:spPr>
+        <p:txBody>
+          <a:bodyPr wrap="square" rtlCol="0">
+            <a:spAutoFit/>
+          </a:bodyPr>
+          <a:lstStyle/>
+          <a:p>
+            <a:pPr>
+              <a:lnSpc>
+                <a:spcPct val="114000"/>
+              </a:lnSpc>
+              <a:spcBef>
+                <a:spcPts val="200"/>
+              </a:spcBef>
+              <a:buFont typeface="Arial" pitchFamily="34" charset="0"/>
+              <a:buChar char="•"/>
+            </a:pPr>
+            <a:r>
+              <a:rPr lang="ja-JP" altLang="en-US" sz="960" smtClean="0">
+                <a:latin typeface="+mj-lt"/>
+              </a:rPr>
+              <a:t>　自然に囲まれた</a:t>
+            </a:r>
+            <a:r>
+              <a:rPr lang="ja-JP" altLang="en-US" sz="960" b="1" smtClean="0">
+                <a:solidFill>
+                  <a:schemeClr val="accent1"/>
+                </a:solidFill>
+                <a:latin typeface="+mj-lt"/>
+              </a:rPr>
+              <a:t>閑静な住宅地</a:t>
+            </a:r>
+            <a:endParaRPr lang="en-US" altLang="ja-JP" sz="960" b="1" dirty="0" smtClean="0">
+              <a:solidFill>
+                <a:schemeClr val="accent1"/>
+              </a:solidFill>
+              <a:latin typeface="+mj-lt"/>
+            </a:endParaRPr>
+          </a:p>
+          <a:p>
+            <a:pPr>
+              <a:lnSpc>
+                <a:spcPct val="114000"/>
+              </a:lnSpc>
+              <a:spcBef>
+                <a:spcPts val="200"/>
+              </a:spcBef>
+              <a:buFont typeface="Arial" pitchFamily="34" charset="0"/>
+              <a:buChar char="•"/>
+            </a:pPr>
+            <a:r>
+              <a:rPr lang="ja-JP" altLang="en-US" sz="960" smtClean="0"/>
+              <a:t>　積水ハウス施工</a:t>
+            </a:r>
+            <a:r>
+              <a:rPr lang="ja-JP" altLang="en-US" sz="960" b="1" smtClean="0">
+                <a:solidFill>
+                  <a:schemeClr val="accent1"/>
+                </a:solidFill>
+              </a:rPr>
+              <a:t>軽量鉄骨</a:t>
+            </a:r>
+            <a:r>
+              <a:rPr lang="ja-JP" altLang="en-US" sz="960" smtClean="0"/>
+              <a:t>造戸建て</a:t>
+            </a:r>
+            <a:endParaRPr lang="en-US" altLang="ja-JP" sz="960" dirty="0" smtClean="0">
+              <a:latin typeface="+mj-lt"/>
+            </a:endParaRPr>
+          </a:p>
+          <a:p>
+            <a:pPr>
+              <a:lnSpc>
+                <a:spcPct val="114000"/>
+              </a:lnSpc>
+              <a:spcBef>
+                <a:spcPts val="200"/>
+              </a:spcBef>
+              <a:buFont typeface="Arial" pitchFamily="34" charset="0"/>
+              <a:buChar char="•"/>
+            </a:pPr>
+            <a:r>
+              <a:rPr lang="ja-JP" altLang="en-US" sz="960" smtClean="0">
+                <a:latin typeface="+mj-lt"/>
+              </a:rPr>
+              <a:t>　</a:t>
+            </a:r>
+            <a:r>
+              <a:rPr lang="en-US" altLang="ja-JP" sz="960" dirty="0" smtClean="0">
+                <a:latin typeface="+mj-lt"/>
+              </a:rPr>
+              <a:t>2018</a:t>
+            </a:r>
+            <a:r>
+              <a:rPr lang="ja-JP" altLang="en-US" sz="960" smtClean="0">
+                <a:latin typeface="+mj-lt"/>
+              </a:rPr>
+              <a:t>年</a:t>
+            </a:r>
+            <a:r>
+              <a:rPr lang="en-US" altLang="ja-JP" sz="960" dirty="0" smtClean="0">
+                <a:latin typeface="+mj-lt"/>
+              </a:rPr>
+              <a:t>3</a:t>
+            </a:r>
+            <a:r>
+              <a:rPr lang="ja-JP" altLang="en-US" sz="960" smtClean="0">
+                <a:latin typeface="+mj-lt"/>
+              </a:rPr>
+              <a:t>月</a:t>
+            </a:r>
+            <a:r>
+              <a:rPr lang="ja-JP" altLang="en-US" sz="960" b="1" smtClean="0">
+                <a:solidFill>
+                  <a:schemeClr val="accent1"/>
+                </a:solidFill>
+                <a:latin typeface="+mj-lt"/>
+              </a:rPr>
+              <a:t>全面リフォーム</a:t>
+            </a:r>
+            <a:r>
+              <a:rPr lang="ja-JP" altLang="en-US" sz="960" smtClean="0">
+                <a:latin typeface="+mj-lt"/>
+              </a:rPr>
+              <a:t>施工</a:t>
+            </a:r>
+            <a:endParaRPr lang="en-CA" altLang="ja-JP" sz="960" dirty="0" smtClean="0">
+              <a:latin typeface="+mj-lt"/>
+            </a:endParaRPr>
+          </a:p>
+          <a:p>
+            <a:pPr>
+              <a:lnSpc>
+                <a:spcPct val="114000"/>
+              </a:lnSpc>
+              <a:spcBef>
+                <a:spcPts val="200"/>
+              </a:spcBef>
+              <a:buFont typeface="Arial" pitchFamily="34" charset="0"/>
+              <a:buChar char="•"/>
+            </a:pPr>
+            <a:r>
+              <a:rPr lang="ja-JP" altLang="en-US" sz="960" smtClean="0">
+                <a:latin typeface="+mj-lt"/>
+              </a:rPr>
+              <a:t>　広々間取りと大きな窓で</a:t>
+            </a:r>
+            <a:r>
+              <a:rPr lang="ja-JP" altLang="en-US" sz="960" b="1" smtClean="0">
+                <a:solidFill>
+                  <a:schemeClr val="accent1"/>
+                </a:solidFill>
+                <a:latin typeface="+mj-lt"/>
+              </a:rPr>
+              <a:t>開放感</a:t>
+            </a:r>
+            <a:r>
+              <a:rPr lang="ja-JP" altLang="en-US" sz="960" smtClean="0">
+                <a:latin typeface="+mj-lt"/>
+              </a:rPr>
+              <a:t>溢れる空間</a:t>
+            </a:r>
+            <a:endParaRPr lang="en-US" altLang="ja-JP" sz="960" dirty="0" smtClean="0">
+              <a:latin typeface="+mj-lt"/>
+            </a:endParaRPr>
+          </a:p>
+          <a:p>
+            <a:pPr>
+              <a:lnSpc>
+                <a:spcPct val="114000"/>
+              </a:lnSpc>
+              <a:spcBef>
+                <a:spcPts val="200"/>
+              </a:spcBef>
+              <a:buFont typeface="Arial" pitchFamily="34" charset="0"/>
+              <a:buChar char="•"/>
+            </a:pPr>
+            <a:r>
+              <a:rPr lang="ja-JP" altLang="en-US" sz="960" smtClean="0"/>
+              <a:t>　オール電化</a:t>
+            </a:r>
+            <a:endParaRPr lang="en-US" altLang="ja-JP" sz="960" dirty="0" smtClean="0">
+              <a:latin typeface="+mj-lt"/>
+            </a:endParaRPr>
+          </a:p>
+          <a:p>
+            <a:pPr>
+              <a:lnSpc>
+                <a:spcPct val="114000"/>
+              </a:lnSpc>
+              <a:spcBef>
+                <a:spcPts val="200"/>
+              </a:spcBef>
+              <a:buFont typeface="Arial" pitchFamily="34" charset="0"/>
+              <a:buChar char="•"/>
+            </a:pPr>
+            <a:r>
+              <a:rPr lang="ja-JP" altLang="en-US" sz="960" smtClean="0">
+                <a:latin typeface="+mj-lt"/>
+              </a:rPr>
+              <a:t>　「最後から二番目の恋</a:t>
+            </a:r>
+            <a:r>
+              <a:rPr lang="ja-JP" altLang="en-US" sz="960" smtClean="0">
+                <a:latin typeface="+mj-lt"/>
+              </a:rPr>
+              <a:t>」「優しい音楽」</a:t>
+            </a:r>
+            <a:r>
+              <a:rPr lang="ja-JP" altLang="en-US" sz="960" smtClean="0">
+                <a:latin typeface="+mj-lt"/>
+              </a:rPr>
+              <a:t>等</a:t>
+            </a:r>
+            <a:endParaRPr lang="en-US" altLang="ja-JP" sz="960" dirty="0" smtClean="0">
+              <a:latin typeface="+mj-lt"/>
+            </a:endParaRPr>
+          </a:p>
+          <a:p>
+            <a:pPr>
+              <a:lnSpc>
+                <a:spcPct val="114000"/>
+              </a:lnSpc>
+            </a:pPr>
+            <a:r>
+              <a:rPr lang="ja-JP" altLang="en-US" sz="960" smtClean="0">
+                <a:latin typeface="+mj-lt"/>
+              </a:rPr>
+              <a:t>　</a:t>
+            </a:r>
+            <a:r>
+              <a:rPr lang="en-CA" altLang="ja-JP" sz="960" dirty="0" smtClean="0">
+                <a:latin typeface="+mj-lt"/>
+              </a:rPr>
+              <a:t>  </a:t>
+            </a:r>
+            <a:r>
+              <a:rPr lang="ja-JP" altLang="en-US" sz="960" smtClean="0">
+                <a:latin typeface="+mj-lt"/>
+              </a:rPr>
+              <a:t>ドラマの</a:t>
+            </a:r>
+            <a:r>
+              <a:rPr lang="ja-JP" altLang="en-US" sz="960" smtClean="0">
+                <a:latin typeface="+mj-lt"/>
+              </a:rPr>
+              <a:t>舞台となった極楽寺</a:t>
+            </a:r>
+            <a:endParaRPr lang="en-US" altLang="ja-JP" sz="960" dirty="0" smtClean="0">
+              <a:latin typeface="+mj-lt"/>
+            </a:endParaRPr>
+          </a:p>
+          <a:p>
+            <a:pPr>
+              <a:spcBef>
+                <a:spcPts val="200"/>
+              </a:spcBef>
+            </a:pPr>
+            <a:endParaRPr lang="en-US" altLang="ja-JP" sz="960" dirty="0" smtClean="0">
+              <a:latin typeface="+mj-lt"/>
+            </a:endParaRPr>
+          </a:p>
+          <a:p>
+            <a:pPr>
+              <a:spcBef>
+                <a:spcPts val="200"/>
+              </a:spcBef>
+            </a:pPr>
+            <a:endParaRPr lang="en-US" altLang="ja-JP" sz="960" dirty="0" smtClean="0">
+              <a:latin typeface="+mj-lt"/>
+            </a:endParaRPr>
+          </a:p>
+        </p:txBody>
+      </p:sp>
       <p:pic>
         <p:nvPicPr>
-          <p:cNvPr id="1031" name="Picture 7" descr="C:\Users\bluer\Dropbox\Others\property\portfolio\極楽寺\photo\ldk (5).JPG"/>
+          <p:cNvPr id="3" name="Picture 2" descr="C:\Users\bluer\Dropbox\Dean Street\deanstreetlab.github.io\property\photo\interior\IMGP0339.JPG"/>
           <p:cNvPicPr>
-            <a:picLocks noChangeAspect="1" noChangeArrowheads="1"/>
+            <a:picLocks noChangeArrowheads="1"/>
           </p:cNvPicPr>
           <p:nvPr/>
         </p:nvPicPr>
@@ -9821,8 +9251,8 @@
         </p:blipFill>
         <p:spPr bwMode="auto">
           <a:xfrm>
-            <a:off x="1928794" y="3714752"/>
-            <a:ext cx="1643074" cy="1232306"/>
+            <a:off x="4572000" y="3929066"/>
+            <a:ext cx="1641600" cy="1231200"/>
           </a:xfrm>
           <a:prstGeom prst="rect">
             <a:avLst/>
@@ -9832,9 +9262,9 @@
       </p:pic>
       <p:pic>
         <p:nvPicPr>
-          <p:cNvPr id="4" name="Picture 3" descr="C:\Users\bluer\Dropbox\Others\property\portfolio\極楽寺\photo\P1011112.JPG"/>
+          <p:cNvPr id="1027" name="Picture 3" descr="C:\Users\bluer\Dropbox\Dean Street\deanstreetlab.github.io\property\photo\interior\IMGP0315.JPG"/>
           <p:cNvPicPr>
-            <a:picLocks noChangeAspect="1" noChangeArrowheads="1"/>
+            <a:picLocks noChangeArrowheads="1"/>
           </p:cNvPicPr>
           <p:nvPr/>
         </p:nvPicPr>
@@ -9847,8 +9277,8 @@
         </p:blipFill>
         <p:spPr bwMode="auto">
           <a:xfrm>
-            <a:off x="3690930" y="5107792"/>
-            <a:ext cx="1666888" cy="1250166"/>
+            <a:off x="2786050" y="5214950"/>
+            <a:ext cx="1641600" cy="1231200"/>
           </a:xfrm>
           <a:prstGeom prst="rect">
             <a:avLst/>
@@ -9858,9 +9288,9 @@
       </p:pic>
       <p:pic>
         <p:nvPicPr>
-          <p:cNvPr id="5" name="Picture 3" descr="C:\Users\bluer\Dropbox\Dean Street\deanstreetlab.github.io\property\photo\bed (19).jpg"/>
+          <p:cNvPr id="1028" name="Picture 4" descr="C:\Users\bluer\Dropbox\Dean Street\deanstreetlab.github.io\property\photo\interior\IMGP0316.JPG"/>
           <p:cNvPicPr>
-            <a:picLocks noChangeAspect="1" noChangeArrowheads="1"/>
+            <a:picLocks noChangeArrowheads="1"/>
           </p:cNvPicPr>
           <p:nvPr/>
         </p:nvPicPr>
@@ -9873,59 +9303,7 @@
         </p:blipFill>
         <p:spPr bwMode="auto">
           <a:xfrm>
-            <a:off x="214282" y="3714752"/>
-            <a:ext cx="1643074" cy="1232306"/>
-          </a:xfrm>
-          <a:prstGeom prst="rect">
-            <a:avLst/>
-          </a:prstGeom>
-          <a:noFill/>
-        </p:spPr>
-      </p:pic>
-      <p:pic>
-        <p:nvPicPr>
-          <p:cNvPr id="2" name="Picture 2" descr="C:\Users\bluer\Dropbox\Dean Street\deanstreetlab.github.io\property\photo\exterior (18).jpg"/>
-          <p:cNvPicPr>
-            <a:picLocks noChangeAspect="1" noChangeArrowheads="1"/>
-          </p:cNvPicPr>
-          <p:nvPr/>
-        </p:nvPicPr>
-        <p:blipFill>
-          <a:blip r:embed="rId10" cstate="print"/>
-          <a:srcRect/>
-          <a:stretch>
-            <a:fillRect/>
-          </a:stretch>
-        </p:blipFill>
-        <p:spPr bwMode="auto">
-          <a:xfrm>
-            <a:off x="1930268" y="2339569"/>
-            <a:ext cx="1641600" cy="1231200"/>
-          </a:xfrm>
-          <a:prstGeom prst="rect">
-            <a:avLst/>
-          </a:prstGeom>
-          <a:noFill/>
-        </p:spPr>
-      </p:pic>
-      <p:pic>
-        <p:nvPicPr>
-          <p:cNvPr id="3" name="Picture 2" descr="C:\Users\bluer\Dropbox\Dean Street\deanstreetlab.github.io\property\photo\exterior (21).jpg"/>
-          <p:cNvPicPr>
-            <a:picLocks noChangeAspect="1" noChangeArrowheads="1"/>
-          </p:cNvPicPr>
-          <p:nvPr/>
-        </p:nvPicPr>
-        <p:blipFill>
-          <a:blip r:embed="rId11" cstate="print"/>
-          <a:srcRect/>
-          <a:stretch>
-            <a:fillRect/>
-          </a:stretch>
-        </p:blipFill>
-        <p:spPr bwMode="auto">
-          <a:xfrm>
-            <a:off x="214282" y="2339569"/>
+            <a:off x="4572000" y="5214950"/>
             <a:ext cx="1641600" cy="1231200"/>
           </a:xfrm>
           <a:prstGeom prst="rect">

--- a/property/FactSheet.pptx
+++ b/property/FactSheet.pptx
@@ -289,7 +289,7 @@
             <a:fld id="{EE8207FA-4240-4AB9-9E67-28F9831826F8}" type="datetimeFigureOut">
               <a:rPr kumimoji="1" lang="ja-JP" altLang="en-US" smtClean="0"/>
               <a:pPr/>
-              <a:t>2021/12/27</a:t>
+              <a:t>2022/3/17</a:t>
             </a:fld>
             <a:endParaRPr kumimoji="1" lang="ja-JP" altLang="en-US"/>
           </a:p>
@@ -456,7 +456,7 @@
             <a:fld id="{EE8207FA-4240-4AB9-9E67-28F9831826F8}" type="datetimeFigureOut">
               <a:rPr kumimoji="1" lang="ja-JP" altLang="en-US" smtClean="0"/>
               <a:pPr/>
-              <a:t>2021/12/27</a:t>
+              <a:t>2022/3/17</a:t>
             </a:fld>
             <a:endParaRPr kumimoji="1" lang="ja-JP" altLang="en-US"/>
           </a:p>
@@ -633,7 +633,7 @@
             <a:fld id="{EE8207FA-4240-4AB9-9E67-28F9831826F8}" type="datetimeFigureOut">
               <a:rPr kumimoji="1" lang="ja-JP" altLang="en-US" smtClean="0"/>
               <a:pPr/>
-              <a:t>2021/12/27</a:t>
+              <a:t>2022/3/17</a:t>
             </a:fld>
             <a:endParaRPr kumimoji="1" lang="ja-JP" altLang="en-US"/>
           </a:p>
@@ -800,7 +800,7 @@
             <a:fld id="{EE8207FA-4240-4AB9-9E67-28F9831826F8}" type="datetimeFigureOut">
               <a:rPr kumimoji="1" lang="ja-JP" altLang="en-US" smtClean="0"/>
               <a:pPr/>
-              <a:t>2021/12/27</a:t>
+              <a:t>2022/3/17</a:t>
             </a:fld>
             <a:endParaRPr kumimoji="1" lang="ja-JP" altLang="en-US"/>
           </a:p>
@@ -1043,7 +1043,7 @@
             <a:fld id="{EE8207FA-4240-4AB9-9E67-28F9831826F8}" type="datetimeFigureOut">
               <a:rPr kumimoji="1" lang="ja-JP" altLang="en-US" smtClean="0"/>
               <a:pPr/>
-              <a:t>2021/12/27</a:t>
+              <a:t>2022/3/17</a:t>
             </a:fld>
             <a:endParaRPr kumimoji="1" lang="ja-JP" altLang="en-US"/>
           </a:p>
@@ -1328,7 +1328,7 @@
             <a:fld id="{EE8207FA-4240-4AB9-9E67-28F9831826F8}" type="datetimeFigureOut">
               <a:rPr kumimoji="1" lang="ja-JP" altLang="en-US" smtClean="0"/>
               <a:pPr/>
-              <a:t>2021/12/27</a:t>
+              <a:t>2022/3/17</a:t>
             </a:fld>
             <a:endParaRPr kumimoji="1" lang="ja-JP" altLang="en-US"/>
           </a:p>
@@ -1747,7 +1747,7 @@
             <a:fld id="{EE8207FA-4240-4AB9-9E67-28F9831826F8}" type="datetimeFigureOut">
               <a:rPr kumimoji="1" lang="ja-JP" altLang="en-US" smtClean="0"/>
               <a:pPr/>
-              <a:t>2021/12/27</a:t>
+              <a:t>2022/3/17</a:t>
             </a:fld>
             <a:endParaRPr kumimoji="1" lang="ja-JP" altLang="en-US"/>
           </a:p>
@@ -1862,7 +1862,7 @@
             <a:fld id="{EE8207FA-4240-4AB9-9E67-28F9831826F8}" type="datetimeFigureOut">
               <a:rPr kumimoji="1" lang="ja-JP" altLang="en-US" smtClean="0"/>
               <a:pPr/>
-              <a:t>2021/12/27</a:t>
+              <a:t>2022/3/17</a:t>
             </a:fld>
             <a:endParaRPr kumimoji="1" lang="ja-JP" altLang="en-US"/>
           </a:p>
@@ -1954,7 +1954,7 @@
             <a:fld id="{EE8207FA-4240-4AB9-9E67-28F9831826F8}" type="datetimeFigureOut">
               <a:rPr kumimoji="1" lang="ja-JP" altLang="en-US" smtClean="0"/>
               <a:pPr/>
-              <a:t>2021/12/27</a:t>
+              <a:t>2022/3/17</a:t>
             </a:fld>
             <a:endParaRPr kumimoji="1" lang="ja-JP" altLang="en-US"/>
           </a:p>
@@ -2228,7 +2228,7 @@
             <a:fld id="{EE8207FA-4240-4AB9-9E67-28F9831826F8}" type="datetimeFigureOut">
               <a:rPr kumimoji="1" lang="ja-JP" altLang="en-US" smtClean="0"/>
               <a:pPr/>
-              <a:t>2021/12/27</a:t>
+              <a:t>2022/3/17</a:t>
             </a:fld>
             <a:endParaRPr kumimoji="1" lang="ja-JP" altLang="en-US"/>
           </a:p>
@@ -2478,7 +2478,7 @@
             <a:fld id="{EE8207FA-4240-4AB9-9E67-28F9831826F8}" type="datetimeFigureOut">
               <a:rPr kumimoji="1" lang="ja-JP" altLang="en-US" smtClean="0"/>
               <a:pPr/>
-              <a:t>2021/12/27</a:t>
+              <a:t>2022/3/17</a:t>
             </a:fld>
             <a:endParaRPr kumimoji="1" lang="ja-JP" altLang="en-US"/>
           </a:p>
@@ -2688,7 +2688,7 @@
             <a:fld id="{EE8207FA-4240-4AB9-9E67-28F9831826F8}" type="datetimeFigureOut">
               <a:rPr kumimoji="1" lang="ja-JP" altLang="en-US" smtClean="0"/>
               <a:pPr/>
-              <a:t>2021/12/27</a:t>
+              <a:t>2022/3/17</a:t>
             </a:fld>
             <a:endParaRPr kumimoji="1" lang="ja-JP" altLang="en-US"/>
           </a:p>
@@ -3144,7 +3144,7 @@
         </p:nvGraphicFramePr>
         <p:xfrm>
           <a:off x="6357950" y="928670"/>
-          <a:ext cx="2617170" cy="5227320"/>
+          <a:ext cx="2617170" cy="5374640"/>
         </p:xfrm>
         <a:graphic>
           <a:graphicData uri="http://schemas.openxmlformats.org/drawingml/2006/table">
@@ -7807,6 +7807,68 @@
                           </a:solidFill>
                         </a:rPr>
                         <a:t>傾斜）</a:t>
+                      </a:r>
+                      <a:endParaRPr kumimoji="1" lang="en-US" altLang="ja-JP" sz="800" dirty="0" smtClean="0">
+                        <a:solidFill>
+                          <a:schemeClr val="tx1"/>
+                        </a:solidFill>
+                      </a:endParaRPr>
+                    </a:p>
+                    <a:p>
+                      <a:pPr algn="l">
+                        <a:spcBef>
+                          <a:spcPts val="200"/>
+                        </a:spcBef>
+                        <a:buFont typeface="Arial" pitchFamily="34" charset="0"/>
+                        <a:buChar char="•"/>
+                      </a:pPr>
+                      <a:r>
+                        <a:rPr kumimoji="1" lang="ja-JP" altLang="en-US" sz="800" smtClean="0">
+                          <a:solidFill>
+                            <a:schemeClr val="tx1"/>
+                          </a:solidFill>
+                        </a:rPr>
+                        <a:t>  鎌</a:t>
+                      </a:r>
+                      <a:r>
+                        <a:rPr kumimoji="1" lang="ja-JP" altLang="en-US" sz="800" smtClean="0">
+                          <a:solidFill>
+                            <a:schemeClr val="tx1"/>
+                          </a:solidFill>
+                        </a:rPr>
+                        <a:t>倉駅まで原付で約</a:t>
+                      </a:r>
+                      <a:r>
+                        <a:rPr kumimoji="1" lang="en-US" altLang="ja-JP" sz="800" dirty="0" smtClean="0">
+                          <a:solidFill>
+                            <a:schemeClr val="tx1"/>
+                          </a:solidFill>
+                        </a:rPr>
+                        <a:t>10</a:t>
+                      </a:r>
+                      <a:r>
+                        <a:rPr kumimoji="1" lang="ja-JP" altLang="en-US" sz="800" smtClean="0">
+                          <a:solidFill>
+                            <a:schemeClr val="tx1"/>
+                          </a:solidFill>
+                        </a:rPr>
+                        <a:t>分、自転車で約</a:t>
+                      </a:r>
+                      <a:r>
+                        <a:rPr kumimoji="1" lang="en-US" altLang="ja-JP" sz="800" dirty="0" smtClean="0">
+                          <a:solidFill>
+                            <a:schemeClr val="tx1"/>
+                          </a:solidFill>
+                        </a:rPr>
+                        <a:t>15</a:t>
+                      </a:r>
+                      <a:r>
+                        <a:rPr kumimoji="1" lang="ja-JP" altLang="en-US" sz="800" smtClean="0">
+                          <a:solidFill>
+                            <a:schemeClr val="tx1"/>
+                          </a:solidFill>
+                        </a:rPr>
+                        <a:t>分</a:t>
                       </a:r>
                       <a:endParaRPr kumimoji="1" lang="en-US" altLang="ja-JP" sz="800" dirty="0" smtClean="0">
                         <a:solidFill>
@@ -8185,7 +8247,7 @@
                             <a:schemeClr val="tx1"/>
                           </a:solidFill>
                         </a:rPr>
-                        <a:t>5,380</a:t>
+                        <a:t>5,350</a:t>
                       </a:r>
                       <a:r>
                         <a:rPr lang="ja-JP" altLang="en-US" sz="1200" b="0" smtClean="0">
@@ -8954,7 +9016,7 @@
         <p:spPr>
           <a:xfrm>
             <a:off x="214282" y="2571744"/>
-            <a:ext cx="2571768" cy="1746440"/>
+            <a:ext cx="2571768" cy="1584986"/>
           </a:xfrm>
           <a:prstGeom prst="rect">
             <a:avLst/>
@@ -8981,16 +9043,7 @@
               <a:rPr lang="ja-JP" altLang="en-US" sz="960" smtClean="0">
                 <a:latin typeface="+mj-lt"/>
               </a:rPr>
-              <a:t>　自然に囲まれた</a:t>
-            </a:r>
-            <a:r>
-              <a:rPr lang="ja-JP" altLang="en-US" sz="960" b="1" smtClean="0">
-                <a:solidFill>
-                  <a:schemeClr val="accent1"/>
-                </a:solidFill>
-                <a:latin typeface="+mj-lt"/>
-              </a:rPr>
-              <a:t>閑静な住宅地</a:t>
+              <a:t>　緑豊かな風景のある住宅地</a:t>
             </a:r>
             <a:endParaRPr lang="en-US" altLang="ja-JP" sz="960" b="1" dirty="0" smtClean="0">
               <a:solidFill>
@@ -9012,19 +9065,15 @@
             </a:pPr>
             <a:r>
               <a:rPr lang="ja-JP" altLang="en-US" sz="960" smtClean="0"/>
-              <a:t>　積水ハウス施工</a:t>
+              <a:t>　積水ハウス</a:t>
             </a:r>
             <a:r>
-              <a:rPr lang="ja-JP" altLang="en-US" sz="960" b="1" smtClean="0">
-                <a:solidFill>
-                  <a:schemeClr val="accent1"/>
-                </a:solidFill>
-              </a:rPr>
-              <a:t>軽量鉄骨</a:t>
+              <a:rPr lang="ja-JP" altLang="en-US" sz="1000" smtClean="0"/>
+              <a:t>「イズ・ステージ」</a:t>
             </a:r>
             <a:r>
               <a:rPr lang="ja-JP" altLang="en-US" sz="960" smtClean="0"/>
-              <a:t>造戸建て</a:t>
+              <a:t>軽量鉄骨造</a:t>
             </a:r>
             <a:endParaRPr lang="en-US" altLang="ja-JP" sz="960" dirty="0" smtClean="0">
               <a:latin typeface="+mj-lt"/>
@@ -9069,22 +9118,7 @@
               <a:rPr lang="ja-JP" altLang="en-US" sz="960" smtClean="0">
                 <a:latin typeface="+mj-lt"/>
               </a:rPr>
-              <a:t>月</a:t>
-            </a:r>
-            <a:r>
-              <a:rPr lang="ja-JP" altLang="en-US" sz="960" b="1" smtClean="0">
-                <a:solidFill>
-                  <a:schemeClr val="accent1"/>
-                </a:solidFill>
-                <a:latin typeface="+mj-lt"/>
-              </a:rPr>
-              <a:t>全面リフォーム</a:t>
-            </a:r>
-            <a:r>
-              <a:rPr lang="ja-JP" altLang="en-US" sz="960" smtClean="0">
-                <a:latin typeface="+mj-lt"/>
-              </a:rPr>
-              <a:t>施工</a:t>
+              <a:t>月全面リフォーム施工</a:t>
             </a:r>
             <a:endParaRPr lang="en-CA" altLang="ja-JP" sz="960" dirty="0" smtClean="0">
               <a:latin typeface="+mj-lt"/>
@@ -9105,22 +9139,7 @@
               <a:rPr lang="ja-JP" altLang="en-US" sz="960" smtClean="0">
                 <a:latin typeface="+mj-lt"/>
               </a:rPr>
-              <a:t>　広々間取りと大きな窓で</a:t>
-            </a:r>
-            <a:r>
-              <a:rPr lang="ja-JP" altLang="en-US" sz="960" b="1" smtClean="0">
-                <a:solidFill>
-                  <a:schemeClr val="accent1"/>
-                </a:solidFill>
-                <a:latin typeface="+mj-lt"/>
-              </a:rPr>
-              <a:t>開放感</a:t>
-            </a:r>
-            <a:r>
-              <a:rPr lang="ja-JP" altLang="en-US" sz="960" smtClean="0">
-                <a:latin typeface="+mj-lt"/>
-              </a:rPr>
-              <a:t>溢れる空間</a:t>
+              <a:t>　広々間取りと大きな窓で開放感溢れる空間</a:t>
             </a:r>
             <a:endParaRPr lang="en-US" altLang="ja-JP" sz="960" dirty="0" smtClean="0">
               <a:latin typeface="+mj-lt"/>
@@ -9160,53 +9179,19 @@
               <a:rPr lang="ja-JP" altLang="en-US" sz="960" smtClean="0">
                 <a:latin typeface="+mj-lt"/>
               </a:rPr>
-              <a:t>　「最後から二番目の恋</a:t>
+              <a:t>　人気</a:t>
+            </a:r>
+            <a:r>
+              <a:rPr lang="en-CA" altLang="ja-JP" sz="960" dirty="0" smtClean="0">
+                <a:latin typeface="+mj-lt"/>
+              </a:rPr>
+              <a:t> </a:t>
             </a:r>
             <a:r>
               <a:rPr lang="ja-JP" altLang="en-US" sz="960" smtClean="0">
                 <a:latin typeface="+mj-lt"/>
               </a:rPr>
-              <a:t>」「優しい音楽」</a:t>
-            </a:r>
-            <a:r>
-              <a:rPr lang="ja-JP" altLang="en-US" sz="960" smtClean="0">
-                <a:latin typeface="+mj-lt"/>
-              </a:rPr>
-              <a:t>等</a:t>
-            </a:r>
-            <a:endParaRPr lang="en-US" altLang="ja-JP" sz="960" dirty="0" smtClean="0">
-              <a:latin typeface="+mj-lt"/>
-            </a:endParaRPr>
-          </a:p>
-          <a:p>
-            <a:pPr>
-              <a:lnSpc>
-                <a:spcPct val="114000"/>
-              </a:lnSpc>
-            </a:pPr>
-            <a:r>
-              <a:rPr lang="ja-JP" altLang="en-US" sz="960" smtClean="0">
-                <a:latin typeface="+mj-lt"/>
-              </a:rPr>
-              <a:t>　</a:t>
-            </a:r>
-            <a:r>
-              <a:rPr lang="en-CA" altLang="ja-JP" sz="960" dirty="0" smtClean="0">
-                <a:latin typeface="+mj-lt"/>
-              </a:rPr>
-              <a:t>  </a:t>
-            </a:r>
-            <a:r>
-              <a:rPr lang="ja-JP" altLang="en-US" sz="960" smtClean="0">
-                <a:latin typeface="+mj-lt"/>
-              </a:rPr>
-              <a:t>ドラマの</a:t>
-            </a:r>
-            <a:r>
-              <a:rPr lang="ja-JP" altLang="en-US" sz="960" smtClean="0">
-                <a:latin typeface="+mj-lt"/>
-              </a:rPr>
-              <a:t>舞台となった極楽寺</a:t>
+              <a:t>ドラマの舞台となった極楽寺アドレス</a:t>
             </a:r>
             <a:endParaRPr lang="en-US" altLang="ja-JP" sz="960" dirty="0" smtClean="0">
               <a:latin typeface="+mj-lt"/>
